--- a/NYC-Dec/Microsoft Certification 70-475 Intro.pptx
+++ b/NYC-Dec/Microsoft Certification 70-475 Intro.pptx
@@ -7,7 +7,7 @@
     <p:sldMasterId id="2147483692" r:id="rId3"/>
   </p:sldMasterIdLst>
   <p:notesMasterIdLst>
-    <p:notesMasterId r:id="rId24"/>
+    <p:notesMasterId r:id="rId27"/>
   </p:notesMasterIdLst>
   <p:sldIdLst>
     <p:sldId id="269" r:id="rId4"/>
@@ -30,6 +30,9 @@
     <p:sldId id="261" r:id="rId21"/>
     <p:sldId id="263" r:id="rId22"/>
     <p:sldId id="262" r:id="rId23"/>
+    <p:sldId id="279" r:id="rId24"/>
+    <p:sldId id="280" r:id="rId25"/>
+    <p:sldId id="281" r:id="rId26"/>
   </p:sldIdLst>
   <p:sldSz cx="12192000" cy="6858000"/>
   <p:notesSz cx="6858000" cy="9144000"/>
@@ -141,7 +144,7 @@
   <pc:docChgLst>
     <pc:chgData name="James Serra" userId="8ac5bb8964d8f761" providerId="LiveId" clId="{C6CF72FC-4332-4AC2-AFC3-466019215905}"/>
     <pc:docChg chg="undo custSel addSld delSld modSld sldOrd">
-      <pc:chgData name="James Serra" userId="8ac5bb8964d8f761" providerId="LiveId" clId="{C6CF72FC-4332-4AC2-AFC3-466019215905}" dt="2017-12-06T17:31:47.604" v="324" actId="478"/>
+      <pc:chgData name="James Serra" userId="8ac5bb8964d8f761" providerId="LiveId" clId="{C6CF72FC-4332-4AC2-AFC3-466019215905}" dt="2017-12-06T18:15:07.949" v="438" actId="14100"/>
       <pc:docMkLst>
         <pc:docMk/>
       </pc:docMkLst>
@@ -161,7 +164,7 @@
         </pc:spChg>
       </pc:sldChg>
       <pc:sldChg chg="ord">
-        <pc:chgData name="James Serra" userId="8ac5bb8964d8f761" providerId="LiveId" clId="{C6CF72FC-4332-4AC2-AFC3-466019215905}" dt="2017-12-06T16:39:00.480" v="221"/>
+        <pc:chgData name="James Serra" userId="8ac5bb8964d8f761" providerId="LiveId" clId="{C6CF72FC-4332-4AC2-AFC3-466019215905}" dt="2017-12-06T16:39:00.480" v="221" actId="478"/>
         <pc:sldMkLst>
           <pc:docMk/>
           <pc:sldMk cId="526721378" sldId="258"/>
@@ -214,7 +217,7 @@
         </pc:sldMkLst>
       </pc:sldChg>
       <pc:sldChg chg="addSp modSp add ord">
-        <pc:chgData name="James Serra" userId="8ac5bb8964d8f761" providerId="LiveId" clId="{C6CF72FC-4332-4AC2-AFC3-466019215905}" dt="2017-12-06T16:38:27.103" v="220"/>
+        <pc:chgData name="James Serra" userId="8ac5bb8964d8f761" providerId="LiveId" clId="{C6CF72FC-4332-4AC2-AFC3-466019215905}" dt="2017-12-06T16:38:27.103" v="220" actId="478"/>
         <pc:sldMkLst>
           <pc:docMk/>
           <pc:sldMk cId="408787363" sldId="264"/>
@@ -229,7 +232,7 @@
         </pc:spChg>
       </pc:sldChg>
       <pc:sldChg chg="modSp add ord">
-        <pc:chgData name="James Serra" userId="8ac5bb8964d8f761" providerId="LiveId" clId="{C6CF72FC-4332-4AC2-AFC3-466019215905}" dt="2017-12-06T16:38:27.103" v="220"/>
+        <pc:chgData name="James Serra" userId="8ac5bb8964d8f761" providerId="LiveId" clId="{C6CF72FC-4332-4AC2-AFC3-466019215905}" dt="2017-12-06T16:38:27.103" v="220" actId="478"/>
         <pc:sldMkLst>
           <pc:docMk/>
           <pc:sldMk cId="2526615558" sldId="265"/>
@@ -244,7 +247,7 @@
         </pc:spChg>
       </pc:sldChg>
       <pc:sldChg chg="modSp add ord">
-        <pc:chgData name="James Serra" userId="8ac5bb8964d8f761" providerId="LiveId" clId="{C6CF72FC-4332-4AC2-AFC3-466019215905}" dt="2017-12-06T16:38:27.103" v="220"/>
+        <pc:chgData name="James Serra" userId="8ac5bb8964d8f761" providerId="LiveId" clId="{C6CF72FC-4332-4AC2-AFC3-466019215905}" dt="2017-12-06T16:38:27.103" v="220" actId="478"/>
         <pc:sldMkLst>
           <pc:docMk/>
           <pc:sldMk cId="1304587696" sldId="266"/>
@@ -259,14 +262,14 @@
         </pc:spChg>
       </pc:sldChg>
       <pc:sldChg chg="add ord">
-        <pc:chgData name="James Serra" userId="8ac5bb8964d8f761" providerId="LiveId" clId="{C6CF72FC-4332-4AC2-AFC3-466019215905}" dt="2017-12-06T16:38:27.103" v="220"/>
+        <pc:chgData name="James Serra" userId="8ac5bb8964d8f761" providerId="LiveId" clId="{C6CF72FC-4332-4AC2-AFC3-466019215905}" dt="2017-12-06T16:38:27.103" v="220" actId="478"/>
         <pc:sldMkLst>
           <pc:docMk/>
           <pc:sldMk cId="3028445399" sldId="267"/>
         </pc:sldMkLst>
       </pc:sldChg>
       <pc:sldChg chg="addSp delSp modSp add ord">
-        <pc:chgData name="James Serra" userId="8ac5bb8964d8f761" providerId="LiveId" clId="{C6CF72FC-4332-4AC2-AFC3-466019215905}" dt="2017-12-06T16:38:27.103" v="220"/>
+        <pc:chgData name="James Serra" userId="8ac5bb8964d8f761" providerId="LiveId" clId="{C6CF72FC-4332-4AC2-AFC3-466019215905}" dt="2017-12-06T16:38:27.103" v="220" actId="478"/>
         <pc:sldMkLst>
           <pc:docMk/>
           <pc:sldMk cId="1499149622" sldId="268"/>
@@ -342,53 +345,76 @@
         </pc:sldMkLst>
       </pc:sldChg>
       <pc:sldChg chg="add modTransition">
-        <pc:chgData name="James Serra" userId="8ac5bb8964d8f761" providerId="LiveId" clId="{C6CF72FC-4332-4AC2-AFC3-466019215905}" dt="2017-12-06T16:44:42.640" v="319"/>
+        <pc:chgData name="James Serra" userId="8ac5bb8964d8f761" providerId="LiveId" clId="{C6CF72FC-4332-4AC2-AFC3-466019215905}" dt="2017-12-06T16:44:42.640" v="319" actId="478"/>
         <pc:sldMkLst>
           <pc:docMk/>
           <pc:sldMk cId="1698001098" sldId="272"/>
         </pc:sldMkLst>
       </pc:sldChg>
       <pc:sldChg chg="add">
-        <pc:chgData name="James Serra" userId="8ac5bb8964d8f761" providerId="LiveId" clId="{C6CF72FC-4332-4AC2-AFC3-466019215905}" dt="2017-12-06T16:41:24.844" v="222"/>
+        <pc:chgData name="James Serra" userId="8ac5bb8964d8f761" providerId="LiveId" clId="{C6CF72FC-4332-4AC2-AFC3-466019215905}" dt="2017-12-06T16:41:24.844" v="222" actId="478"/>
         <pc:sldMkLst>
           <pc:docMk/>
           <pc:sldMk cId="3819001492" sldId="273"/>
         </pc:sldMkLst>
       </pc:sldChg>
       <pc:sldChg chg="add">
-        <pc:chgData name="James Serra" userId="8ac5bb8964d8f761" providerId="LiveId" clId="{C6CF72FC-4332-4AC2-AFC3-466019215905}" dt="2017-12-06T16:41:24.844" v="222"/>
+        <pc:chgData name="James Serra" userId="8ac5bb8964d8f761" providerId="LiveId" clId="{C6CF72FC-4332-4AC2-AFC3-466019215905}" dt="2017-12-06T16:41:24.844" v="222" actId="478"/>
         <pc:sldMkLst>
           <pc:docMk/>
           <pc:sldMk cId="1765503523" sldId="274"/>
         </pc:sldMkLst>
       </pc:sldChg>
       <pc:sldChg chg="add">
-        <pc:chgData name="James Serra" userId="8ac5bb8964d8f761" providerId="LiveId" clId="{C6CF72FC-4332-4AC2-AFC3-466019215905}" dt="2017-12-06T16:41:24.844" v="222"/>
+        <pc:chgData name="James Serra" userId="8ac5bb8964d8f761" providerId="LiveId" clId="{C6CF72FC-4332-4AC2-AFC3-466019215905}" dt="2017-12-06T16:41:24.844" v="222" actId="478"/>
         <pc:sldMkLst>
           <pc:docMk/>
           <pc:sldMk cId="2285351780" sldId="275"/>
         </pc:sldMkLst>
       </pc:sldChg>
       <pc:sldChg chg="add">
-        <pc:chgData name="James Serra" userId="8ac5bb8964d8f761" providerId="LiveId" clId="{C6CF72FC-4332-4AC2-AFC3-466019215905}" dt="2017-12-06T16:41:24.844" v="222"/>
+        <pc:chgData name="James Serra" userId="8ac5bb8964d8f761" providerId="LiveId" clId="{C6CF72FC-4332-4AC2-AFC3-466019215905}" dt="2017-12-06T16:41:24.844" v="222" actId="478"/>
         <pc:sldMkLst>
           <pc:docMk/>
           <pc:sldMk cId="2804196478" sldId="276"/>
         </pc:sldMkLst>
       </pc:sldChg>
       <pc:sldChg chg="add modTransition">
-        <pc:chgData name="James Serra" userId="8ac5bb8964d8f761" providerId="LiveId" clId="{C6CF72FC-4332-4AC2-AFC3-466019215905}" dt="2017-12-06T16:45:20.387" v="321"/>
+        <pc:chgData name="James Serra" userId="8ac5bb8964d8f761" providerId="LiveId" clId="{C6CF72FC-4332-4AC2-AFC3-466019215905}" dt="2017-12-06T16:45:20.387" v="321" actId="478"/>
         <pc:sldMkLst>
           <pc:docMk/>
           <pc:sldMk cId="2471584540" sldId="277"/>
         </pc:sldMkLst>
       </pc:sldChg>
       <pc:sldChg chg="add">
-        <pc:chgData name="James Serra" userId="8ac5bb8964d8f761" providerId="LiveId" clId="{C6CF72FC-4332-4AC2-AFC3-466019215905}" dt="2017-12-06T16:41:24.844" v="222"/>
+        <pc:chgData name="James Serra" userId="8ac5bb8964d8f761" providerId="LiveId" clId="{C6CF72FC-4332-4AC2-AFC3-466019215905}" dt="2017-12-06T16:41:24.844" v="222" actId="478"/>
         <pc:sldMkLst>
           <pc:docMk/>
           <pc:sldMk cId="4154887438" sldId="278"/>
         </pc:sldMkLst>
+      </pc:sldChg>
+      <pc:sldChg chg="modSp add ord">
+        <pc:chgData name="James Serra" userId="8ac5bb8964d8f761" providerId="LiveId" clId="{C6CF72FC-4332-4AC2-AFC3-466019215905}" dt="2017-12-06T18:15:07.949" v="438" actId="14100"/>
+        <pc:sldMkLst>
+          <pc:docMk/>
+          <pc:sldMk cId="2966365304" sldId="279"/>
+        </pc:sldMkLst>
+        <pc:spChg chg="mod">
+          <ac:chgData name="James Serra" userId="8ac5bb8964d8f761" providerId="LiveId" clId="{C6CF72FC-4332-4AC2-AFC3-466019215905}" dt="2017-12-06T18:06:20.139" v="344" actId="20577"/>
+          <ac:spMkLst>
+            <pc:docMk/>
+            <pc:sldMk cId="2966365304" sldId="279"/>
+            <ac:spMk id="4" creationId="{F789E3F5-90FA-46E0-91C5-99B4F05372E9}"/>
+          </ac:spMkLst>
+        </pc:spChg>
+        <pc:spChg chg="mod">
+          <ac:chgData name="James Serra" userId="8ac5bb8964d8f761" providerId="LiveId" clId="{C6CF72FC-4332-4AC2-AFC3-466019215905}" dt="2017-12-06T18:15:07.949" v="438" actId="14100"/>
+          <ac:spMkLst>
+            <pc:docMk/>
+            <pc:sldMk cId="2966365304" sldId="279"/>
+            <ac:spMk id="6" creationId="{F8356ADF-814B-47F4-9F17-2DD87A1DE634}"/>
+          </ac:spMkLst>
+        </pc:spChg>
       </pc:sldChg>
       <pc:sldChg chg="add del">
         <pc:chgData name="James Serra" userId="8ac5bb8964d8f761" providerId="LiveId" clId="{C6CF72FC-4332-4AC2-AFC3-466019215905}" dt="2017-12-06T16:45:11.580" v="320" actId="2696"/>
@@ -397,12 +423,74 @@
           <pc:sldMk cId="3829441618" sldId="279"/>
         </pc:sldMkLst>
       </pc:sldChg>
+      <pc:sldChg chg="addSp delSp modSp add">
+        <pc:chgData name="James Serra" userId="8ac5bb8964d8f761" providerId="LiveId" clId="{C6CF72FC-4332-4AC2-AFC3-466019215905}" dt="2017-12-06T18:14:33.596" v="436" actId="20577"/>
+        <pc:sldMkLst>
+          <pc:docMk/>
+          <pc:sldMk cId="233908726" sldId="280"/>
+        </pc:sldMkLst>
+        <pc:spChg chg="del">
+          <ac:chgData name="James Serra" userId="8ac5bb8964d8f761" providerId="LiveId" clId="{C6CF72FC-4332-4AC2-AFC3-466019215905}" dt="2017-12-06T18:12:25.089" v="428" actId="478"/>
+          <ac:spMkLst>
+            <pc:docMk/>
+            <pc:sldMk cId="233908726" sldId="280"/>
+            <ac:spMk id="2" creationId="{B1680111-90DC-48B7-8C37-C6AD01824F67}"/>
+          </ac:spMkLst>
+        </pc:spChg>
+        <pc:spChg chg="del">
+          <ac:chgData name="James Serra" userId="8ac5bb8964d8f761" providerId="LiveId" clId="{C6CF72FC-4332-4AC2-AFC3-466019215905}" dt="2017-12-06T18:12:26.674" v="429" actId="478"/>
+          <ac:spMkLst>
+            <pc:docMk/>
+            <pc:sldMk cId="233908726" sldId="280"/>
+            <ac:spMk id="3" creationId="{A45159D0-4F37-43A2-B0A5-88AB806E4881}"/>
+          </ac:spMkLst>
+        </pc:spChg>
+        <pc:spChg chg="add mod">
+          <ac:chgData name="James Serra" userId="8ac5bb8964d8f761" providerId="LiveId" clId="{C6CF72FC-4332-4AC2-AFC3-466019215905}" dt="2017-12-06T18:14:33.596" v="436" actId="20577"/>
+          <ac:spMkLst>
+            <pc:docMk/>
+            <pc:sldMk cId="233908726" sldId="280"/>
+            <ac:spMk id="6" creationId="{4DEBCEC1-00F0-497D-BE87-E8BC6215D46F}"/>
+          </ac:spMkLst>
+        </pc:spChg>
+        <pc:picChg chg="add mod">
+          <ac:chgData name="James Serra" userId="8ac5bb8964d8f761" providerId="LiveId" clId="{C6CF72FC-4332-4AC2-AFC3-466019215905}" dt="2017-12-06T18:12:46.913" v="430" actId="931"/>
+          <ac:picMkLst>
+            <pc:docMk/>
+            <pc:sldMk cId="233908726" sldId="280"/>
+            <ac:picMk id="5" creationId="{14A7E30C-467A-44A9-B6F0-9CC3C7675AE4}"/>
+          </ac:picMkLst>
+        </pc:picChg>
+      </pc:sldChg>
       <pc:sldChg chg="add del">
         <pc:chgData name="James Serra" userId="8ac5bb8964d8f761" providerId="LiveId" clId="{C6CF72FC-4332-4AC2-AFC3-466019215905}" dt="2017-12-06T16:45:25.588" v="322" actId="2696"/>
         <pc:sldMkLst>
           <pc:docMk/>
           <pc:sldMk cId="3334529793" sldId="280"/>
         </pc:sldMkLst>
+      </pc:sldChg>
+      <pc:sldChg chg="addSp delSp modSp add">
+        <pc:chgData name="James Serra" userId="8ac5bb8964d8f761" providerId="LiveId" clId="{C6CF72FC-4332-4AC2-AFC3-466019215905}" dt="2017-12-06T18:13:44.742" v="433" actId="931"/>
+        <pc:sldMkLst>
+          <pc:docMk/>
+          <pc:sldMk cId="704656211" sldId="281"/>
+        </pc:sldMkLst>
+        <pc:picChg chg="add mod">
+          <ac:chgData name="James Serra" userId="8ac5bb8964d8f761" providerId="LiveId" clId="{C6CF72FC-4332-4AC2-AFC3-466019215905}" dt="2017-12-06T18:13:44.742" v="433" actId="931"/>
+          <ac:picMkLst>
+            <pc:docMk/>
+            <pc:sldMk cId="704656211" sldId="281"/>
+            <ac:picMk id="3" creationId="{4F590E9A-5F83-4E54-8826-4C1B49C85C99}"/>
+          </ac:picMkLst>
+        </pc:picChg>
+        <pc:picChg chg="del">
+          <ac:chgData name="James Serra" userId="8ac5bb8964d8f761" providerId="LiveId" clId="{C6CF72FC-4332-4AC2-AFC3-466019215905}" dt="2017-12-06T18:12:57.575" v="432" actId="478"/>
+          <ac:picMkLst>
+            <pc:docMk/>
+            <pc:sldMk cId="704656211" sldId="281"/>
+            <ac:picMk id="5" creationId="{14A7E30C-467A-44A9-B6F0-9CC3C7675AE4}"/>
+          </ac:picMkLst>
+        </pc:picChg>
       </pc:sldChg>
       <pc:sldChg chg="add del">
         <pc:chgData name="James Serra" userId="8ac5bb8964d8f761" providerId="LiveId" clId="{C6CF72FC-4332-4AC2-AFC3-466019215905}" dt="2017-12-06T16:45:29.609" v="323" actId="2696"/>
@@ -1191,7 +1279,7 @@
                 <a:tabLst/>
                 <a:defRPr/>
               </a:pPr>
-              <a:t>12/6/2017 11:37 AM</a:t>
+              <a:t>12/6/2017 1:05 PM</a:t>
             </a:fld>
             <a:endParaRPr kumimoji="0" lang="en-US" sz="1200" b="0" i="0" u="none" strike="noStrike" kern="1200" cap="none" spc="0" normalizeH="0" baseline="0" noProof="0" dirty="0">
               <a:ln>
@@ -1549,7 +1637,7 @@
                 <a:tabLst/>
                 <a:defRPr/>
               </a:pPr>
-              <a:t>12/6/2017 11:37 AM</a:t>
+              <a:t>12/6/2017 1:05 PM</a:t>
             </a:fld>
             <a:endParaRPr kumimoji="0" lang="en-US" sz="1200" b="0" i="0" u="none" strike="noStrike" kern="1200" cap="none" spc="0" normalizeH="0" baseline="0" noProof="0" dirty="0">
               <a:ln>
@@ -2327,7 +2415,7 @@
                 <a:tabLst/>
                 <a:defRPr/>
               </a:pPr>
-              <a:t>12/6/2017 11:37 AM</a:t>
+              <a:t>12/6/2017 1:05 PM</a:t>
             </a:fld>
             <a:endParaRPr kumimoji="0" lang="en-US" sz="1200" b="0" i="0" u="none" strike="noStrike" kern="1200" cap="none" spc="0" normalizeH="0" baseline="0" noProof="0" dirty="0">
               <a:ln>
@@ -2990,6 +3078,318 @@
     <p:extLst>
       <p:ext uri="{BB962C8B-B14F-4D97-AF65-F5344CB8AC3E}">
         <p14:creationId xmlns:p14="http://schemas.microsoft.com/office/powerpoint/2010/main" val="2163788259"/>
+      </p:ext>
+    </p:extLst>
+  </p:cSld>
+  <p:clrMapOvr>
+    <a:masterClrMapping/>
+  </p:clrMapOvr>
+</p:notes>
+</file>
+
+<file path=ppt/notesSlides/notesSlide21.xml><?xml version="1.0" encoding="utf-8"?>
+<p:notes xmlns:a="http://schemas.openxmlformats.org/drawingml/2006/main" xmlns:r="http://schemas.openxmlformats.org/officeDocument/2006/relationships" xmlns:p="http://schemas.openxmlformats.org/presentationml/2006/main">
+  <p:cSld>
+    <p:spTree>
+      <p:nvGrpSpPr>
+        <p:cNvPr id="1" name=""/>
+        <p:cNvGrpSpPr/>
+        <p:nvPr/>
+      </p:nvGrpSpPr>
+      <p:grpSpPr>
+        <a:xfrm>
+          <a:off x="0" y="0"/>
+          <a:ext cx="0" cy="0"/>
+          <a:chOff x="0" y="0"/>
+          <a:chExt cx="0" cy="0"/>
+        </a:xfrm>
+      </p:grpSpPr>
+      <p:sp>
+        <p:nvSpPr>
+          <p:cNvPr id="2" name="Slide Image Placeholder 1"/>
+          <p:cNvSpPr>
+            <a:spLocks noGrp="1" noRot="1" noChangeAspect="1"/>
+          </p:cNvSpPr>
+          <p:nvPr>
+            <p:ph type="sldImg"/>
+          </p:nvPr>
+        </p:nvSpPr>
+        <p:spPr/>
+      </p:sp>
+      <p:sp>
+        <p:nvSpPr>
+          <p:cNvPr id="3" name="Notes Placeholder 2"/>
+          <p:cNvSpPr>
+            <a:spLocks noGrp="1"/>
+          </p:cNvSpPr>
+          <p:nvPr>
+            <p:ph type="body" idx="1"/>
+          </p:nvPr>
+        </p:nvSpPr>
+        <p:spPr/>
+        <p:txBody>
+          <a:bodyPr/>
+          <a:lstStyle/>
+          <a:p>
+            <a:endParaRPr lang="en-US"/>
+          </a:p>
+        </p:txBody>
+      </p:sp>
+      <p:sp>
+        <p:nvSpPr>
+          <p:cNvPr id="4" name="Slide Number Placeholder 3"/>
+          <p:cNvSpPr>
+            <a:spLocks noGrp="1"/>
+          </p:cNvSpPr>
+          <p:nvPr>
+            <p:ph type="sldNum" sz="quarter" idx="10"/>
+          </p:nvPr>
+        </p:nvSpPr>
+        <p:spPr/>
+        <p:txBody>
+          <a:bodyPr/>
+          <a:lstStyle/>
+          <a:p>
+            <a:pPr marL="0" marR="0" lvl="0" indent="0" algn="r" defTabSz="914400" rtl="0" eaLnBrk="1" fontAlgn="auto" latinLnBrk="0" hangingPunct="1">
+              <a:lnSpc>
+                <a:spcPct val="100000"/>
+              </a:lnSpc>
+              <a:spcBef>
+                <a:spcPts val="0"/>
+              </a:spcBef>
+              <a:spcAft>
+                <a:spcPts val="0"/>
+              </a:spcAft>
+              <a:buClrTx/>
+              <a:buSzTx/>
+              <a:buFontTx/>
+              <a:buNone/>
+              <a:tabLst/>
+              <a:defRPr/>
+            </a:pPr>
+            <a:fld id="{F0D91679-3A69-4641-964F-5E8374DF41E6}" type="slidenum">
+              <a:rPr kumimoji="0" lang="en-US" sz="1200" b="0" i="0" u="none" strike="noStrike" kern="1200" cap="none" spc="0" normalizeH="0" baseline="0" noProof="0" smtClean="0">
+                <a:ln>
+                  <a:noFill/>
+                </a:ln>
+                <a:solidFill>
+                  <a:prstClr val="black"/>
+                </a:solidFill>
+                <a:effectLst/>
+                <a:uLnTx/>
+                <a:uFillTx/>
+                <a:latin typeface="Calibri" panose="020F0502020204030204"/>
+                <a:ea typeface="+mn-ea"/>
+                <a:cs typeface="+mn-cs"/>
+              </a:rPr>
+              <a:pPr marL="0" marR="0" lvl="0" indent="0" algn="r" defTabSz="914400" rtl="0" eaLnBrk="1" fontAlgn="auto" latinLnBrk="0" hangingPunct="1">
+                <a:lnSpc>
+                  <a:spcPct val="100000"/>
+                </a:lnSpc>
+                <a:spcBef>
+                  <a:spcPts val="0"/>
+                </a:spcBef>
+                <a:spcAft>
+                  <a:spcPts val="0"/>
+                </a:spcAft>
+                <a:buClrTx/>
+                <a:buSzTx/>
+                <a:buFontTx/>
+                <a:buNone/>
+                <a:tabLst/>
+                <a:defRPr/>
+              </a:pPr>
+              <a:t>21</a:t>
+            </a:fld>
+            <a:endParaRPr kumimoji="0" lang="en-US" sz="1200" b="0" i="0" u="none" strike="noStrike" kern="1200" cap="none" spc="0" normalizeH="0" baseline="0" noProof="0">
+              <a:ln>
+                <a:noFill/>
+              </a:ln>
+              <a:solidFill>
+                <a:prstClr val="black"/>
+              </a:solidFill>
+              <a:effectLst/>
+              <a:uLnTx/>
+              <a:uFillTx/>
+              <a:latin typeface="Calibri" panose="020F0502020204030204"/>
+              <a:ea typeface="+mn-ea"/>
+              <a:cs typeface="+mn-cs"/>
+            </a:endParaRPr>
+          </a:p>
+        </p:txBody>
+      </p:sp>
+    </p:spTree>
+    <p:extLst>
+      <p:ext uri="{BB962C8B-B14F-4D97-AF65-F5344CB8AC3E}">
+        <p14:creationId xmlns:p14="http://schemas.microsoft.com/office/powerpoint/2010/main" val="1452392174"/>
+      </p:ext>
+    </p:extLst>
+  </p:cSld>
+  <p:clrMapOvr>
+    <a:masterClrMapping/>
+  </p:clrMapOvr>
+</p:notes>
+</file>
+
+<file path=ppt/notesSlides/notesSlide22.xml><?xml version="1.0" encoding="utf-8"?>
+<p:notes xmlns:a="http://schemas.openxmlformats.org/drawingml/2006/main" xmlns:r="http://schemas.openxmlformats.org/officeDocument/2006/relationships" xmlns:p="http://schemas.openxmlformats.org/presentationml/2006/main">
+  <p:cSld>
+    <p:spTree>
+      <p:nvGrpSpPr>
+        <p:cNvPr id="1" name=""/>
+        <p:cNvGrpSpPr/>
+        <p:nvPr/>
+      </p:nvGrpSpPr>
+      <p:grpSpPr>
+        <a:xfrm>
+          <a:off x="0" y="0"/>
+          <a:ext cx="0" cy="0"/>
+          <a:chOff x="0" y="0"/>
+          <a:chExt cx="0" cy="0"/>
+        </a:xfrm>
+      </p:grpSpPr>
+      <p:sp>
+        <p:nvSpPr>
+          <p:cNvPr id="2" name="Slide Image Placeholder 1"/>
+          <p:cNvSpPr>
+            <a:spLocks noGrp="1" noRot="1" noChangeAspect="1"/>
+          </p:cNvSpPr>
+          <p:nvPr>
+            <p:ph type="sldImg"/>
+          </p:nvPr>
+        </p:nvSpPr>
+        <p:spPr/>
+      </p:sp>
+      <p:sp>
+        <p:nvSpPr>
+          <p:cNvPr id="3" name="Notes Placeholder 2"/>
+          <p:cNvSpPr>
+            <a:spLocks noGrp="1"/>
+          </p:cNvSpPr>
+          <p:nvPr>
+            <p:ph type="body" idx="1"/>
+          </p:nvPr>
+        </p:nvSpPr>
+        <p:spPr/>
+        <p:txBody>
+          <a:bodyPr/>
+          <a:lstStyle/>
+          <a:p>
+            <a:endParaRPr lang="en-US"/>
+          </a:p>
+        </p:txBody>
+      </p:sp>
+      <p:sp>
+        <p:nvSpPr>
+          <p:cNvPr id="4" name="Slide Number Placeholder 3"/>
+          <p:cNvSpPr>
+            <a:spLocks noGrp="1"/>
+          </p:cNvSpPr>
+          <p:nvPr>
+            <p:ph type="sldNum" sz="quarter" idx="10"/>
+          </p:nvPr>
+        </p:nvSpPr>
+        <p:spPr/>
+        <p:txBody>
+          <a:bodyPr/>
+          <a:lstStyle/>
+          <a:p>
+            <a:fld id="{6F4359F3-A1DB-42F0-B895-2E4AB9AF34F1}" type="slidenum">
+              <a:rPr lang="en-US" smtClean="0"/>
+              <a:t>22</a:t>
+            </a:fld>
+            <a:endParaRPr lang="en-US"/>
+          </a:p>
+        </p:txBody>
+      </p:sp>
+    </p:spTree>
+    <p:extLst>
+      <p:ext uri="{BB962C8B-B14F-4D97-AF65-F5344CB8AC3E}">
+        <p14:creationId xmlns:p14="http://schemas.microsoft.com/office/powerpoint/2010/main" val="1369916335"/>
+      </p:ext>
+    </p:extLst>
+  </p:cSld>
+  <p:clrMapOvr>
+    <a:masterClrMapping/>
+  </p:clrMapOvr>
+</p:notes>
+</file>
+
+<file path=ppt/notesSlides/notesSlide23.xml><?xml version="1.0" encoding="utf-8"?>
+<p:notes xmlns:a="http://schemas.openxmlformats.org/drawingml/2006/main" xmlns:r="http://schemas.openxmlformats.org/officeDocument/2006/relationships" xmlns:p="http://schemas.openxmlformats.org/presentationml/2006/main">
+  <p:cSld>
+    <p:spTree>
+      <p:nvGrpSpPr>
+        <p:cNvPr id="1" name=""/>
+        <p:cNvGrpSpPr/>
+        <p:nvPr/>
+      </p:nvGrpSpPr>
+      <p:grpSpPr>
+        <a:xfrm>
+          <a:off x="0" y="0"/>
+          <a:ext cx="0" cy="0"/>
+          <a:chOff x="0" y="0"/>
+          <a:chExt cx="0" cy="0"/>
+        </a:xfrm>
+      </p:grpSpPr>
+      <p:sp>
+        <p:nvSpPr>
+          <p:cNvPr id="2" name="Slide Image Placeholder 1"/>
+          <p:cNvSpPr>
+            <a:spLocks noGrp="1" noRot="1" noChangeAspect="1"/>
+          </p:cNvSpPr>
+          <p:nvPr>
+            <p:ph type="sldImg"/>
+          </p:nvPr>
+        </p:nvSpPr>
+        <p:spPr/>
+      </p:sp>
+      <p:sp>
+        <p:nvSpPr>
+          <p:cNvPr id="3" name="Notes Placeholder 2"/>
+          <p:cNvSpPr>
+            <a:spLocks noGrp="1"/>
+          </p:cNvSpPr>
+          <p:nvPr>
+            <p:ph type="body" idx="1"/>
+          </p:nvPr>
+        </p:nvSpPr>
+        <p:spPr/>
+        <p:txBody>
+          <a:bodyPr/>
+          <a:lstStyle/>
+          <a:p>
+            <a:endParaRPr lang="en-US"/>
+          </a:p>
+        </p:txBody>
+      </p:sp>
+      <p:sp>
+        <p:nvSpPr>
+          <p:cNvPr id="4" name="Slide Number Placeholder 3"/>
+          <p:cNvSpPr>
+            <a:spLocks noGrp="1"/>
+          </p:cNvSpPr>
+          <p:nvPr>
+            <p:ph type="sldNum" sz="quarter" idx="10"/>
+          </p:nvPr>
+        </p:nvSpPr>
+        <p:spPr/>
+        <p:txBody>
+          <a:bodyPr/>
+          <a:lstStyle/>
+          <a:p>
+            <a:fld id="{6F4359F3-A1DB-42F0-B895-2E4AB9AF34F1}" type="slidenum">
+              <a:rPr lang="en-US" smtClean="0"/>
+              <a:t>23</a:t>
+            </a:fld>
+            <a:endParaRPr lang="en-US"/>
+          </a:p>
+        </p:txBody>
+      </p:sp>
+    </p:spTree>
+    <p:extLst>
+      <p:ext uri="{BB962C8B-B14F-4D97-AF65-F5344CB8AC3E}">
+        <p14:creationId xmlns:p14="http://schemas.microsoft.com/office/powerpoint/2010/main" val="498408879"/>
       </p:ext>
     </p:extLst>
   </p:cSld>
@@ -38181,6 +38581,344 @@
   <p:transition spd="med">
     <p:fade/>
   </p:transition>
+</p:sld>
+</file>
+
+<file path=ppt/slides/slide21.xml><?xml version="1.0" encoding="utf-8"?>
+<p:sld xmlns:a="http://schemas.openxmlformats.org/drawingml/2006/main" xmlns:r="http://schemas.openxmlformats.org/officeDocument/2006/relationships" xmlns:p="http://schemas.openxmlformats.org/presentationml/2006/main" show="0">
+  <p:cSld>
+    <p:spTree>
+      <p:nvGrpSpPr>
+        <p:cNvPr id="1" name=""/>
+        <p:cNvGrpSpPr/>
+        <p:nvPr/>
+      </p:nvGrpSpPr>
+      <p:grpSpPr>
+        <a:xfrm>
+          <a:off x="0" y="0"/>
+          <a:ext cx="0" cy="0"/>
+          <a:chOff x="0" y="0"/>
+          <a:chExt cx="0" cy="0"/>
+        </a:xfrm>
+      </p:grpSpPr>
+      <p:sp>
+        <p:nvSpPr>
+          <p:cNvPr id="4" name="Title 3">
+            <a:extLst>
+              <a:ext uri="{FF2B5EF4-FFF2-40B4-BE49-F238E27FC236}">
+                <a16:creationId xmlns:a16="http://schemas.microsoft.com/office/drawing/2014/main" id="{F789E3F5-90FA-46E0-91C5-99B4F05372E9}"/>
+              </a:ext>
+            </a:extLst>
+          </p:cNvPr>
+          <p:cNvSpPr>
+            <a:spLocks noGrp="1"/>
+          </p:cNvSpPr>
+          <p:nvPr>
+            <p:ph type="title"/>
+          </p:nvPr>
+        </p:nvSpPr>
+        <p:spPr/>
+        <p:txBody>
+          <a:bodyPr/>
+          <a:lstStyle/>
+          <a:p>
+            <a:r>
+              <a:rPr lang="en-US" dirty="0"/>
+              <a:t>Azure Subscription</a:t>
+            </a:r>
+          </a:p>
+        </p:txBody>
+      </p:sp>
+      <p:sp>
+        <p:nvSpPr>
+          <p:cNvPr id="6" name="Content Placeholder 5">
+            <a:extLst>
+              <a:ext uri="{FF2B5EF4-FFF2-40B4-BE49-F238E27FC236}">
+                <a16:creationId xmlns:a16="http://schemas.microsoft.com/office/drawing/2014/main" id="{F8356ADF-814B-47F4-9F17-2DD87A1DE634}"/>
+              </a:ext>
+            </a:extLst>
+          </p:cNvPr>
+          <p:cNvSpPr>
+            <a:spLocks noGrp="1"/>
+          </p:cNvSpPr>
+          <p:nvPr>
+            <p:ph idx="1"/>
+          </p:nvPr>
+        </p:nvSpPr>
+        <p:spPr>
+          <a:xfrm>
+            <a:off x="838200" y="1825625"/>
+            <a:ext cx="10515600" cy="4776458"/>
+          </a:xfrm>
+        </p:spPr>
+        <p:txBody>
+          <a:bodyPr>
+            <a:noAutofit/>
+          </a:bodyPr>
+          <a:lstStyle/>
+          <a:p>
+            <a:pPr lvl="0"/>
+            <a:r>
+              <a:rPr lang="en-US" sz="2400" dirty="0"/>
+              <a:t>$200 credit for 30 days </a:t>
+            </a:r>
+          </a:p>
+          <a:p>
+            <a:pPr lvl="0"/>
+            <a:r>
+              <a:rPr lang="en-US" sz="2400" dirty="0"/>
+              <a:t>Specific quantities of some services (including B1S VM) are offered free for </a:t>
+            </a:r>
+            <a:r>
+              <a:rPr lang="en-US" sz="2400" b="1" i="1" dirty="0"/>
+              <a:t>12 months</a:t>
+            </a:r>
+            <a:r>
+              <a:rPr lang="en-US" sz="2400" dirty="0"/>
+              <a:t> now</a:t>
+            </a:r>
+          </a:p>
+          <a:p>
+            <a:pPr lvl="0"/>
+            <a:r>
+              <a:rPr lang="en-US" sz="2400" dirty="0"/>
+              <a:t>“Free Services” page provides clear buttons to avoid inadvertent launch of non-free services </a:t>
+            </a:r>
+          </a:p>
+          <a:p>
+            <a:pPr lvl="0"/>
+            <a:r>
+              <a:rPr lang="en-US" sz="2400" dirty="0"/>
+              <a:t>Cost management makes it easy to see how you’re doing at any given point</a:t>
+            </a:r>
+          </a:p>
+          <a:p>
+            <a:pPr lvl="0"/>
+            <a:r>
+              <a:rPr lang="en-US" sz="2400" dirty="0"/>
+              <a:t>Solid assortment of always-free services</a:t>
+            </a:r>
+          </a:p>
+          <a:p>
+            <a:pPr lvl="0"/>
+            <a:r>
+              <a:rPr lang="en-US" sz="2400" dirty="0"/>
+              <a:t>Use credit card only to verify your identity and don't charge your credit card unless you convert to a PAYG subscription</a:t>
+            </a:r>
+          </a:p>
+          <a:p>
+            <a:pPr lvl="0"/>
+            <a:r>
+              <a:rPr lang="en-US" sz="2400" dirty="0"/>
+              <a:t>Get started: </a:t>
+            </a:r>
+            <a:r>
+              <a:rPr lang="en-US" sz="2400" dirty="0">
+                <a:hlinkClick r:id="rId3"/>
+              </a:rPr>
+              <a:t>https://azure.microsoft.com/en-us/free/</a:t>
+            </a:r>
+            <a:r>
+              <a:rPr lang="en-US" sz="2400" dirty="0"/>
+              <a:t> </a:t>
+            </a:r>
+          </a:p>
+          <a:p>
+            <a:r>
+              <a:rPr lang="en-US" sz="2400" dirty="0">
+                <a:hlinkClick r:id="rId4"/>
+              </a:rPr>
+              <a:t>https://channel9.msdn.com/Shows/Azure-Friday/Azure-Free-Account</a:t>
+            </a:r>
+            <a:r>
+              <a:rPr lang="en-US" sz="2400" dirty="0"/>
+              <a:t> </a:t>
+            </a:r>
+          </a:p>
+        </p:txBody>
+      </p:sp>
+    </p:spTree>
+    <p:extLst>
+      <p:ext uri="{BB962C8B-B14F-4D97-AF65-F5344CB8AC3E}">
+        <p14:creationId xmlns:p14="http://schemas.microsoft.com/office/powerpoint/2010/main" val="2966365304"/>
+      </p:ext>
+    </p:extLst>
+  </p:cSld>
+  <p:clrMapOvr>
+    <a:masterClrMapping/>
+  </p:clrMapOvr>
+</p:sld>
+</file>
+
+<file path=ppt/slides/slide22.xml><?xml version="1.0" encoding="utf-8"?>
+<p:sld xmlns:a="http://schemas.openxmlformats.org/drawingml/2006/main" xmlns:r="http://schemas.openxmlformats.org/officeDocument/2006/relationships" xmlns:p="http://schemas.openxmlformats.org/presentationml/2006/main">
+  <p:cSld>
+    <p:spTree>
+      <p:nvGrpSpPr>
+        <p:cNvPr id="1" name=""/>
+        <p:cNvGrpSpPr/>
+        <p:nvPr/>
+      </p:nvGrpSpPr>
+      <p:grpSpPr>
+        <a:xfrm>
+          <a:off x="0" y="0"/>
+          <a:ext cx="0" cy="0"/>
+          <a:chOff x="0" y="0"/>
+          <a:chExt cx="0" cy="0"/>
+        </a:xfrm>
+      </p:grpSpPr>
+      <p:pic>
+        <p:nvPicPr>
+          <p:cNvPr id="5" name="Picture 4" descr="Screen Clipping">
+            <a:extLst>
+              <a:ext uri="{FF2B5EF4-FFF2-40B4-BE49-F238E27FC236}">
+                <a16:creationId xmlns:a16="http://schemas.microsoft.com/office/drawing/2014/main" id="{14A7E30C-467A-44A9-B6F0-9CC3C7675AE4}"/>
+              </a:ext>
+            </a:extLst>
+          </p:cNvPr>
+          <p:cNvPicPr>
+            <a:picLocks noChangeAspect="1"/>
+          </p:cNvPicPr>
+          <p:nvPr/>
+        </p:nvPicPr>
+        <p:blipFill>
+          <a:blip r:embed="rId3">
+            <a:extLst>
+              <a:ext uri="{28A0092B-C50C-407E-A947-70E740481C1C}">
+                <a14:useLocalDpi xmlns:a14="http://schemas.microsoft.com/office/drawing/2010/main" val="0"/>
+              </a:ext>
+            </a:extLst>
+          </a:blip>
+          <a:stretch>
+            <a:fillRect/>
+          </a:stretch>
+        </p:blipFill>
+        <p:spPr>
+          <a:xfrm>
+            <a:off x="1092957" y="573860"/>
+            <a:ext cx="10006086" cy="5710279"/>
+          </a:xfrm>
+          <a:prstGeom prst="rect">
+            <a:avLst/>
+          </a:prstGeom>
+        </p:spPr>
+      </p:pic>
+      <p:sp>
+        <p:nvSpPr>
+          <p:cNvPr id="6" name="Rectangle 5">
+            <a:extLst>
+              <a:ext uri="{FF2B5EF4-FFF2-40B4-BE49-F238E27FC236}">
+                <a16:creationId xmlns:a16="http://schemas.microsoft.com/office/drawing/2014/main" id="{4DEBCEC1-00F0-497D-BE87-E8BC6215D46F}"/>
+              </a:ext>
+            </a:extLst>
+          </p:cNvPr>
+          <p:cNvSpPr/>
+          <p:nvPr/>
+        </p:nvSpPr>
+        <p:spPr>
+          <a:xfrm>
+            <a:off x="329655" y="6447610"/>
+            <a:ext cx="5643724" cy="369332"/>
+          </a:xfrm>
+          <a:prstGeom prst="rect">
+            <a:avLst/>
+          </a:prstGeom>
+        </p:spPr>
+        <p:txBody>
+          <a:bodyPr wrap="none">
+            <a:spAutoFit/>
+          </a:bodyPr>
+          <a:lstStyle/>
+          <a:p>
+            <a:r>
+              <a:rPr lang="en-US" dirty="0">
+                <a:hlinkClick r:id="rId4"/>
+              </a:rPr>
+              <a:t>https://azure.microsoft.com/en-us/free/free-account-faq/</a:t>
+            </a:r>
+            <a:r>
+              <a:rPr lang="en-US" dirty="0"/>
+              <a:t> </a:t>
+            </a:r>
+          </a:p>
+        </p:txBody>
+      </p:sp>
+    </p:spTree>
+    <p:extLst>
+      <p:ext uri="{BB962C8B-B14F-4D97-AF65-F5344CB8AC3E}">
+        <p14:creationId xmlns:p14="http://schemas.microsoft.com/office/powerpoint/2010/main" val="233908726"/>
+      </p:ext>
+    </p:extLst>
+  </p:cSld>
+  <p:clrMapOvr>
+    <a:masterClrMapping/>
+  </p:clrMapOvr>
+</p:sld>
+</file>
+
+<file path=ppt/slides/slide23.xml><?xml version="1.0" encoding="utf-8"?>
+<p:sld xmlns:a="http://schemas.openxmlformats.org/drawingml/2006/main" xmlns:r="http://schemas.openxmlformats.org/officeDocument/2006/relationships" xmlns:p="http://schemas.openxmlformats.org/presentationml/2006/main">
+  <p:cSld>
+    <p:spTree>
+      <p:nvGrpSpPr>
+        <p:cNvPr id="1" name=""/>
+        <p:cNvGrpSpPr/>
+        <p:nvPr/>
+      </p:nvGrpSpPr>
+      <p:grpSpPr>
+        <a:xfrm>
+          <a:off x="0" y="0"/>
+          <a:ext cx="0" cy="0"/>
+          <a:chOff x="0" y="0"/>
+          <a:chExt cx="0" cy="0"/>
+        </a:xfrm>
+      </p:grpSpPr>
+      <p:pic>
+        <p:nvPicPr>
+          <p:cNvPr id="3" name="Picture 2" descr="Screen Clipping">
+            <a:extLst>
+              <a:ext uri="{FF2B5EF4-FFF2-40B4-BE49-F238E27FC236}">
+                <a16:creationId xmlns:a16="http://schemas.microsoft.com/office/drawing/2014/main" id="{4F590E9A-5F83-4E54-8826-4C1B49C85C99}"/>
+              </a:ext>
+            </a:extLst>
+          </p:cNvPr>
+          <p:cNvPicPr>
+            <a:picLocks noChangeAspect="1"/>
+          </p:cNvPicPr>
+          <p:nvPr/>
+        </p:nvPicPr>
+        <p:blipFill>
+          <a:blip r:embed="rId3">
+            <a:extLst>
+              <a:ext uri="{28A0092B-C50C-407E-A947-70E740481C1C}">
+                <a14:useLocalDpi xmlns:a14="http://schemas.microsoft.com/office/drawing/2010/main" val="0"/>
+              </a:ext>
+            </a:extLst>
+          </a:blip>
+          <a:stretch>
+            <a:fillRect/>
+          </a:stretch>
+        </p:blipFill>
+        <p:spPr>
+          <a:xfrm>
+            <a:off x="1512060" y="452415"/>
+            <a:ext cx="9167880" cy="5953169"/>
+          </a:xfrm>
+          <a:prstGeom prst="rect">
+            <a:avLst/>
+          </a:prstGeom>
+        </p:spPr>
+      </p:pic>
+    </p:spTree>
+    <p:extLst>
+      <p:ext uri="{BB962C8B-B14F-4D97-AF65-F5344CB8AC3E}">
+        <p14:creationId xmlns:p14="http://schemas.microsoft.com/office/powerpoint/2010/main" val="704656211"/>
+      </p:ext>
+    </p:extLst>
+  </p:cSld>
+  <p:clrMapOvr>
+    <a:masterClrMapping/>
+  </p:clrMapOvr>
 </p:sld>
 </file>
 

--- a/NYC-Dec/Microsoft Certification 70-475 Intro.pptx
+++ b/NYC-Dec/Microsoft Certification 70-475 Intro.pptx
@@ -5,34 +5,36 @@
     <p:sldMasterId id="2147483660" r:id="rId1"/>
     <p:sldMasterId id="2147483680" r:id="rId2"/>
     <p:sldMasterId id="2147483692" r:id="rId3"/>
+    <p:sldMasterId id="2147483698" r:id="rId4"/>
   </p:sldMasterIdLst>
   <p:notesMasterIdLst>
-    <p:notesMasterId r:id="rId27"/>
+    <p:notesMasterId r:id="rId29"/>
   </p:notesMasterIdLst>
   <p:sldIdLst>
-    <p:sldId id="269" r:id="rId4"/>
-    <p:sldId id="270" r:id="rId5"/>
-    <p:sldId id="272" r:id="rId6"/>
-    <p:sldId id="273" r:id="rId7"/>
-    <p:sldId id="274" r:id="rId8"/>
-    <p:sldId id="275" r:id="rId9"/>
-    <p:sldId id="276" r:id="rId10"/>
-    <p:sldId id="277" r:id="rId11"/>
-    <p:sldId id="278" r:id="rId12"/>
-    <p:sldId id="259" r:id="rId13"/>
-    <p:sldId id="260" r:id="rId14"/>
-    <p:sldId id="264" r:id="rId15"/>
-    <p:sldId id="267" r:id="rId16"/>
-    <p:sldId id="265" r:id="rId17"/>
-    <p:sldId id="266" r:id="rId18"/>
-    <p:sldId id="268" r:id="rId19"/>
-    <p:sldId id="258" r:id="rId20"/>
-    <p:sldId id="261" r:id="rId21"/>
-    <p:sldId id="263" r:id="rId22"/>
-    <p:sldId id="262" r:id="rId23"/>
-    <p:sldId id="279" r:id="rId24"/>
-    <p:sldId id="280" r:id="rId25"/>
-    <p:sldId id="281" r:id="rId26"/>
+    <p:sldId id="269" r:id="rId5"/>
+    <p:sldId id="270" r:id="rId6"/>
+    <p:sldId id="272" r:id="rId7"/>
+    <p:sldId id="273" r:id="rId8"/>
+    <p:sldId id="274" r:id="rId9"/>
+    <p:sldId id="275" r:id="rId10"/>
+    <p:sldId id="276" r:id="rId11"/>
+    <p:sldId id="277" r:id="rId12"/>
+    <p:sldId id="278" r:id="rId13"/>
+    <p:sldId id="259" r:id="rId14"/>
+    <p:sldId id="260" r:id="rId15"/>
+    <p:sldId id="264" r:id="rId16"/>
+    <p:sldId id="267" r:id="rId17"/>
+    <p:sldId id="265" r:id="rId18"/>
+    <p:sldId id="266" r:id="rId19"/>
+    <p:sldId id="268" r:id="rId20"/>
+    <p:sldId id="258" r:id="rId21"/>
+    <p:sldId id="261" r:id="rId22"/>
+    <p:sldId id="263" r:id="rId23"/>
+    <p:sldId id="262" r:id="rId24"/>
+    <p:sldId id="282" r:id="rId25"/>
+    <p:sldId id="279" r:id="rId26"/>
+    <p:sldId id="280" r:id="rId27"/>
+    <p:sldId id="281" r:id="rId28"/>
   </p:sldIdLst>
   <p:sldSz cx="12192000" cy="6858000"/>
   <p:notesSz cx="6858000" cy="9144000"/>
@@ -144,7 +146,7 @@
   <pc:docChgLst>
     <pc:chgData name="James Serra" userId="8ac5bb8964d8f761" providerId="LiveId" clId="{C6CF72FC-4332-4AC2-AFC3-466019215905}"/>
     <pc:docChg chg="undo custSel addSld delSld modSld sldOrd">
-      <pc:chgData name="James Serra" userId="8ac5bb8964d8f761" providerId="LiveId" clId="{C6CF72FC-4332-4AC2-AFC3-466019215905}" dt="2017-12-06T18:15:07.949" v="438" actId="14100"/>
+      <pc:chgData name="James Serra" userId="8ac5bb8964d8f761" providerId="LiveId" clId="{C6CF72FC-4332-4AC2-AFC3-466019215905}" dt="2017-12-07T02:37:26.535" v="552" actId="20577"/>
       <pc:docMkLst>
         <pc:docMk/>
       </pc:docMkLst>
@@ -393,8 +395,8 @@
           <pc:sldMk cId="4154887438" sldId="278"/>
         </pc:sldMkLst>
       </pc:sldChg>
-      <pc:sldChg chg="modSp add ord">
-        <pc:chgData name="James Serra" userId="8ac5bb8964d8f761" providerId="LiveId" clId="{C6CF72FC-4332-4AC2-AFC3-466019215905}" dt="2017-12-06T18:15:07.949" v="438" actId="14100"/>
+      <pc:sldChg chg="modSp add ord modTransition">
+        <pc:chgData name="James Serra" userId="8ac5bb8964d8f761" providerId="LiveId" clId="{C6CF72FC-4332-4AC2-AFC3-466019215905}" dt="2017-12-07T02:36:53.070" v="548"/>
         <pc:sldMkLst>
           <pc:docMk/>
           <pc:sldMk cId="2966365304" sldId="279"/>
@@ -498,6 +500,516 @@
           <pc:docMk/>
           <pc:sldMk cId="947618123" sldId="281"/>
         </pc:sldMkLst>
+      </pc:sldChg>
+      <pc:sldChg chg="addSp delSp modSp add">
+        <pc:chgData name="James Serra" userId="8ac5bb8964d8f761" providerId="LiveId" clId="{C6CF72FC-4332-4AC2-AFC3-466019215905}" dt="2017-12-07T02:37:26.535" v="552" actId="20577"/>
+        <pc:sldMkLst>
+          <pc:docMk/>
+          <pc:sldMk cId="1223990388" sldId="282"/>
+        </pc:sldMkLst>
+        <pc:spChg chg="mod">
+          <ac:chgData name="James Serra" userId="8ac5bb8964d8f761" providerId="LiveId" clId="{C6CF72FC-4332-4AC2-AFC3-466019215905}" dt="2017-12-07T02:29:35.143" v="441" actId="1076"/>
+          <ac:spMkLst>
+            <pc:docMk/>
+            <pc:sldMk cId="1223990388" sldId="282"/>
+            <ac:spMk id="5" creationId="{00000000-0000-0000-0000-000000000000}"/>
+          </ac:spMkLst>
+        </pc:spChg>
+        <pc:spChg chg="add del mod">
+          <ac:chgData name="James Serra" userId="8ac5bb8964d8f761" providerId="LiveId" clId="{C6CF72FC-4332-4AC2-AFC3-466019215905}" dt="2017-12-07T02:30:05.686" v="450"/>
+          <ac:spMkLst>
+            <pc:docMk/>
+            <pc:sldMk cId="1223990388" sldId="282"/>
+            <ac:spMk id="8" creationId="{047C8337-2600-44B3-9524-27F0FB5C8032}"/>
+          </ac:spMkLst>
+        </pc:spChg>
+        <pc:spChg chg="add mod">
+          <ac:chgData name="James Serra" userId="8ac5bb8964d8f761" providerId="LiveId" clId="{C6CF72FC-4332-4AC2-AFC3-466019215905}" dt="2017-12-07T02:33:42.453" v="474" actId="20577"/>
+          <ac:spMkLst>
+            <pc:docMk/>
+            <pc:sldMk cId="1223990388" sldId="282"/>
+            <ac:spMk id="9" creationId="{F7743C5C-698D-4555-AAA1-9E66C6727725}"/>
+          </ac:spMkLst>
+        </pc:spChg>
+        <pc:spChg chg="mod">
+          <ac:chgData name="James Serra" userId="8ac5bb8964d8f761" providerId="LiveId" clId="{C6CF72FC-4332-4AC2-AFC3-466019215905}" dt="2017-12-07T02:29:35.143" v="441" actId="1076"/>
+          <ac:spMkLst>
+            <pc:docMk/>
+            <pc:sldMk cId="1223990388" sldId="282"/>
+            <ac:spMk id="85" creationId="{00000000-0000-0000-0000-000000000000}"/>
+          </ac:spMkLst>
+        </pc:spChg>
+        <pc:spChg chg="mod">
+          <ac:chgData name="James Serra" userId="8ac5bb8964d8f761" providerId="LiveId" clId="{C6CF72FC-4332-4AC2-AFC3-466019215905}" dt="2017-12-07T02:29:35.143" v="441" actId="1076"/>
+          <ac:spMkLst>
+            <pc:docMk/>
+            <pc:sldMk cId="1223990388" sldId="282"/>
+            <ac:spMk id="86" creationId="{00000000-0000-0000-0000-000000000000}"/>
+          </ac:spMkLst>
+        </pc:spChg>
+        <pc:spChg chg="mod">
+          <ac:chgData name="James Serra" userId="8ac5bb8964d8f761" providerId="LiveId" clId="{C6CF72FC-4332-4AC2-AFC3-466019215905}" dt="2017-12-07T02:29:35.143" v="441" actId="1076"/>
+          <ac:spMkLst>
+            <pc:docMk/>
+            <pc:sldMk cId="1223990388" sldId="282"/>
+            <ac:spMk id="94" creationId="{00000000-0000-0000-0000-000000000000}"/>
+          </ac:spMkLst>
+        </pc:spChg>
+        <pc:spChg chg="mod">
+          <ac:chgData name="James Serra" userId="8ac5bb8964d8f761" providerId="LiveId" clId="{C6CF72FC-4332-4AC2-AFC3-466019215905}" dt="2017-12-07T02:29:35.143" v="441" actId="1076"/>
+          <ac:spMkLst>
+            <pc:docMk/>
+            <pc:sldMk cId="1223990388" sldId="282"/>
+            <ac:spMk id="95" creationId="{00000000-0000-0000-0000-000000000000}"/>
+          </ac:spMkLst>
+        </pc:spChg>
+        <pc:spChg chg="mod">
+          <ac:chgData name="James Serra" userId="8ac5bb8964d8f761" providerId="LiveId" clId="{C6CF72FC-4332-4AC2-AFC3-466019215905}" dt="2017-12-07T02:29:35.143" v="441" actId="1076"/>
+          <ac:spMkLst>
+            <pc:docMk/>
+            <pc:sldMk cId="1223990388" sldId="282"/>
+            <ac:spMk id="98" creationId="{00000000-0000-0000-0000-000000000000}"/>
+          </ac:spMkLst>
+        </pc:spChg>
+        <pc:spChg chg="mod">
+          <ac:chgData name="James Serra" userId="8ac5bb8964d8f761" providerId="LiveId" clId="{C6CF72FC-4332-4AC2-AFC3-466019215905}" dt="2017-12-07T02:36:30.318" v="547" actId="6549"/>
+          <ac:spMkLst>
+            <pc:docMk/>
+            <pc:sldMk cId="1223990388" sldId="282"/>
+            <ac:spMk id="101" creationId="{00000000-0000-0000-0000-000000000000}"/>
+          </ac:spMkLst>
+        </pc:spChg>
+        <pc:spChg chg="mod">
+          <ac:chgData name="James Serra" userId="8ac5bb8964d8f761" providerId="LiveId" clId="{C6CF72FC-4332-4AC2-AFC3-466019215905}" dt="2017-12-07T02:29:35.143" v="441" actId="1076"/>
+          <ac:spMkLst>
+            <pc:docMk/>
+            <pc:sldMk cId="1223990388" sldId="282"/>
+            <ac:spMk id="105" creationId="{00000000-0000-0000-0000-000000000000}"/>
+          </ac:spMkLst>
+        </pc:spChg>
+        <pc:spChg chg="mod">
+          <ac:chgData name="James Serra" userId="8ac5bb8964d8f761" providerId="LiveId" clId="{C6CF72FC-4332-4AC2-AFC3-466019215905}" dt="2017-12-07T02:29:35.143" v="441" actId="1076"/>
+          <ac:spMkLst>
+            <pc:docMk/>
+            <pc:sldMk cId="1223990388" sldId="282"/>
+            <ac:spMk id="106" creationId="{00000000-0000-0000-0000-000000000000}"/>
+          </ac:spMkLst>
+        </pc:spChg>
+        <pc:spChg chg="mod">
+          <ac:chgData name="James Serra" userId="8ac5bb8964d8f761" providerId="LiveId" clId="{C6CF72FC-4332-4AC2-AFC3-466019215905}" dt="2017-12-07T02:29:35.143" v="441" actId="1076"/>
+          <ac:spMkLst>
+            <pc:docMk/>
+            <pc:sldMk cId="1223990388" sldId="282"/>
+            <ac:spMk id="107" creationId="{00000000-0000-0000-0000-000000000000}"/>
+          </ac:spMkLst>
+        </pc:spChg>
+        <pc:spChg chg="mod">
+          <ac:chgData name="James Serra" userId="8ac5bb8964d8f761" providerId="LiveId" clId="{C6CF72FC-4332-4AC2-AFC3-466019215905}" dt="2017-12-07T02:29:35.143" v="441" actId="1076"/>
+          <ac:spMkLst>
+            <pc:docMk/>
+            <pc:sldMk cId="1223990388" sldId="282"/>
+            <ac:spMk id="108" creationId="{00000000-0000-0000-0000-000000000000}"/>
+          </ac:spMkLst>
+        </pc:spChg>
+        <pc:spChg chg="mod">
+          <ac:chgData name="James Serra" userId="8ac5bb8964d8f761" providerId="LiveId" clId="{C6CF72FC-4332-4AC2-AFC3-466019215905}" dt="2017-12-07T02:29:35.143" v="441" actId="1076"/>
+          <ac:spMkLst>
+            <pc:docMk/>
+            <pc:sldMk cId="1223990388" sldId="282"/>
+            <ac:spMk id="112" creationId="{00000000-0000-0000-0000-000000000000}"/>
+          </ac:spMkLst>
+        </pc:spChg>
+        <pc:spChg chg="mod">
+          <ac:chgData name="James Serra" userId="8ac5bb8964d8f761" providerId="LiveId" clId="{C6CF72FC-4332-4AC2-AFC3-466019215905}" dt="2017-12-07T02:35:09.445" v="508" actId="20577"/>
+          <ac:spMkLst>
+            <pc:docMk/>
+            <pc:sldMk cId="1223990388" sldId="282"/>
+            <ac:spMk id="113" creationId="{00000000-0000-0000-0000-000000000000}"/>
+          </ac:spMkLst>
+        </pc:spChg>
+        <pc:spChg chg="add mod">
+          <ac:chgData name="James Serra" userId="8ac5bb8964d8f761" providerId="LiveId" clId="{C6CF72FC-4332-4AC2-AFC3-466019215905}" dt="2017-12-07T02:37:26.535" v="552" actId="20577"/>
+          <ac:spMkLst>
+            <pc:docMk/>
+            <pc:sldMk cId="1223990388" sldId="282"/>
+            <ac:spMk id="121" creationId="{3DAA18C5-5B20-4332-B9D1-D7319410604E}"/>
+          </ac:spMkLst>
+        </pc:spChg>
+        <pc:spChg chg="mod">
+          <ac:chgData name="James Serra" userId="8ac5bb8964d8f761" providerId="LiveId" clId="{C6CF72FC-4332-4AC2-AFC3-466019215905}" dt="2017-12-07T02:29:35.143" v="441" actId="1076"/>
+          <ac:spMkLst>
+            <pc:docMk/>
+            <pc:sldMk cId="1223990388" sldId="282"/>
+            <ac:spMk id="154" creationId="{00000000-0000-0000-0000-000000000000}"/>
+          </ac:spMkLst>
+        </pc:spChg>
+        <pc:spChg chg="mod">
+          <ac:chgData name="James Serra" userId="8ac5bb8964d8f761" providerId="LiveId" clId="{C6CF72FC-4332-4AC2-AFC3-466019215905}" dt="2017-12-07T02:29:35.143" v="441" actId="1076"/>
+          <ac:spMkLst>
+            <pc:docMk/>
+            <pc:sldMk cId="1223990388" sldId="282"/>
+            <ac:spMk id="155" creationId="{00000000-0000-0000-0000-000000000000}"/>
+          </ac:spMkLst>
+        </pc:spChg>
+        <pc:spChg chg="mod">
+          <ac:chgData name="James Serra" userId="8ac5bb8964d8f761" providerId="LiveId" clId="{C6CF72FC-4332-4AC2-AFC3-466019215905}" dt="2017-12-07T02:35:53.960" v="532" actId="20577"/>
+          <ac:spMkLst>
+            <pc:docMk/>
+            <pc:sldMk cId="1223990388" sldId="282"/>
+            <ac:spMk id="172" creationId="{00000000-0000-0000-0000-000000000000}"/>
+          </ac:spMkLst>
+        </pc:spChg>
+        <pc:grpChg chg="mod">
+          <ac:chgData name="James Serra" userId="8ac5bb8964d8f761" providerId="LiveId" clId="{C6CF72FC-4332-4AC2-AFC3-466019215905}" dt="2017-12-07T02:29:35.143" v="441" actId="1076"/>
+          <ac:grpSpMkLst>
+            <pc:docMk/>
+            <pc:sldMk cId="1223990388" sldId="282"/>
+            <ac:grpSpMk id="2" creationId="{00000000-0000-0000-0000-000000000000}"/>
+          </ac:grpSpMkLst>
+        </pc:grpChg>
+        <pc:grpChg chg="mod">
+          <ac:chgData name="James Serra" userId="8ac5bb8964d8f761" providerId="LiveId" clId="{C6CF72FC-4332-4AC2-AFC3-466019215905}" dt="2017-12-07T02:29:57.034" v="446" actId="1076"/>
+          <ac:grpSpMkLst>
+            <pc:docMk/>
+            <pc:sldMk cId="1223990388" sldId="282"/>
+            <ac:grpSpMk id="3" creationId="{00000000-0000-0000-0000-000000000000}"/>
+          </ac:grpSpMkLst>
+        </pc:grpChg>
+        <pc:grpChg chg="mod">
+          <ac:chgData name="James Serra" userId="8ac5bb8964d8f761" providerId="LiveId" clId="{C6CF72FC-4332-4AC2-AFC3-466019215905}" dt="2017-12-07T02:31:25.346" v="458" actId="1076"/>
+          <ac:grpSpMkLst>
+            <pc:docMk/>
+            <pc:sldMk cId="1223990388" sldId="282"/>
+            <ac:grpSpMk id="17" creationId="{00000000-0000-0000-0000-000000000000}"/>
+          </ac:grpSpMkLst>
+        </pc:grpChg>
+        <pc:grpChg chg="mod">
+          <ac:chgData name="James Serra" userId="8ac5bb8964d8f761" providerId="LiveId" clId="{C6CF72FC-4332-4AC2-AFC3-466019215905}" dt="2017-12-07T02:29:35.143" v="441" actId="1076"/>
+          <ac:grpSpMkLst>
+            <pc:docMk/>
+            <pc:sldMk cId="1223990388" sldId="282"/>
+            <ac:grpSpMk id="61" creationId="{00000000-0000-0000-0000-000000000000}"/>
+          </ac:grpSpMkLst>
+        </pc:grpChg>
+        <pc:grpChg chg="del">
+          <ac:chgData name="James Serra" userId="8ac5bb8964d8f761" providerId="LiveId" clId="{C6CF72FC-4332-4AC2-AFC3-466019215905}" dt="2017-12-07T02:29:24.879" v="440" actId="478"/>
+          <ac:grpSpMkLst>
+            <pc:docMk/>
+            <pc:sldMk cId="1223990388" sldId="282"/>
+            <ac:grpSpMk id="62" creationId="{00000000-0000-0000-0000-000000000000}"/>
+          </ac:grpSpMkLst>
+        </pc:grpChg>
+        <pc:cxnChg chg="mod">
+          <ac:chgData name="James Serra" userId="8ac5bb8964d8f761" providerId="LiveId" clId="{C6CF72FC-4332-4AC2-AFC3-466019215905}" dt="2017-12-07T02:29:35.143" v="441" actId="1076"/>
+          <ac:cxnSpMkLst>
+            <pc:docMk/>
+            <pc:sldMk cId="1223990388" sldId="282"/>
+            <ac:cxnSpMk id="99" creationId="{00000000-0000-0000-0000-000000000000}"/>
+          </ac:cxnSpMkLst>
+        </pc:cxnChg>
+        <pc:cxnChg chg="mod">
+          <ac:chgData name="James Serra" userId="8ac5bb8964d8f761" providerId="LiveId" clId="{C6CF72FC-4332-4AC2-AFC3-466019215905}" dt="2017-12-07T02:31:39.243" v="460" actId="14100"/>
+          <ac:cxnSpMkLst>
+            <pc:docMk/>
+            <pc:sldMk cId="1223990388" sldId="282"/>
+            <ac:cxnSpMk id="120" creationId="{00000000-0000-0000-0000-000000000000}"/>
+          </ac:cxnSpMkLst>
+        </pc:cxnChg>
+        <pc:cxnChg chg="mod">
+          <ac:chgData name="James Serra" userId="8ac5bb8964d8f761" providerId="LiveId" clId="{C6CF72FC-4332-4AC2-AFC3-466019215905}" dt="2017-12-07T02:29:35.143" v="441" actId="1076"/>
+          <ac:cxnSpMkLst>
+            <pc:docMk/>
+            <pc:sldMk cId="1223990388" sldId="282"/>
+            <ac:cxnSpMk id="122" creationId="{00000000-0000-0000-0000-000000000000}"/>
+          </ac:cxnSpMkLst>
+        </pc:cxnChg>
+        <pc:cxnChg chg="mod">
+          <ac:chgData name="James Serra" userId="8ac5bb8964d8f761" providerId="LiveId" clId="{C6CF72FC-4332-4AC2-AFC3-466019215905}" dt="2017-12-07T02:29:35.143" v="441" actId="1076"/>
+          <ac:cxnSpMkLst>
+            <pc:docMk/>
+            <pc:sldMk cId="1223990388" sldId="282"/>
+            <ac:cxnSpMk id="124" creationId="{00000000-0000-0000-0000-000000000000}"/>
+          </ac:cxnSpMkLst>
+        </pc:cxnChg>
+        <pc:cxnChg chg="add mod">
+          <ac:chgData name="James Serra" userId="8ac5bb8964d8f761" providerId="LiveId" clId="{C6CF72FC-4332-4AC2-AFC3-466019215905}" dt="2017-12-07T02:33:30.667" v="471" actId="1076"/>
+          <ac:cxnSpMkLst>
+            <pc:docMk/>
+            <pc:sldMk cId="1223990388" sldId="282"/>
+            <ac:cxnSpMk id="125" creationId="{300AB888-F353-4BFF-8DED-7140A596EDBF}"/>
+          </ac:cxnSpMkLst>
+        </pc:cxnChg>
+        <pc:cxnChg chg="mod">
+          <ac:chgData name="James Serra" userId="8ac5bb8964d8f761" providerId="LiveId" clId="{C6CF72FC-4332-4AC2-AFC3-466019215905}" dt="2017-12-07T02:29:35.143" v="441" actId="1076"/>
+          <ac:cxnSpMkLst>
+            <pc:docMk/>
+            <pc:sldMk cId="1223990388" sldId="282"/>
+            <ac:cxnSpMk id="126" creationId="{00000000-0000-0000-0000-000000000000}"/>
+          </ac:cxnSpMkLst>
+        </pc:cxnChg>
+        <pc:cxnChg chg="mod">
+          <ac:chgData name="James Serra" userId="8ac5bb8964d8f761" providerId="LiveId" clId="{C6CF72FC-4332-4AC2-AFC3-466019215905}" dt="2017-12-07T02:29:35.143" v="441" actId="1076"/>
+          <ac:cxnSpMkLst>
+            <pc:docMk/>
+            <pc:sldMk cId="1223990388" sldId="282"/>
+            <ac:cxnSpMk id="140" creationId="{00000000-0000-0000-0000-000000000000}"/>
+          </ac:cxnSpMkLst>
+        </pc:cxnChg>
+        <pc:cxnChg chg="mod">
+          <ac:chgData name="James Serra" userId="8ac5bb8964d8f761" providerId="LiveId" clId="{C6CF72FC-4332-4AC2-AFC3-466019215905}" dt="2017-12-07T02:29:35.143" v="441" actId="1076"/>
+          <ac:cxnSpMkLst>
+            <pc:docMk/>
+            <pc:sldMk cId="1223990388" sldId="282"/>
+            <ac:cxnSpMk id="150" creationId="{00000000-0000-0000-0000-000000000000}"/>
+          </ac:cxnSpMkLst>
+        </pc:cxnChg>
+        <pc:cxnChg chg="mod">
+          <ac:chgData name="James Serra" userId="8ac5bb8964d8f761" providerId="LiveId" clId="{C6CF72FC-4332-4AC2-AFC3-466019215905}" dt="2017-12-07T02:29:35.143" v="441" actId="1076"/>
+          <ac:cxnSpMkLst>
+            <pc:docMk/>
+            <pc:sldMk cId="1223990388" sldId="282"/>
+            <ac:cxnSpMk id="151" creationId="{00000000-0000-0000-0000-000000000000}"/>
+          </ac:cxnSpMkLst>
+        </pc:cxnChg>
+        <pc:cxnChg chg="del mod">
+          <ac:chgData name="James Serra" userId="8ac5bb8964d8f761" providerId="LiveId" clId="{C6CF72FC-4332-4AC2-AFC3-466019215905}" dt="2017-12-07T02:33:22.596" v="469" actId="478"/>
+          <ac:cxnSpMkLst>
+            <pc:docMk/>
+            <pc:sldMk cId="1223990388" sldId="282"/>
+            <ac:cxnSpMk id="164" creationId="{00000000-0000-0000-0000-000000000000}"/>
+          </ac:cxnSpMkLst>
+        </pc:cxnChg>
+      </pc:sldChg>
+      <pc:sldChg chg="delSp modSp add del">
+        <pc:chgData name="James Serra" userId="8ac5bb8964d8f761" providerId="LiveId" clId="{C6CF72FC-4332-4AC2-AFC3-466019215905}" dt="2017-12-07T02:33:35.960" v="472" actId="2696"/>
+        <pc:sldMkLst>
+          <pc:docMk/>
+          <pc:sldMk cId="1648453170" sldId="283"/>
+        </pc:sldMkLst>
+        <pc:spChg chg="mod">
+          <ac:chgData name="James Serra" userId="8ac5bb8964d8f761" providerId="LiveId" clId="{C6CF72FC-4332-4AC2-AFC3-466019215905}" dt="2017-12-07T02:32:36.637" v="466" actId="1076"/>
+          <ac:spMkLst>
+            <pc:docMk/>
+            <pc:sldMk cId="1648453170" sldId="283"/>
+            <ac:spMk id="5" creationId="{00000000-0000-0000-0000-000000000000}"/>
+          </ac:spMkLst>
+        </pc:spChg>
+        <pc:spChg chg="mod">
+          <ac:chgData name="James Serra" userId="8ac5bb8964d8f761" providerId="LiveId" clId="{C6CF72FC-4332-4AC2-AFC3-466019215905}" dt="2017-12-07T02:32:36.637" v="466" actId="1076"/>
+          <ac:spMkLst>
+            <pc:docMk/>
+            <pc:sldMk cId="1648453170" sldId="283"/>
+            <ac:spMk id="85" creationId="{00000000-0000-0000-0000-000000000000}"/>
+          </ac:spMkLst>
+        </pc:spChg>
+        <pc:spChg chg="mod">
+          <ac:chgData name="James Serra" userId="8ac5bb8964d8f761" providerId="LiveId" clId="{C6CF72FC-4332-4AC2-AFC3-466019215905}" dt="2017-12-07T02:32:36.637" v="466" actId="1076"/>
+          <ac:spMkLst>
+            <pc:docMk/>
+            <pc:sldMk cId="1648453170" sldId="283"/>
+            <ac:spMk id="86" creationId="{00000000-0000-0000-0000-000000000000}"/>
+          </ac:spMkLst>
+        </pc:spChg>
+        <pc:spChg chg="mod">
+          <ac:chgData name="James Serra" userId="8ac5bb8964d8f761" providerId="LiveId" clId="{C6CF72FC-4332-4AC2-AFC3-466019215905}" dt="2017-12-07T02:32:36.637" v="466" actId="1076"/>
+          <ac:spMkLst>
+            <pc:docMk/>
+            <pc:sldMk cId="1648453170" sldId="283"/>
+            <ac:spMk id="94" creationId="{00000000-0000-0000-0000-000000000000}"/>
+          </ac:spMkLst>
+        </pc:spChg>
+        <pc:spChg chg="mod">
+          <ac:chgData name="James Serra" userId="8ac5bb8964d8f761" providerId="LiveId" clId="{C6CF72FC-4332-4AC2-AFC3-466019215905}" dt="2017-12-07T02:32:36.637" v="466" actId="1076"/>
+          <ac:spMkLst>
+            <pc:docMk/>
+            <pc:sldMk cId="1648453170" sldId="283"/>
+            <ac:spMk id="95" creationId="{00000000-0000-0000-0000-000000000000}"/>
+          </ac:spMkLst>
+        </pc:spChg>
+        <pc:spChg chg="mod">
+          <ac:chgData name="James Serra" userId="8ac5bb8964d8f761" providerId="LiveId" clId="{C6CF72FC-4332-4AC2-AFC3-466019215905}" dt="2017-12-07T02:32:36.637" v="466" actId="1076"/>
+          <ac:spMkLst>
+            <pc:docMk/>
+            <pc:sldMk cId="1648453170" sldId="283"/>
+            <ac:spMk id="98" creationId="{00000000-0000-0000-0000-000000000000}"/>
+          </ac:spMkLst>
+        </pc:spChg>
+        <pc:spChg chg="mod">
+          <ac:chgData name="James Serra" userId="8ac5bb8964d8f761" providerId="LiveId" clId="{C6CF72FC-4332-4AC2-AFC3-466019215905}" dt="2017-12-07T02:32:36.637" v="466" actId="1076"/>
+          <ac:spMkLst>
+            <pc:docMk/>
+            <pc:sldMk cId="1648453170" sldId="283"/>
+            <ac:spMk id="101" creationId="{00000000-0000-0000-0000-000000000000}"/>
+          </ac:spMkLst>
+        </pc:spChg>
+        <pc:spChg chg="mod">
+          <ac:chgData name="James Serra" userId="8ac5bb8964d8f761" providerId="LiveId" clId="{C6CF72FC-4332-4AC2-AFC3-466019215905}" dt="2017-12-07T02:32:36.637" v="466" actId="1076"/>
+          <ac:spMkLst>
+            <pc:docMk/>
+            <pc:sldMk cId="1648453170" sldId="283"/>
+            <ac:spMk id="105" creationId="{00000000-0000-0000-0000-000000000000}"/>
+          </ac:spMkLst>
+        </pc:spChg>
+        <pc:spChg chg="mod">
+          <ac:chgData name="James Serra" userId="8ac5bb8964d8f761" providerId="LiveId" clId="{C6CF72FC-4332-4AC2-AFC3-466019215905}" dt="2017-12-07T02:32:36.637" v="466" actId="1076"/>
+          <ac:spMkLst>
+            <pc:docMk/>
+            <pc:sldMk cId="1648453170" sldId="283"/>
+            <ac:spMk id="106" creationId="{00000000-0000-0000-0000-000000000000}"/>
+          </ac:spMkLst>
+        </pc:spChg>
+        <pc:spChg chg="mod">
+          <ac:chgData name="James Serra" userId="8ac5bb8964d8f761" providerId="LiveId" clId="{C6CF72FC-4332-4AC2-AFC3-466019215905}" dt="2017-12-07T02:32:36.637" v="466" actId="1076"/>
+          <ac:spMkLst>
+            <pc:docMk/>
+            <pc:sldMk cId="1648453170" sldId="283"/>
+            <ac:spMk id="107" creationId="{00000000-0000-0000-0000-000000000000}"/>
+          </ac:spMkLst>
+        </pc:spChg>
+        <pc:spChg chg="mod">
+          <ac:chgData name="James Serra" userId="8ac5bb8964d8f761" providerId="LiveId" clId="{C6CF72FC-4332-4AC2-AFC3-466019215905}" dt="2017-12-07T02:32:36.637" v="466" actId="1076"/>
+          <ac:spMkLst>
+            <pc:docMk/>
+            <pc:sldMk cId="1648453170" sldId="283"/>
+            <ac:spMk id="108" creationId="{00000000-0000-0000-0000-000000000000}"/>
+          </ac:spMkLst>
+        </pc:spChg>
+        <pc:spChg chg="mod">
+          <ac:chgData name="James Serra" userId="8ac5bb8964d8f761" providerId="LiveId" clId="{C6CF72FC-4332-4AC2-AFC3-466019215905}" dt="2017-12-07T02:32:36.637" v="466" actId="1076"/>
+          <ac:spMkLst>
+            <pc:docMk/>
+            <pc:sldMk cId="1648453170" sldId="283"/>
+            <ac:spMk id="112" creationId="{00000000-0000-0000-0000-000000000000}"/>
+          </ac:spMkLst>
+        </pc:spChg>
+        <pc:spChg chg="mod">
+          <ac:chgData name="James Serra" userId="8ac5bb8964d8f761" providerId="LiveId" clId="{C6CF72FC-4332-4AC2-AFC3-466019215905}" dt="2017-12-07T02:32:36.637" v="466" actId="1076"/>
+          <ac:spMkLst>
+            <pc:docMk/>
+            <pc:sldMk cId="1648453170" sldId="283"/>
+            <ac:spMk id="154" creationId="{00000000-0000-0000-0000-000000000000}"/>
+          </ac:spMkLst>
+        </pc:spChg>
+        <pc:spChg chg="mod">
+          <ac:chgData name="James Serra" userId="8ac5bb8964d8f761" providerId="LiveId" clId="{C6CF72FC-4332-4AC2-AFC3-466019215905}" dt="2017-12-07T02:32:36.637" v="466" actId="1076"/>
+          <ac:spMkLst>
+            <pc:docMk/>
+            <pc:sldMk cId="1648453170" sldId="283"/>
+            <ac:spMk id="155" creationId="{00000000-0000-0000-0000-000000000000}"/>
+          </ac:spMkLst>
+        </pc:spChg>
+        <pc:grpChg chg="mod">
+          <ac:chgData name="James Serra" userId="8ac5bb8964d8f761" providerId="LiveId" clId="{C6CF72FC-4332-4AC2-AFC3-466019215905}" dt="2017-12-07T02:32:36.637" v="466" actId="1076"/>
+          <ac:grpSpMkLst>
+            <pc:docMk/>
+            <pc:sldMk cId="1648453170" sldId="283"/>
+            <ac:grpSpMk id="2" creationId="{00000000-0000-0000-0000-000000000000}"/>
+          </ac:grpSpMkLst>
+        </pc:grpChg>
+        <pc:grpChg chg="mod">
+          <ac:chgData name="James Serra" userId="8ac5bb8964d8f761" providerId="LiveId" clId="{C6CF72FC-4332-4AC2-AFC3-466019215905}" dt="2017-12-07T02:32:36.637" v="466" actId="1076"/>
+          <ac:grpSpMkLst>
+            <pc:docMk/>
+            <pc:sldMk cId="1648453170" sldId="283"/>
+            <ac:grpSpMk id="3" creationId="{00000000-0000-0000-0000-000000000000}"/>
+          </ac:grpSpMkLst>
+        </pc:grpChg>
+        <pc:grpChg chg="mod">
+          <ac:chgData name="James Serra" userId="8ac5bb8964d8f761" providerId="LiveId" clId="{C6CF72FC-4332-4AC2-AFC3-466019215905}" dt="2017-12-07T02:32:36.637" v="466" actId="1076"/>
+          <ac:grpSpMkLst>
+            <pc:docMk/>
+            <pc:sldMk cId="1648453170" sldId="283"/>
+            <ac:grpSpMk id="17" creationId="{00000000-0000-0000-0000-000000000000}"/>
+          </ac:grpSpMkLst>
+        </pc:grpChg>
+        <pc:grpChg chg="mod">
+          <ac:chgData name="James Serra" userId="8ac5bb8964d8f761" providerId="LiveId" clId="{C6CF72FC-4332-4AC2-AFC3-466019215905}" dt="2017-12-07T02:32:36.637" v="466" actId="1076"/>
+          <ac:grpSpMkLst>
+            <pc:docMk/>
+            <pc:sldMk cId="1648453170" sldId="283"/>
+            <ac:grpSpMk id="61" creationId="{00000000-0000-0000-0000-000000000000}"/>
+          </ac:grpSpMkLst>
+        </pc:grpChg>
+        <pc:grpChg chg="del">
+          <ac:chgData name="James Serra" userId="8ac5bb8964d8f761" providerId="LiveId" clId="{C6CF72FC-4332-4AC2-AFC3-466019215905}" dt="2017-12-07T02:32:01.172" v="462" actId="478"/>
+          <ac:grpSpMkLst>
+            <pc:docMk/>
+            <pc:sldMk cId="1648453170" sldId="283"/>
+            <ac:grpSpMk id="62" creationId="{00000000-0000-0000-0000-000000000000}"/>
+          </ac:grpSpMkLst>
+        </pc:grpChg>
+        <pc:cxnChg chg="mod">
+          <ac:chgData name="James Serra" userId="8ac5bb8964d8f761" providerId="LiveId" clId="{C6CF72FC-4332-4AC2-AFC3-466019215905}" dt="2017-12-07T02:32:36.637" v="466" actId="1076"/>
+          <ac:cxnSpMkLst>
+            <pc:docMk/>
+            <pc:sldMk cId="1648453170" sldId="283"/>
+            <ac:cxnSpMk id="99" creationId="{00000000-0000-0000-0000-000000000000}"/>
+          </ac:cxnSpMkLst>
+        </pc:cxnChg>
+        <pc:cxnChg chg="mod">
+          <ac:chgData name="James Serra" userId="8ac5bb8964d8f761" providerId="LiveId" clId="{C6CF72FC-4332-4AC2-AFC3-466019215905}" dt="2017-12-07T02:32:36.637" v="466" actId="1076"/>
+          <ac:cxnSpMkLst>
+            <pc:docMk/>
+            <pc:sldMk cId="1648453170" sldId="283"/>
+            <ac:cxnSpMk id="120" creationId="{00000000-0000-0000-0000-000000000000}"/>
+          </ac:cxnSpMkLst>
+        </pc:cxnChg>
+        <pc:cxnChg chg="mod">
+          <ac:chgData name="James Serra" userId="8ac5bb8964d8f761" providerId="LiveId" clId="{C6CF72FC-4332-4AC2-AFC3-466019215905}" dt="2017-12-07T02:32:36.637" v="466" actId="1076"/>
+          <ac:cxnSpMkLst>
+            <pc:docMk/>
+            <pc:sldMk cId="1648453170" sldId="283"/>
+            <ac:cxnSpMk id="122" creationId="{00000000-0000-0000-0000-000000000000}"/>
+          </ac:cxnSpMkLst>
+        </pc:cxnChg>
+        <pc:cxnChg chg="mod">
+          <ac:chgData name="James Serra" userId="8ac5bb8964d8f761" providerId="LiveId" clId="{C6CF72FC-4332-4AC2-AFC3-466019215905}" dt="2017-12-07T02:32:36.637" v="466" actId="1076"/>
+          <ac:cxnSpMkLst>
+            <pc:docMk/>
+            <pc:sldMk cId="1648453170" sldId="283"/>
+            <ac:cxnSpMk id="124" creationId="{00000000-0000-0000-0000-000000000000}"/>
+          </ac:cxnSpMkLst>
+        </pc:cxnChg>
+        <pc:cxnChg chg="mod">
+          <ac:chgData name="James Serra" userId="8ac5bb8964d8f761" providerId="LiveId" clId="{C6CF72FC-4332-4AC2-AFC3-466019215905}" dt="2017-12-07T02:32:36.637" v="466" actId="1076"/>
+          <ac:cxnSpMkLst>
+            <pc:docMk/>
+            <pc:sldMk cId="1648453170" sldId="283"/>
+            <ac:cxnSpMk id="126" creationId="{00000000-0000-0000-0000-000000000000}"/>
+          </ac:cxnSpMkLst>
+        </pc:cxnChg>
+        <pc:cxnChg chg="mod">
+          <ac:chgData name="James Serra" userId="8ac5bb8964d8f761" providerId="LiveId" clId="{C6CF72FC-4332-4AC2-AFC3-466019215905}" dt="2017-12-07T02:32:36.637" v="466" actId="1076"/>
+          <ac:cxnSpMkLst>
+            <pc:docMk/>
+            <pc:sldMk cId="1648453170" sldId="283"/>
+            <ac:cxnSpMk id="140" creationId="{00000000-0000-0000-0000-000000000000}"/>
+          </ac:cxnSpMkLst>
+        </pc:cxnChg>
+        <pc:cxnChg chg="mod">
+          <ac:chgData name="James Serra" userId="8ac5bb8964d8f761" providerId="LiveId" clId="{C6CF72FC-4332-4AC2-AFC3-466019215905}" dt="2017-12-07T02:32:36.637" v="466" actId="1076"/>
+          <ac:cxnSpMkLst>
+            <pc:docMk/>
+            <pc:sldMk cId="1648453170" sldId="283"/>
+            <ac:cxnSpMk id="150" creationId="{00000000-0000-0000-0000-000000000000}"/>
+          </ac:cxnSpMkLst>
+        </pc:cxnChg>
+        <pc:cxnChg chg="mod">
+          <ac:chgData name="James Serra" userId="8ac5bb8964d8f761" providerId="LiveId" clId="{C6CF72FC-4332-4AC2-AFC3-466019215905}" dt="2017-12-07T02:32:36.637" v="466" actId="1076"/>
+          <ac:cxnSpMkLst>
+            <pc:docMk/>
+            <pc:sldMk cId="1648453170" sldId="283"/>
+            <ac:cxnSpMk id="151" creationId="{00000000-0000-0000-0000-000000000000}"/>
+          </ac:cxnSpMkLst>
+        </pc:cxnChg>
+        <pc:cxnChg chg="mod">
+          <ac:chgData name="James Serra" userId="8ac5bb8964d8f761" providerId="LiveId" clId="{C6CF72FC-4332-4AC2-AFC3-466019215905}" dt="2017-12-07T02:32:36.637" v="466" actId="1076"/>
+          <ac:cxnSpMkLst>
+            <pc:docMk/>
+            <pc:sldMk cId="1648453170" sldId="283"/>
+            <ac:cxnSpMk id="164" creationId="{00000000-0000-0000-0000-000000000000}"/>
+          </ac:cxnSpMkLst>
+        </pc:cxnChg>
       </pc:sldChg>
       <pc:sldMasterChg chg="delSldLayout">
         <pc:chgData name="James Serra" userId="8ac5bb8964d8f761" providerId="LiveId" clId="{C6CF72FC-4332-4AC2-AFC3-466019215905}" dt="2017-12-06T16:44:04.383" v="312" actId="2696"/>
@@ -1279,7 +1791,7 @@
                 <a:tabLst/>
                 <a:defRPr/>
               </a:pPr>
-              <a:t>12/6/2017 1:05 PM</a:t>
+              <a:t>12/6/2017 9:24 PM</a:t>
             </a:fld>
             <a:endParaRPr kumimoji="0" lang="en-US" sz="1200" b="0" i="0" u="none" strike="noStrike" kern="1200" cap="none" spc="0" normalizeH="0" baseline="0" noProof="0" dirty="0">
               <a:ln>
@@ -1637,7 +2149,7 @@
                 <a:tabLst/>
                 <a:defRPr/>
               </a:pPr>
-              <a:t>12/6/2017 1:05 PM</a:t>
+              <a:t>12/6/2017 9:24 PM</a:t>
             </a:fld>
             <a:endParaRPr kumimoji="0" lang="en-US" sz="1200" b="0" i="0" u="none" strike="noStrike" kern="1200" cap="none" spc="0" normalizeH="0" baseline="0" noProof="0" dirty="0">
               <a:ln>
@@ -2415,7 +2927,7 @@
                 <a:tabLst/>
                 <a:defRPr/>
               </a:pPr>
-              <a:t>12/6/2017 1:05 PM</a:t>
+              <a:t>12/6/2017 9:24 PM</a:t>
             </a:fld>
             <a:endParaRPr kumimoji="0" lang="en-US" sz="1200" b="0" i="0" u="none" strike="noStrike" kern="1200" cap="none" spc="0" normalizeH="0" baseline="0" noProof="0" dirty="0">
               <a:ln>
@@ -3131,6 +3643,150 @@
           <a:bodyPr/>
           <a:lstStyle/>
           <a:p>
+            <a:endParaRPr lang="en-US" dirty="0"/>
+          </a:p>
+        </p:txBody>
+      </p:sp>
+      <p:sp>
+        <p:nvSpPr>
+          <p:cNvPr id="4" name="Slide Number Placeholder 3"/>
+          <p:cNvSpPr>
+            <a:spLocks noGrp="1"/>
+          </p:cNvSpPr>
+          <p:nvPr>
+            <p:ph type="sldNum" sz="quarter" idx="10"/>
+          </p:nvPr>
+        </p:nvSpPr>
+        <p:spPr/>
+        <p:txBody>
+          <a:bodyPr/>
+          <a:lstStyle/>
+          <a:p>
+            <a:pPr marL="0" marR="0" lvl="0" indent="0" algn="r" defTabSz="914400" rtl="0" eaLnBrk="1" fontAlgn="auto" latinLnBrk="0" hangingPunct="1">
+              <a:lnSpc>
+                <a:spcPct val="100000"/>
+              </a:lnSpc>
+              <a:spcBef>
+                <a:spcPts val="0"/>
+              </a:spcBef>
+              <a:spcAft>
+                <a:spcPts val="0"/>
+              </a:spcAft>
+              <a:buClrTx/>
+              <a:buSzTx/>
+              <a:buFontTx/>
+              <a:buNone/>
+              <a:tabLst/>
+              <a:defRPr/>
+            </a:pPr>
+            <a:fld id="{DE08D934-CB4C-492D-BF4E-6BA6B0039877}" type="slidenum">
+              <a:rPr kumimoji="0" lang="en-US" sz="1200" b="0" i="0" u="none" strike="noStrike" kern="1200" cap="none" spc="0" normalizeH="0" baseline="0" noProof="0">
+                <a:ln>
+                  <a:noFill/>
+                </a:ln>
+                <a:solidFill>
+                  <a:prstClr val="black"/>
+                </a:solidFill>
+                <a:effectLst/>
+                <a:uLnTx/>
+                <a:uFillTx/>
+                <a:latin typeface="Calibri" panose="020F0502020204030204"/>
+                <a:ea typeface="+mn-ea"/>
+                <a:cs typeface="+mn-cs"/>
+              </a:rPr>
+              <a:pPr marL="0" marR="0" lvl="0" indent="0" algn="r" defTabSz="914400" rtl="0" eaLnBrk="1" fontAlgn="auto" latinLnBrk="0" hangingPunct="1">
+                <a:lnSpc>
+                  <a:spcPct val="100000"/>
+                </a:lnSpc>
+                <a:spcBef>
+                  <a:spcPts val="0"/>
+                </a:spcBef>
+                <a:spcAft>
+                  <a:spcPts val="0"/>
+                </a:spcAft>
+                <a:buClrTx/>
+                <a:buSzTx/>
+                <a:buFontTx/>
+                <a:buNone/>
+                <a:tabLst/>
+                <a:defRPr/>
+              </a:pPr>
+              <a:t>21</a:t>
+            </a:fld>
+            <a:endParaRPr kumimoji="0" lang="en-US" sz="1200" b="0" i="0" u="none" strike="noStrike" kern="1200" cap="none" spc="0" normalizeH="0" baseline="0" noProof="0">
+              <a:ln>
+                <a:noFill/>
+              </a:ln>
+              <a:solidFill>
+                <a:prstClr val="black"/>
+              </a:solidFill>
+              <a:effectLst/>
+              <a:uLnTx/>
+              <a:uFillTx/>
+              <a:latin typeface="Calibri" panose="020F0502020204030204"/>
+              <a:ea typeface="+mn-ea"/>
+              <a:cs typeface="+mn-cs"/>
+            </a:endParaRPr>
+          </a:p>
+        </p:txBody>
+      </p:sp>
+    </p:spTree>
+    <p:extLst>
+      <p:ext uri="{BB962C8B-B14F-4D97-AF65-F5344CB8AC3E}">
+        <p14:creationId xmlns:p14="http://schemas.microsoft.com/office/powerpoint/2010/main" val="3437720695"/>
+      </p:ext>
+    </p:extLst>
+  </p:cSld>
+  <p:clrMapOvr>
+    <a:masterClrMapping/>
+  </p:clrMapOvr>
+</p:notes>
+</file>
+
+<file path=ppt/notesSlides/notesSlide22.xml><?xml version="1.0" encoding="utf-8"?>
+<p:notes xmlns:a="http://schemas.openxmlformats.org/drawingml/2006/main" xmlns:r="http://schemas.openxmlformats.org/officeDocument/2006/relationships" xmlns:p="http://schemas.openxmlformats.org/presentationml/2006/main">
+  <p:cSld>
+    <p:spTree>
+      <p:nvGrpSpPr>
+        <p:cNvPr id="1" name=""/>
+        <p:cNvGrpSpPr/>
+        <p:nvPr/>
+      </p:nvGrpSpPr>
+      <p:grpSpPr>
+        <a:xfrm>
+          <a:off x="0" y="0"/>
+          <a:ext cx="0" cy="0"/>
+          <a:chOff x="0" y="0"/>
+          <a:chExt cx="0" cy="0"/>
+        </a:xfrm>
+      </p:grpSpPr>
+      <p:sp>
+        <p:nvSpPr>
+          <p:cNvPr id="2" name="Slide Image Placeholder 1"/>
+          <p:cNvSpPr>
+            <a:spLocks noGrp="1" noRot="1" noChangeAspect="1"/>
+          </p:cNvSpPr>
+          <p:nvPr>
+            <p:ph type="sldImg"/>
+          </p:nvPr>
+        </p:nvSpPr>
+        <p:spPr/>
+      </p:sp>
+      <p:sp>
+        <p:nvSpPr>
+          <p:cNvPr id="3" name="Notes Placeholder 2"/>
+          <p:cNvSpPr>
+            <a:spLocks noGrp="1"/>
+          </p:cNvSpPr>
+          <p:nvPr>
+            <p:ph type="body" idx="1"/>
+          </p:nvPr>
+        </p:nvSpPr>
+        <p:spPr/>
+        <p:txBody>
+          <a:bodyPr/>
+          <a:lstStyle/>
+          <a:p>
             <a:endParaRPr lang="en-US"/>
           </a:p>
         </p:txBody>
@@ -3199,7 +3855,7 @@
                 <a:tabLst/>
                 <a:defRPr/>
               </a:pPr>
-              <a:t>21</a:t>
+              <a:t>22</a:t>
             </a:fld>
             <a:endParaRPr kumimoji="0" lang="en-US" sz="1200" b="0" i="0" u="none" strike="noStrike" kern="1200" cap="none" spc="0" normalizeH="0" baseline="0" noProof="0">
               <a:ln>
@@ -3222,90 +3878,6 @@
     <p:extLst>
       <p:ext uri="{BB962C8B-B14F-4D97-AF65-F5344CB8AC3E}">
         <p14:creationId xmlns:p14="http://schemas.microsoft.com/office/powerpoint/2010/main" val="1452392174"/>
-      </p:ext>
-    </p:extLst>
-  </p:cSld>
-  <p:clrMapOvr>
-    <a:masterClrMapping/>
-  </p:clrMapOvr>
-</p:notes>
-</file>
-
-<file path=ppt/notesSlides/notesSlide22.xml><?xml version="1.0" encoding="utf-8"?>
-<p:notes xmlns:a="http://schemas.openxmlformats.org/drawingml/2006/main" xmlns:r="http://schemas.openxmlformats.org/officeDocument/2006/relationships" xmlns:p="http://schemas.openxmlformats.org/presentationml/2006/main">
-  <p:cSld>
-    <p:spTree>
-      <p:nvGrpSpPr>
-        <p:cNvPr id="1" name=""/>
-        <p:cNvGrpSpPr/>
-        <p:nvPr/>
-      </p:nvGrpSpPr>
-      <p:grpSpPr>
-        <a:xfrm>
-          <a:off x="0" y="0"/>
-          <a:ext cx="0" cy="0"/>
-          <a:chOff x="0" y="0"/>
-          <a:chExt cx="0" cy="0"/>
-        </a:xfrm>
-      </p:grpSpPr>
-      <p:sp>
-        <p:nvSpPr>
-          <p:cNvPr id="2" name="Slide Image Placeholder 1"/>
-          <p:cNvSpPr>
-            <a:spLocks noGrp="1" noRot="1" noChangeAspect="1"/>
-          </p:cNvSpPr>
-          <p:nvPr>
-            <p:ph type="sldImg"/>
-          </p:nvPr>
-        </p:nvSpPr>
-        <p:spPr/>
-      </p:sp>
-      <p:sp>
-        <p:nvSpPr>
-          <p:cNvPr id="3" name="Notes Placeholder 2"/>
-          <p:cNvSpPr>
-            <a:spLocks noGrp="1"/>
-          </p:cNvSpPr>
-          <p:nvPr>
-            <p:ph type="body" idx="1"/>
-          </p:nvPr>
-        </p:nvSpPr>
-        <p:spPr/>
-        <p:txBody>
-          <a:bodyPr/>
-          <a:lstStyle/>
-          <a:p>
-            <a:endParaRPr lang="en-US"/>
-          </a:p>
-        </p:txBody>
-      </p:sp>
-      <p:sp>
-        <p:nvSpPr>
-          <p:cNvPr id="4" name="Slide Number Placeholder 3"/>
-          <p:cNvSpPr>
-            <a:spLocks noGrp="1"/>
-          </p:cNvSpPr>
-          <p:nvPr>
-            <p:ph type="sldNum" sz="quarter" idx="10"/>
-          </p:nvPr>
-        </p:nvSpPr>
-        <p:spPr/>
-        <p:txBody>
-          <a:bodyPr/>
-          <a:lstStyle/>
-          <a:p>
-            <a:fld id="{6F4359F3-A1DB-42F0-B895-2E4AB9AF34F1}" type="slidenum">
-              <a:rPr lang="en-US" smtClean="0"/>
-              <a:t>22</a:t>
-            </a:fld>
-            <a:endParaRPr lang="en-US"/>
-          </a:p>
-        </p:txBody>
-      </p:sp>
-    </p:spTree>
-    <p:extLst>
-      <p:ext uri="{BB962C8B-B14F-4D97-AF65-F5344CB8AC3E}">
-        <p14:creationId xmlns:p14="http://schemas.microsoft.com/office/powerpoint/2010/main" val="1369916335"/>
       </p:ext>
     </p:extLst>
   </p:cSld>
@@ -3381,6 +3953,90 @@
             <a:fld id="{6F4359F3-A1DB-42F0-B895-2E4AB9AF34F1}" type="slidenum">
               <a:rPr lang="en-US" smtClean="0"/>
               <a:t>23</a:t>
+            </a:fld>
+            <a:endParaRPr lang="en-US"/>
+          </a:p>
+        </p:txBody>
+      </p:sp>
+    </p:spTree>
+    <p:extLst>
+      <p:ext uri="{BB962C8B-B14F-4D97-AF65-F5344CB8AC3E}">
+        <p14:creationId xmlns:p14="http://schemas.microsoft.com/office/powerpoint/2010/main" val="1369916335"/>
+      </p:ext>
+    </p:extLst>
+  </p:cSld>
+  <p:clrMapOvr>
+    <a:masterClrMapping/>
+  </p:clrMapOvr>
+</p:notes>
+</file>
+
+<file path=ppt/notesSlides/notesSlide24.xml><?xml version="1.0" encoding="utf-8"?>
+<p:notes xmlns:a="http://schemas.openxmlformats.org/drawingml/2006/main" xmlns:r="http://schemas.openxmlformats.org/officeDocument/2006/relationships" xmlns:p="http://schemas.openxmlformats.org/presentationml/2006/main">
+  <p:cSld>
+    <p:spTree>
+      <p:nvGrpSpPr>
+        <p:cNvPr id="1" name=""/>
+        <p:cNvGrpSpPr/>
+        <p:nvPr/>
+      </p:nvGrpSpPr>
+      <p:grpSpPr>
+        <a:xfrm>
+          <a:off x="0" y="0"/>
+          <a:ext cx="0" cy="0"/>
+          <a:chOff x="0" y="0"/>
+          <a:chExt cx="0" cy="0"/>
+        </a:xfrm>
+      </p:grpSpPr>
+      <p:sp>
+        <p:nvSpPr>
+          <p:cNvPr id="2" name="Slide Image Placeholder 1"/>
+          <p:cNvSpPr>
+            <a:spLocks noGrp="1" noRot="1" noChangeAspect="1"/>
+          </p:cNvSpPr>
+          <p:nvPr>
+            <p:ph type="sldImg"/>
+          </p:nvPr>
+        </p:nvSpPr>
+        <p:spPr/>
+      </p:sp>
+      <p:sp>
+        <p:nvSpPr>
+          <p:cNvPr id="3" name="Notes Placeholder 2"/>
+          <p:cNvSpPr>
+            <a:spLocks noGrp="1"/>
+          </p:cNvSpPr>
+          <p:nvPr>
+            <p:ph type="body" idx="1"/>
+          </p:nvPr>
+        </p:nvSpPr>
+        <p:spPr/>
+        <p:txBody>
+          <a:bodyPr/>
+          <a:lstStyle/>
+          <a:p>
+            <a:endParaRPr lang="en-US"/>
+          </a:p>
+        </p:txBody>
+      </p:sp>
+      <p:sp>
+        <p:nvSpPr>
+          <p:cNvPr id="4" name="Slide Number Placeholder 3"/>
+          <p:cNvSpPr>
+            <a:spLocks noGrp="1"/>
+          </p:cNvSpPr>
+          <p:nvPr>
+            <p:ph type="sldNum" sz="quarter" idx="10"/>
+          </p:nvPr>
+        </p:nvSpPr>
+        <p:spPr/>
+        <p:txBody>
+          <a:bodyPr/>
+          <a:lstStyle/>
+          <a:p>
+            <a:fld id="{6F4359F3-A1DB-42F0-B895-2E4AB9AF34F1}" type="slidenum">
+              <a:rPr lang="en-US" smtClean="0"/>
+              <a:t>24</a:t>
             </a:fld>
             <a:endParaRPr lang="en-US"/>
           </a:p>
@@ -13691,6 +14347,838 @@
 </p:sldLayout>
 </file>
 
+<file path=ppt/slideLayouts/slideLayout36.xml><?xml version="1.0" encoding="utf-8"?>
+<p:sldLayout xmlns:a="http://schemas.openxmlformats.org/drawingml/2006/main" xmlns:r="http://schemas.openxmlformats.org/officeDocument/2006/relationships" xmlns:p="http://schemas.openxmlformats.org/presentationml/2006/main" type="title" preserve="1">
+  <p:cSld name="Title Slide">
+    <p:spTree>
+      <p:nvGrpSpPr>
+        <p:cNvPr id="1" name=""/>
+        <p:cNvGrpSpPr/>
+        <p:nvPr/>
+      </p:nvGrpSpPr>
+      <p:grpSpPr>
+        <a:xfrm>
+          <a:off x="0" y="0"/>
+          <a:ext cx="0" cy="0"/>
+          <a:chOff x="0" y="0"/>
+          <a:chExt cx="0" cy="0"/>
+        </a:xfrm>
+      </p:grpSpPr>
+      <p:sp>
+        <p:nvSpPr>
+          <p:cNvPr id="2" name="Title 1"/>
+          <p:cNvSpPr>
+            <a:spLocks noGrp="1"/>
+          </p:cNvSpPr>
+          <p:nvPr>
+            <p:ph type="ctrTitle"/>
+          </p:nvPr>
+        </p:nvSpPr>
+        <p:spPr>
+          <a:xfrm>
+            <a:off x="1524000" y="1122363"/>
+            <a:ext cx="9144000" cy="2387600"/>
+          </a:xfrm>
+        </p:spPr>
+        <p:txBody>
+          <a:bodyPr anchor="b"/>
+          <a:lstStyle>
+            <a:lvl1pPr algn="ctr">
+              <a:defRPr sz="6000"/>
+            </a:lvl1pPr>
+          </a:lstStyle>
+          <a:p>
+            <a:r>
+              <a:rPr lang="en-US"/>
+              <a:t>Click to edit Master title style</a:t>
+            </a:r>
+          </a:p>
+        </p:txBody>
+      </p:sp>
+      <p:sp>
+        <p:nvSpPr>
+          <p:cNvPr id="3" name="Subtitle 2"/>
+          <p:cNvSpPr>
+            <a:spLocks noGrp="1"/>
+          </p:cNvSpPr>
+          <p:nvPr>
+            <p:ph type="subTitle" idx="1"/>
+          </p:nvPr>
+        </p:nvSpPr>
+        <p:spPr>
+          <a:xfrm>
+            <a:off x="1524000" y="3602038"/>
+            <a:ext cx="9144000" cy="1655762"/>
+          </a:xfrm>
+        </p:spPr>
+        <p:txBody>
+          <a:bodyPr/>
+          <a:lstStyle>
+            <a:lvl1pPr marL="0" indent="0" algn="ctr">
+              <a:buNone/>
+              <a:defRPr sz="2400"/>
+            </a:lvl1pPr>
+            <a:lvl2pPr marL="457200" indent="0" algn="ctr">
+              <a:buNone/>
+              <a:defRPr sz="2000"/>
+            </a:lvl2pPr>
+            <a:lvl3pPr marL="914400" indent="0" algn="ctr">
+              <a:buNone/>
+              <a:defRPr sz="1800"/>
+            </a:lvl3pPr>
+            <a:lvl4pPr marL="1371600" indent="0" algn="ctr">
+              <a:buNone/>
+              <a:defRPr sz="1600"/>
+            </a:lvl4pPr>
+            <a:lvl5pPr marL="1828800" indent="0" algn="ctr">
+              <a:buNone/>
+              <a:defRPr sz="1600"/>
+            </a:lvl5pPr>
+            <a:lvl6pPr marL="2286000" indent="0" algn="ctr">
+              <a:buNone/>
+              <a:defRPr sz="1600"/>
+            </a:lvl6pPr>
+            <a:lvl7pPr marL="2743200" indent="0" algn="ctr">
+              <a:buNone/>
+              <a:defRPr sz="1600"/>
+            </a:lvl7pPr>
+            <a:lvl8pPr marL="3200400" indent="0" algn="ctr">
+              <a:buNone/>
+              <a:defRPr sz="1600"/>
+            </a:lvl8pPr>
+            <a:lvl9pPr marL="3657600" indent="0" algn="ctr">
+              <a:buNone/>
+              <a:defRPr sz="1600"/>
+            </a:lvl9pPr>
+          </a:lstStyle>
+          <a:p>
+            <a:r>
+              <a:rPr lang="en-US"/>
+              <a:t>Click to edit Master subtitle style</a:t>
+            </a:r>
+          </a:p>
+        </p:txBody>
+      </p:sp>
+      <p:sp>
+        <p:nvSpPr>
+          <p:cNvPr id="4" name="Date Placeholder 3"/>
+          <p:cNvSpPr>
+            <a:spLocks noGrp="1"/>
+          </p:cNvSpPr>
+          <p:nvPr>
+            <p:ph type="dt" sz="half" idx="10"/>
+          </p:nvPr>
+        </p:nvSpPr>
+        <p:spPr/>
+        <p:txBody>
+          <a:bodyPr/>
+          <a:lstStyle/>
+          <a:p>
+            <a:fld id="{73999C92-B6DA-4CCE-AA75-2126A9BA288D}" type="datetimeFigureOut">
+              <a:rPr lang="en-US" smtClean="0"/>
+              <a:t>12/6/2017</a:t>
+            </a:fld>
+            <a:endParaRPr lang="en-US"/>
+          </a:p>
+        </p:txBody>
+      </p:sp>
+      <p:sp>
+        <p:nvSpPr>
+          <p:cNvPr id="5" name="Footer Placeholder 4"/>
+          <p:cNvSpPr>
+            <a:spLocks noGrp="1"/>
+          </p:cNvSpPr>
+          <p:nvPr>
+            <p:ph type="ftr" sz="quarter" idx="11"/>
+          </p:nvPr>
+        </p:nvSpPr>
+        <p:spPr/>
+        <p:txBody>
+          <a:bodyPr/>
+          <a:lstStyle/>
+          <a:p>
+            <a:endParaRPr lang="en-US"/>
+          </a:p>
+        </p:txBody>
+      </p:sp>
+      <p:sp>
+        <p:nvSpPr>
+          <p:cNvPr id="6" name="Slide Number Placeholder 5"/>
+          <p:cNvSpPr>
+            <a:spLocks noGrp="1"/>
+          </p:cNvSpPr>
+          <p:nvPr>
+            <p:ph type="sldNum" sz="quarter" idx="12"/>
+          </p:nvPr>
+        </p:nvSpPr>
+        <p:spPr/>
+        <p:txBody>
+          <a:bodyPr/>
+          <a:lstStyle/>
+          <a:p>
+            <a:fld id="{38982708-B6B9-41A7-9E91-E816C342CFB5}" type="slidenum">
+              <a:rPr lang="en-US" smtClean="0"/>
+              <a:t>‹#›</a:t>
+            </a:fld>
+            <a:endParaRPr lang="en-US"/>
+          </a:p>
+        </p:txBody>
+      </p:sp>
+    </p:spTree>
+    <p:extLst>
+      <p:ext uri="{BB962C8B-B14F-4D97-AF65-F5344CB8AC3E}">
+        <p14:creationId xmlns:p14="http://schemas.microsoft.com/office/powerpoint/2010/main" val="793151448"/>
+      </p:ext>
+    </p:extLst>
+  </p:cSld>
+  <p:clrMapOvr>
+    <a:masterClrMapping/>
+  </p:clrMapOvr>
+</p:sldLayout>
+</file>
+
+<file path=ppt/slideLayouts/slideLayout37.xml><?xml version="1.0" encoding="utf-8"?>
+<p:sldLayout xmlns:a="http://schemas.openxmlformats.org/drawingml/2006/main" xmlns:r="http://schemas.openxmlformats.org/officeDocument/2006/relationships" xmlns:p="http://schemas.openxmlformats.org/presentationml/2006/main" type="obj" preserve="1">
+  <p:cSld name="Title and Content">
+    <p:spTree>
+      <p:nvGrpSpPr>
+        <p:cNvPr id="1" name=""/>
+        <p:cNvGrpSpPr/>
+        <p:nvPr/>
+      </p:nvGrpSpPr>
+      <p:grpSpPr>
+        <a:xfrm>
+          <a:off x="0" y="0"/>
+          <a:ext cx="0" cy="0"/>
+          <a:chOff x="0" y="0"/>
+          <a:chExt cx="0" cy="0"/>
+        </a:xfrm>
+      </p:grpSpPr>
+      <p:sp>
+        <p:nvSpPr>
+          <p:cNvPr id="2" name="Title 1"/>
+          <p:cNvSpPr>
+            <a:spLocks noGrp="1"/>
+          </p:cNvSpPr>
+          <p:nvPr>
+            <p:ph type="title"/>
+          </p:nvPr>
+        </p:nvSpPr>
+        <p:spPr/>
+        <p:txBody>
+          <a:bodyPr/>
+          <a:lstStyle/>
+          <a:p>
+            <a:r>
+              <a:rPr lang="en-US"/>
+              <a:t>Click to edit Master title style</a:t>
+            </a:r>
+          </a:p>
+        </p:txBody>
+      </p:sp>
+      <p:sp>
+        <p:nvSpPr>
+          <p:cNvPr id="3" name="Content Placeholder 2"/>
+          <p:cNvSpPr>
+            <a:spLocks noGrp="1"/>
+          </p:cNvSpPr>
+          <p:nvPr>
+            <p:ph idx="1"/>
+          </p:nvPr>
+        </p:nvSpPr>
+        <p:spPr/>
+        <p:txBody>
+          <a:bodyPr/>
+          <a:lstStyle/>
+          <a:p>
+            <a:pPr lvl="0"/>
+            <a:r>
+              <a:rPr lang="en-US"/>
+              <a:t>Edit Master text styles</a:t>
+            </a:r>
+          </a:p>
+          <a:p>
+            <a:pPr lvl="1"/>
+            <a:r>
+              <a:rPr lang="en-US"/>
+              <a:t>Second level</a:t>
+            </a:r>
+          </a:p>
+          <a:p>
+            <a:pPr lvl="2"/>
+            <a:r>
+              <a:rPr lang="en-US"/>
+              <a:t>Third level</a:t>
+            </a:r>
+          </a:p>
+          <a:p>
+            <a:pPr lvl="3"/>
+            <a:r>
+              <a:rPr lang="en-US"/>
+              <a:t>Fourth level</a:t>
+            </a:r>
+          </a:p>
+          <a:p>
+            <a:pPr lvl="4"/>
+            <a:r>
+              <a:rPr lang="en-US"/>
+              <a:t>Fifth level</a:t>
+            </a:r>
+          </a:p>
+        </p:txBody>
+      </p:sp>
+      <p:sp>
+        <p:nvSpPr>
+          <p:cNvPr id="4" name="Date Placeholder 3"/>
+          <p:cNvSpPr>
+            <a:spLocks noGrp="1"/>
+          </p:cNvSpPr>
+          <p:nvPr>
+            <p:ph type="dt" sz="half" idx="10"/>
+          </p:nvPr>
+        </p:nvSpPr>
+        <p:spPr/>
+        <p:txBody>
+          <a:bodyPr/>
+          <a:lstStyle/>
+          <a:p>
+            <a:fld id="{73999C92-B6DA-4CCE-AA75-2126A9BA288D}" type="datetimeFigureOut">
+              <a:rPr lang="en-US" smtClean="0"/>
+              <a:t>12/6/2017</a:t>
+            </a:fld>
+            <a:endParaRPr lang="en-US"/>
+          </a:p>
+        </p:txBody>
+      </p:sp>
+      <p:sp>
+        <p:nvSpPr>
+          <p:cNvPr id="5" name="Footer Placeholder 4"/>
+          <p:cNvSpPr>
+            <a:spLocks noGrp="1"/>
+          </p:cNvSpPr>
+          <p:nvPr>
+            <p:ph type="ftr" sz="quarter" idx="11"/>
+          </p:nvPr>
+        </p:nvSpPr>
+        <p:spPr/>
+        <p:txBody>
+          <a:bodyPr/>
+          <a:lstStyle/>
+          <a:p>
+            <a:endParaRPr lang="en-US"/>
+          </a:p>
+        </p:txBody>
+      </p:sp>
+      <p:sp>
+        <p:nvSpPr>
+          <p:cNvPr id="6" name="Slide Number Placeholder 5"/>
+          <p:cNvSpPr>
+            <a:spLocks noGrp="1"/>
+          </p:cNvSpPr>
+          <p:nvPr>
+            <p:ph type="sldNum" sz="quarter" idx="12"/>
+          </p:nvPr>
+        </p:nvSpPr>
+        <p:spPr/>
+        <p:txBody>
+          <a:bodyPr/>
+          <a:lstStyle/>
+          <a:p>
+            <a:fld id="{38982708-B6B9-41A7-9E91-E816C342CFB5}" type="slidenum">
+              <a:rPr lang="en-US" smtClean="0"/>
+              <a:t>‹#›</a:t>
+            </a:fld>
+            <a:endParaRPr lang="en-US"/>
+          </a:p>
+        </p:txBody>
+      </p:sp>
+    </p:spTree>
+    <p:extLst>
+      <p:ext uri="{BB962C8B-B14F-4D97-AF65-F5344CB8AC3E}">
+        <p14:creationId xmlns:p14="http://schemas.microsoft.com/office/powerpoint/2010/main" val="2100651029"/>
+      </p:ext>
+    </p:extLst>
+  </p:cSld>
+  <p:clrMapOvr>
+    <a:masterClrMapping/>
+  </p:clrMapOvr>
+</p:sldLayout>
+</file>
+
+<file path=ppt/slideLayouts/slideLayout38.xml><?xml version="1.0" encoding="utf-8"?>
+<p:sldLayout xmlns:a="http://schemas.openxmlformats.org/drawingml/2006/main" xmlns:r="http://schemas.openxmlformats.org/officeDocument/2006/relationships" xmlns:p="http://schemas.openxmlformats.org/presentationml/2006/main" type="secHead" preserve="1">
+  <p:cSld name="Section Header">
+    <p:spTree>
+      <p:nvGrpSpPr>
+        <p:cNvPr id="1" name=""/>
+        <p:cNvGrpSpPr/>
+        <p:nvPr/>
+      </p:nvGrpSpPr>
+      <p:grpSpPr>
+        <a:xfrm>
+          <a:off x="0" y="0"/>
+          <a:ext cx="0" cy="0"/>
+          <a:chOff x="0" y="0"/>
+          <a:chExt cx="0" cy="0"/>
+        </a:xfrm>
+      </p:grpSpPr>
+      <p:sp>
+        <p:nvSpPr>
+          <p:cNvPr id="2" name="Title 1"/>
+          <p:cNvSpPr>
+            <a:spLocks noGrp="1"/>
+          </p:cNvSpPr>
+          <p:nvPr>
+            <p:ph type="title"/>
+          </p:nvPr>
+        </p:nvSpPr>
+        <p:spPr>
+          <a:xfrm>
+            <a:off x="831850" y="1709738"/>
+            <a:ext cx="10515600" cy="2852737"/>
+          </a:xfrm>
+        </p:spPr>
+        <p:txBody>
+          <a:bodyPr anchor="b"/>
+          <a:lstStyle>
+            <a:lvl1pPr>
+              <a:defRPr sz="6000"/>
+            </a:lvl1pPr>
+          </a:lstStyle>
+          <a:p>
+            <a:r>
+              <a:rPr lang="en-US"/>
+              <a:t>Click to edit Master title style</a:t>
+            </a:r>
+          </a:p>
+        </p:txBody>
+      </p:sp>
+      <p:sp>
+        <p:nvSpPr>
+          <p:cNvPr id="3" name="Text Placeholder 2"/>
+          <p:cNvSpPr>
+            <a:spLocks noGrp="1"/>
+          </p:cNvSpPr>
+          <p:nvPr>
+            <p:ph type="body" idx="1"/>
+          </p:nvPr>
+        </p:nvSpPr>
+        <p:spPr>
+          <a:xfrm>
+            <a:off x="831850" y="4589463"/>
+            <a:ext cx="10515600" cy="1500187"/>
+          </a:xfrm>
+        </p:spPr>
+        <p:txBody>
+          <a:bodyPr/>
+          <a:lstStyle>
+            <a:lvl1pPr marL="0" indent="0">
+              <a:buNone/>
+              <a:defRPr sz="2400">
+                <a:solidFill>
+                  <a:schemeClr val="tx1">
+                    <a:tint val="75000"/>
+                  </a:schemeClr>
+                </a:solidFill>
+              </a:defRPr>
+            </a:lvl1pPr>
+            <a:lvl2pPr marL="457200" indent="0">
+              <a:buNone/>
+              <a:defRPr sz="2000">
+                <a:solidFill>
+                  <a:schemeClr val="tx1">
+                    <a:tint val="75000"/>
+                  </a:schemeClr>
+                </a:solidFill>
+              </a:defRPr>
+            </a:lvl2pPr>
+            <a:lvl3pPr marL="914400" indent="0">
+              <a:buNone/>
+              <a:defRPr sz="1800">
+                <a:solidFill>
+                  <a:schemeClr val="tx1">
+                    <a:tint val="75000"/>
+                  </a:schemeClr>
+                </a:solidFill>
+              </a:defRPr>
+            </a:lvl3pPr>
+            <a:lvl4pPr marL="1371600" indent="0">
+              <a:buNone/>
+              <a:defRPr sz="1600">
+                <a:solidFill>
+                  <a:schemeClr val="tx1">
+                    <a:tint val="75000"/>
+                  </a:schemeClr>
+                </a:solidFill>
+              </a:defRPr>
+            </a:lvl4pPr>
+            <a:lvl5pPr marL="1828800" indent="0">
+              <a:buNone/>
+              <a:defRPr sz="1600">
+                <a:solidFill>
+                  <a:schemeClr val="tx1">
+                    <a:tint val="75000"/>
+                  </a:schemeClr>
+                </a:solidFill>
+              </a:defRPr>
+            </a:lvl5pPr>
+            <a:lvl6pPr marL="2286000" indent="0">
+              <a:buNone/>
+              <a:defRPr sz="1600">
+                <a:solidFill>
+                  <a:schemeClr val="tx1">
+                    <a:tint val="75000"/>
+                  </a:schemeClr>
+                </a:solidFill>
+              </a:defRPr>
+            </a:lvl6pPr>
+            <a:lvl7pPr marL="2743200" indent="0">
+              <a:buNone/>
+              <a:defRPr sz="1600">
+                <a:solidFill>
+                  <a:schemeClr val="tx1">
+                    <a:tint val="75000"/>
+                  </a:schemeClr>
+                </a:solidFill>
+              </a:defRPr>
+            </a:lvl7pPr>
+            <a:lvl8pPr marL="3200400" indent="0">
+              <a:buNone/>
+              <a:defRPr sz="1600">
+                <a:solidFill>
+                  <a:schemeClr val="tx1">
+                    <a:tint val="75000"/>
+                  </a:schemeClr>
+                </a:solidFill>
+              </a:defRPr>
+            </a:lvl8pPr>
+            <a:lvl9pPr marL="3657600" indent="0">
+              <a:buNone/>
+              <a:defRPr sz="1600">
+                <a:solidFill>
+                  <a:schemeClr val="tx1">
+                    <a:tint val="75000"/>
+                  </a:schemeClr>
+                </a:solidFill>
+              </a:defRPr>
+            </a:lvl9pPr>
+          </a:lstStyle>
+          <a:p>
+            <a:pPr lvl="0"/>
+            <a:r>
+              <a:rPr lang="en-US"/>
+              <a:t>Edit Master text styles</a:t>
+            </a:r>
+          </a:p>
+        </p:txBody>
+      </p:sp>
+      <p:sp>
+        <p:nvSpPr>
+          <p:cNvPr id="4" name="Date Placeholder 3"/>
+          <p:cNvSpPr>
+            <a:spLocks noGrp="1"/>
+          </p:cNvSpPr>
+          <p:nvPr>
+            <p:ph type="dt" sz="half" idx="10"/>
+          </p:nvPr>
+        </p:nvSpPr>
+        <p:spPr/>
+        <p:txBody>
+          <a:bodyPr/>
+          <a:lstStyle/>
+          <a:p>
+            <a:fld id="{73999C92-B6DA-4CCE-AA75-2126A9BA288D}" type="datetimeFigureOut">
+              <a:rPr lang="en-US" smtClean="0"/>
+              <a:t>12/6/2017</a:t>
+            </a:fld>
+            <a:endParaRPr lang="en-US"/>
+          </a:p>
+        </p:txBody>
+      </p:sp>
+      <p:sp>
+        <p:nvSpPr>
+          <p:cNvPr id="5" name="Footer Placeholder 4"/>
+          <p:cNvSpPr>
+            <a:spLocks noGrp="1"/>
+          </p:cNvSpPr>
+          <p:nvPr>
+            <p:ph type="ftr" sz="quarter" idx="11"/>
+          </p:nvPr>
+        </p:nvSpPr>
+        <p:spPr/>
+        <p:txBody>
+          <a:bodyPr/>
+          <a:lstStyle/>
+          <a:p>
+            <a:endParaRPr lang="en-US"/>
+          </a:p>
+        </p:txBody>
+      </p:sp>
+      <p:sp>
+        <p:nvSpPr>
+          <p:cNvPr id="6" name="Slide Number Placeholder 5"/>
+          <p:cNvSpPr>
+            <a:spLocks noGrp="1"/>
+          </p:cNvSpPr>
+          <p:nvPr>
+            <p:ph type="sldNum" sz="quarter" idx="12"/>
+          </p:nvPr>
+        </p:nvSpPr>
+        <p:spPr/>
+        <p:txBody>
+          <a:bodyPr/>
+          <a:lstStyle/>
+          <a:p>
+            <a:fld id="{38982708-B6B9-41A7-9E91-E816C342CFB5}" type="slidenum">
+              <a:rPr lang="en-US" smtClean="0"/>
+              <a:t>‹#›</a:t>
+            </a:fld>
+            <a:endParaRPr lang="en-US"/>
+          </a:p>
+        </p:txBody>
+      </p:sp>
+    </p:spTree>
+    <p:extLst>
+      <p:ext uri="{BB962C8B-B14F-4D97-AF65-F5344CB8AC3E}">
+        <p14:creationId xmlns:p14="http://schemas.microsoft.com/office/powerpoint/2010/main" val="899918217"/>
+      </p:ext>
+    </p:extLst>
+  </p:cSld>
+  <p:clrMapOvr>
+    <a:masterClrMapping/>
+  </p:clrMapOvr>
+</p:sldLayout>
+</file>
+
+<file path=ppt/slideLayouts/slideLayout39.xml><?xml version="1.0" encoding="utf-8"?>
+<p:sldLayout xmlns:a="http://schemas.openxmlformats.org/drawingml/2006/main" xmlns:r="http://schemas.openxmlformats.org/officeDocument/2006/relationships" xmlns:p="http://schemas.openxmlformats.org/presentationml/2006/main" type="twoObj" preserve="1">
+  <p:cSld name="Two Content">
+    <p:spTree>
+      <p:nvGrpSpPr>
+        <p:cNvPr id="1" name=""/>
+        <p:cNvGrpSpPr/>
+        <p:nvPr/>
+      </p:nvGrpSpPr>
+      <p:grpSpPr>
+        <a:xfrm>
+          <a:off x="0" y="0"/>
+          <a:ext cx="0" cy="0"/>
+          <a:chOff x="0" y="0"/>
+          <a:chExt cx="0" cy="0"/>
+        </a:xfrm>
+      </p:grpSpPr>
+      <p:sp>
+        <p:nvSpPr>
+          <p:cNvPr id="2" name="Title 1"/>
+          <p:cNvSpPr>
+            <a:spLocks noGrp="1"/>
+          </p:cNvSpPr>
+          <p:nvPr>
+            <p:ph type="title"/>
+          </p:nvPr>
+        </p:nvSpPr>
+        <p:spPr/>
+        <p:txBody>
+          <a:bodyPr/>
+          <a:lstStyle/>
+          <a:p>
+            <a:r>
+              <a:rPr lang="en-US"/>
+              <a:t>Click to edit Master title style</a:t>
+            </a:r>
+          </a:p>
+        </p:txBody>
+      </p:sp>
+      <p:sp>
+        <p:nvSpPr>
+          <p:cNvPr id="3" name="Content Placeholder 2"/>
+          <p:cNvSpPr>
+            <a:spLocks noGrp="1"/>
+          </p:cNvSpPr>
+          <p:nvPr>
+            <p:ph sz="half" idx="1"/>
+          </p:nvPr>
+        </p:nvSpPr>
+        <p:spPr>
+          <a:xfrm>
+            <a:off x="838200" y="1825625"/>
+            <a:ext cx="5181600" cy="4351338"/>
+          </a:xfrm>
+        </p:spPr>
+        <p:txBody>
+          <a:bodyPr/>
+          <a:lstStyle/>
+          <a:p>
+            <a:pPr lvl="0"/>
+            <a:r>
+              <a:rPr lang="en-US"/>
+              <a:t>Edit Master text styles</a:t>
+            </a:r>
+          </a:p>
+          <a:p>
+            <a:pPr lvl="1"/>
+            <a:r>
+              <a:rPr lang="en-US"/>
+              <a:t>Second level</a:t>
+            </a:r>
+          </a:p>
+          <a:p>
+            <a:pPr lvl="2"/>
+            <a:r>
+              <a:rPr lang="en-US"/>
+              <a:t>Third level</a:t>
+            </a:r>
+          </a:p>
+          <a:p>
+            <a:pPr lvl="3"/>
+            <a:r>
+              <a:rPr lang="en-US"/>
+              <a:t>Fourth level</a:t>
+            </a:r>
+          </a:p>
+          <a:p>
+            <a:pPr lvl="4"/>
+            <a:r>
+              <a:rPr lang="en-US"/>
+              <a:t>Fifth level</a:t>
+            </a:r>
+          </a:p>
+        </p:txBody>
+      </p:sp>
+      <p:sp>
+        <p:nvSpPr>
+          <p:cNvPr id="4" name="Content Placeholder 3"/>
+          <p:cNvSpPr>
+            <a:spLocks noGrp="1"/>
+          </p:cNvSpPr>
+          <p:nvPr>
+            <p:ph sz="half" idx="2"/>
+          </p:nvPr>
+        </p:nvSpPr>
+        <p:spPr>
+          <a:xfrm>
+            <a:off x="6172200" y="1825625"/>
+            <a:ext cx="5181600" cy="4351338"/>
+          </a:xfrm>
+        </p:spPr>
+        <p:txBody>
+          <a:bodyPr/>
+          <a:lstStyle/>
+          <a:p>
+            <a:pPr lvl="0"/>
+            <a:r>
+              <a:rPr lang="en-US"/>
+              <a:t>Edit Master text styles</a:t>
+            </a:r>
+          </a:p>
+          <a:p>
+            <a:pPr lvl="1"/>
+            <a:r>
+              <a:rPr lang="en-US"/>
+              <a:t>Second level</a:t>
+            </a:r>
+          </a:p>
+          <a:p>
+            <a:pPr lvl="2"/>
+            <a:r>
+              <a:rPr lang="en-US"/>
+              <a:t>Third level</a:t>
+            </a:r>
+          </a:p>
+          <a:p>
+            <a:pPr lvl="3"/>
+            <a:r>
+              <a:rPr lang="en-US"/>
+              <a:t>Fourth level</a:t>
+            </a:r>
+          </a:p>
+          <a:p>
+            <a:pPr lvl="4"/>
+            <a:r>
+              <a:rPr lang="en-US"/>
+              <a:t>Fifth level</a:t>
+            </a:r>
+          </a:p>
+        </p:txBody>
+      </p:sp>
+      <p:sp>
+        <p:nvSpPr>
+          <p:cNvPr id="5" name="Date Placeholder 4"/>
+          <p:cNvSpPr>
+            <a:spLocks noGrp="1"/>
+          </p:cNvSpPr>
+          <p:nvPr>
+            <p:ph type="dt" sz="half" idx="10"/>
+          </p:nvPr>
+        </p:nvSpPr>
+        <p:spPr/>
+        <p:txBody>
+          <a:bodyPr/>
+          <a:lstStyle/>
+          <a:p>
+            <a:fld id="{73999C92-B6DA-4CCE-AA75-2126A9BA288D}" type="datetimeFigureOut">
+              <a:rPr lang="en-US" smtClean="0"/>
+              <a:t>12/6/2017</a:t>
+            </a:fld>
+            <a:endParaRPr lang="en-US"/>
+          </a:p>
+        </p:txBody>
+      </p:sp>
+      <p:sp>
+        <p:nvSpPr>
+          <p:cNvPr id="6" name="Footer Placeholder 5"/>
+          <p:cNvSpPr>
+            <a:spLocks noGrp="1"/>
+          </p:cNvSpPr>
+          <p:nvPr>
+            <p:ph type="ftr" sz="quarter" idx="11"/>
+          </p:nvPr>
+        </p:nvSpPr>
+        <p:spPr/>
+        <p:txBody>
+          <a:bodyPr/>
+          <a:lstStyle/>
+          <a:p>
+            <a:endParaRPr lang="en-US"/>
+          </a:p>
+        </p:txBody>
+      </p:sp>
+      <p:sp>
+        <p:nvSpPr>
+          <p:cNvPr id="7" name="Slide Number Placeholder 6"/>
+          <p:cNvSpPr>
+            <a:spLocks noGrp="1"/>
+          </p:cNvSpPr>
+          <p:nvPr>
+            <p:ph type="sldNum" sz="quarter" idx="12"/>
+          </p:nvPr>
+        </p:nvSpPr>
+        <p:spPr/>
+        <p:txBody>
+          <a:bodyPr/>
+          <a:lstStyle/>
+          <a:p>
+            <a:fld id="{38982708-B6B9-41A7-9E91-E816C342CFB5}" type="slidenum">
+              <a:rPr lang="en-US" smtClean="0"/>
+              <a:t>‹#›</a:t>
+            </a:fld>
+            <a:endParaRPr lang="en-US"/>
+          </a:p>
+        </p:txBody>
+      </p:sp>
+    </p:spTree>
+    <p:extLst>
+      <p:ext uri="{BB962C8B-B14F-4D97-AF65-F5344CB8AC3E}">
+        <p14:creationId xmlns:p14="http://schemas.microsoft.com/office/powerpoint/2010/main" val="1862775571"/>
+      </p:ext>
+    </p:extLst>
+  </p:cSld>
+  <p:clrMapOvr>
+    <a:masterClrMapping/>
+  </p:clrMapOvr>
+</p:sldLayout>
+</file>
+
 <file path=ppt/slideLayouts/slideLayout4.xml><?xml version="1.0" encoding="utf-8"?>
 <p:sldLayout xmlns:a="http://schemas.openxmlformats.org/drawingml/2006/main" xmlns:r="http://schemas.openxmlformats.org/officeDocument/2006/relationships" xmlns:p="http://schemas.openxmlformats.org/presentationml/2006/main" preserve="1" userDrawn="1">
   <p:cSld name="Title &amp; Non-bulleted text">
@@ -13965,6 +15453,1455 @@
   <p:transition spd="med">
     <p:fade/>
   </p:transition>
+</p:sldLayout>
+</file>
+
+<file path=ppt/slideLayouts/slideLayout40.xml><?xml version="1.0" encoding="utf-8"?>
+<p:sldLayout xmlns:a="http://schemas.openxmlformats.org/drawingml/2006/main" xmlns:r="http://schemas.openxmlformats.org/officeDocument/2006/relationships" xmlns:p="http://schemas.openxmlformats.org/presentationml/2006/main" type="twoTxTwoObj" preserve="1">
+  <p:cSld name="Comparison">
+    <p:spTree>
+      <p:nvGrpSpPr>
+        <p:cNvPr id="1" name=""/>
+        <p:cNvGrpSpPr/>
+        <p:nvPr/>
+      </p:nvGrpSpPr>
+      <p:grpSpPr>
+        <a:xfrm>
+          <a:off x="0" y="0"/>
+          <a:ext cx="0" cy="0"/>
+          <a:chOff x="0" y="0"/>
+          <a:chExt cx="0" cy="0"/>
+        </a:xfrm>
+      </p:grpSpPr>
+      <p:sp>
+        <p:nvSpPr>
+          <p:cNvPr id="2" name="Title 1"/>
+          <p:cNvSpPr>
+            <a:spLocks noGrp="1"/>
+          </p:cNvSpPr>
+          <p:nvPr>
+            <p:ph type="title"/>
+          </p:nvPr>
+        </p:nvSpPr>
+        <p:spPr>
+          <a:xfrm>
+            <a:off x="839788" y="365125"/>
+            <a:ext cx="10515600" cy="1325563"/>
+          </a:xfrm>
+        </p:spPr>
+        <p:txBody>
+          <a:bodyPr/>
+          <a:lstStyle/>
+          <a:p>
+            <a:r>
+              <a:rPr lang="en-US"/>
+              <a:t>Click to edit Master title style</a:t>
+            </a:r>
+          </a:p>
+        </p:txBody>
+      </p:sp>
+      <p:sp>
+        <p:nvSpPr>
+          <p:cNvPr id="3" name="Text Placeholder 2"/>
+          <p:cNvSpPr>
+            <a:spLocks noGrp="1"/>
+          </p:cNvSpPr>
+          <p:nvPr>
+            <p:ph type="body" idx="1"/>
+          </p:nvPr>
+        </p:nvSpPr>
+        <p:spPr>
+          <a:xfrm>
+            <a:off x="839788" y="1681163"/>
+            <a:ext cx="5157787" cy="823912"/>
+          </a:xfrm>
+        </p:spPr>
+        <p:txBody>
+          <a:bodyPr anchor="b"/>
+          <a:lstStyle>
+            <a:lvl1pPr marL="0" indent="0">
+              <a:buNone/>
+              <a:defRPr sz="2400" b="1"/>
+            </a:lvl1pPr>
+            <a:lvl2pPr marL="457200" indent="0">
+              <a:buNone/>
+              <a:defRPr sz="2000" b="1"/>
+            </a:lvl2pPr>
+            <a:lvl3pPr marL="914400" indent="0">
+              <a:buNone/>
+              <a:defRPr sz="1800" b="1"/>
+            </a:lvl3pPr>
+            <a:lvl4pPr marL="1371600" indent="0">
+              <a:buNone/>
+              <a:defRPr sz="1600" b="1"/>
+            </a:lvl4pPr>
+            <a:lvl5pPr marL="1828800" indent="0">
+              <a:buNone/>
+              <a:defRPr sz="1600" b="1"/>
+            </a:lvl5pPr>
+            <a:lvl6pPr marL="2286000" indent="0">
+              <a:buNone/>
+              <a:defRPr sz="1600" b="1"/>
+            </a:lvl6pPr>
+            <a:lvl7pPr marL="2743200" indent="0">
+              <a:buNone/>
+              <a:defRPr sz="1600" b="1"/>
+            </a:lvl7pPr>
+            <a:lvl8pPr marL="3200400" indent="0">
+              <a:buNone/>
+              <a:defRPr sz="1600" b="1"/>
+            </a:lvl8pPr>
+            <a:lvl9pPr marL="3657600" indent="0">
+              <a:buNone/>
+              <a:defRPr sz="1600" b="1"/>
+            </a:lvl9pPr>
+          </a:lstStyle>
+          <a:p>
+            <a:pPr lvl="0"/>
+            <a:r>
+              <a:rPr lang="en-US"/>
+              <a:t>Edit Master text styles</a:t>
+            </a:r>
+          </a:p>
+        </p:txBody>
+      </p:sp>
+      <p:sp>
+        <p:nvSpPr>
+          <p:cNvPr id="4" name="Content Placeholder 3"/>
+          <p:cNvSpPr>
+            <a:spLocks noGrp="1"/>
+          </p:cNvSpPr>
+          <p:nvPr>
+            <p:ph sz="half" idx="2"/>
+          </p:nvPr>
+        </p:nvSpPr>
+        <p:spPr>
+          <a:xfrm>
+            <a:off x="839788" y="2505075"/>
+            <a:ext cx="5157787" cy="3684588"/>
+          </a:xfrm>
+        </p:spPr>
+        <p:txBody>
+          <a:bodyPr/>
+          <a:lstStyle/>
+          <a:p>
+            <a:pPr lvl="0"/>
+            <a:r>
+              <a:rPr lang="en-US"/>
+              <a:t>Edit Master text styles</a:t>
+            </a:r>
+          </a:p>
+          <a:p>
+            <a:pPr lvl="1"/>
+            <a:r>
+              <a:rPr lang="en-US"/>
+              <a:t>Second level</a:t>
+            </a:r>
+          </a:p>
+          <a:p>
+            <a:pPr lvl="2"/>
+            <a:r>
+              <a:rPr lang="en-US"/>
+              <a:t>Third level</a:t>
+            </a:r>
+          </a:p>
+          <a:p>
+            <a:pPr lvl="3"/>
+            <a:r>
+              <a:rPr lang="en-US"/>
+              <a:t>Fourth level</a:t>
+            </a:r>
+          </a:p>
+          <a:p>
+            <a:pPr lvl="4"/>
+            <a:r>
+              <a:rPr lang="en-US"/>
+              <a:t>Fifth level</a:t>
+            </a:r>
+          </a:p>
+        </p:txBody>
+      </p:sp>
+      <p:sp>
+        <p:nvSpPr>
+          <p:cNvPr id="5" name="Text Placeholder 4"/>
+          <p:cNvSpPr>
+            <a:spLocks noGrp="1"/>
+          </p:cNvSpPr>
+          <p:nvPr>
+            <p:ph type="body" sz="quarter" idx="3"/>
+          </p:nvPr>
+        </p:nvSpPr>
+        <p:spPr>
+          <a:xfrm>
+            <a:off x="6172200" y="1681163"/>
+            <a:ext cx="5183188" cy="823912"/>
+          </a:xfrm>
+        </p:spPr>
+        <p:txBody>
+          <a:bodyPr anchor="b"/>
+          <a:lstStyle>
+            <a:lvl1pPr marL="0" indent="0">
+              <a:buNone/>
+              <a:defRPr sz="2400" b="1"/>
+            </a:lvl1pPr>
+            <a:lvl2pPr marL="457200" indent="0">
+              <a:buNone/>
+              <a:defRPr sz="2000" b="1"/>
+            </a:lvl2pPr>
+            <a:lvl3pPr marL="914400" indent="0">
+              <a:buNone/>
+              <a:defRPr sz="1800" b="1"/>
+            </a:lvl3pPr>
+            <a:lvl4pPr marL="1371600" indent="0">
+              <a:buNone/>
+              <a:defRPr sz="1600" b="1"/>
+            </a:lvl4pPr>
+            <a:lvl5pPr marL="1828800" indent="0">
+              <a:buNone/>
+              <a:defRPr sz="1600" b="1"/>
+            </a:lvl5pPr>
+            <a:lvl6pPr marL="2286000" indent="0">
+              <a:buNone/>
+              <a:defRPr sz="1600" b="1"/>
+            </a:lvl6pPr>
+            <a:lvl7pPr marL="2743200" indent="0">
+              <a:buNone/>
+              <a:defRPr sz="1600" b="1"/>
+            </a:lvl7pPr>
+            <a:lvl8pPr marL="3200400" indent="0">
+              <a:buNone/>
+              <a:defRPr sz="1600" b="1"/>
+            </a:lvl8pPr>
+            <a:lvl9pPr marL="3657600" indent="0">
+              <a:buNone/>
+              <a:defRPr sz="1600" b="1"/>
+            </a:lvl9pPr>
+          </a:lstStyle>
+          <a:p>
+            <a:pPr lvl="0"/>
+            <a:r>
+              <a:rPr lang="en-US"/>
+              <a:t>Edit Master text styles</a:t>
+            </a:r>
+          </a:p>
+        </p:txBody>
+      </p:sp>
+      <p:sp>
+        <p:nvSpPr>
+          <p:cNvPr id="6" name="Content Placeholder 5"/>
+          <p:cNvSpPr>
+            <a:spLocks noGrp="1"/>
+          </p:cNvSpPr>
+          <p:nvPr>
+            <p:ph sz="quarter" idx="4"/>
+          </p:nvPr>
+        </p:nvSpPr>
+        <p:spPr>
+          <a:xfrm>
+            <a:off x="6172200" y="2505075"/>
+            <a:ext cx="5183188" cy="3684588"/>
+          </a:xfrm>
+        </p:spPr>
+        <p:txBody>
+          <a:bodyPr/>
+          <a:lstStyle/>
+          <a:p>
+            <a:pPr lvl="0"/>
+            <a:r>
+              <a:rPr lang="en-US"/>
+              <a:t>Edit Master text styles</a:t>
+            </a:r>
+          </a:p>
+          <a:p>
+            <a:pPr lvl="1"/>
+            <a:r>
+              <a:rPr lang="en-US"/>
+              <a:t>Second level</a:t>
+            </a:r>
+          </a:p>
+          <a:p>
+            <a:pPr lvl="2"/>
+            <a:r>
+              <a:rPr lang="en-US"/>
+              <a:t>Third level</a:t>
+            </a:r>
+          </a:p>
+          <a:p>
+            <a:pPr lvl="3"/>
+            <a:r>
+              <a:rPr lang="en-US"/>
+              <a:t>Fourth level</a:t>
+            </a:r>
+          </a:p>
+          <a:p>
+            <a:pPr lvl="4"/>
+            <a:r>
+              <a:rPr lang="en-US"/>
+              <a:t>Fifth level</a:t>
+            </a:r>
+          </a:p>
+        </p:txBody>
+      </p:sp>
+      <p:sp>
+        <p:nvSpPr>
+          <p:cNvPr id="7" name="Date Placeholder 6"/>
+          <p:cNvSpPr>
+            <a:spLocks noGrp="1"/>
+          </p:cNvSpPr>
+          <p:nvPr>
+            <p:ph type="dt" sz="half" idx="10"/>
+          </p:nvPr>
+        </p:nvSpPr>
+        <p:spPr/>
+        <p:txBody>
+          <a:bodyPr/>
+          <a:lstStyle/>
+          <a:p>
+            <a:fld id="{73999C92-B6DA-4CCE-AA75-2126A9BA288D}" type="datetimeFigureOut">
+              <a:rPr lang="en-US" smtClean="0"/>
+              <a:t>12/6/2017</a:t>
+            </a:fld>
+            <a:endParaRPr lang="en-US"/>
+          </a:p>
+        </p:txBody>
+      </p:sp>
+      <p:sp>
+        <p:nvSpPr>
+          <p:cNvPr id="8" name="Footer Placeholder 7"/>
+          <p:cNvSpPr>
+            <a:spLocks noGrp="1"/>
+          </p:cNvSpPr>
+          <p:nvPr>
+            <p:ph type="ftr" sz="quarter" idx="11"/>
+          </p:nvPr>
+        </p:nvSpPr>
+        <p:spPr/>
+        <p:txBody>
+          <a:bodyPr/>
+          <a:lstStyle/>
+          <a:p>
+            <a:endParaRPr lang="en-US"/>
+          </a:p>
+        </p:txBody>
+      </p:sp>
+      <p:sp>
+        <p:nvSpPr>
+          <p:cNvPr id="9" name="Slide Number Placeholder 8"/>
+          <p:cNvSpPr>
+            <a:spLocks noGrp="1"/>
+          </p:cNvSpPr>
+          <p:nvPr>
+            <p:ph type="sldNum" sz="quarter" idx="12"/>
+          </p:nvPr>
+        </p:nvSpPr>
+        <p:spPr/>
+        <p:txBody>
+          <a:bodyPr/>
+          <a:lstStyle/>
+          <a:p>
+            <a:fld id="{38982708-B6B9-41A7-9E91-E816C342CFB5}" type="slidenum">
+              <a:rPr lang="en-US" smtClean="0"/>
+              <a:t>‹#›</a:t>
+            </a:fld>
+            <a:endParaRPr lang="en-US"/>
+          </a:p>
+        </p:txBody>
+      </p:sp>
+    </p:spTree>
+    <p:extLst>
+      <p:ext uri="{BB962C8B-B14F-4D97-AF65-F5344CB8AC3E}">
+        <p14:creationId xmlns:p14="http://schemas.microsoft.com/office/powerpoint/2010/main" val="3959433275"/>
+      </p:ext>
+    </p:extLst>
+  </p:cSld>
+  <p:clrMapOvr>
+    <a:masterClrMapping/>
+  </p:clrMapOvr>
+</p:sldLayout>
+</file>
+
+<file path=ppt/slideLayouts/slideLayout41.xml><?xml version="1.0" encoding="utf-8"?>
+<p:sldLayout xmlns:a="http://schemas.openxmlformats.org/drawingml/2006/main" xmlns:r="http://schemas.openxmlformats.org/officeDocument/2006/relationships" xmlns:p="http://schemas.openxmlformats.org/presentationml/2006/main" type="titleOnly" preserve="1">
+  <p:cSld name="Title Only">
+    <p:spTree>
+      <p:nvGrpSpPr>
+        <p:cNvPr id="1" name=""/>
+        <p:cNvGrpSpPr/>
+        <p:nvPr/>
+      </p:nvGrpSpPr>
+      <p:grpSpPr>
+        <a:xfrm>
+          <a:off x="0" y="0"/>
+          <a:ext cx="0" cy="0"/>
+          <a:chOff x="0" y="0"/>
+          <a:chExt cx="0" cy="0"/>
+        </a:xfrm>
+      </p:grpSpPr>
+      <p:sp>
+        <p:nvSpPr>
+          <p:cNvPr id="2" name="Title 1"/>
+          <p:cNvSpPr>
+            <a:spLocks noGrp="1"/>
+          </p:cNvSpPr>
+          <p:nvPr>
+            <p:ph type="title"/>
+          </p:nvPr>
+        </p:nvSpPr>
+        <p:spPr/>
+        <p:txBody>
+          <a:bodyPr/>
+          <a:lstStyle/>
+          <a:p>
+            <a:r>
+              <a:rPr lang="en-US"/>
+              <a:t>Click to edit Master title style</a:t>
+            </a:r>
+          </a:p>
+        </p:txBody>
+      </p:sp>
+      <p:sp>
+        <p:nvSpPr>
+          <p:cNvPr id="3" name="Date Placeholder 2"/>
+          <p:cNvSpPr>
+            <a:spLocks noGrp="1"/>
+          </p:cNvSpPr>
+          <p:nvPr>
+            <p:ph type="dt" sz="half" idx="10"/>
+          </p:nvPr>
+        </p:nvSpPr>
+        <p:spPr/>
+        <p:txBody>
+          <a:bodyPr/>
+          <a:lstStyle/>
+          <a:p>
+            <a:fld id="{73999C92-B6DA-4CCE-AA75-2126A9BA288D}" type="datetimeFigureOut">
+              <a:rPr lang="en-US" smtClean="0"/>
+              <a:t>12/6/2017</a:t>
+            </a:fld>
+            <a:endParaRPr lang="en-US"/>
+          </a:p>
+        </p:txBody>
+      </p:sp>
+      <p:sp>
+        <p:nvSpPr>
+          <p:cNvPr id="4" name="Footer Placeholder 3"/>
+          <p:cNvSpPr>
+            <a:spLocks noGrp="1"/>
+          </p:cNvSpPr>
+          <p:nvPr>
+            <p:ph type="ftr" sz="quarter" idx="11"/>
+          </p:nvPr>
+        </p:nvSpPr>
+        <p:spPr/>
+        <p:txBody>
+          <a:bodyPr/>
+          <a:lstStyle/>
+          <a:p>
+            <a:endParaRPr lang="en-US"/>
+          </a:p>
+        </p:txBody>
+      </p:sp>
+      <p:sp>
+        <p:nvSpPr>
+          <p:cNvPr id="5" name="Slide Number Placeholder 4"/>
+          <p:cNvSpPr>
+            <a:spLocks noGrp="1"/>
+          </p:cNvSpPr>
+          <p:nvPr>
+            <p:ph type="sldNum" sz="quarter" idx="12"/>
+          </p:nvPr>
+        </p:nvSpPr>
+        <p:spPr/>
+        <p:txBody>
+          <a:bodyPr/>
+          <a:lstStyle/>
+          <a:p>
+            <a:fld id="{38982708-B6B9-41A7-9E91-E816C342CFB5}" type="slidenum">
+              <a:rPr lang="en-US" smtClean="0"/>
+              <a:t>‹#›</a:t>
+            </a:fld>
+            <a:endParaRPr lang="en-US"/>
+          </a:p>
+        </p:txBody>
+      </p:sp>
+    </p:spTree>
+    <p:extLst>
+      <p:ext uri="{BB962C8B-B14F-4D97-AF65-F5344CB8AC3E}">
+        <p14:creationId xmlns:p14="http://schemas.microsoft.com/office/powerpoint/2010/main" val="2091842055"/>
+      </p:ext>
+    </p:extLst>
+  </p:cSld>
+  <p:clrMapOvr>
+    <a:masterClrMapping/>
+  </p:clrMapOvr>
+</p:sldLayout>
+</file>
+
+<file path=ppt/slideLayouts/slideLayout42.xml><?xml version="1.0" encoding="utf-8"?>
+<p:sldLayout xmlns:a="http://schemas.openxmlformats.org/drawingml/2006/main" xmlns:r="http://schemas.openxmlformats.org/officeDocument/2006/relationships" xmlns:p="http://schemas.openxmlformats.org/presentationml/2006/main" type="blank" preserve="1">
+  <p:cSld name="Blank">
+    <p:spTree>
+      <p:nvGrpSpPr>
+        <p:cNvPr id="1" name=""/>
+        <p:cNvGrpSpPr/>
+        <p:nvPr/>
+      </p:nvGrpSpPr>
+      <p:grpSpPr>
+        <a:xfrm>
+          <a:off x="0" y="0"/>
+          <a:ext cx="0" cy="0"/>
+          <a:chOff x="0" y="0"/>
+          <a:chExt cx="0" cy="0"/>
+        </a:xfrm>
+      </p:grpSpPr>
+      <p:sp>
+        <p:nvSpPr>
+          <p:cNvPr id="2" name="Date Placeholder 1"/>
+          <p:cNvSpPr>
+            <a:spLocks noGrp="1"/>
+          </p:cNvSpPr>
+          <p:nvPr>
+            <p:ph type="dt" sz="half" idx="10"/>
+          </p:nvPr>
+        </p:nvSpPr>
+        <p:spPr/>
+        <p:txBody>
+          <a:bodyPr/>
+          <a:lstStyle/>
+          <a:p>
+            <a:fld id="{73999C92-B6DA-4CCE-AA75-2126A9BA288D}" type="datetimeFigureOut">
+              <a:rPr lang="en-US" smtClean="0"/>
+              <a:t>12/6/2017</a:t>
+            </a:fld>
+            <a:endParaRPr lang="en-US"/>
+          </a:p>
+        </p:txBody>
+      </p:sp>
+      <p:sp>
+        <p:nvSpPr>
+          <p:cNvPr id="3" name="Footer Placeholder 2"/>
+          <p:cNvSpPr>
+            <a:spLocks noGrp="1"/>
+          </p:cNvSpPr>
+          <p:nvPr>
+            <p:ph type="ftr" sz="quarter" idx="11"/>
+          </p:nvPr>
+        </p:nvSpPr>
+        <p:spPr/>
+        <p:txBody>
+          <a:bodyPr/>
+          <a:lstStyle/>
+          <a:p>
+            <a:endParaRPr lang="en-US"/>
+          </a:p>
+        </p:txBody>
+      </p:sp>
+      <p:sp>
+        <p:nvSpPr>
+          <p:cNvPr id="4" name="Slide Number Placeholder 3"/>
+          <p:cNvSpPr>
+            <a:spLocks noGrp="1"/>
+          </p:cNvSpPr>
+          <p:nvPr>
+            <p:ph type="sldNum" sz="quarter" idx="12"/>
+          </p:nvPr>
+        </p:nvSpPr>
+        <p:spPr/>
+        <p:txBody>
+          <a:bodyPr/>
+          <a:lstStyle/>
+          <a:p>
+            <a:fld id="{38982708-B6B9-41A7-9E91-E816C342CFB5}" type="slidenum">
+              <a:rPr lang="en-US" smtClean="0"/>
+              <a:t>‹#›</a:t>
+            </a:fld>
+            <a:endParaRPr lang="en-US"/>
+          </a:p>
+        </p:txBody>
+      </p:sp>
+    </p:spTree>
+    <p:extLst>
+      <p:ext uri="{BB962C8B-B14F-4D97-AF65-F5344CB8AC3E}">
+        <p14:creationId xmlns:p14="http://schemas.microsoft.com/office/powerpoint/2010/main" val="2375670345"/>
+      </p:ext>
+    </p:extLst>
+  </p:cSld>
+  <p:clrMapOvr>
+    <a:masterClrMapping/>
+  </p:clrMapOvr>
+</p:sldLayout>
+</file>
+
+<file path=ppt/slideLayouts/slideLayout43.xml><?xml version="1.0" encoding="utf-8"?>
+<p:sldLayout xmlns:a="http://schemas.openxmlformats.org/drawingml/2006/main" xmlns:r="http://schemas.openxmlformats.org/officeDocument/2006/relationships" xmlns:p="http://schemas.openxmlformats.org/presentationml/2006/main" type="objTx" preserve="1">
+  <p:cSld name="Content with Caption">
+    <p:spTree>
+      <p:nvGrpSpPr>
+        <p:cNvPr id="1" name=""/>
+        <p:cNvGrpSpPr/>
+        <p:nvPr/>
+      </p:nvGrpSpPr>
+      <p:grpSpPr>
+        <a:xfrm>
+          <a:off x="0" y="0"/>
+          <a:ext cx="0" cy="0"/>
+          <a:chOff x="0" y="0"/>
+          <a:chExt cx="0" cy="0"/>
+        </a:xfrm>
+      </p:grpSpPr>
+      <p:sp>
+        <p:nvSpPr>
+          <p:cNvPr id="2" name="Title 1"/>
+          <p:cNvSpPr>
+            <a:spLocks noGrp="1"/>
+          </p:cNvSpPr>
+          <p:nvPr>
+            <p:ph type="title"/>
+          </p:nvPr>
+        </p:nvSpPr>
+        <p:spPr>
+          <a:xfrm>
+            <a:off x="839788" y="457200"/>
+            <a:ext cx="3932237" cy="1600200"/>
+          </a:xfrm>
+        </p:spPr>
+        <p:txBody>
+          <a:bodyPr anchor="b"/>
+          <a:lstStyle>
+            <a:lvl1pPr>
+              <a:defRPr sz="3200"/>
+            </a:lvl1pPr>
+          </a:lstStyle>
+          <a:p>
+            <a:r>
+              <a:rPr lang="en-US"/>
+              <a:t>Click to edit Master title style</a:t>
+            </a:r>
+          </a:p>
+        </p:txBody>
+      </p:sp>
+      <p:sp>
+        <p:nvSpPr>
+          <p:cNvPr id="3" name="Content Placeholder 2"/>
+          <p:cNvSpPr>
+            <a:spLocks noGrp="1"/>
+          </p:cNvSpPr>
+          <p:nvPr>
+            <p:ph idx="1"/>
+          </p:nvPr>
+        </p:nvSpPr>
+        <p:spPr>
+          <a:xfrm>
+            <a:off x="5183188" y="987425"/>
+            <a:ext cx="6172200" cy="4873625"/>
+          </a:xfrm>
+        </p:spPr>
+        <p:txBody>
+          <a:bodyPr/>
+          <a:lstStyle>
+            <a:lvl1pPr>
+              <a:defRPr sz="3200"/>
+            </a:lvl1pPr>
+            <a:lvl2pPr>
+              <a:defRPr sz="2800"/>
+            </a:lvl2pPr>
+            <a:lvl3pPr>
+              <a:defRPr sz="2400"/>
+            </a:lvl3pPr>
+            <a:lvl4pPr>
+              <a:defRPr sz="2000"/>
+            </a:lvl4pPr>
+            <a:lvl5pPr>
+              <a:defRPr sz="2000"/>
+            </a:lvl5pPr>
+            <a:lvl6pPr>
+              <a:defRPr sz="2000"/>
+            </a:lvl6pPr>
+            <a:lvl7pPr>
+              <a:defRPr sz="2000"/>
+            </a:lvl7pPr>
+            <a:lvl8pPr>
+              <a:defRPr sz="2000"/>
+            </a:lvl8pPr>
+            <a:lvl9pPr>
+              <a:defRPr sz="2000"/>
+            </a:lvl9pPr>
+          </a:lstStyle>
+          <a:p>
+            <a:pPr lvl="0"/>
+            <a:r>
+              <a:rPr lang="en-US"/>
+              <a:t>Edit Master text styles</a:t>
+            </a:r>
+          </a:p>
+          <a:p>
+            <a:pPr lvl="1"/>
+            <a:r>
+              <a:rPr lang="en-US"/>
+              <a:t>Second level</a:t>
+            </a:r>
+          </a:p>
+          <a:p>
+            <a:pPr lvl="2"/>
+            <a:r>
+              <a:rPr lang="en-US"/>
+              <a:t>Third level</a:t>
+            </a:r>
+          </a:p>
+          <a:p>
+            <a:pPr lvl="3"/>
+            <a:r>
+              <a:rPr lang="en-US"/>
+              <a:t>Fourth level</a:t>
+            </a:r>
+          </a:p>
+          <a:p>
+            <a:pPr lvl="4"/>
+            <a:r>
+              <a:rPr lang="en-US"/>
+              <a:t>Fifth level</a:t>
+            </a:r>
+          </a:p>
+        </p:txBody>
+      </p:sp>
+      <p:sp>
+        <p:nvSpPr>
+          <p:cNvPr id="4" name="Text Placeholder 3"/>
+          <p:cNvSpPr>
+            <a:spLocks noGrp="1"/>
+          </p:cNvSpPr>
+          <p:nvPr>
+            <p:ph type="body" sz="half" idx="2"/>
+          </p:nvPr>
+        </p:nvSpPr>
+        <p:spPr>
+          <a:xfrm>
+            <a:off x="839788" y="2057400"/>
+            <a:ext cx="3932237" cy="3811588"/>
+          </a:xfrm>
+        </p:spPr>
+        <p:txBody>
+          <a:bodyPr/>
+          <a:lstStyle>
+            <a:lvl1pPr marL="0" indent="0">
+              <a:buNone/>
+              <a:defRPr sz="1600"/>
+            </a:lvl1pPr>
+            <a:lvl2pPr marL="457200" indent="0">
+              <a:buNone/>
+              <a:defRPr sz="1400"/>
+            </a:lvl2pPr>
+            <a:lvl3pPr marL="914400" indent="0">
+              <a:buNone/>
+              <a:defRPr sz="1200"/>
+            </a:lvl3pPr>
+            <a:lvl4pPr marL="1371600" indent="0">
+              <a:buNone/>
+              <a:defRPr sz="1000"/>
+            </a:lvl4pPr>
+            <a:lvl5pPr marL="1828800" indent="0">
+              <a:buNone/>
+              <a:defRPr sz="1000"/>
+            </a:lvl5pPr>
+            <a:lvl6pPr marL="2286000" indent="0">
+              <a:buNone/>
+              <a:defRPr sz="1000"/>
+            </a:lvl6pPr>
+            <a:lvl7pPr marL="2743200" indent="0">
+              <a:buNone/>
+              <a:defRPr sz="1000"/>
+            </a:lvl7pPr>
+            <a:lvl8pPr marL="3200400" indent="0">
+              <a:buNone/>
+              <a:defRPr sz="1000"/>
+            </a:lvl8pPr>
+            <a:lvl9pPr marL="3657600" indent="0">
+              <a:buNone/>
+              <a:defRPr sz="1000"/>
+            </a:lvl9pPr>
+          </a:lstStyle>
+          <a:p>
+            <a:pPr lvl="0"/>
+            <a:r>
+              <a:rPr lang="en-US"/>
+              <a:t>Edit Master text styles</a:t>
+            </a:r>
+          </a:p>
+        </p:txBody>
+      </p:sp>
+      <p:sp>
+        <p:nvSpPr>
+          <p:cNvPr id="5" name="Date Placeholder 4"/>
+          <p:cNvSpPr>
+            <a:spLocks noGrp="1"/>
+          </p:cNvSpPr>
+          <p:nvPr>
+            <p:ph type="dt" sz="half" idx="10"/>
+          </p:nvPr>
+        </p:nvSpPr>
+        <p:spPr/>
+        <p:txBody>
+          <a:bodyPr/>
+          <a:lstStyle/>
+          <a:p>
+            <a:fld id="{73999C92-B6DA-4CCE-AA75-2126A9BA288D}" type="datetimeFigureOut">
+              <a:rPr lang="en-US" smtClean="0"/>
+              <a:t>12/6/2017</a:t>
+            </a:fld>
+            <a:endParaRPr lang="en-US"/>
+          </a:p>
+        </p:txBody>
+      </p:sp>
+      <p:sp>
+        <p:nvSpPr>
+          <p:cNvPr id="6" name="Footer Placeholder 5"/>
+          <p:cNvSpPr>
+            <a:spLocks noGrp="1"/>
+          </p:cNvSpPr>
+          <p:nvPr>
+            <p:ph type="ftr" sz="quarter" idx="11"/>
+          </p:nvPr>
+        </p:nvSpPr>
+        <p:spPr/>
+        <p:txBody>
+          <a:bodyPr/>
+          <a:lstStyle/>
+          <a:p>
+            <a:endParaRPr lang="en-US"/>
+          </a:p>
+        </p:txBody>
+      </p:sp>
+      <p:sp>
+        <p:nvSpPr>
+          <p:cNvPr id="7" name="Slide Number Placeholder 6"/>
+          <p:cNvSpPr>
+            <a:spLocks noGrp="1"/>
+          </p:cNvSpPr>
+          <p:nvPr>
+            <p:ph type="sldNum" sz="quarter" idx="12"/>
+          </p:nvPr>
+        </p:nvSpPr>
+        <p:spPr/>
+        <p:txBody>
+          <a:bodyPr/>
+          <a:lstStyle/>
+          <a:p>
+            <a:fld id="{38982708-B6B9-41A7-9E91-E816C342CFB5}" type="slidenum">
+              <a:rPr lang="en-US" smtClean="0"/>
+              <a:t>‹#›</a:t>
+            </a:fld>
+            <a:endParaRPr lang="en-US"/>
+          </a:p>
+        </p:txBody>
+      </p:sp>
+    </p:spTree>
+    <p:extLst>
+      <p:ext uri="{BB962C8B-B14F-4D97-AF65-F5344CB8AC3E}">
+        <p14:creationId xmlns:p14="http://schemas.microsoft.com/office/powerpoint/2010/main" val="113921896"/>
+      </p:ext>
+    </p:extLst>
+  </p:cSld>
+  <p:clrMapOvr>
+    <a:masterClrMapping/>
+  </p:clrMapOvr>
+</p:sldLayout>
+</file>
+
+<file path=ppt/slideLayouts/slideLayout44.xml><?xml version="1.0" encoding="utf-8"?>
+<p:sldLayout xmlns:a="http://schemas.openxmlformats.org/drawingml/2006/main" xmlns:r="http://schemas.openxmlformats.org/officeDocument/2006/relationships" xmlns:p="http://schemas.openxmlformats.org/presentationml/2006/main" type="picTx" preserve="1">
+  <p:cSld name="Picture with Caption">
+    <p:spTree>
+      <p:nvGrpSpPr>
+        <p:cNvPr id="1" name=""/>
+        <p:cNvGrpSpPr/>
+        <p:nvPr/>
+      </p:nvGrpSpPr>
+      <p:grpSpPr>
+        <a:xfrm>
+          <a:off x="0" y="0"/>
+          <a:ext cx="0" cy="0"/>
+          <a:chOff x="0" y="0"/>
+          <a:chExt cx="0" cy="0"/>
+        </a:xfrm>
+      </p:grpSpPr>
+      <p:sp>
+        <p:nvSpPr>
+          <p:cNvPr id="2" name="Title 1"/>
+          <p:cNvSpPr>
+            <a:spLocks noGrp="1"/>
+          </p:cNvSpPr>
+          <p:nvPr>
+            <p:ph type="title"/>
+          </p:nvPr>
+        </p:nvSpPr>
+        <p:spPr>
+          <a:xfrm>
+            <a:off x="839788" y="457200"/>
+            <a:ext cx="3932237" cy="1600200"/>
+          </a:xfrm>
+        </p:spPr>
+        <p:txBody>
+          <a:bodyPr anchor="b"/>
+          <a:lstStyle>
+            <a:lvl1pPr>
+              <a:defRPr sz="3200"/>
+            </a:lvl1pPr>
+          </a:lstStyle>
+          <a:p>
+            <a:r>
+              <a:rPr lang="en-US"/>
+              <a:t>Click to edit Master title style</a:t>
+            </a:r>
+          </a:p>
+        </p:txBody>
+      </p:sp>
+      <p:sp>
+        <p:nvSpPr>
+          <p:cNvPr id="3" name="Picture Placeholder 2"/>
+          <p:cNvSpPr>
+            <a:spLocks noGrp="1"/>
+          </p:cNvSpPr>
+          <p:nvPr>
+            <p:ph type="pic" idx="1"/>
+          </p:nvPr>
+        </p:nvSpPr>
+        <p:spPr>
+          <a:xfrm>
+            <a:off x="5183188" y="987425"/>
+            <a:ext cx="6172200" cy="4873625"/>
+          </a:xfrm>
+        </p:spPr>
+        <p:txBody>
+          <a:bodyPr/>
+          <a:lstStyle>
+            <a:lvl1pPr marL="0" indent="0">
+              <a:buNone/>
+              <a:defRPr sz="3200"/>
+            </a:lvl1pPr>
+            <a:lvl2pPr marL="457200" indent="0">
+              <a:buNone/>
+              <a:defRPr sz="2800"/>
+            </a:lvl2pPr>
+            <a:lvl3pPr marL="914400" indent="0">
+              <a:buNone/>
+              <a:defRPr sz="2400"/>
+            </a:lvl3pPr>
+            <a:lvl4pPr marL="1371600" indent="0">
+              <a:buNone/>
+              <a:defRPr sz="2000"/>
+            </a:lvl4pPr>
+            <a:lvl5pPr marL="1828800" indent="0">
+              <a:buNone/>
+              <a:defRPr sz="2000"/>
+            </a:lvl5pPr>
+            <a:lvl6pPr marL="2286000" indent="0">
+              <a:buNone/>
+              <a:defRPr sz="2000"/>
+            </a:lvl6pPr>
+            <a:lvl7pPr marL="2743200" indent="0">
+              <a:buNone/>
+              <a:defRPr sz="2000"/>
+            </a:lvl7pPr>
+            <a:lvl8pPr marL="3200400" indent="0">
+              <a:buNone/>
+              <a:defRPr sz="2000"/>
+            </a:lvl8pPr>
+            <a:lvl9pPr marL="3657600" indent="0">
+              <a:buNone/>
+              <a:defRPr sz="2000"/>
+            </a:lvl9pPr>
+          </a:lstStyle>
+          <a:p>
+            <a:endParaRPr lang="en-US"/>
+          </a:p>
+        </p:txBody>
+      </p:sp>
+      <p:sp>
+        <p:nvSpPr>
+          <p:cNvPr id="4" name="Text Placeholder 3"/>
+          <p:cNvSpPr>
+            <a:spLocks noGrp="1"/>
+          </p:cNvSpPr>
+          <p:nvPr>
+            <p:ph type="body" sz="half" idx="2"/>
+          </p:nvPr>
+        </p:nvSpPr>
+        <p:spPr>
+          <a:xfrm>
+            <a:off x="839788" y="2057400"/>
+            <a:ext cx="3932237" cy="3811588"/>
+          </a:xfrm>
+        </p:spPr>
+        <p:txBody>
+          <a:bodyPr/>
+          <a:lstStyle>
+            <a:lvl1pPr marL="0" indent="0">
+              <a:buNone/>
+              <a:defRPr sz="1600"/>
+            </a:lvl1pPr>
+            <a:lvl2pPr marL="457200" indent="0">
+              <a:buNone/>
+              <a:defRPr sz="1400"/>
+            </a:lvl2pPr>
+            <a:lvl3pPr marL="914400" indent="0">
+              <a:buNone/>
+              <a:defRPr sz="1200"/>
+            </a:lvl3pPr>
+            <a:lvl4pPr marL="1371600" indent="0">
+              <a:buNone/>
+              <a:defRPr sz="1000"/>
+            </a:lvl4pPr>
+            <a:lvl5pPr marL="1828800" indent="0">
+              <a:buNone/>
+              <a:defRPr sz="1000"/>
+            </a:lvl5pPr>
+            <a:lvl6pPr marL="2286000" indent="0">
+              <a:buNone/>
+              <a:defRPr sz="1000"/>
+            </a:lvl6pPr>
+            <a:lvl7pPr marL="2743200" indent="0">
+              <a:buNone/>
+              <a:defRPr sz="1000"/>
+            </a:lvl7pPr>
+            <a:lvl8pPr marL="3200400" indent="0">
+              <a:buNone/>
+              <a:defRPr sz="1000"/>
+            </a:lvl8pPr>
+            <a:lvl9pPr marL="3657600" indent="0">
+              <a:buNone/>
+              <a:defRPr sz="1000"/>
+            </a:lvl9pPr>
+          </a:lstStyle>
+          <a:p>
+            <a:pPr lvl="0"/>
+            <a:r>
+              <a:rPr lang="en-US"/>
+              <a:t>Edit Master text styles</a:t>
+            </a:r>
+          </a:p>
+        </p:txBody>
+      </p:sp>
+      <p:sp>
+        <p:nvSpPr>
+          <p:cNvPr id="5" name="Date Placeholder 4"/>
+          <p:cNvSpPr>
+            <a:spLocks noGrp="1"/>
+          </p:cNvSpPr>
+          <p:nvPr>
+            <p:ph type="dt" sz="half" idx="10"/>
+          </p:nvPr>
+        </p:nvSpPr>
+        <p:spPr/>
+        <p:txBody>
+          <a:bodyPr/>
+          <a:lstStyle/>
+          <a:p>
+            <a:fld id="{73999C92-B6DA-4CCE-AA75-2126A9BA288D}" type="datetimeFigureOut">
+              <a:rPr lang="en-US" smtClean="0"/>
+              <a:t>12/6/2017</a:t>
+            </a:fld>
+            <a:endParaRPr lang="en-US"/>
+          </a:p>
+        </p:txBody>
+      </p:sp>
+      <p:sp>
+        <p:nvSpPr>
+          <p:cNvPr id="6" name="Footer Placeholder 5"/>
+          <p:cNvSpPr>
+            <a:spLocks noGrp="1"/>
+          </p:cNvSpPr>
+          <p:nvPr>
+            <p:ph type="ftr" sz="quarter" idx="11"/>
+          </p:nvPr>
+        </p:nvSpPr>
+        <p:spPr/>
+        <p:txBody>
+          <a:bodyPr/>
+          <a:lstStyle/>
+          <a:p>
+            <a:endParaRPr lang="en-US"/>
+          </a:p>
+        </p:txBody>
+      </p:sp>
+      <p:sp>
+        <p:nvSpPr>
+          <p:cNvPr id="7" name="Slide Number Placeholder 6"/>
+          <p:cNvSpPr>
+            <a:spLocks noGrp="1"/>
+          </p:cNvSpPr>
+          <p:nvPr>
+            <p:ph type="sldNum" sz="quarter" idx="12"/>
+          </p:nvPr>
+        </p:nvSpPr>
+        <p:spPr/>
+        <p:txBody>
+          <a:bodyPr/>
+          <a:lstStyle/>
+          <a:p>
+            <a:fld id="{38982708-B6B9-41A7-9E91-E816C342CFB5}" type="slidenum">
+              <a:rPr lang="en-US" smtClean="0"/>
+              <a:t>‹#›</a:t>
+            </a:fld>
+            <a:endParaRPr lang="en-US"/>
+          </a:p>
+        </p:txBody>
+      </p:sp>
+    </p:spTree>
+    <p:extLst>
+      <p:ext uri="{BB962C8B-B14F-4D97-AF65-F5344CB8AC3E}">
+        <p14:creationId xmlns:p14="http://schemas.microsoft.com/office/powerpoint/2010/main" val="3470334989"/>
+      </p:ext>
+    </p:extLst>
+  </p:cSld>
+  <p:clrMapOvr>
+    <a:masterClrMapping/>
+  </p:clrMapOvr>
+</p:sldLayout>
+</file>
+
+<file path=ppt/slideLayouts/slideLayout45.xml><?xml version="1.0" encoding="utf-8"?>
+<p:sldLayout xmlns:a="http://schemas.openxmlformats.org/drawingml/2006/main" xmlns:r="http://schemas.openxmlformats.org/officeDocument/2006/relationships" xmlns:p="http://schemas.openxmlformats.org/presentationml/2006/main" type="vertTx" preserve="1">
+  <p:cSld name="Title and Vertical Text">
+    <p:spTree>
+      <p:nvGrpSpPr>
+        <p:cNvPr id="1" name=""/>
+        <p:cNvGrpSpPr/>
+        <p:nvPr/>
+      </p:nvGrpSpPr>
+      <p:grpSpPr>
+        <a:xfrm>
+          <a:off x="0" y="0"/>
+          <a:ext cx="0" cy="0"/>
+          <a:chOff x="0" y="0"/>
+          <a:chExt cx="0" cy="0"/>
+        </a:xfrm>
+      </p:grpSpPr>
+      <p:sp>
+        <p:nvSpPr>
+          <p:cNvPr id="2" name="Title 1"/>
+          <p:cNvSpPr>
+            <a:spLocks noGrp="1"/>
+          </p:cNvSpPr>
+          <p:nvPr>
+            <p:ph type="title"/>
+          </p:nvPr>
+        </p:nvSpPr>
+        <p:spPr/>
+        <p:txBody>
+          <a:bodyPr/>
+          <a:lstStyle/>
+          <a:p>
+            <a:r>
+              <a:rPr lang="en-US"/>
+              <a:t>Click to edit Master title style</a:t>
+            </a:r>
+          </a:p>
+        </p:txBody>
+      </p:sp>
+      <p:sp>
+        <p:nvSpPr>
+          <p:cNvPr id="3" name="Vertical Text Placeholder 2"/>
+          <p:cNvSpPr>
+            <a:spLocks noGrp="1"/>
+          </p:cNvSpPr>
+          <p:nvPr>
+            <p:ph type="body" orient="vert" idx="1"/>
+          </p:nvPr>
+        </p:nvSpPr>
+        <p:spPr/>
+        <p:txBody>
+          <a:bodyPr vert="eaVert"/>
+          <a:lstStyle/>
+          <a:p>
+            <a:pPr lvl="0"/>
+            <a:r>
+              <a:rPr lang="en-US"/>
+              <a:t>Edit Master text styles</a:t>
+            </a:r>
+          </a:p>
+          <a:p>
+            <a:pPr lvl="1"/>
+            <a:r>
+              <a:rPr lang="en-US"/>
+              <a:t>Second level</a:t>
+            </a:r>
+          </a:p>
+          <a:p>
+            <a:pPr lvl="2"/>
+            <a:r>
+              <a:rPr lang="en-US"/>
+              <a:t>Third level</a:t>
+            </a:r>
+          </a:p>
+          <a:p>
+            <a:pPr lvl="3"/>
+            <a:r>
+              <a:rPr lang="en-US"/>
+              <a:t>Fourth level</a:t>
+            </a:r>
+          </a:p>
+          <a:p>
+            <a:pPr lvl="4"/>
+            <a:r>
+              <a:rPr lang="en-US"/>
+              <a:t>Fifth level</a:t>
+            </a:r>
+          </a:p>
+        </p:txBody>
+      </p:sp>
+      <p:sp>
+        <p:nvSpPr>
+          <p:cNvPr id="4" name="Date Placeholder 3"/>
+          <p:cNvSpPr>
+            <a:spLocks noGrp="1"/>
+          </p:cNvSpPr>
+          <p:nvPr>
+            <p:ph type="dt" sz="half" idx="10"/>
+          </p:nvPr>
+        </p:nvSpPr>
+        <p:spPr/>
+        <p:txBody>
+          <a:bodyPr/>
+          <a:lstStyle/>
+          <a:p>
+            <a:fld id="{73999C92-B6DA-4CCE-AA75-2126A9BA288D}" type="datetimeFigureOut">
+              <a:rPr lang="en-US" smtClean="0"/>
+              <a:t>12/6/2017</a:t>
+            </a:fld>
+            <a:endParaRPr lang="en-US"/>
+          </a:p>
+        </p:txBody>
+      </p:sp>
+      <p:sp>
+        <p:nvSpPr>
+          <p:cNvPr id="5" name="Footer Placeholder 4"/>
+          <p:cNvSpPr>
+            <a:spLocks noGrp="1"/>
+          </p:cNvSpPr>
+          <p:nvPr>
+            <p:ph type="ftr" sz="quarter" idx="11"/>
+          </p:nvPr>
+        </p:nvSpPr>
+        <p:spPr/>
+        <p:txBody>
+          <a:bodyPr/>
+          <a:lstStyle/>
+          <a:p>
+            <a:endParaRPr lang="en-US"/>
+          </a:p>
+        </p:txBody>
+      </p:sp>
+      <p:sp>
+        <p:nvSpPr>
+          <p:cNvPr id="6" name="Slide Number Placeholder 5"/>
+          <p:cNvSpPr>
+            <a:spLocks noGrp="1"/>
+          </p:cNvSpPr>
+          <p:nvPr>
+            <p:ph type="sldNum" sz="quarter" idx="12"/>
+          </p:nvPr>
+        </p:nvSpPr>
+        <p:spPr/>
+        <p:txBody>
+          <a:bodyPr/>
+          <a:lstStyle/>
+          <a:p>
+            <a:fld id="{38982708-B6B9-41A7-9E91-E816C342CFB5}" type="slidenum">
+              <a:rPr lang="en-US" smtClean="0"/>
+              <a:t>‹#›</a:t>
+            </a:fld>
+            <a:endParaRPr lang="en-US"/>
+          </a:p>
+        </p:txBody>
+      </p:sp>
+    </p:spTree>
+    <p:extLst>
+      <p:ext uri="{BB962C8B-B14F-4D97-AF65-F5344CB8AC3E}">
+        <p14:creationId xmlns:p14="http://schemas.microsoft.com/office/powerpoint/2010/main" val="2097566836"/>
+      </p:ext>
+    </p:extLst>
+  </p:cSld>
+  <p:clrMapOvr>
+    <a:masterClrMapping/>
+  </p:clrMapOvr>
+</p:sldLayout>
+</file>
+
+<file path=ppt/slideLayouts/slideLayout46.xml><?xml version="1.0" encoding="utf-8"?>
+<p:sldLayout xmlns:a="http://schemas.openxmlformats.org/drawingml/2006/main" xmlns:r="http://schemas.openxmlformats.org/officeDocument/2006/relationships" xmlns:p="http://schemas.openxmlformats.org/presentationml/2006/main" type="vertTitleAndTx" preserve="1">
+  <p:cSld name="Vertical Title and Text">
+    <p:spTree>
+      <p:nvGrpSpPr>
+        <p:cNvPr id="1" name=""/>
+        <p:cNvGrpSpPr/>
+        <p:nvPr/>
+      </p:nvGrpSpPr>
+      <p:grpSpPr>
+        <a:xfrm>
+          <a:off x="0" y="0"/>
+          <a:ext cx="0" cy="0"/>
+          <a:chOff x="0" y="0"/>
+          <a:chExt cx="0" cy="0"/>
+        </a:xfrm>
+      </p:grpSpPr>
+      <p:sp>
+        <p:nvSpPr>
+          <p:cNvPr id="2" name="Vertical Title 1"/>
+          <p:cNvSpPr>
+            <a:spLocks noGrp="1"/>
+          </p:cNvSpPr>
+          <p:nvPr>
+            <p:ph type="title" orient="vert"/>
+          </p:nvPr>
+        </p:nvSpPr>
+        <p:spPr>
+          <a:xfrm>
+            <a:off x="8724900" y="365125"/>
+            <a:ext cx="2628900" cy="5811838"/>
+          </a:xfrm>
+        </p:spPr>
+        <p:txBody>
+          <a:bodyPr vert="eaVert"/>
+          <a:lstStyle/>
+          <a:p>
+            <a:r>
+              <a:rPr lang="en-US"/>
+              <a:t>Click to edit Master title style</a:t>
+            </a:r>
+          </a:p>
+        </p:txBody>
+      </p:sp>
+      <p:sp>
+        <p:nvSpPr>
+          <p:cNvPr id="3" name="Vertical Text Placeholder 2"/>
+          <p:cNvSpPr>
+            <a:spLocks noGrp="1"/>
+          </p:cNvSpPr>
+          <p:nvPr>
+            <p:ph type="body" orient="vert" idx="1"/>
+          </p:nvPr>
+        </p:nvSpPr>
+        <p:spPr>
+          <a:xfrm>
+            <a:off x="838200" y="365125"/>
+            <a:ext cx="7734300" cy="5811838"/>
+          </a:xfrm>
+        </p:spPr>
+        <p:txBody>
+          <a:bodyPr vert="eaVert"/>
+          <a:lstStyle/>
+          <a:p>
+            <a:pPr lvl="0"/>
+            <a:r>
+              <a:rPr lang="en-US"/>
+              <a:t>Edit Master text styles</a:t>
+            </a:r>
+          </a:p>
+          <a:p>
+            <a:pPr lvl="1"/>
+            <a:r>
+              <a:rPr lang="en-US"/>
+              <a:t>Second level</a:t>
+            </a:r>
+          </a:p>
+          <a:p>
+            <a:pPr lvl="2"/>
+            <a:r>
+              <a:rPr lang="en-US"/>
+              <a:t>Third level</a:t>
+            </a:r>
+          </a:p>
+          <a:p>
+            <a:pPr lvl="3"/>
+            <a:r>
+              <a:rPr lang="en-US"/>
+              <a:t>Fourth level</a:t>
+            </a:r>
+          </a:p>
+          <a:p>
+            <a:pPr lvl="4"/>
+            <a:r>
+              <a:rPr lang="en-US"/>
+              <a:t>Fifth level</a:t>
+            </a:r>
+          </a:p>
+        </p:txBody>
+      </p:sp>
+      <p:sp>
+        <p:nvSpPr>
+          <p:cNvPr id="4" name="Date Placeholder 3"/>
+          <p:cNvSpPr>
+            <a:spLocks noGrp="1"/>
+          </p:cNvSpPr>
+          <p:nvPr>
+            <p:ph type="dt" sz="half" idx="10"/>
+          </p:nvPr>
+        </p:nvSpPr>
+        <p:spPr/>
+        <p:txBody>
+          <a:bodyPr/>
+          <a:lstStyle/>
+          <a:p>
+            <a:fld id="{73999C92-B6DA-4CCE-AA75-2126A9BA288D}" type="datetimeFigureOut">
+              <a:rPr lang="en-US" smtClean="0"/>
+              <a:t>12/6/2017</a:t>
+            </a:fld>
+            <a:endParaRPr lang="en-US"/>
+          </a:p>
+        </p:txBody>
+      </p:sp>
+      <p:sp>
+        <p:nvSpPr>
+          <p:cNvPr id="5" name="Footer Placeholder 4"/>
+          <p:cNvSpPr>
+            <a:spLocks noGrp="1"/>
+          </p:cNvSpPr>
+          <p:nvPr>
+            <p:ph type="ftr" sz="quarter" idx="11"/>
+          </p:nvPr>
+        </p:nvSpPr>
+        <p:spPr/>
+        <p:txBody>
+          <a:bodyPr/>
+          <a:lstStyle/>
+          <a:p>
+            <a:endParaRPr lang="en-US"/>
+          </a:p>
+        </p:txBody>
+      </p:sp>
+      <p:sp>
+        <p:nvSpPr>
+          <p:cNvPr id="6" name="Slide Number Placeholder 5"/>
+          <p:cNvSpPr>
+            <a:spLocks noGrp="1"/>
+          </p:cNvSpPr>
+          <p:nvPr>
+            <p:ph type="sldNum" sz="quarter" idx="12"/>
+          </p:nvPr>
+        </p:nvSpPr>
+        <p:spPr/>
+        <p:txBody>
+          <a:bodyPr/>
+          <a:lstStyle/>
+          <a:p>
+            <a:fld id="{38982708-B6B9-41A7-9E91-E816C342CFB5}" type="slidenum">
+              <a:rPr lang="en-US" smtClean="0"/>
+              <a:t>‹#›</a:t>
+            </a:fld>
+            <a:endParaRPr lang="en-US"/>
+          </a:p>
+        </p:txBody>
+      </p:sp>
+    </p:spTree>
+    <p:extLst>
+      <p:ext uri="{BB962C8B-B14F-4D97-AF65-F5344CB8AC3E}">
+        <p14:creationId xmlns:p14="http://schemas.microsoft.com/office/powerpoint/2010/main" val="349731793"/>
+      </p:ext>
+    </p:extLst>
+  </p:cSld>
+  <p:clrMapOvr>
+    <a:masterClrMapping/>
+  </p:clrMapOvr>
 </p:sldLayout>
 </file>
 
@@ -17381,6 +20318,544 @@
     <p:sldLayoutId id="2147483695" r:id="rId3"/>
     <p:sldLayoutId id="2147483696" r:id="rId4"/>
     <p:sldLayoutId id="2147483697" r:id="rId5"/>
+  </p:sldLayoutIdLst>
+  <p:txStyles>
+    <p:titleStyle>
+      <a:lvl1pPr algn="l" defTabSz="914400" rtl="0" eaLnBrk="1" latinLnBrk="0" hangingPunct="1">
+        <a:lnSpc>
+          <a:spcPct val="90000"/>
+        </a:lnSpc>
+        <a:spcBef>
+          <a:spcPct val="0"/>
+        </a:spcBef>
+        <a:buNone/>
+        <a:defRPr sz="4400" kern="1200">
+          <a:solidFill>
+            <a:schemeClr val="tx1"/>
+          </a:solidFill>
+          <a:latin typeface="+mj-lt"/>
+          <a:ea typeface="+mj-ea"/>
+          <a:cs typeface="+mj-cs"/>
+        </a:defRPr>
+      </a:lvl1pPr>
+    </p:titleStyle>
+    <p:bodyStyle>
+      <a:lvl1pPr marL="228600" indent="-228600" algn="l" defTabSz="914400" rtl="0" eaLnBrk="1" latinLnBrk="0" hangingPunct="1">
+        <a:lnSpc>
+          <a:spcPct val="90000"/>
+        </a:lnSpc>
+        <a:spcBef>
+          <a:spcPts val="1000"/>
+        </a:spcBef>
+        <a:buFont typeface="Arial" panose="020B0604020202020204" pitchFamily="34" charset="0"/>
+        <a:buChar char="•"/>
+        <a:defRPr sz="2800" kern="1200">
+          <a:solidFill>
+            <a:schemeClr val="tx1"/>
+          </a:solidFill>
+          <a:latin typeface="+mn-lt"/>
+          <a:ea typeface="+mn-ea"/>
+          <a:cs typeface="+mn-cs"/>
+        </a:defRPr>
+      </a:lvl1pPr>
+      <a:lvl2pPr marL="685800" indent="-228600" algn="l" defTabSz="914400" rtl="0" eaLnBrk="1" latinLnBrk="0" hangingPunct="1">
+        <a:lnSpc>
+          <a:spcPct val="90000"/>
+        </a:lnSpc>
+        <a:spcBef>
+          <a:spcPts val="500"/>
+        </a:spcBef>
+        <a:buFont typeface="Arial" panose="020B0604020202020204" pitchFamily="34" charset="0"/>
+        <a:buChar char="•"/>
+        <a:defRPr sz="2400" kern="1200">
+          <a:solidFill>
+            <a:schemeClr val="tx1"/>
+          </a:solidFill>
+          <a:latin typeface="+mn-lt"/>
+          <a:ea typeface="+mn-ea"/>
+          <a:cs typeface="+mn-cs"/>
+        </a:defRPr>
+      </a:lvl2pPr>
+      <a:lvl3pPr marL="1143000" indent="-228600" algn="l" defTabSz="914400" rtl="0" eaLnBrk="1" latinLnBrk="0" hangingPunct="1">
+        <a:lnSpc>
+          <a:spcPct val="90000"/>
+        </a:lnSpc>
+        <a:spcBef>
+          <a:spcPts val="500"/>
+        </a:spcBef>
+        <a:buFont typeface="Arial" panose="020B0604020202020204" pitchFamily="34" charset="0"/>
+        <a:buChar char="•"/>
+        <a:defRPr sz="2000" kern="1200">
+          <a:solidFill>
+            <a:schemeClr val="tx1"/>
+          </a:solidFill>
+          <a:latin typeface="+mn-lt"/>
+          <a:ea typeface="+mn-ea"/>
+          <a:cs typeface="+mn-cs"/>
+        </a:defRPr>
+      </a:lvl3pPr>
+      <a:lvl4pPr marL="1600200" indent="-228600" algn="l" defTabSz="914400" rtl="0" eaLnBrk="1" latinLnBrk="0" hangingPunct="1">
+        <a:lnSpc>
+          <a:spcPct val="90000"/>
+        </a:lnSpc>
+        <a:spcBef>
+          <a:spcPts val="500"/>
+        </a:spcBef>
+        <a:buFont typeface="Arial" panose="020B0604020202020204" pitchFamily="34" charset="0"/>
+        <a:buChar char="•"/>
+        <a:defRPr sz="1800" kern="1200">
+          <a:solidFill>
+            <a:schemeClr val="tx1"/>
+          </a:solidFill>
+          <a:latin typeface="+mn-lt"/>
+          <a:ea typeface="+mn-ea"/>
+          <a:cs typeface="+mn-cs"/>
+        </a:defRPr>
+      </a:lvl4pPr>
+      <a:lvl5pPr marL="2057400" indent="-228600" algn="l" defTabSz="914400" rtl="0" eaLnBrk="1" latinLnBrk="0" hangingPunct="1">
+        <a:lnSpc>
+          <a:spcPct val="90000"/>
+        </a:lnSpc>
+        <a:spcBef>
+          <a:spcPts val="500"/>
+        </a:spcBef>
+        <a:buFont typeface="Arial" panose="020B0604020202020204" pitchFamily="34" charset="0"/>
+        <a:buChar char="•"/>
+        <a:defRPr sz="1800" kern="1200">
+          <a:solidFill>
+            <a:schemeClr val="tx1"/>
+          </a:solidFill>
+          <a:latin typeface="+mn-lt"/>
+          <a:ea typeface="+mn-ea"/>
+          <a:cs typeface="+mn-cs"/>
+        </a:defRPr>
+      </a:lvl5pPr>
+      <a:lvl6pPr marL="2514600" indent="-228600" algn="l" defTabSz="914400" rtl="0" eaLnBrk="1" latinLnBrk="0" hangingPunct="1">
+        <a:lnSpc>
+          <a:spcPct val="90000"/>
+        </a:lnSpc>
+        <a:spcBef>
+          <a:spcPts val="500"/>
+        </a:spcBef>
+        <a:buFont typeface="Arial" panose="020B0604020202020204" pitchFamily="34" charset="0"/>
+        <a:buChar char="•"/>
+        <a:defRPr sz="1800" kern="1200">
+          <a:solidFill>
+            <a:schemeClr val="tx1"/>
+          </a:solidFill>
+          <a:latin typeface="+mn-lt"/>
+          <a:ea typeface="+mn-ea"/>
+          <a:cs typeface="+mn-cs"/>
+        </a:defRPr>
+      </a:lvl6pPr>
+      <a:lvl7pPr marL="2971800" indent="-228600" algn="l" defTabSz="914400" rtl="0" eaLnBrk="1" latinLnBrk="0" hangingPunct="1">
+        <a:lnSpc>
+          <a:spcPct val="90000"/>
+        </a:lnSpc>
+        <a:spcBef>
+          <a:spcPts val="500"/>
+        </a:spcBef>
+        <a:buFont typeface="Arial" panose="020B0604020202020204" pitchFamily="34" charset="0"/>
+        <a:buChar char="•"/>
+        <a:defRPr sz="1800" kern="1200">
+          <a:solidFill>
+            <a:schemeClr val="tx1"/>
+          </a:solidFill>
+          <a:latin typeface="+mn-lt"/>
+          <a:ea typeface="+mn-ea"/>
+          <a:cs typeface="+mn-cs"/>
+        </a:defRPr>
+      </a:lvl7pPr>
+      <a:lvl8pPr marL="3429000" indent="-228600" algn="l" defTabSz="914400" rtl="0" eaLnBrk="1" latinLnBrk="0" hangingPunct="1">
+        <a:lnSpc>
+          <a:spcPct val="90000"/>
+        </a:lnSpc>
+        <a:spcBef>
+          <a:spcPts val="500"/>
+        </a:spcBef>
+        <a:buFont typeface="Arial" panose="020B0604020202020204" pitchFamily="34" charset="0"/>
+        <a:buChar char="•"/>
+        <a:defRPr sz="1800" kern="1200">
+          <a:solidFill>
+            <a:schemeClr val="tx1"/>
+          </a:solidFill>
+          <a:latin typeface="+mn-lt"/>
+          <a:ea typeface="+mn-ea"/>
+          <a:cs typeface="+mn-cs"/>
+        </a:defRPr>
+      </a:lvl8pPr>
+      <a:lvl9pPr marL="3886200" indent="-228600" algn="l" defTabSz="914400" rtl="0" eaLnBrk="1" latinLnBrk="0" hangingPunct="1">
+        <a:lnSpc>
+          <a:spcPct val="90000"/>
+        </a:lnSpc>
+        <a:spcBef>
+          <a:spcPts val="500"/>
+        </a:spcBef>
+        <a:buFont typeface="Arial" panose="020B0604020202020204" pitchFamily="34" charset="0"/>
+        <a:buChar char="•"/>
+        <a:defRPr sz="1800" kern="1200">
+          <a:solidFill>
+            <a:schemeClr val="tx1"/>
+          </a:solidFill>
+          <a:latin typeface="+mn-lt"/>
+          <a:ea typeface="+mn-ea"/>
+          <a:cs typeface="+mn-cs"/>
+        </a:defRPr>
+      </a:lvl9pPr>
+    </p:bodyStyle>
+    <p:otherStyle>
+      <a:defPPr>
+        <a:defRPr lang="en-US"/>
+      </a:defPPr>
+      <a:lvl1pPr marL="0" algn="l" defTabSz="914400" rtl="0" eaLnBrk="1" latinLnBrk="0" hangingPunct="1">
+        <a:defRPr sz="1800" kern="1200">
+          <a:solidFill>
+            <a:schemeClr val="tx1"/>
+          </a:solidFill>
+          <a:latin typeface="+mn-lt"/>
+          <a:ea typeface="+mn-ea"/>
+          <a:cs typeface="+mn-cs"/>
+        </a:defRPr>
+      </a:lvl1pPr>
+      <a:lvl2pPr marL="457200" algn="l" defTabSz="914400" rtl="0" eaLnBrk="1" latinLnBrk="0" hangingPunct="1">
+        <a:defRPr sz="1800" kern="1200">
+          <a:solidFill>
+            <a:schemeClr val="tx1"/>
+          </a:solidFill>
+          <a:latin typeface="+mn-lt"/>
+          <a:ea typeface="+mn-ea"/>
+          <a:cs typeface="+mn-cs"/>
+        </a:defRPr>
+      </a:lvl2pPr>
+      <a:lvl3pPr marL="914400" algn="l" defTabSz="914400" rtl="0" eaLnBrk="1" latinLnBrk="0" hangingPunct="1">
+        <a:defRPr sz="1800" kern="1200">
+          <a:solidFill>
+            <a:schemeClr val="tx1"/>
+          </a:solidFill>
+          <a:latin typeface="+mn-lt"/>
+          <a:ea typeface="+mn-ea"/>
+          <a:cs typeface="+mn-cs"/>
+        </a:defRPr>
+      </a:lvl3pPr>
+      <a:lvl4pPr marL="1371600" algn="l" defTabSz="914400" rtl="0" eaLnBrk="1" latinLnBrk="0" hangingPunct="1">
+        <a:defRPr sz="1800" kern="1200">
+          <a:solidFill>
+            <a:schemeClr val="tx1"/>
+          </a:solidFill>
+          <a:latin typeface="+mn-lt"/>
+          <a:ea typeface="+mn-ea"/>
+          <a:cs typeface="+mn-cs"/>
+        </a:defRPr>
+      </a:lvl4pPr>
+      <a:lvl5pPr marL="1828800" algn="l" defTabSz="914400" rtl="0" eaLnBrk="1" latinLnBrk="0" hangingPunct="1">
+        <a:defRPr sz="1800" kern="1200">
+          <a:solidFill>
+            <a:schemeClr val="tx1"/>
+          </a:solidFill>
+          <a:latin typeface="+mn-lt"/>
+          <a:ea typeface="+mn-ea"/>
+          <a:cs typeface="+mn-cs"/>
+        </a:defRPr>
+      </a:lvl5pPr>
+      <a:lvl6pPr marL="2286000" algn="l" defTabSz="914400" rtl="0" eaLnBrk="1" latinLnBrk="0" hangingPunct="1">
+        <a:defRPr sz="1800" kern="1200">
+          <a:solidFill>
+            <a:schemeClr val="tx1"/>
+          </a:solidFill>
+          <a:latin typeface="+mn-lt"/>
+          <a:ea typeface="+mn-ea"/>
+          <a:cs typeface="+mn-cs"/>
+        </a:defRPr>
+      </a:lvl6pPr>
+      <a:lvl7pPr marL="2743200" algn="l" defTabSz="914400" rtl="0" eaLnBrk="1" latinLnBrk="0" hangingPunct="1">
+        <a:defRPr sz="1800" kern="1200">
+          <a:solidFill>
+            <a:schemeClr val="tx1"/>
+          </a:solidFill>
+          <a:latin typeface="+mn-lt"/>
+          <a:ea typeface="+mn-ea"/>
+          <a:cs typeface="+mn-cs"/>
+        </a:defRPr>
+      </a:lvl7pPr>
+      <a:lvl8pPr marL="3200400" algn="l" defTabSz="914400" rtl="0" eaLnBrk="1" latinLnBrk="0" hangingPunct="1">
+        <a:defRPr sz="1800" kern="1200">
+          <a:solidFill>
+            <a:schemeClr val="tx1"/>
+          </a:solidFill>
+          <a:latin typeface="+mn-lt"/>
+          <a:ea typeface="+mn-ea"/>
+          <a:cs typeface="+mn-cs"/>
+        </a:defRPr>
+      </a:lvl8pPr>
+      <a:lvl9pPr marL="3657600" algn="l" defTabSz="914400" rtl="0" eaLnBrk="1" latinLnBrk="0" hangingPunct="1">
+        <a:defRPr sz="1800" kern="1200">
+          <a:solidFill>
+            <a:schemeClr val="tx1"/>
+          </a:solidFill>
+          <a:latin typeface="+mn-lt"/>
+          <a:ea typeface="+mn-ea"/>
+          <a:cs typeface="+mn-cs"/>
+        </a:defRPr>
+      </a:lvl9pPr>
+    </p:otherStyle>
+  </p:txStyles>
+</p:sldMaster>
+</file>
+
+<file path=ppt/slideMasters/slideMaster4.xml><?xml version="1.0" encoding="utf-8"?>
+<p:sldMaster xmlns:a="http://schemas.openxmlformats.org/drawingml/2006/main" xmlns:r="http://schemas.openxmlformats.org/officeDocument/2006/relationships" xmlns:p="http://schemas.openxmlformats.org/presentationml/2006/main">
+  <p:cSld>
+    <p:bg>
+      <p:bgRef idx="1001">
+        <a:schemeClr val="bg1"/>
+      </p:bgRef>
+    </p:bg>
+    <p:spTree>
+      <p:nvGrpSpPr>
+        <p:cNvPr id="1" name=""/>
+        <p:cNvGrpSpPr/>
+        <p:nvPr/>
+      </p:nvGrpSpPr>
+      <p:grpSpPr>
+        <a:xfrm>
+          <a:off x="0" y="0"/>
+          <a:ext cx="0" cy="0"/>
+          <a:chOff x="0" y="0"/>
+          <a:chExt cx="0" cy="0"/>
+        </a:xfrm>
+      </p:grpSpPr>
+      <p:sp>
+        <p:nvSpPr>
+          <p:cNvPr id="2" name="Title Placeholder 1"/>
+          <p:cNvSpPr>
+            <a:spLocks noGrp="1"/>
+          </p:cNvSpPr>
+          <p:nvPr>
+            <p:ph type="title"/>
+          </p:nvPr>
+        </p:nvSpPr>
+        <p:spPr>
+          <a:xfrm>
+            <a:off x="838200" y="365125"/>
+            <a:ext cx="10515600" cy="1325563"/>
+          </a:xfrm>
+          <a:prstGeom prst="rect">
+            <a:avLst/>
+          </a:prstGeom>
+        </p:spPr>
+        <p:txBody>
+          <a:bodyPr vert="horz" lIns="91440" tIns="45720" rIns="91440" bIns="45720" rtlCol="0" anchor="ctr">
+            <a:normAutofit/>
+          </a:bodyPr>
+          <a:lstStyle/>
+          <a:p>
+            <a:r>
+              <a:rPr lang="en-US"/>
+              <a:t>Click to edit Master title style</a:t>
+            </a:r>
+          </a:p>
+        </p:txBody>
+      </p:sp>
+      <p:sp>
+        <p:nvSpPr>
+          <p:cNvPr id="3" name="Text Placeholder 2"/>
+          <p:cNvSpPr>
+            <a:spLocks noGrp="1"/>
+          </p:cNvSpPr>
+          <p:nvPr>
+            <p:ph type="body" idx="1"/>
+          </p:nvPr>
+        </p:nvSpPr>
+        <p:spPr>
+          <a:xfrm>
+            <a:off x="838200" y="1825625"/>
+            <a:ext cx="10515600" cy="4351338"/>
+          </a:xfrm>
+          <a:prstGeom prst="rect">
+            <a:avLst/>
+          </a:prstGeom>
+        </p:spPr>
+        <p:txBody>
+          <a:bodyPr vert="horz" lIns="91440" tIns="45720" rIns="91440" bIns="45720" rtlCol="0">
+            <a:normAutofit/>
+          </a:bodyPr>
+          <a:lstStyle/>
+          <a:p>
+            <a:pPr lvl="0"/>
+            <a:r>
+              <a:rPr lang="en-US"/>
+              <a:t>Edit Master text styles</a:t>
+            </a:r>
+          </a:p>
+          <a:p>
+            <a:pPr lvl="1"/>
+            <a:r>
+              <a:rPr lang="en-US"/>
+              <a:t>Second level</a:t>
+            </a:r>
+          </a:p>
+          <a:p>
+            <a:pPr lvl="2"/>
+            <a:r>
+              <a:rPr lang="en-US"/>
+              <a:t>Third level</a:t>
+            </a:r>
+          </a:p>
+          <a:p>
+            <a:pPr lvl="3"/>
+            <a:r>
+              <a:rPr lang="en-US"/>
+              <a:t>Fourth level</a:t>
+            </a:r>
+          </a:p>
+          <a:p>
+            <a:pPr lvl="4"/>
+            <a:r>
+              <a:rPr lang="en-US"/>
+              <a:t>Fifth level</a:t>
+            </a:r>
+          </a:p>
+        </p:txBody>
+      </p:sp>
+      <p:sp>
+        <p:nvSpPr>
+          <p:cNvPr id="4" name="Date Placeholder 3"/>
+          <p:cNvSpPr>
+            <a:spLocks noGrp="1"/>
+          </p:cNvSpPr>
+          <p:nvPr>
+            <p:ph type="dt" sz="half" idx="2"/>
+          </p:nvPr>
+        </p:nvSpPr>
+        <p:spPr>
+          <a:xfrm>
+            <a:off x="838200" y="6356350"/>
+            <a:ext cx="2743200" cy="365125"/>
+          </a:xfrm>
+          <a:prstGeom prst="rect">
+            <a:avLst/>
+          </a:prstGeom>
+        </p:spPr>
+        <p:txBody>
+          <a:bodyPr vert="horz" lIns="91440" tIns="45720" rIns="91440" bIns="45720" rtlCol="0" anchor="ctr"/>
+          <a:lstStyle>
+            <a:lvl1pPr algn="l">
+              <a:defRPr sz="1200">
+                <a:solidFill>
+                  <a:schemeClr val="tx1">
+                    <a:tint val="75000"/>
+                  </a:schemeClr>
+                </a:solidFill>
+              </a:defRPr>
+            </a:lvl1pPr>
+          </a:lstStyle>
+          <a:p>
+            <a:fld id="{73999C92-B6DA-4CCE-AA75-2126A9BA288D}" type="datetimeFigureOut">
+              <a:rPr lang="en-US" smtClean="0"/>
+              <a:t>12/6/2017</a:t>
+            </a:fld>
+            <a:endParaRPr lang="en-US"/>
+          </a:p>
+        </p:txBody>
+      </p:sp>
+      <p:sp>
+        <p:nvSpPr>
+          <p:cNvPr id="5" name="Footer Placeholder 4"/>
+          <p:cNvSpPr>
+            <a:spLocks noGrp="1"/>
+          </p:cNvSpPr>
+          <p:nvPr>
+            <p:ph type="ftr" sz="quarter" idx="3"/>
+          </p:nvPr>
+        </p:nvSpPr>
+        <p:spPr>
+          <a:xfrm>
+            <a:off x="4038600" y="6356350"/>
+            <a:ext cx="4114800" cy="365125"/>
+          </a:xfrm>
+          <a:prstGeom prst="rect">
+            <a:avLst/>
+          </a:prstGeom>
+        </p:spPr>
+        <p:txBody>
+          <a:bodyPr vert="horz" lIns="91440" tIns="45720" rIns="91440" bIns="45720" rtlCol="0" anchor="ctr"/>
+          <a:lstStyle>
+            <a:lvl1pPr algn="ctr">
+              <a:defRPr sz="1200">
+                <a:solidFill>
+                  <a:schemeClr val="tx1">
+                    <a:tint val="75000"/>
+                  </a:schemeClr>
+                </a:solidFill>
+              </a:defRPr>
+            </a:lvl1pPr>
+          </a:lstStyle>
+          <a:p>
+            <a:endParaRPr lang="en-US"/>
+          </a:p>
+        </p:txBody>
+      </p:sp>
+      <p:sp>
+        <p:nvSpPr>
+          <p:cNvPr id="6" name="Slide Number Placeholder 5"/>
+          <p:cNvSpPr>
+            <a:spLocks noGrp="1"/>
+          </p:cNvSpPr>
+          <p:nvPr>
+            <p:ph type="sldNum" sz="quarter" idx="4"/>
+          </p:nvPr>
+        </p:nvSpPr>
+        <p:spPr>
+          <a:xfrm>
+            <a:off x="8610600" y="6356350"/>
+            <a:ext cx="2743200" cy="365125"/>
+          </a:xfrm>
+          <a:prstGeom prst="rect">
+            <a:avLst/>
+          </a:prstGeom>
+        </p:spPr>
+        <p:txBody>
+          <a:bodyPr vert="horz" lIns="91440" tIns="45720" rIns="91440" bIns="45720" rtlCol="0" anchor="ctr"/>
+          <a:lstStyle>
+            <a:lvl1pPr algn="r">
+              <a:defRPr sz="1200">
+                <a:solidFill>
+                  <a:schemeClr val="tx1">
+                    <a:tint val="75000"/>
+                  </a:schemeClr>
+                </a:solidFill>
+              </a:defRPr>
+            </a:lvl1pPr>
+          </a:lstStyle>
+          <a:p>
+            <a:fld id="{38982708-B6B9-41A7-9E91-E816C342CFB5}" type="slidenum">
+              <a:rPr lang="en-US" smtClean="0"/>
+              <a:t>‹#›</a:t>
+            </a:fld>
+            <a:endParaRPr lang="en-US"/>
+          </a:p>
+        </p:txBody>
+      </p:sp>
+    </p:spTree>
+    <p:extLst>
+      <p:ext uri="{BB962C8B-B14F-4D97-AF65-F5344CB8AC3E}">
+        <p14:creationId xmlns:p14="http://schemas.microsoft.com/office/powerpoint/2010/main" val="1036175130"/>
+      </p:ext>
+    </p:extLst>
+  </p:cSld>
+  <p:clrMap bg1="lt1" tx1="dk1" bg2="lt2" tx2="dk2" accent1="accent1" accent2="accent2" accent3="accent3" accent4="accent4" accent5="accent5" accent6="accent6" hlink="hlink" folHlink="folHlink"/>
+  <p:sldLayoutIdLst>
+    <p:sldLayoutId id="2147483699" r:id="rId1"/>
+    <p:sldLayoutId id="2147483700" r:id="rId2"/>
+    <p:sldLayoutId id="2147483701" r:id="rId3"/>
+    <p:sldLayoutId id="2147483702" r:id="rId4"/>
+    <p:sldLayoutId id="2147483703" r:id="rId5"/>
+    <p:sldLayoutId id="2147483704" r:id="rId6"/>
+    <p:sldLayoutId id="2147483705" r:id="rId7"/>
+    <p:sldLayoutId id="2147483706" r:id="rId8"/>
+    <p:sldLayoutId id="2147483707" r:id="rId9"/>
+    <p:sldLayoutId id="2147483708" r:id="rId10"/>
+    <p:sldLayoutId id="2147483709" r:id="rId11"/>
   </p:sldLayoutIdLst>
   <p:txStyles>
     <p:titleStyle>
@@ -38585,7 +42060,7 @@
 </file>
 
 <file path=ppt/slides/slide21.xml><?xml version="1.0" encoding="utf-8"?>
-<p:sld xmlns:a="http://schemas.openxmlformats.org/drawingml/2006/main" xmlns:r="http://schemas.openxmlformats.org/officeDocument/2006/relationships" xmlns:p="http://schemas.openxmlformats.org/presentationml/2006/main" show="0">
+<p:sld xmlns:a="http://schemas.openxmlformats.org/drawingml/2006/main" xmlns:r="http://schemas.openxmlformats.org/officeDocument/2006/relationships" xmlns:p="http://schemas.openxmlformats.org/presentationml/2006/main">
   <p:cSld>
     <p:spTree>
       <p:nvGrpSpPr>
@@ -38601,6 +42076,5727 @@
           <a:chExt cx="0" cy="0"/>
         </a:xfrm>
       </p:grpSpPr>
+      <p:grpSp>
+        <p:nvGrpSpPr>
+          <p:cNvPr id="17" name="Unit 2"/>
+          <p:cNvGrpSpPr/>
+          <p:nvPr/>
+        </p:nvGrpSpPr>
+        <p:grpSpPr>
+          <a:xfrm>
+            <a:off x="4522291" y="1781379"/>
+            <a:ext cx="3177378" cy="3916656"/>
+            <a:chOff x="4581231" y="889983"/>
+            <a:chExt cx="3177378" cy="3916656"/>
+          </a:xfrm>
+        </p:grpSpPr>
+        <p:sp>
+          <p:nvSpPr>
+            <p:cNvPr id="159" name="Rectangle 158"/>
+            <p:cNvSpPr/>
+            <p:nvPr/>
+          </p:nvSpPr>
+          <p:spPr>
+            <a:xfrm>
+              <a:off x="4680927" y="889983"/>
+              <a:ext cx="908129" cy="3910149"/>
+            </a:xfrm>
+            <a:prstGeom prst="rect">
+              <a:avLst/>
+            </a:prstGeom>
+            <a:solidFill>
+              <a:schemeClr val="accent1">
+                <a:lumMod val="20000"/>
+                <a:lumOff val="80000"/>
+                <a:alpha val="14902"/>
+              </a:schemeClr>
+            </a:solidFill>
+            <a:ln>
+              <a:solidFill>
+                <a:schemeClr val="accent3">
+                  <a:lumMod val="40000"/>
+                  <a:lumOff val="60000"/>
+                </a:schemeClr>
+              </a:solidFill>
+            </a:ln>
+          </p:spPr>
+          <p:style>
+            <a:lnRef idx="2">
+              <a:schemeClr val="accent1">
+                <a:shade val="50000"/>
+              </a:schemeClr>
+            </a:lnRef>
+            <a:fillRef idx="1">
+              <a:schemeClr val="accent1"/>
+            </a:fillRef>
+            <a:effectRef idx="0">
+              <a:schemeClr val="accent1"/>
+            </a:effectRef>
+            <a:fontRef idx="minor">
+              <a:schemeClr val="lt1"/>
+            </a:fontRef>
+          </p:style>
+          <p:txBody>
+            <a:bodyPr rtlCol="0" anchor="ctr"/>
+            <a:lstStyle/>
+            <a:p>
+              <a:pPr marL="0" marR="0" lvl="0" indent="0" algn="ctr" defTabSz="914400" rtl="0" eaLnBrk="1" fontAlgn="auto" latinLnBrk="0" hangingPunct="1">
+                <a:lnSpc>
+                  <a:spcPct val="100000"/>
+                </a:lnSpc>
+                <a:spcBef>
+                  <a:spcPts val="0"/>
+                </a:spcBef>
+                <a:spcAft>
+                  <a:spcPts val="0"/>
+                </a:spcAft>
+                <a:buClrTx/>
+                <a:buSzTx/>
+                <a:buFontTx/>
+                <a:buNone/>
+                <a:tabLst/>
+                <a:defRPr/>
+              </a:pPr>
+              <a:endParaRPr kumimoji="0" lang="en-US" sz="1800" b="0" i="0" u="none" strike="noStrike" kern="1200" cap="none" spc="0" normalizeH="0" baseline="0" noProof="0">
+                <a:ln>
+                  <a:noFill/>
+                </a:ln>
+                <a:solidFill>
+                  <a:prstClr val="white"/>
+                </a:solidFill>
+                <a:effectLst/>
+                <a:uLnTx/>
+                <a:uFillTx/>
+                <a:latin typeface="Calibri" panose="020F0502020204030204"/>
+                <a:ea typeface="+mn-ea"/>
+                <a:cs typeface="+mn-cs"/>
+              </a:endParaRPr>
+            </a:p>
+          </p:txBody>
+        </p:sp>
+        <p:sp>
+          <p:nvSpPr>
+            <p:cNvPr id="152" name="Rectangle 151"/>
+            <p:cNvSpPr/>
+            <p:nvPr/>
+          </p:nvSpPr>
+          <p:spPr>
+            <a:xfrm>
+              <a:off x="5587411" y="896490"/>
+              <a:ext cx="1025786" cy="3910149"/>
+            </a:xfrm>
+            <a:prstGeom prst="rect">
+              <a:avLst/>
+            </a:prstGeom>
+            <a:solidFill>
+              <a:schemeClr val="accent1">
+                <a:lumMod val="20000"/>
+                <a:lumOff val="80000"/>
+                <a:alpha val="14902"/>
+              </a:schemeClr>
+            </a:solidFill>
+            <a:ln>
+              <a:solidFill>
+                <a:schemeClr val="accent3">
+                  <a:lumMod val="40000"/>
+                  <a:lumOff val="60000"/>
+                </a:schemeClr>
+              </a:solidFill>
+            </a:ln>
+          </p:spPr>
+          <p:style>
+            <a:lnRef idx="2">
+              <a:schemeClr val="accent1">
+                <a:shade val="50000"/>
+              </a:schemeClr>
+            </a:lnRef>
+            <a:fillRef idx="1">
+              <a:schemeClr val="accent1"/>
+            </a:fillRef>
+            <a:effectRef idx="0">
+              <a:schemeClr val="accent1"/>
+            </a:effectRef>
+            <a:fontRef idx="minor">
+              <a:schemeClr val="lt1"/>
+            </a:fontRef>
+          </p:style>
+          <p:txBody>
+            <a:bodyPr rtlCol="0" anchor="ctr"/>
+            <a:lstStyle/>
+            <a:p>
+              <a:pPr marL="0" marR="0" lvl="0" indent="0" algn="ctr" defTabSz="914400" rtl="0" eaLnBrk="1" fontAlgn="auto" latinLnBrk="0" hangingPunct="1">
+                <a:lnSpc>
+                  <a:spcPct val="100000"/>
+                </a:lnSpc>
+                <a:spcBef>
+                  <a:spcPts val="0"/>
+                </a:spcBef>
+                <a:spcAft>
+                  <a:spcPts val="0"/>
+                </a:spcAft>
+                <a:buClrTx/>
+                <a:buSzTx/>
+                <a:buFontTx/>
+                <a:buNone/>
+                <a:tabLst/>
+                <a:defRPr/>
+              </a:pPr>
+              <a:endParaRPr kumimoji="0" lang="en-US" sz="1800" b="0" i="0" u="none" strike="noStrike" kern="1200" cap="none" spc="0" normalizeH="0" baseline="0" noProof="0">
+                <a:ln>
+                  <a:noFill/>
+                </a:ln>
+                <a:solidFill>
+                  <a:prstClr val="white"/>
+                </a:solidFill>
+                <a:effectLst/>
+                <a:uLnTx/>
+                <a:uFillTx/>
+                <a:latin typeface="Calibri" panose="020F0502020204030204"/>
+                <a:ea typeface="+mn-ea"/>
+                <a:cs typeface="+mn-cs"/>
+              </a:endParaRPr>
+            </a:p>
+          </p:txBody>
+        </p:sp>
+        <p:sp>
+          <p:nvSpPr>
+            <p:cNvPr id="153" name="Rectangle 152"/>
+            <p:cNvSpPr/>
+            <p:nvPr/>
+          </p:nvSpPr>
+          <p:spPr>
+            <a:xfrm>
+              <a:off x="6619731" y="896490"/>
+              <a:ext cx="1109577" cy="3910149"/>
+            </a:xfrm>
+            <a:prstGeom prst="rect">
+              <a:avLst/>
+            </a:prstGeom>
+            <a:solidFill>
+              <a:schemeClr val="accent1">
+                <a:lumMod val="20000"/>
+                <a:lumOff val="80000"/>
+                <a:alpha val="14902"/>
+              </a:schemeClr>
+            </a:solidFill>
+            <a:ln>
+              <a:solidFill>
+                <a:schemeClr val="accent3">
+                  <a:lumMod val="40000"/>
+                  <a:lumOff val="60000"/>
+                </a:schemeClr>
+              </a:solidFill>
+            </a:ln>
+          </p:spPr>
+          <p:style>
+            <a:lnRef idx="2">
+              <a:schemeClr val="accent1">
+                <a:shade val="50000"/>
+              </a:schemeClr>
+            </a:lnRef>
+            <a:fillRef idx="1">
+              <a:schemeClr val="accent1"/>
+            </a:fillRef>
+            <a:effectRef idx="0">
+              <a:schemeClr val="accent1"/>
+            </a:effectRef>
+            <a:fontRef idx="minor">
+              <a:schemeClr val="lt1"/>
+            </a:fontRef>
+          </p:style>
+          <p:txBody>
+            <a:bodyPr rtlCol="0" anchor="ctr"/>
+            <a:lstStyle/>
+            <a:p>
+              <a:pPr marL="0" marR="0" lvl="0" indent="0" algn="ctr" defTabSz="914400" rtl="0" eaLnBrk="1" fontAlgn="auto" latinLnBrk="0" hangingPunct="1">
+                <a:lnSpc>
+                  <a:spcPct val="100000"/>
+                </a:lnSpc>
+                <a:spcBef>
+                  <a:spcPts val="0"/>
+                </a:spcBef>
+                <a:spcAft>
+                  <a:spcPts val="0"/>
+                </a:spcAft>
+                <a:buClrTx/>
+                <a:buSzTx/>
+                <a:buFontTx/>
+                <a:buNone/>
+                <a:tabLst/>
+                <a:defRPr/>
+              </a:pPr>
+              <a:endParaRPr kumimoji="0" lang="en-US" sz="1800" b="0" i="0" u="none" strike="noStrike" kern="1200" cap="none" spc="0" normalizeH="0" baseline="0" noProof="0">
+                <a:ln>
+                  <a:noFill/>
+                </a:ln>
+                <a:solidFill>
+                  <a:prstClr val="white"/>
+                </a:solidFill>
+                <a:effectLst/>
+                <a:uLnTx/>
+                <a:uFillTx/>
+                <a:latin typeface="Calibri" panose="020F0502020204030204"/>
+                <a:ea typeface="+mn-ea"/>
+                <a:cs typeface="+mn-cs"/>
+              </a:endParaRPr>
+            </a:p>
+          </p:txBody>
+        </p:sp>
+        <p:sp>
+          <p:nvSpPr>
+            <p:cNvPr id="46" name="TextBox 45"/>
+            <p:cNvSpPr txBox="1"/>
+            <p:nvPr/>
+          </p:nvSpPr>
+          <p:spPr>
+            <a:xfrm>
+              <a:off x="5684611" y="3575945"/>
+              <a:ext cx="873694" cy="1107996"/>
+            </a:xfrm>
+            <a:prstGeom prst="rect">
+              <a:avLst/>
+            </a:prstGeom>
+            <a:noFill/>
+          </p:spPr>
+          <p:txBody>
+            <a:bodyPr wrap="square" rtlCol="0">
+              <a:spAutoFit/>
+            </a:bodyPr>
+            <a:lstStyle/>
+            <a:p>
+              <a:pPr marL="0" marR="0" lvl="0" indent="0" algn="ctr" defTabSz="914400" rtl="0" eaLnBrk="1" fontAlgn="auto" latinLnBrk="0" hangingPunct="1">
+                <a:lnSpc>
+                  <a:spcPct val="100000"/>
+                </a:lnSpc>
+                <a:spcBef>
+                  <a:spcPts val="0"/>
+                </a:spcBef>
+                <a:spcAft>
+                  <a:spcPts val="0"/>
+                </a:spcAft>
+                <a:buClrTx/>
+                <a:buSzTx/>
+                <a:buFontTx/>
+                <a:buNone/>
+                <a:tabLst/>
+                <a:defRPr/>
+              </a:pPr>
+              <a:r>
+                <a:rPr kumimoji="0" lang="en-GB" sz="1100" b="0" i="1" u="none" strike="noStrike" kern="1200" cap="none" spc="0" normalizeH="0" baseline="0" noProof="0" dirty="0">
+                  <a:ln>
+                    <a:noFill/>
+                  </a:ln>
+                  <a:solidFill>
+                    <a:prstClr val="black"/>
+                  </a:solidFill>
+                  <a:effectLst/>
+                  <a:uLnTx/>
+                  <a:uFillTx/>
+                  <a:latin typeface="Segoe UI Semibold" panose="020B0702040204020203" pitchFamily="34" charset="0"/>
+                  <a:ea typeface="+mn-ea"/>
+                  <a:cs typeface="Segoe UI Semibold" panose="020B0702040204020203" pitchFamily="34" charset="0"/>
+                  <a:hlinkClick r:id="rId3"/>
+                </a:rPr>
+                <a:t>Processing Big Data with Hadoop in Azure HDInsight</a:t>
+              </a:r>
+              <a:endParaRPr kumimoji="0" lang="en-US" sz="1100" b="0" i="1" u="none" strike="noStrike" kern="1200" cap="none" spc="0" normalizeH="0" baseline="0" noProof="0" dirty="0">
+                <a:ln>
+                  <a:noFill/>
+                </a:ln>
+                <a:solidFill>
+                  <a:prstClr val="black"/>
+                </a:solidFill>
+                <a:effectLst/>
+                <a:uLnTx/>
+                <a:uFillTx/>
+                <a:latin typeface="Segoe UI Semibold" panose="020B0702040204020203" pitchFamily="34" charset="0"/>
+                <a:ea typeface="+mn-ea"/>
+                <a:cs typeface="Segoe UI Semibold" panose="020B0702040204020203" pitchFamily="34" charset="0"/>
+              </a:endParaRPr>
+            </a:p>
+          </p:txBody>
+        </p:sp>
+        <p:sp>
+          <p:nvSpPr>
+            <p:cNvPr id="50" name="TextBox 49"/>
+            <p:cNvSpPr txBox="1"/>
+            <p:nvPr/>
+          </p:nvSpPr>
+          <p:spPr>
+            <a:xfrm>
+              <a:off x="5625948" y="2214009"/>
+              <a:ext cx="930890" cy="938719"/>
+            </a:xfrm>
+            <a:prstGeom prst="rect">
+              <a:avLst/>
+            </a:prstGeom>
+            <a:noFill/>
+            <a:ln>
+              <a:noFill/>
+            </a:ln>
+          </p:spPr>
+          <p:txBody>
+            <a:bodyPr wrap="square" rtlCol="0">
+              <a:spAutoFit/>
+            </a:bodyPr>
+            <a:lstStyle/>
+            <a:p>
+              <a:pPr marL="0" marR="0" lvl="0" indent="0" algn="ctr" defTabSz="914400" rtl="0" eaLnBrk="1" fontAlgn="auto" latinLnBrk="0" hangingPunct="1">
+                <a:lnSpc>
+                  <a:spcPct val="100000"/>
+                </a:lnSpc>
+                <a:spcBef>
+                  <a:spcPts val="0"/>
+                </a:spcBef>
+                <a:spcAft>
+                  <a:spcPts val="0"/>
+                </a:spcAft>
+                <a:buClrTx/>
+                <a:buSzTx/>
+                <a:buFontTx/>
+                <a:buNone/>
+                <a:tabLst/>
+                <a:defRPr/>
+              </a:pPr>
+              <a:r>
+                <a:rPr kumimoji="0" lang="en-GB" sz="1100" b="0" i="1" u="none" strike="noStrike" kern="1200" cap="none" spc="0" normalizeH="0" baseline="0" noProof="0" dirty="0">
+                  <a:ln>
+                    <a:noFill/>
+                  </a:ln>
+                  <a:solidFill>
+                    <a:prstClr val="black"/>
+                  </a:solidFill>
+                  <a:effectLst/>
+                  <a:uLnTx/>
+                  <a:uFillTx/>
+                  <a:latin typeface="Segoe UI Semibold" panose="020B0702040204020203" pitchFamily="34" charset="0"/>
+                  <a:ea typeface="+mn-ea"/>
+                  <a:cs typeface="Segoe UI Semibold" panose="020B0702040204020203" pitchFamily="34" charset="0"/>
+                  <a:hlinkClick r:id="rId4"/>
+                </a:rPr>
+                <a:t>Processing Big Data with Azure Data Lake Analytics</a:t>
+              </a:r>
+              <a:endParaRPr kumimoji="0" lang="en-US" sz="1100" b="0" i="1" u="none" strike="noStrike" kern="1200" cap="none" spc="0" normalizeH="0" baseline="0" noProof="0" dirty="0">
+                <a:ln>
+                  <a:noFill/>
+                </a:ln>
+                <a:solidFill>
+                  <a:prstClr val="black"/>
+                </a:solidFill>
+                <a:effectLst/>
+                <a:uLnTx/>
+                <a:uFillTx/>
+                <a:latin typeface="Segoe UI Semibold" panose="020B0702040204020203" pitchFamily="34" charset="0"/>
+                <a:ea typeface="+mn-ea"/>
+                <a:cs typeface="Segoe UI Semibold" panose="020B0702040204020203" pitchFamily="34" charset="0"/>
+              </a:endParaRPr>
+            </a:p>
+          </p:txBody>
+        </p:sp>
+        <p:sp>
+          <p:nvSpPr>
+            <p:cNvPr id="115" name="Oval 114"/>
+            <p:cNvSpPr/>
+            <p:nvPr/>
+          </p:nvSpPr>
+          <p:spPr>
+            <a:xfrm>
+              <a:off x="6045290" y="3444726"/>
+              <a:ext cx="154112" cy="154112"/>
+            </a:xfrm>
+            <a:prstGeom prst="ellipse">
+              <a:avLst/>
+            </a:prstGeom>
+            <a:solidFill>
+              <a:schemeClr val="bg1"/>
+            </a:solidFill>
+            <a:ln w="57150">
+              <a:solidFill>
+                <a:srgbClr val="00B050"/>
+              </a:solidFill>
+            </a:ln>
+          </p:spPr>
+          <p:style>
+            <a:lnRef idx="2">
+              <a:schemeClr val="accent1">
+                <a:shade val="50000"/>
+              </a:schemeClr>
+            </a:lnRef>
+            <a:fillRef idx="1">
+              <a:schemeClr val="accent1"/>
+            </a:fillRef>
+            <a:effectRef idx="0">
+              <a:schemeClr val="accent1"/>
+            </a:effectRef>
+            <a:fontRef idx="minor">
+              <a:schemeClr val="lt1"/>
+            </a:fontRef>
+          </p:style>
+          <p:txBody>
+            <a:bodyPr rtlCol="0" anchor="ctr"/>
+            <a:lstStyle/>
+            <a:p>
+              <a:pPr marL="0" marR="0" lvl="0" indent="0" algn="ctr" defTabSz="914400" rtl="0" eaLnBrk="1" fontAlgn="auto" latinLnBrk="0" hangingPunct="1">
+                <a:lnSpc>
+                  <a:spcPct val="100000"/>
+                </a:lnSpc>
+                <a:spcBef>
+                  <a:spcPts val="0"/>
+                </a:spcBef>
+                <a:spcAft>
+                  <a:spcPts val="0"/>
+                </a:spcAft>
+                <a:buClrTx/>
+                <a:buSzTx/>
+                <a:buFontTx/>
+                <a:buNone/>
+                <a:tabLst/>
+                <a:defRPr/>
+              </a:pPr>
+              <a:endParaRPr kumimoji="0" lang="en-US" sz="1800" b="0" i="0" u="none" strike="noStrike" kern="1200" cap="none" spc="0" normalizeH="0" baseline="0" noProof="0">
+                <a:ln>
+                  <a:noFill/>
+                </a:ln>
+                <a:solidFill>
+                  <a:prstClr val="white"/>
+                </a:solidFill>
+                <a:effectLst/>
+                <a:uLnTx/>
+                <a:uFillTx/>
+                <a:latin typeface="Segoe UI" panose="020B0502040204020203" pitchFamily="34" charset="0"/>
+                <a:ea typeface="+mn-ea"/>
+                <a:cs typeface="Segoe UI" panose="020B0502040204020203" pitchFamily="34" charset="0"/>
+              </a:endParaRPr>
+            </a:p>
+          </p:txBody>
+        </p:sp>
+        <p:cxnSp>
+          <p:nvCxnSpPr>
+            <p:cNvPr id="118" name="Elbow Connector 117"/>
+            <p:cNvCxnSpPr>
+              <a:cxnSpLocks/>
+              <a:stCxn id="153" idx="1"/>
+              <a:endCxn id="115" idx="6"/>
+            </p:cNvCxnSpPr>
+            <p:nvPr/>
+          </p:nvCxnSpPr>
+          <p:spPr>
+            <a:xfrm rot="10800000" flipV="1">
+              <a:off x="6199403" y="2851564"/>
+              <a:ext cx="420329" cy="670217"/>
+            </a:xfrm>
+            <a:prstGeom prst="bentConnector3">
+              <a:avLst>
+                <a:gd name="adj1" fmla="val 17571"/>
+              </a:avLst>
+            </a:prstGeom>
+            <a:ln w="28575">
+              <a:solidFill>
+                <a:srgbClr val="00B050"/>
+              </a:solidFill>
+            </a:ln>
+          </p:spPr>
+          <p:style>
+            <a:lnRef idx="1">
+              <a:schemeClr val="accent1"/>
+            </a:lnRef>
+            <a:fillRef idx="0">
+              <a:schemeClr val="accent1"/>
+            </a:fillRef>
+            <a:effectRef idx="0">
+              <a:schemeClr val="accent1"/>
+            </a:effectRef>
+            <a:fontRef idx="minor">
+              <a:schemeClr val="tx1"/>
+            </a:fontRef>
+          </p:style>
+        </p:cxnSp>
+        <p:sp>
+          <p:nvSpPr>
+            <p:cNvPr id="119" name="Oval 118"/>
+            <p:cNvSpPr/>
+            <p:nvPr/>
+          </p:nvSpPr>
+          <p:spPr>
+            <a:xfrm>
+              <a:off x="5999731" y="2100090"/>
+              <a:ext cx="154112" cy="154112"/>
+            </a:xfrm>
+            <a:prstGeom prst="ellipse">
+              <a:avLst/>
+            </a:prstGeom>
+            <a:solidFill>
+              <a:schemeClr val="bg1"/>
+            </a:solidFill>
+            <a:ln w="57150">
+              <a:solidFill>
+                <a:srgbClr val="00B050"/>
+              </a:solidFill>
+            </a:ln>
+          </p:spPr>
+          <p:style>
+            <a:lnRef idx="2">
+              <a:schemeClr val="accent1">
+                <a:shade val="50000"/>
+              </a:schemeClr>
+            </a:lnRef>
+            <a:fillRef idx="1">
+              <a:schemeClr val="accent1"/>
+            </a:fillRef>
+            <a:effectRef idx="0">
+              <a:schemeClr val="accent1"/>
+            </a:effectRef>
+            <a:fontRef idx="minor">
+              <a:schemeClr val="lt1"/>
+            </a:fontRef>
+          </p:style>
+          <p:txBody>
+            <a:bodyPr rtlCol="0" anchor="ctr"/>
+            <a:lstStyle/>
+            <a:p>
+              <a:pPr marL="0" marR="0" lvl="0" indent="0" algn="ctr" defTabSz="914400" rtl="0" eaLnBrk="1" fontAlgn="auto" latinLnBrk="0" hangingPunct="1">
+                <a:lnSpc>
+                  <a:spcPct val="100000"/>
+                </a:lnSpc>
+                <a:spcBef>
+                  <a:spcPts val="0"/>
+                </a:spcBef>
+                <a:spcAft>
+                  <a:spcPts val="0"/>
+                </a:spcAft>
+                <a:buClrTx/>
+                <a:buSzTx/>
+                <a:buFontTx/>
+                <a:buNone/>
+                <a:tabLst/>
+                <a:defRPr/>
+              </a:pPr>
+              <a:endParaRPr kumimoji="0" lang="en-US" sz="1800" b="0" i="0" u="none" strike="noStrike" kern="1200" cap="none" spc="0" normalizeH="0" baseline="0" noProof="0">
+                <a:ln>
+                  <a:noFill/>
+                </a:ln>
+                <a:solidFill>
+                  <a:prstClr val="white"/>
+                </a:solidFill>
+                <a:effectLst/>
+                <a:uLnTx/>
+                <a:uFillTx/>
+                <a:latin typeface="Segoe UI" panose="020B0502040204020203" pitchFamily="34" charset="0"/>
+                <a:ea typeface="+mn-ea"/>
+                <a:cs typeface="Segoe UI" panose="020B0502040204020203" pitchFamily="34" charset="0"/>
+              </a:endParaRPr>
+            </a:p>
+          </p:txBody>
+        </p:sp>
+        <p:cxnSp>
+          <p:nvCxnSpPr>
+            <p:cNvPr id="138" name="Elbow Connector 137"/>
+            <p:cNvCxnSpPr>
+              <a:cxnSpLocks/>
+              <a:stCxn id="115" idx="2"/>
+              <a:endCxn id="144" idx="6"/>
+            </p:cNvCxnSpPr>
+            <p:nvPr/>
+          </p:nvCxnSpPr>
+          <p:spPr>
+            <a:xfrm rot="10800000">
+              <a:off x="5178864" y="2849738"/>
+              <a:ext cx="866427" cy="672045"/>
+            </a:xfrm>
+            <a:prstGeom prst="bentConnector3">
+              <a:avLst>
+                <a:gd name="adj1" fmla="val 51328"/>
+              </a:avLst>
+            </a:prstGeom>
+            <a:ln w="28575">
+              <a:solidFill>
+                <a:srgbClr val="00B050"/>
+              </a:solidFill>
+            </a:ln>
+          </p:spPr>
+          <p:style>
+            <a:lnRef idx="1">
+              <a:schemeClr val="accent1"/>
+            </a:lnRef>
+            <a:fillRef idx="0">
+              <a:schemeClr val="accent1"/>
+            </a:fillRef>
+            <a:effectRef idx="0">
+              <a:schemeClr val="accent1"/>
+            </a:effectRef>
+            <a:fontRef idx="minor">
+              <a:schemeClr val="tx1"/>
+            </a:fontRef>
+          </p:style>
+        </p:cxnSp>
+        <p:cxnSp>
+          <p:nvCxnSpPr>
+            <p:cNvPr id="142" name="Elbow Connector 141"/>
+            <p:cNvCxnSpPr>
+              <a:cxnSpLocks/>
+              <a:stCxn id="119" idx="2"/>
+              <a:endCxn id="144" idx="6"/>
+            </p:cNvCxnSpPr>
+            <p:nvPr/>
+          </p:nvCxnSpPr>
+          <p:spPr>
+            <a:xfrm rot="10800000" flipV="1">
+              <a:off x="5178863" y="2177145"/>
+              <a:ext cx="820868" cy="672591"/>
+            </a:xfrm>
+            <a:prstGeom prst="bentConnector3">
+              <a:avLst>
+                <a:gd name="adj1" fmla="val 49299"/>
+              </a:avLst>
+            </a:prstGeom>
+            <a:ln w="28575">
+              <a:solidFill>
+                <a:srgbClr val="00B050"/>
+              </a:solidFill>
+            </a:ln>
+          </p:spPr>
+          <p:style>
+            <a:lnRef idx="1">
+              <a:schemeClr val="accent1"/>
+            </a:lnRef>
+            <a:fillRef idx="0">
+              <a:schemeClr val="accent1"/>
+            </a:fillRef>
+            <a:effectRef idx="0">
+              <a:schemeClr val="accent1"/>
+            </a:effectRef>
+            <a:fontRef idx="minor">
+              <a:schemeClr val="tx1"/>
+            </a:fontRef>
+          </p:style>
+        </p:cxnSp>
+        <p:sp>
+          <p:nvSpPr>
+            <p:cNvPr id="144" name="Oval 143"/>
+            <p:cNvSpPr/>
+            <p:nvPr/>
+          </p:nvSpPr>
+          <p:spPr>
+            <a:xfrm>
+              <a:off x="5024751" y="2772681"/>
+              <a:ext cx="154112" cy="154112"/>
+            </a:xfrm>
+            <a:prstGeom prst="ellipse">
+              <a:avLst/>
+            </a:prstGeom>
+            <a:solidFill>
+              <a:schemeClr val="bg1"/>
+            </a:solidFill>
+            <a:ln w="57150">
+              <a:solidFill>
+                <a:srgbClr val="00B050"/>
+              </a:solidFill>
+            </a:ln>
+          </p:spPr>
+          <p:style>
+            <a:lnRef idx="2">
+              <a:schemeClr val="accent1">
+                <a:shade val="50000"/>
+              </a:schemeClr>
+            </a:lnRef>
+            <a:fillRef idx="1">
+              <a:schemeClr val="accent1"/>
+            </a:fillRef>
+            <a:effectRef idx="0">
+              <a:schemeClr val="accent1"/>
+            </a:effectRef>
+            <a:fontRef idx="minor">
+              <a:schemeClr val="lt1"/>
+            </a:fontRef>
+          </p:style>
+          <p:txBody>
+            <a:bodyPr rtlCol="0" anchor="ctr"/>
+            <a:lstStyle/>
+            <a:p>
+              <a:pPr marL="0" marR="0" lvl="0" indent="0" algn="ctr" defTabSz="914400" rtl="0" eaLnBrk="1" fontAlgn="auto" latinLnBrk="0" hangingPunct="1">
+                <a:lnSpc>
+                  <a:spcPct val="100000"/>
+                </a:lnSpc>
+                <a:spcBef>
+                  <a:spcPts val="0"/>
+                </a:spcBef>
+                <a:spcAft>
+                  <a:spcPts val="0"/>
+                </a:spcAft>
+                <a:buClrTx/>
+                <a:buSzTx/>
+                <a:buFontTx/>
+                <a:buNone/>
+                <a:tabLst/>
+                <a:defRPr/>
+              </a:pPr>
+              <a:endParaRPr kumimoji="0" lang="en-US" sz="1800" b="0" i="0" u="none" strike="noStrike" kern="1200" cap="none" spc="0" normalizeH="0" baseline="0" noProof="0">
+                <a:ln>
+                  <a:noFill/>
+                </a:ln>
+                <a:solidFill>
+                  <a:prstClr val="white"/>
+                </a:solidFill>
+                <a:effectLst/>
+                <a:uLnTx/>
+                <a:uFillTx/>
+                <a:latin typeface="Segoe UI" panose="020B0502040204020203" pitchFamily="34" charset="0"/>
+                <a:ea typeface="+mn-ea"/>
+                <a:cs typeface="Segoe UI" panose="020B0502040204020203" pitchFamily="34" charset="0"/>
+              </a:endParaRPr>
+            </a:p>
+          </p:txBody>
+        </p:sp>
+        <p:sp>
+          <p:nvSpPr>
+            <p:cNvPr id="147" name="TextBox 146"/>
+            <p:cNvSpPr txBox="1"/>
+            <p:nvPr/>
+          </p:nvSpPr>
+          <p:spPr>
+            <a:xfrm>
+              <a:off x="4581231" y="2936440"/>
+              <a:ext cx="1075243" cy="769441"/>
+            </a:xfrm>
+            <a:prstGeom prst="rect">
+              <a:avLst/>
+            </a:prstGeom>
+            <a:noFill/>
+            <a:ln>
+              <a:noFill/>
+            </a:ln>
+          </p:spPr>
+          <p:txBody>
+            <a:bodyPr wrap="square" rtlCol="0">
+              <a:spAutoFit/>
+            </a:bodyPr>
+            <a:lstStyle/>
+            <a:p>
+              <a:pPr marL="0" marR="0" lvl="0" indent="0" algn="ctr" defTabSz="914400" rtl="0" eaLnBrk="1" fontAlgn="auto" latinLnBrk="0" hangingPunct="1">
+                <a:lnSpc>
+                  <a:spcPct val="100000"/>
+                </a:lnSpc>
+                <a:spcBef>
+                  <a:spcPts val="0"/>
+                </a:spcBef>
+                <a:spcAft>
+                  <a:spcPts val="0"/>
+                </a:spcAft>
+                <a:buClrTx/>
+                <a:buSzTx/>
+                <a:buFontTx/>
+                <a:buNone/>
+                <a:tabLst/>
+                <a:defRPr/>
+              </a:pPr>
+              <a:r>
+                <a:rPr kumimoji="0" lang="en-US" sz="1100" b="0" i="1" u="none" strike="noStrike" kern="1200" cap="none" spc="0" normalizeH="0" baseline="0" noProof="0" dirty="0">
+                  <a:ln>
+                    <a:noFill/>
+                  </a:ln>
+                  <a:solidFill>
+                    <a:prstClr val="white">
+                      <a:lumMod val="65000"/>
+                    </a:prstClr>
+                  </a:solidFill>
+                  <a:effectLst/>
+                  <a:uLnTx/>
+                  <a:uFillTx/>
+                  <a:latin typeface="Segoe UI Semibold" panose="020B0702040204020203" pitchFamily="34" charset="0"/>
+                  <a:ea typeface="+mn-ea"/>
+                  <a:cs typeface="Segoe UI Semibold" panose="020B0702040204020203" pitchFamily="34" charset="0"/>
+                  <a:hlinkClick r:id="rId5"/>
+                </a:rPr>
+                <a:t>Delivering a Data Warehouse in the Cloud</a:t>
+              </a:r>
+              <a:endParaRPr kumimoji="0" lang="en-US" sz="1100" b="0" i="1" u="none" strike="noStrike" kern="1200" cap="none" spc="0" normalizeH="0" baseline="0" noProof="0" dirty="0">
+                <a:ln>
+                  <a:noFill/>
+                </a:ln>
+                <a:solidFill>
+                  <a:prstClr val="white">
+                    <a:lumMod val="65000"/>
+                  </a:prstClr>
+                </a:solidFill>
+                <a:effectLst/>
+                <a:uLnTx/>
+                <a:uFillTx/>
+                <a:latin typeface="Segoe UI Semibold" panose="020B0702040204020203" pitchFamily="34" charset="0"/>
+                <a:ea typeface="+mn-ea"/>
+                <a:cs typeface="Segoe UI Semibold" panose="020B0702040204020203" pitchFamily="34" charset="0"/>
+              </a:endParaRPr>
+            </a:p>
+          </p:txBody>
+        </p:sp>
+        <p:sp>
+          <p:nvSpPr>
+            <p:cNvPr id="161" name="TextBox 160"/>
+            <p:cNvSpPr txBox="1"/>
+            <p:nvPr/>
+          </p:nvSpPr>
+          <p:spPr>
+            <a:xfrm>
+              <a:off x="6783414" y="2225652"/>
+              <a:ext cx="869331" cy="938719"/>
+            </a:xfrm>
+            <a:prstGeom prst="rect">
+              <a:avLst/>
+            </a:prstGeom>
+            <a:noFill/>
+            <a:ln>
+              <a:noFill/>
+            </a:ln>
+          </p:spPr>
+          <p:txBody>
+            <a:bodyPr wrap="square" rtlCol="0">
+              <a:spAutoFit/>
+            </a:bodyPr>
+            <a:lstStyle/>
+            <a:p>
+              <a:pPr marL="0" marR="0" lvl="0" indent="0" algn="ctr" defTabSz="914400" rtl="0" eaLnBrk="1" fontAlgn="auto" latinLnBrk="0" hangingPunct="1">
+                <a:lnSpc>
+                  <a:spcPct val="100000"/>
+                </a:lnSpc>
+                <a:spcBef>
+                  <a:spcPts val="0"/>
+                </a:spcBef>
+                <a:spcAft>
+                  <a:spcPts val="0"/>
+                </a:spcAft>
+                <a:buClrTx/>
+                <a:buSzTx/>
+                <a:buFontTx/>
+                <a:buNone/>
+                <a:tabLst/>
+                <a:defRPr/>
+              </a:pPr>
+              <a:r>
+                <a:rPr kumimoji="0" lang="en-GB" sz="1100" b="0" i="1" u="none" strike="noStrike" kern="1200" cap="none" spc="0" normalizeH="0" baseline="0" noProof="0" dirty="0">
+                  <a:ln>
+                    <a:noFill/>
+                  </a:ln>
+                  <a:solidFill>
+                    <a:prstClr val="black"/>
+                  </a:solidFill>
+                  <a:effectLst/>
+                  <a:uLnTx/>
+                  <a:uFillTx/>
+                  <a:latin typeface="Segoe UI Semibold" panose="020B0702040204020203" pitchFamily="34" charset="0"/>
+                  <a:ea typeface="+mn-ea"/>
+                  <a:cs typeface="Segoe UI Semibold" panose="020B0702040204020203" pitchFamily="34" charset="0"/>
+                  <a:hlinkClick r:id="rId6"/>
+                </a:rPr>
+                <a:t>Processing Real-Time Data Streams in Azure</a:t>
+              </a:r>
+              <a:endParaRPr kumimoji="0" lang="en-US" sz="1100" b="0" i="1" u="none" strike="noStrike" kern="1200" cap="none" spc="0" normalizeH="0" baseline="0" noProof="0" dirty="0">
+                <a:ln>
+                  <a:noFill/>
+                </a:ln>
+                <a:solidFill>
+                  <a:prstClr val="black"/>
+                </a:solidFill>
+                <a:effectLst/>
+                <a:uLnTx/>
+                <a:uFillTx/>
+                <a:latin typeface="Segoe UI Semibold" panose="020B0702040204020203" pitchFamily="34" charset="0"/>
+                <a:ea typeface="+mn-ea"/>
+                <a:cs typeface="Segoe UI Semibold" panose="020B0702040204020203" pitchFamily="34" charset="0"/>
+              </a:endParaRPr>
+            </a:p>
+          </p:txBody>
+        </p:sp>
+        <p:sp>
+          <p:nvSpPr>
+            <p:cNvPr id="162" name="Oval 161"/>
+            <p:cNvSpPr/>
+            <p:nvPr/>
+          </p:nvSpPr>
+          <p:spPr>
+            <a:xfrm>
+              <a:off x="7139978" y="3456860"/>
+              <a:ext cx="154112" cy="154112"/>
+            </a:xfrm>
+            <a:prstGeom prst="ellipse">
+              <a:avLst/>
+            </a:prstGeom>
+            <a:solidFill>
+              <a:schemeClr val="bg1"/>
+            </a:solidFill>
+            <a:ln w="57150">
+              <a:solidFill>
+                <a:srgbClr val="00B050"/>
+              </a:solidFill>
+            </a:ln>
+          </p:spPr>
+          <p:style>
+            <a:lnRef idx="2">
+              <a:schemeClr val="accent1">
+                <a:shade val="50000"/>
+              </a:schemeClr>
+            </a:lnRef>
+            <a:fillRef idx="1">
+              <a:schemeClr val="accent1"/>
+            </a:fillRef>
+            <a:effectRef idx="0">
+              <a:schemeClr val="accent1"/>
+            </a:effectRef>
+            <a:fontRef idx="minor">
+              <a:schemeClr val="lt1"/>
+            </a:fontRef>
+          </p:style>
+          <p:txBody>
+            <a:bodyPr rtlCol="0" anchor="ctr"/>
+            <a:lstStyle/>
+            <a:p>
+              <a:pPr marL="0" marR="0" lvl="0" indent="0" algn="ctr" defTabSz="914400" rtl="0" eaLnBrk="1" fontAlgn="auto" latinLnBrk="0" hangingPunct="1">
+                <a:lnSpc>
+                  <a:spcPct val="100000"/>
+                </a:lnSpc>
+                <a:spcBef>
+                  <a:spcPts val="0"/>
+                </a:spcBef>
+                <a:spcAft>
+                  <a:spcPts val="0"/>
+                </a:spcAft>
+                <a:buClrTx/>
+                <a:buSzTx/>
+                <a:buFontTx/>
+                <a:buNone/>
+                <a:tabLst/>
+                <a:defRPr/>
+              </a:pPr>
+              <a:endParaRPr kumimoji="0" lang="en-US" sz="1800" b="0" i="0" u="none" strike="noStrike" kern="1200" cap="none" spc="0" normalizeH="0" baseline="0" noProof="0">
+                <a:ln>
+                  <a:noFill/>
+                </a:ln>
+                <a:solidFill>
+                  <a:prstClr val="white"/>
+                </a:solidFill>
+                <a:effectLst/>
+                <a:uLnTx/>
+                <a:uFillTx/>
+                <a:latin typeface="Segoe UI" panose="020B0502040204020203" pitchFamily="34" charset="0"/>
+                <a:ea typeface="+mn-ea"/>
+                <a:cs typeface="Segoe UI" panose="020B0502040204020203" pitchFamily="34" charset="0"/>
+              </a:endParaRPr>
+            </a:p>
+          </p:txBody>
+        </p:sp>
+        <p:sp>
+          <p:nvSpPr>
+            <p:cNvPr id="166" name="Oval 165"/>
+            <p:cNvSpPr/>
+            <p:nvPr/>
+          </p:nvSpPr>
+          <p:spPr>
+            <a:xfrm>
+              <a:off x="7094419" y="2112224"/>
+              <a:ext cx="154112" cy="154112"/>
+            </a:xfrm>
+            <a:prstGeom prst="ellipse">
+              <a:avLst/>
+            </a:prstGeom>
+            <a:solidFill>
+              <a:schemeClr val="bg1"/>
+            </a:solidFill>
+            <a:ln w="57150">
+              <a:solidFill>
+                <a:srgbClr val="00B050"/>
+              </a:solidFill>
+            </a:ln>
+          </p:spPr>
+          <p:style>
+            <a:lnRef idx="2">
+              <a:schemeClr val="accent1">
+                <a:shade val="50000"/>
+              </a:schemeClr>
+            </a:lnRef>
+            <a:fillRef idx="1">
+              <a:schemeClr val="accent1"/>
+            </a:fillRef>
+            <a:effectRef idx="0">
+              <a:schemeClr val="accent1"/>
+            </a:effectRef>
+            <a:fontRef idx="minor">
+              <a:schemeClr val="lt1"/>
+            </a:fontRef>
+          </p:style>
+          <p:txBody>
+            <a:bodyPr rtlCol="0" anchor="ctr"/>
+            <a:lstStyle/>
+            <a:p>
+              <a:pPr marL="0" marR="0" lvl="0" indent="0" algn="ctr" defTabSz="914400" rtl="0" eaLnBrk="1" fontAlgn="auto" latinLnBrk="0" hangingPunct="1">
+                <a:lnSpc>
+                  <a:spcPct val="100000"/>
+                </a:lnSpc>
+                <a:spcBef>
+                  <a:spcPts val="0"/>
+                </a:spcBef>
+                <a:spcAft>
+                  <a:spcPts val="0"/>
+                </a:spcAft>
+                <a:buClrTx/>
+                <a:buSzTx/>
+                <a:buFontTx/>
+                <a:buNone/>
+                <a:tabLst/>
+                <a:defRPr/>
+              </a:pPr>
+              <a:endParaRPr kumimoji="0" lang="en-US" sz="1800" b="0" i="0" u="none" strike="noStrike" kern="1200" cap="none" spc="0" normalizeH="0" baseline="0" noProof="0">
+                <a:ln>
+                  <a:noFill/>
+                </a:ln>
+                <a:solidFill>
+                  <a:prstClr val="white"/>
+                </a:solidFill>
+                <a:effectLst/>
+                <a:uLnTx/>
+                <a:uFillTx/>
+                <a:latin typeface="Segoe UI" panose="020B0502040204020203" pitchFamily="34" charset="0"/>
+                <a:ea typeface="+mn-ea"/>
+                <a:cs typeface="Segoe UI" panose="020B0502040204020203" pitchFamily="34" charset="0"/>
+              </a:endParaRPr>
+            </a:p>
+          </p:txBody>
+        </p:sp>
+        <p:cxnSp>
+          <p:nvCxnSpPr>
+            <p:cNvPr id="167" name="Elbow Connector 137"/>
+            <p:cNvCxnSpPr>
+              <a:cxnSpLocks/>
+              <a:stCxn id="162" idx="2"/>
+              <a:endCxn id="153" idx="1"/>
+            </p:cNvCxnSpPr>
+            <p:nvPr/>
+          </p:nvCxnSpPr>
+          <p:spPr>
+            <a:xfrm rot="10800000">
+              <a:off x="6619732" y="2851566"/>
+              <a:ext cx="520247" cy="682351"/>
+            </a:xfrm>
+            <a:prstGeom prst="bentConnector3">
+              <a:avLst>
+                <a:gd name="adj1" fmla="val 74292"/>
+              </a:avLst>
+            </a:prstGeom>
+            <a:ln w="28575">
+              <a:solidFill>
+                <a:srgbClr val="00B050"/>
+              </a:solidFill>
+            </a:ln>
+          </p:spPr>
+          <p:style>
+            <a:lnRef idx="1">
+              <a:schemeClr val="accent1"/>
+            </a:lnRef>
+            <a:fillRef idx="0">
+              <a:schemeClr val="accent1"/>
+            </a:fillRef>
+            <a:effectRef idx="0">
+              <a:schemeClr val="accent1"/>
+            </a:effectRef>
+            <a:fontRef idx="minor">
+              <a:schemeClr val="tx1"/>
+            </a:fontRef>
+          </p:style>
+        </p:cxnSp>
+        <p:cxnSp>
+          <p:nvCxnSpPr>
+            <p:cNvPr id="169" name="Elbow Connector 137"/>
+            <p:cNvCxnSpPr>
+              <a:cxnSpLocks/>
+              <a:stCxn id="153" idx="1"/>
+              <a:endCxn id="119" idx="6"/>
+            </p:cNvCxnSpPr>
+            <p:nvPr/>
+          </p:nvCxnSpPr>
+          <p:spPr>
+            <a:xfrm rot="10800000">
+              <a:off x="6153843" y="2177147"/>
+              <a:ext cx="465888" cy="674419"/>
+            </a:xfrm>
+            <a:prstGeom prst="bentConnector3">
+              <a:avLst>
+                <a:gd name="adj1" fmla="val 17085"/>
+              </a:avLst>
+            </a:prstGeom>
+            <a:ln w="28575">
+              <a:solidFill>
+                <a:srgbClr val="00B050"/>
+              </a:solidFill>
+            </a:ln>
+          </p:spPr>
+          <p:style>
+            <a:lnRef idx="1">
+              <a:schemeClr val="accent1"/>
+            </a:lnRef>
+            <a:fillRef idx="0">
+              <a:schemeClr val="accent1"/>
+            </a:fillRef>
+            <a:effectRef idx="0">
+              <a:schemeClr val="accent1"/>
+            </a:effectRef>
+            <a:fontRef idx="minor">
+              <a:schemeClr val="tx1"/>
+            </a:fontRef>
+          </p:style>
+        </p:cxnSp>
+        <p:cxnSp>
+          <p:nvCxnSpPr>
+            <p:cNvPr id="170" name="Elbow Connector 141"/>
+            <p:cNvCxnSpPr>
+              <a:cxnSpLocks/>
+              <a:stCxn id="166" idx="2"/>
+              <a:endCxn id="152" idx="3"/>
+            </p:cNvCxnSpPr>
+            <p:nvPr/>
+          </p:nvCxnSpPr>
+          <p:spPr>
+            <a:xfrm rot="10800000" flipV="1">
+              <a:off x="6613197" y="2189279"/>
+              <a:ext cx="481222" cy="662285"/>
+            </a:xfrm>
+            <a:prstGeom prst="bentConnector3">
+              <a:avLst>
+                <a:gd name="adj1" fmla="val 71511"/>
+              </a:avLst>
+            </a:prstGeom>
+            <a:ln w="28575">
+              <a:solidFill>
+                <a:srgbClr val="00B050"/>
+              </a:solidFill>
+            </a:ln>
+          </p:spPr>
+          <p:style>
+            <a:lnRef idx="1">
+              <a:schemeClr val="accent1"/>
+            </a:lnRef>
+            <a:fillRef idx="0">
+              <a:schemeClr val="accent1"/>
+            </a:fillRef>
+            <a:effectRef idx="0">
+              <a:schemeClr val="accent1"/>
+            </a:effectRef>
+            <a:fontRef idx="minor">
+              <a:schemeClr val="tx1"/>
+            </a:fontRef>
+          </p:style>
+        </p:cxnSp>
+        <p:cxnSp>
+          <p:nvCxnSpPr>
+            <p:cNvPr id="171" name="Elbow Connector 137"/>
+            <p:cNvCxnSpPr>
+              <a:cxnSpLocks/>
+              <a:stCxn id="153" idx="3"/>
+              <a:endCxn id="166" idx="6"/>
+            </p:cNvCxnSpPr>
+            <p:nvPr/>
+          </p:nvCxnSpPr>
+          <p:spPr>
+            <a:xfrm flipH="1" flipV="1">
+              <a:off x="7248531" y="2189280"/>
+              <a:ext cx="480777" cy="662285"/>
+            </a:xfrm>
+            <a:prstGeom prst="bentConnector3">
+              <a:avLst>
+                <a:gd name="adj1" fmla="val 19532"/>
+              </a:avLst>
+            </a:prstGeom>
+            <a:ln w="28575">
+              <a:solidFill>
+                <a:srgbClr val="00B050"/>
+              </a:solidFill>
+            </a:ln>
+          </p:spPr>
+          <p:style>
+            <a:lnRef idx="1">
+              <a:schemeClr val="accent1"/>
+            </a:lnRef>
+            <a:fillRef idx="0">
+              <a:schemeClr val="accent1"/>
+            </a:fillRef>
+            <a:effectRef idx="0">
+              <a:schemeClr val="accent1"/>
+            </a:effectRef>
+            <a:fontRef idx="minor">
+              <a:schemeClr val="tx1"/>
+            </a:fontRef>
+          </p:style>
+        </p:cxnSp>
+        <p:sp>
+          <p:nvSpPr>
+            <p:cNvPr id="172" name="TextBox 171"/>
+            <p:cNvSpPr txBox="1"/>
+            <p:nvPr/>
+          </p:nvSpPr>
+          <p:spPr>
+            <a:xfrm>
+              <a:off x="6680436" y="3587515"/>
+              <a:ext cx="1078173" cy="938719"/>
+            </a:xfrm>
+            <a:prstGeom prst="rect">
+              <a:avLst/>
+            </a:prstGeom>
+            <a:noFill/>
+          </p:spPr>
+          <p:txBody>
+            <a:bodyPr wrap="square" rtlCol="0">
+              <a:spAutoFit/>
+            </a:bodyPr>
+            <a:lstStyle/>
+            <a:p>
+              <a:pPr marL="0" marR="0" lvl="0" indent="0" algn="ctr" defTabSz="914400" rtl="0" eaLnBrk="1" fontAlgn="auto" latinLnBrk="0" hangingPunct="1">
+                <a:lnSpc>
+                  <a:spcPct val="100000"/>
+                </a:lnSpc>
+                <a:spcBef>
+                  <a:spcPts val="0"/>
+                </a:spcBef>
+                <a:spcAft>
+                  <a:spcPts val="0"/>
+                </a:spcAft>
+                <a:buClrTx/>
+                <a:buSzTx/>
+                <a:buFontTx/>
+                <a:buNone/>
+                <a:tabLst/>
+                <a:defRPr/>
+              </a:pPr>
+              <a:r>
+                <a:rPr kumimoji="0" lang="en-GB" sz="1100" b="0" i="1" u="none" strike="noStrike" kern="1200" cap="none" spc="0" normalizeH="0" baseline="0" noProof="0" dirty="0">
+                  <a:ln>
+                    <a:noFill/>
+                  </a:ln>
+                  <a:solidFill>
+                    <a:prstClr val="black"/>
+                  </a:solidFill>
+                  <a:effectLst/>
+                  <a:uLnTx/>
+                  <a:uFillTx/>
+                  <a:latin typeface="Segoe UI Semibold" panose="020B0702040204020203" pitchFamily="34" charset="0"/>
+                  <a:ea typeface="+mn-ea"/>
+                  <a:cs typeface="Segoe UI Semibold" panose="020B0702040204020203" pitchFamily="34" charset="0"/>
+                  <a:hlinkClick r:id="rId7"/>
+                </a:rPr>
+                <a:t>Implementing Real-Time Analytics with Azure HDInsight</a:t>
+              </a:r>
+              <a:endParaRPr kumimoji="0" lang="en-US" sz="1100" b="0" i="1" u="none" strike="noStrike" kern="1200" cap="none" spc="0" normalizeH="0" baseline="0" noProof="0" dirty="0">
+                <a:ln>
+                  <a:noFill/>
+                </a:ln>
+                <a:solidFill>
+                  <a:prstClr val="black"/>
+                </a:solidFill>
+                <a:effectLst/>
+                <a:uLnTx/>
+                <a:uFillTx/>
+                <a:latin typeface="Segoe UI Semibold" panose="020B0702040204020203" pitchFamily="34" charset="0"/>
+                <a:ea typeface="+mn-ea"/>
+                <a:cs typeface="Segoe UI Semibold" panose="020B0702040204020203" pitchFamily="34" charset="0"/>
+              </a:endParaRPr>
+            </a:p>
+          </p:txBody>
+        </p:sp>
+        <p:cxnSp>
+          <p:nvCxnSpPr>
+            <p:cNvPr id="123" name="Straight Connector 122"/>
+            <p:cNvCxnSpPr>
+              <a:stCxn id="159" idx="1"/>
+              <a:endCxn id="144" idx="2"/>
+            </p:cNvCxnSpPr>
+            <p:nvPr/>
+          </p:nvCxnSpPr>
+          <p:spPr>
+            <a:xfrm>
+              <a:off x="4680927" y="2845058"/>
+              <a:ext cx="343824" cy="4679"/>
+            </a:xfrm>
+            <a:prstGeom prst="line">
+              <a:avLst/>
+            </a:prstGeom>
+            <a:ln w="28575">
+              <a:solidFill>
+                <a:srgbClr val="00B050"/>
+              </a:solidFill>
+            </a:ln>
+          </p:spPr>
+          <p:style>
+            <a:lnRef idx="1">
+              <a:schemeClr val="accent1"/>
+            </a:lnRef>
+            <a:fillRef idx="0">
+              <a:schemeClr val="accent1"/>
+            </a:fillRef>
+            <a:effectRef idx="0">
+              <a:schemeClr val="accent1"/>
+            </a:effectRef>
+            <a:fontRef idx="minor">
+              <a:schemeClr val="tx1"/>
+            </a:fontRef>
+          </p:style>
+        </p:cxnSp>
+      </p:grpSp>
+      <p:grpSp>
+        <p:nvGrpSpPr>
+          <p:cNvPr id="61" name="Unit 4"/>
+          <p:cNvGrpSpPr/>
+          <p:nvPr/>
+        </p:nvGrpSpPr>
+        <p:grpSpPr>
+          <a:xfrm>
+            <a:off x="10046518" y="1784524"/>
+            <a:ext cx="1358021" cy="3910149"/>
+            <a:chOff x="10105458" y="893128"/>
+            <a:chExt cx="1358021" cy="3910149"/>
+          </a:xfrm>
+        </p:grpSpPr>
+        <p:sp>
+          <p:nvSpPr>
+            <p:cNvPr id="156" name="Rectangle 155"/>
+            <p:cNvSpPr/>
+            <p:nvPr/>
+          </p:nvSpPr>
+          <p:spPr>
+            <a:xfrm>
+              <a:off x="10105458" y="893128"/>
+              <a:ext cx="1332545" cy="3910149"/>
+            </a:xfrm>
+            <a:prstGeom prst="rect">
+              <a:avLst/>
+            </a:prstGeom>
+            <a:solidFill>
+              <a:schemeClr val="accent1">
+                <a:lumMod val="20000"/>
+                <a:lumOff val="80000"/>
+                <a:alpha val="14902"/>
+              </a:schemeClr>
+            </a:solidFill>
+            <a:ln>
+              <a:solidFill>
+                <a:schemeClr val="accent3">
+                  <a:lumMod val="40000"/>
+                  <a:lumOff val="60000"/>
+                </a:schemeClr>
+              </a:solidFill>
+            </a:ln>
+          </p:spPr>
+          <p:style>
+            <a:lnRef idx="2">
+              <a:schemeClr val="accent1">
+                <a:shade val="50000"/>
+              </a:schemeClr>
+            </a:lnRef>
+            <a:fillRef idx="1">
+              <a:schemeClr val="accent1"/>
+            </a:fillRef>
+            <a:effectRef idx="0">
+              <a:schemeClr val="accent1"/>
+            </a:effectRef>
+            <a:fontRef idx="minor">
+              <a:schemeClr val="lt1"/>
+            </a:fontRef>
+          </p:style>
+          <p:txBody>
+            <a:bodyPr rtlCol="0" anchor="ctr"/>
+            <a:lstStyle/>
+            <a:p>
+              <a:pPr marL="0" marR="0" lvl="0" indent="0" algn="ctr" defTabSz="914400" rtl="0" eaLnBrk="1" fontAlgn="auto" latinLnBrk="0" hangingPunct="1">
+                <a:lnSpc>
+                  <a:spcPct val="100000"/>
+                </a:lnSpc>
+                <a:spcBef>
+                  <a:spcPts val="0"/>
+                </a:spcBef>
+                <a:spcAft>
+                  <a:spcPts val="0"/>
+                </a:spcAft>
+                <a:buClrTx/>
+                <a:buSzTx/>
+                <a:buFontTx/>
+                <a:buNone/>
+                <a:tabLst/>
+                <a:defRPr/>
+              </a:pPr>
+              <a:endParaRPr kumimoji="0" lang="en-US" sz="1800" b="0" i="0" u="none" strike="noStrike" kern="1200" cap="none" spc="0" normalizeH="0" baseline="0" noProof="0">
+                <a:ln>
+                  <a:noFill/>
+                </a:ln>
+                <a:solidFill>
+                  <a:prstClr val="white"/>
+                </a:solidFill>
+                <a:effectLst/>
+                <a:uLnTx/>
+                <a:uFillTx/>
+                <a:latin typeface="Calibri" panose="020F0502020204030204"/>
+                <a:ea typeface="+mn-ea"/>
+                <a:cs typeface="+mn-cs"/>
+              </a:endParaRPr>
+            </a:p>
+          </p:txBody>
+        </p:sp>
+        <p:sp>
+          <p:nvSpPr>
+            <p:cNvPr id="92" name="TextBox 91"/>
+            <p:cNvSpPr txBox="1"/>
+            <p:nvPr/>
+          </p:nvSpPr>
+          <p:spPr>
+            <a:xfrm>
+              <a:off x="10232414" y="2930689"/>
+              <a:ext cx="1231065" cy="430887"/>
+            </a:xfrm>
+            <a:prstGeom prst="rect">
+              <a:avLst/>
+            </a:prstGeom>
+            <a:noFill/>
+            <a:ln>
+              <a:noFill/>
+            </a:ln>
+          </p:spPr>
+          <p:txBody>
+            <a:bodyPr wrap="square" rtlCol="0">
+              <a:spAutoFit/>
+            </a:bodyPr>
+            <a:lstStyle/>
+            <a:p>
+              <a:pPr marL="0" marR="0" lvl="0" indent="0" algn="ctr" defTabSz="914400" rtl="0" eaLnBrk="1" fontAlgn="auto" latinLnBrk="0" hangingPunct="1">
+                <a:lnSpc>
+                  <a:spcPct val="100000"/>
+                </a:lnSpc>
+                <a:spcBef>
+                  <a:spcPts val="0"/>
+                </a:spcBef>
+                <a:spcAft>
+                  <a:spcPts val="0"/>
+                </a:spcAft>
+                <a:buClrTx/>
+                <a:buSzTx/>
+                <a:buFontTx/>
+                <a:buNone/>
+                <a:tabLst/>
+                <a:defRPr/>
+              </a:pPr>
+              <a:r>
+                <a:rPr kumimoji="0" lang="en-GB" sz="1100" b="0" i="1" u="none" strike="noStrike" kern="1200" cap="none" spc="0" normalizeH="0" baseline="0" noProof="0" dirty="0">
+                  <a:ln>
+                    <a:noFill/>
+                  </a:ln>
+                  <a:solidFill>
+                    <a:prstClr val="white">
+                      <a:lumMod val="65000"/>
+                    </a:prstClr>
+                  </a:solidFill>
+                  <a:effectLst/>
+                  <a:uLnTx/>
+                  <a:uFillTx/>
+                  <a:latin typeface="Segoe UI Semibold" panose="020B0702040204020203" pitchFamily="34" charset="0"/>
+                  <a:ea typeface="+mn-ea"/>
+                  <a:cs typeface="Segoe UI Semibold" panose="020B0702040204020203" pitchFamily="34" charset="0"/>
+                  <a:hlinkClick r:id="rId8"/>
+                </a:rPr>
+                <a:t>Capstone Project</a:t>
+              </a:r>
+              <a:endParaRPr kumimoji="0" lang="en-US" sz="1100" b="0" i="1" u="none" strike="noStrike" kern="1200" cap="none" spc="0" normalizeH="0" baseline="0" noProof="0" dirty="0">
+                <a:ln>
+                  <a:noFill/>
+                </a:ln>
+                <a:solidFill>
+                  <a:prstClr val="white">
+                    <a:lumMod val="65000"/>
+                  </a:prstClr>
+                </a:solidFill>
+                <a:effectLst/>
+                <a:uLnTx/>
+                <a:uFillTx/>
+                <a:latin typeface="Segoe UI Semibold" panose="020B0702040204020203" pitchFamily="34" charset="0"/>
+                <a:ea typeface="+mn-ea"/>
+                <a:cs typeface="Segoe UI Semibold" panose="020B0702040204020203" pitchFamily="34" charset="0"/>
+              </a:endParaRPr>
+            </a:p>
+          </p:txBody>
+        </p:sp>
+        <p:sp>
+          <p:nvSpPr>
+            <p:cNvPr id="100" name="Oval 99"/>
+            <p:cNvSpPr/>
+            <p:nvPr/>
+          </p:nvSpPr>
+          <p:spPr>
+            <a:xfrm>
+              <a:off x="10813442" y="2777249"/>
+              <a:ext cx="154112" cy="154112"/>
+            </a:xfrm>
+            <a:prstGeom prst="ellipse">
+              <a:avLst/>
+            </a:prstGeom>
+            <a:solidFill>
+              <a:schemeClr val="bg1"/>
+            </a:solidFill>
+            <a:ln w="57150">
+              <a:solidFill>
+                <a:schemeClr val="accent2">
+                  <a:lumMod val="40000"/>
+                  <a:lumOff val="60000"/>
+                </a:schemeClr>
+              </a:solidFill>
+            </a:ln>
+          </p:spPr>
+          <p:style>
+            <a:lnRef idx="2">
+              <a:schemeClr val="accent1">
+                <a:shade val="50000"/>
+              </a:schemeClr>
+            </a:lnRef>
+            <a:fillRef idx="1">
+              <a:schemeClr val="accent1"/>
+            </a:fillRef>
+            <a:effectRef idx="0">
+              <a:schemeClr val="accent1"/>
+            </a:effectRef>
+            <a:fontRef idx="minor">
+              <a:schemeClr val="lt1"/>
+            </a:fontRef>
+          </p:style>
+          <p:txBody>
+            <a:bodyPr rtlCol="0" anchor="ctr"/>
+            <a:lstStyle/>
+            <a:p>
+              <a:pPr marL="0" marR="0" lvl="0" indent="0" algn="ctr" defTabSz="914400" rtl="0" eaLnBrk="1" fontAlgn="auto" latinLnBrk="0" hangingPunct="1">
+                <a:lnSpc>
+                  <a:spcPct val="100000"/>
+                </a:lnSpc>
+                <a:spcBef>
+                  <a:spcPts val="0"/>
+                </a:spcBef>
+                <a:spcAft>
+                  <a:spcPts val="0"/>
+                </a:spcAft>
+                <a:buClrTx/>
+                <a:buSzTx/>
+                <a:buFontTx/>
+                <a:buNone/>
+                <a:tabLst/>
+                <a:defRPr/>
+              </a:pPr>
+              <a:endParaRPr kumimoji="0" lang="en-US" sz="1800" b="0" i="0" u="none" strike="noStrike" kern="1200" cap="none" spc="0" normalizeH="0" baseline="0" noProof="0">
+                <a:ln>
+                  <a:noFill/>
+                </a:ln>
+                <a:solidFill>
+                  <a:prstClr val="white"/>
+                </a:solidFill>
+                <a:effectLst/>
+                <a:uLnTx/>
+                <a:uFillTx/>
+                <a:latin typeface="Segoe UI" panose="020B0502040204020203" pitchFamily="34" charset="0"/>
+                <a:ea typeface="+mn-ea"/>
+                <a:cs typeface="Segoe UI" panose="020B0502040204020203" pitchFamily="34" charset="0"/>
+              </a:endParaRPr>
+            </a:p>
+          </p:txBody>
+        </p:sp>
+        <p:cxnSp>
+          <p:nvCxnSpPr>
+            <p:cNvPr id="131" name="Straight Connector 130"/>
+            <p:cNvCxnSpPr>
+              <a:stCxn id="156" idx="1"/>
+              <a:endCxn id="100" idx="2"/>
+            </p:cNvCxnSpPr>
+            <p:nvPr/>
+          </p:nvCxnSpPr>
+          <p:spPr>
+            <a:xfrm>
+              <a:off x="10105458" y="2848203"/>
+              <a:ext cx="707984" cy="6102"/>
+            </a:xfrm>
+            <a:prstGeom prst="line">
+              <a:avLst/>
+            </a:prstGeom>
+            <a:ln w="28575">
+              <a:solidFill>
+                <a:schemeClr val="accent2">
+                  <a:lumMod val="75000"/>
+                </a:schemeClr>
+              </a:solidFill>
+            </a:ln>
+          </p:spPr>
+          <p:style>
+            <a:lnRef idx="1">
+              <a:schemeClr val="accent1"/>
+            </a:lnRef>
+            <a:fillRef idx="0">
+              <a:schemeClr val="accent1"/>
+            </a:fillRef>
+            <a:effectRef idx="0">
+              <a:schemeClr val="accent1"/>
+            </a:effectRef>
+            <a:fontRef idx="minor">
+              <a:schemeClr val="tx1"/>
+            </a:fontRef>
+          </p:style>
+        </p:cxnSp>
+      </p:grpSp>
+      <p:sp>
+        <p:nvSpPr>
+          <p:cNvPr id="154" name="Rectangle 153"/>
+          <p:cNvSpPr/>
+          <p:nvPr/>
+        </p:nvSpPr>
+        <p:spPr>
+          <a:xfrm>
+            <a:off x="7674147" y="1779590"/>
+            <a:ext cx="1109577" cy="3918445"/>
+          </a:xfrm>
+          <a:prstGeom prst="rect">
+            <a:avLst/>
+          </a:prstGeom>
+          <a:solidFill>
+            <a:schemeClr val="accent1">
+              <a:lumMod val="20000"/>
+              <a:lumOff val="80000"/>
+              <a:alpha val="14902"/>
+            </a:schemeClr>
+          </a:solidFill>
+          <a:ln>
+            <a:solidFill>
+              <a:schemeClr val="accent3">
+                <a:lumMod val="40000"/>
+                <a:lumOff val="60000"/>
+              </a:schemeClr>
+            </a:solidFill>
+          </a:ln>
+        </p:spPr>
+        <p:style>
+          <a:lnRef idx="2">
+            <a:schemeClr val="accent1">
+              <a:shade val="50000"/>
+            </a:schemeClr>
+          </a:lnRef>
+          <a:fillRef idx="1">
+            <a:schemeClr val="accent1"/>
+          </a:fillRef>
+          <a:effectRef idx="0">
+            <a:schemeClr val="accent1"/>
+          </a:effectRef>
+          <a:fontRef idx="minor">
+            <a:schemeClr val="lt1"/>
+          </a:fontRef>
+        </p:style>
+        <p:txBody>
+          <a:bodyPr rtlCol="0" anchor="ctr"/>
+          <a:lstStyle/>
+          <a:p>
+            <a:pPr marL="0" marR="0" lvl="0" indent="0" algn="ctr" defTabSz="914400" rtl="0" eaLnBrk="1" fontAlgn="auto" latinLnBrk="0" hangingPunct="1">
+              <a:lnSpc>
+                <a:spcPct val="100000"/>
+              </a:lnSpc>
+              <a:spcBef>
+                <a:spcPts val="0"/>
+              </a:spcBef>
+              <a:spcAft>
+                <a:spcPts val="0"/>
+              </a:spcAft>
+              <a:buClrTx/>
+              <a:buSzTx/>
+              <a:buFontTx/>
+              <a:buNone/>
+              <a:tabLst/>
+              <a:defRPr/>
+            </a:pPr>
+            <a:endParaRPr kumimoji="0" lang="en-US" sz="1800" b="0" i="0" u="none" strike="noStrike" kern="1200" cap="none" spc="0" normalizeH="0" baseline="0" noProof="0">
+              <a:ln>
+                <a:noFill/>
+              </a:ln>
+              <a:solidFill>
+                <a:prstClr val="white"/>
+              </a:solidFill>
+              <a:effectLst/>
+              <a:uLnTx/>
+              <a:uFillTx/>
+              <a:latin typeface="Calibri" panose="020F0502020204030204"/>
+              <a:ea typeface="+mn-ea"/>
+              <a:cs typeface="+mn-cs"/>
+            </a:endParaRPr>
+          </a:p>
+        </p:txBody>
+      </p:sp>
+      <p:sp>
+        <p:nvSpPr>
+          <p:cNvPr id="155" name="Rectangle 154"/>
+          <p:cNvSpPr/>
+          <p:nvPr/>
+        </p:nvSpPr>
+        <p:spPr>
+          <a:xfrm>
+            <a:off x="8791837" y="1779779"/>
+            <a:ext cx="1255347" cy="3910149"/>
+          </a:xfrm>
+          <a:prstGeom prst="rect">
+            <a:avLst/>
+          </a:prstGeom>
+          <a:solidFill>
+            <a:schemeClr val="accent1">
+              <a:lumMod val="20000"/>
+              <a:lumOff val="80000"/>
+              <a:alpha val="14902"/>
+            </a:schemeClr>
+          </a:solidFill>
+          <a:ln>
+            <a:solidFill>
+              <a:schemeClr val="accent3">
+                <a:lumMod val="40000"/>
+                <a:lumOff val="60000"/>
+              </a:schemeClr>
+            </a:solidFill>
+          </a:ln>
+        </p:spPr>
+        <p:style>
+          <a:lnRef idx="2">
+            <a:schemeClr val="accent1">
+              <a:shade val="50000"/>
+            </a:schemeClr>
+          </a:lnRef>
+          <a:fillRef idx="1">
+            <a:schemeClr val="accent1"/>
+          </a:fillRef>
+          <a:effectRef idx="0">
+            <a:schemeClr val="accent1"/>
+          </a:effectRef>
+          <a:fontRef idx="minor">
+            <a:schemeClr val="lt1"/>
+          </a:fontRef>
+        </p:style>
+        <p:txBody>
+          <a:bodyPr rtlCol="0" anchor="ctr"/>
+          <a:lstStyle/>
+          <a:p>
+            <a:pPr marL="0" marR="0" lvl="0" indent="0" algn="ctr" defTabSz="914400" rtl="0" eaLnBrk="1" fontAlgn="auto" latinLnBrk="0" hangingPunct="1">
+              <a:lnSpc>
+                <a:spcPct val="100000"/>
+              </a:lnSpc>
+              <a:spcBef>
+                <a:spcPts val="0"/>
+              </a:spcBef>
+              <a:spcAft>
+                <a:spcPts val="0"/>
+              </a:spcAft>
+              <a:buClrTx/>
+              <a:buSzTx/>
+              <a:buFontTx/>
+              <a:buNone/>
+              <a:tabLst/>
+              <a:defRPr/>
+            </a:pPr>
+            <a:endParaRPr kumimoji="0" lang="en-US" sz="1800" b="0" i="0" u="none" strike="noStrike" kern="1200" cap="none" spc="0" normalizeH="0" baseline="0" noProof="0">
+              <a:ln>
+                <a:noFill/>
+              </a:ln>
+              <a:solidFill>
+                <a:prstClr val="white"/>
+              </a:solidFill>
+              <a:effectLst/>
+              <a:uLnTx/>
+              <a:uFillTx/>
+              <a:latin typeface="Calibri" panose="020F0502020204030204"/>
+              <a:ea typeface="+mn-ea"/>
+              <a:cs typeface="+mn-cs"/>
+            </a:endParaRPr>
+          </a:p>
+        </p:txBody>
+      </p:sp>
+      <p:sp>
+        <p:nvSpPr>
+          <p:cNvPr id="85" name="Oval 84"/>
+          <p:cNvSpPr/>
+          <p:nvPr/>
+        </p:nvSpPr>
+        <p:spPr>
+          <a:xfrm>
+            <a:off x="8105139" y="3676651"/>
+            <a:ext cx="154112" cy="154112"/>
+          </a:xfrm>
+          <a:prstGeom prst="ellipse">
+            <a:avLst/>
+          </a:prstGeom>
+          <a:solidFill>
+            <a:schemeClr val="bg1"/>
+          </a:solidFill>
+          <a:ln w="57150">
+            <a:solidFill>
+              <a:srgbClr val="FFC000"/>
+            </a:solidFill>
+          </a:ln>
+        </p:spPr>
+        <p:style>
+          <a:lnRef idx="2">
+            <a:schemeClr val="accent1">
+              <a:shade val="50000"/>
+            </a:schemeClr>
+          </a:lnRef>
+          <a:fillRef idx="1">
+            <a:schemeClr val="accent1"/>
+          </a:fillRef>
+          <a:effectRef idx="0">
+            <a:schemeClr val="accent1"/>
+          </a:effectRef>
+          <a:fontRef idx="minor">
+            <a:schemeClr val="lt1"/>
+          </a:fontRef>
+        </p:style>
+        <p:txBody>
+          <a:bodyPr rtlCol="0" anchor="ctr"/>
+          <a:lstStyle/>
+          <a:p>
+            <a:pPr marL="0" marR="0" lvl="0" indent="0" algn="ctr" defTabSz="914400" rtl="0" eaLnBrk="1" fontAlgn="auto" latinLnBrk="0" hangingPunct="1">
+              <a:lnSpc>
+                <a:spcPct val="100000"/>
+              </a:lnSpc>
+              <a:spcBef>
+                <a:spcPts val="0"/>
+              </a:spcBef>
+              <a:spcAft>
+                <a:spcPts val="0"/>
+              </a:spcAft>
+              <a:buClrTx/>
+              <a:buSzTx/>
+              <a:buFontTx/>
+              <a:buNone/>
+              <a:tabLst/>
+              <a:defRPr/>
+            </a:pPr>
+            <a:endParaRPr kumimoji="0" lang="en-US" sz="1800" b="0" i="0" u="none" strike="noStrike" kern="1200" cap="none" spc="0" normalizeH="0" baseline="0" noProof="0">
+              <a:ln>
+                <a:noFill/>
+              </a:ln>
+              <a:solidFill>
+                <a:prstClr val="white"/>
+              </a:solidFill>
+              <a:effectLst/>
+              <a:uLnTx/>
+              <a:uFillTx/>
+              <a:latin typeface="Segoe UI" panose="020B0502040204020203" pitchFamily="34" charset="0"/>
+              <a:ea typeface="+mn-ea"/>
+              <a:cs typeface="Segoe UI" panose="020B0502040204020203" pitchFamily="34" charset="0"/>
+            </a:endParaRPr>
+          </a:p>
+        </p:txBody>
+      </p:sp>
+      <p:sp>
+        <p:nvSpPr>
+          <p:cNvPr id="86" name="TextBox 85"/>
+          <p:cNvSpPr txBox="1"/>
+          <p:nvPr/>
+        </p:nvSpPr>
+        <p:spPr>
+          <a:xfrm>
+            <a:off x="7648671" y="3818644"/>
+            <a:ext cx="1086369" cy="769441"/>
+          </a:xfrm>
+          <a:prstGeom prst="rect">
+            <a:avLst/>
+          </a:prstGeom>
+          <a:noFill/>
+          <a:ln>
+            <a:noFill/>
+          </a:ln>
+        </p:spPr>
+        <p:txBody>
+          <a:bodyPr wrap="square" rtlCol="0">
+            <a:spAutoFit/>
+          </a:bodyPr>
+          <a:lstStyle>
+            <a:defPPr>
+              <a:defRPr lang="en-US"/>
+            </a:defPPr>
+            <a:lvl1pPr algn="ctr">
+              <a:defRPr sz="900" i="1">
+                <a:solidFill>
+                  <a:schemeClr val="accent6">
+                    <a:lumMod val="75000"/>
+                  </a:schemeClr>
+                </a:solidFill>
+                <a:latin typeface="Segoe UI" panose="020B0502040204020203" pitchFamily="34" charset="0"/>
+                <a:cs typeface="Segoe UI" panose="020B0502040204020203" pitchFamily="34" charset="0"/>
+              </a:defRPr>
+            </a:lvl1pPr>
+          </a:lstStyle>
+          <a:p>
+            <a:pPr marL="0" marR="0" lvl="0" indent="0" algn="ctr" defTabSz="914400" rtl="0" eaLnBrk="1" fontAlgn="auto" latinLnBrk="0" hangingPunct="1">
+              <a:lnSpc>
+                <a:spcPct val="100000"/>
+              </a:lnSpc>
+              <a:spcBef>
+                <a:spcPts val="0"/>
+              </a:spcBef>
+              <a:spcAft>
+                <a:spcPts val="0"/>
+              </a:spcAft>
+              <a:buClrTx/>
+              <a:buSzTx/>
+              <a:buFontTx/>
+              <a:buNone/>
+              <a:tabLst/>
+              <a:defRPr/>
+            </a:pPr>
+            <a:r>
+              <a:rPr kumimoji="0" lang="en-GB" sz="1100" b="0" i="1" u="none" strike="noStrike" kern="1200" cap="none" spc="0" normalizeH="0" baseline="0" noProof="0" dirty="0">
+                <a:ln>
+                  <a:noFill/>
+                </a:ln>
+                <a:solidFill>
+                  <a:prstClr val="black"/>
+                </a:solidFill>
+                <a:effectLst/>
+                <a:uLnTx/>
+                <a:uFillTx/>
+                <a:latin typeface="Segoe UI Semibold" panose="020B0702040204020203" pitchFamily="34" charset="0"/>
+                <a:ea typeface="+mn-ea"/>
+                <a:cs typeface="Segoe UI Semibold" panose="020B0702040204020203" pitchFamily="34" charset="0"/>
+                <a:hlinkClick r:id="rId9"/>
+              </a:rPr>
+              <a:t>Orchestrating Big Data with Azure Data Factory</a:t>
+            </a:r>
+            <a:endParaRPr kumimoji="0" lang="en-US" sz="1100" b="0" i="1" u="none" strike="noStrike" kern="1200" cap="none" spc="0" normalizeH="0" baseline="0" noProof="0" dirty="0">
+              <a:ln>
+                <a:noFill/>
+              </a:ln>
+              <a:solidFill>
+                <a:prstClr val="black"/>
+              </a:solidFill>
+              <a:effectLst/>
+              <a:uLnTx/>
+              <a:uFillTx/>
+              <a:latin typeface="Segoe UI Semibold" panose="020B0702040204020203" pitchFamily="34" charset="0"/>
+              <a:ea typeface="+mn-ea"/>
+              <a:cs typeface="Segoe UI Semibold" panose="020B0702040204020203" pitchFamily="34" charset="0"/>
+            </a:endParaRPr>
+          </a:p>
+        </p:txBody>
+      </p:sp>
+      <p:sp>
+        <p:nvSpPr>
+          <p:cNvPr id="95" name="Oval 94"/>
+          <p:cNvSpPr/>
+          <p:nvPr/>
+        </p:nvSpPr>
+        <p:spPr>
+          <a:xfrm>
+            <a:off x="9347037" y="2587966"/>
+            <a:ext cx="154112" cy="154112"/>
+          </a:xfrm>
+          <a:prstGeom prst="ellipse">
+            <a:avLst/>
+          </a:prstGeom>
+          <a:solidFill>
+            <a:schemeClr val="bg1"/>
+          </a:solidFill>
+          <a:ln w="57150">
+            <a:solidFill>
+              <a:schemeClr val="accent4">
+                <a:lumMod val="20000"/>
+                <a:lumOff val="80000"/>
+              </a:schemeClr>
+            </a:solidFill>
+          </a:ln>
+        </p:spPr>
+        <p:style>
+          <a:lnRef idx="2">
+            <a:schemeClr val="accent1">
+              <a:shade val="50000"/>
+            </a:schemeClr>
+          </a:lnRef>
+          <a:fillRef idx="1">
+            <a:schemeClr val="accent1"/>
+          </a:fillRef>
+          <a:effectRef idx="0">
+            <a:schemeClr val="accent1"/>
+          </a:effectRef>
+          <a:fontRef idx="minor">
+            <a:schemeClr val="lt1"/>
+          </a:fontRef>
+        </p:style>
+        <p:txBody>
+          <a:bodyPr rtlCol="0" anchor="ctr"/>
+          <a:lstStyle/>
+          <a:p>
+            <a:pPr marL="0" marR="0" lvl="0" indent="0" algn="ctr" defTabSz="914400" rtl="0" eaLnBrk="1" fontAlgn="auto" latinLnBrk="0" hangingPunct="1">
+              <a:lnSpc>
+                <a:spcPct val="100000"/>
+              </a:lnSpc>
+              <a:spcBef>
+                <a:spcPts val="0"/>
+              </a:spcBef>
+              <a:spcAft>
+                <a:spcPts val="0"/>
+              </a:spcAft>
+              <a:buClrTx/>
+              <a:buSzTx/>
+              <a:buFontTx/>
+              <a:buNone/>
+              <a:tabLst/>
+              <a:defRPr/>
+            </a:pPr>
+            <a:endParaRPr kumimoji="0" lang="en-US" sz="1800" b="0" i="0" u="none" strike="noStrike" kern="1200" cap="none" spc="0" normalizeH="0" baseline="0" noProof="0">
+              <a:ln>
+                <a:noFill/>
+              </a:ln>
+              <a:solidFill>
+                <a:prstClr val="white"/>
+              </a:solidFill>
+              <a:effectLst/>
+              <a:uLnTx/>
+              <a:uFillTx/>
+              <a:latin typeface="Segoe UI" panose="020B0502040204020203" pitchFamily="34" charset="0"/>
+              <a:ea typeface="+mn-ea"/>
+              <a:cs typeface="Segoe UI" panose="020B0502040204020203" pitchFamily="34" charset="0"/>
+            </a:endParaRPr>
+          </a:p>
+        </p:txBody>
+      </p:sp>
+      <p:sp>
+        <p:nvSpPr>
+          <p:cNvPr id="101" name="TextBox 100"/>
+          <p:cNvSpPr txBox="1"/>
+          <p:nvPr/>
+        </p:nvSpPr>
+        <p:spPr>
+          <a:xfrm>
+            <a:off x="8806802" y="4770251"/>
+            <a:ext cx="1231603" cy="938719"/>
+          </a:xfrm>
+          <a:prstGeom prst="rect">
+            <a:avLst/>
+          </a:prstGeom>
+          <a:noFill/>
+          <a:ln>
+            <a:noFill/>
+          </a:ln>
+        </p:spPr>
+        <p:txBody>
+          <a:bodyPr wrap="square" rtlCol="0">
+            <a:spAutoFit/>
+          </a:bodyPr>
+          <a:lstStyle>
+            <a:defPPr>
+              <a:defRPr lang="en-US"/>
+            </a:defPPr>
+            <a:lvl1pPr algn="ctr">
+              <a:defRPr sz="900" i="1">
+                <a:solidFill>
+                  <a:schemeClr val="accent6">
+                    <a:lumMod val="75000"/>
+                  </a:schemeClr>
+                </a:solidFill>
+                <a:latin typeface="Segoe UI" panose="020B0502040204020203" pitchFamily="34" charset="0"/>
+                <a:cs typeface="Segoe UI" panose="020B0502040204020203" pitchFamily="34" charset="0"/>
+              </a:defRPr>
+            </a:lvl1pPr>
+          </a:lstStyle>
+          <a:p>
+            <a:pPr marL="0" marR="0" lvl="0" indent="0" algn="ctr" defTabSz="914400" rtl="0" eaLnBrk="1" fontAlgn="auto" latinLnBrk="0" hangingPunct="1">
+              <a:lnSpc>
+                <a:spcPct val="100000"/>
+              </a:lnSpc>
+              <a:spcBef>
+                <a:spcPts val="0"/>
+              </a:spcBef>
+              <a:spcAft>
+                <a:spcPts val="0"/>
+              </a:spcAft>
+              <a:buClrTx/>
+              <a:buSzTx/>
+              <a:buFontTx/>
+              <a:buNone/>
+              <a:tabLst/>
+              <a:defRPr/>
+            </a:pPr>
+            <a:r>
+              <a:rPr kumimoji="0" lang="en-US" sz="1100" b="0" i="1" u="none" strike="noStrike" kern="1200" cap="none" spc="0" normalizeH="0" baseline="0" noProof="0" dirty="0">
+                <a:ln>
+                  <a:noFill/>
+                </a:ln>
+                <a:solidFill>
+                  <a:prstClr val="black"/>
+                </a:solidFill>
+                <a:effectLst/>
+                <a:uLnTx/>
+                <a:uFillTx/>
+                <a:latin typeface="Segoe UI Semibold" panose="020B0702040204020203" pitchFamily="34" charset="0"/>
+                <a:ea typeface="+mn-ea"/>
+                <a:cs typeface="Segoe UI Semibold" panose="020B0702040204020203" pitchFamily="34" charset="0"/>
+                <a:hlinkClick r:id="rId10"/>
+              </a:rPr>
+              <a:t>Implementing Predictive Solutions with Spark in HDInsight</a:t>
+            </a:r>
+            <a:endParaRPr kumimoji="0" lang="en-US" sz="1100" b="0" i="1" u="none" strike="noStrike" kern="1200" cap="none" spc="0" normalizeH="0" baseline="0" noProof="0" dirty="0">
+              <a:ln>
+                <a:noFill/>
+              </a:ln>
+              <a:solidFill>
+                <a:prstClr val="black"/>
+              </a:solidFill>
+              <a:effectLst/>
+              <a:uLnTx/>
+              <a:uFillTx/>
+              <a:latin typeface="Segoe UI Semibold" panose="020B0702040204020203" pitchFamily="34" charset="0"/>
+              <a:ea typeface="+mn-ea"/>
+              <a:cs typeface="Segoe UI Semibold" panose="020B0702040204020203" pitchFamily="34" charset="0"/>
+            </a:endParaRPr>
+          </a:p>
+        </p:txBody>
+      </p:sp>
+      <p:sp>
+        <p:nvSpPr>
+          <p:cNvPr id="105" name="Oval 104"/>
+          <p:cNvSpPr/>
+          <p:nvPr/>
+        </p:nvSpPr>
+        <p:spPr>
+          <a:xfrm>
+            <a:off x="9355983" y="4647924"/>
+            <a:ext cx="154112" cy="154112"/>
+          </a:xfrm>
+          <a:prstGeom prst="ellipse">
+            <a:avLst/>
+          </a:prstGeom>
+          <a:solidFill>
+            <a:schemeClr val="bg1"/>
+          </a:solidFill>
+          <a:ln w="57150">
+            <a:solidFill>
+              <a:srgbClr val="FFC000"/>
+            </a:solidFill>
+          </a:ln>
+        </p:spPr>
+        <p:style>
+          <a:lnRef idx="2">
+            <a:schemeClr val="accent1">
+              <a:shade val="50000"/>
+            </a:schemeClr>
+          </a:lnRef>
+          <a:fillRef idx="1">
+            <a:schemeClr val="accent1"/>
+          </a:fillRef>
+          <a:effectRef idx="0">
+            <a:schemeClr val="accent1"/>
+          </a:effectRef>
+          <a:fontRef idx="minor">
+            <a:schemeClr val="lt1"/>
+          </a:fontRef>
+        </p:style>
+        <p:txBody>
+          <a:bodyPr rtlCol="0" anchor="ctr"/>
+          <a:lstStyle/>
+          <a:p>
+            <a:pPr marL="0" marR="0" lvl="0" indent="0" algn="ctr" defTabSz="914400" rtl="0" eaLnBrk="1" fontAlgn="auto" latinLnBrk="0" hangingPunct="1">
+              <a:lnSpc>
+                <a:spcPct val="100000"/>
+              </a:lnSpc>
+              <a:spcBef>
+                <a:spcPts val="0"/>
+              </a:spcBef>
+              <a:spcAft>
+                <a:spcPts val="0"/>
+              </a:spcAft>
+              <a:buClrTx/>
+              <a:buSzTx/>
+              <a:buFontTx/>
+              <a:buNone/>
+              <a:tabLst/>
+              <a:defRPr/>
+            </a:pPr>
+            <a:endParaRPr kumimoji="0" lang="en-US" sz="1800" b="0" i="0" u="none" strike="noStrike" kern="1200" cap="none" spc="0" normalizeH="0" baseline="0" noProof="0">
+              <a:ln>
+                <a:noFill/>
+              </a:ln>
+              <a:solidFill>
+                <a:prstClr val="white"/>
+              </a:solidFill>
+              <a:effectLst/>
+              <a:uLnTx/>
+              <a:uFillTx/>
+              <a:latin typeface="Segoe UI" panose="020B0502040204020203" pitchFamily="34" charset="0"/>
+              <a:ea typeface="+mn-ea"/>
+              <a:cs typeface="Segoe UI" panose="020B0502040204020203" pitchFamily="34" charset="0"/>
+            </a:endParaRPr>
+          </a:p>
+        </p:txBody>
+      </p:sp>
+      <p:sp>
+        <p:nvSpPr>
+          <p:cNvPr id="106" name="TextBox 105"/>
+          <p:cNvSpPr txBox="1"/>
+          <p:nvPr/>
+        </p:nvSpPr>
+        <p:spPr>
+          <a:xfrm>
+            <a:off x="8750437" y="2687497"/>
+            <a:ext cx="1303814" cy="769441"/>
+          </a:xfrm>
+          <a:prstGeom prst="rect">
+            <a:avLst/>
+          </a:prstGeom>
+          <a:noFill/>
+          <a:ln>
+            <a:noFill/>
+          </a:ln>
+        </p:spPr>
+        <p:txBody>
+          <a:bodyPr wrap="square" rtlCol="0">
+            <a:spAutoFit/>
+          </a:bodyPr>
+          <a:lstStyle>
+            <a:defPPr>
+              <a:defRPr lang="en-US"/>
+            </a:defPPr>
+            <a:lvl1pPr algn="ctr">
+              <a:defRPr sz="900" i="1">
+                <a:solidFill>
+                  <a:schemeClr val="accent6">
+                    <a:lumMod val="75000"/>
+                  </a:schemeClr>
+                </a:solidFill>
+                <a:latin typeface="Segoe UI" panose="020B0502040204020203" pitchFamily="34" charset="0"/>
+                <a:cs typeface="Segoe UI" panose="020B0502040204020203" pitchFamily="34" charset="0"/>
+              </a:defRPr>
+            </a:lvl1pPr>
+          </a:lstStyle>
+          <a:p>
+            <a:pPr marL="0" marR="0" lvl="0" indent="0" algn="ctr" defTabSz="914400" rtl="0" eaLnBrk="1" fontAlgn="auto" latinLnBrk="0" hangingPunct="1">
+              <a:lnSpc>
+                <a:spcPct val="100000"/>
+              </a:lnSpc>
+              <a:spcBef>
+                <a:spcPts val="0"/>
+              </a:spcBef>
+              <a:spcAft>
+                <a:spcPts val="0"/>
+              </a:spcAft>
+              <a:buClrTx/>
+              <a:buSzTx/>
+              <a:buFontTx/>
+              <a:buNone/>
+              <a:tabLst/>
+              <a:defRPr/>
+            </a:pPr>
+            <a:r>
+              <a:rPr kumimoji="0" lang="en-US" sz="1100" b="0" i="1" u="none" strike="noStrike" kern="1200" cap="none" spc="0" normalizeH="0" baseline="0" noProof="0" dirty="0">
+                <a:ln>
+                  <a:noFill/>
+                </a:ln>
+                <a:solidFill>
+                  <a:prstClr val="white">
+                    <a:lumMod val="65000"/>
+                  </a:prstClr>
+                </a:solidFill>
+                <a:effectLst/>
+                <a:uLnTx/>
+                <a:uFillTx/>
+                <a:latin typeface="Segoe UI Semibold" panose="020B0702040204020203" pitchFamily="34" charset="0"/>
+                <a:ea typeface="+mn-ea"/>
+                <a:cs typeface="Segoe UI Semibold" panose="020B0702040204020203" pitchFamily="34" charset="0"/>
+                <a:hlinkClick r:id="rId11"/>
+              </a:rPr>
+              <a:t>Developing Big Data Solutions with Azure Machine Learning</a:t>
+            </a:r>
+            <a:endParaRPr kumimoji="0" lang="en-US" sz="1100" b="0" i="1" u="none" strike="noStrike" kern="1200" cap="none" spc="0" normalizeH="0" baseline="0" noProof="0" dirty="0">
+              <a:ln>
+                <a:noFill/>
+              </a:ln>
+              <a:solidFill>
+                <a:prstClr val="white">
+                  <a:lumMod val="65000"/>
+                </a:prstClr>
+              </a:solidFill>
+              <a:effectLst/>
+              <a:uLnTx/>
+              <a:uFillTx/>
+              <a:latin typeface="Segoe UI Semibold" panose="020B0702040204020203" pitchFamily="34" charset="0"/>
+              <a:ea typeface="+mn-ea"/>
+              <a:cs typeface="Segoe UI Semibold" panose="020B0702040204020203" pitchFamily="34" charset="0"/>
+            </a:endParaRPr>
+          </a:p>
+        </p:txBody>
+      </p:sp>
+      <p:cxnSp>
+        <p:nvCxnSpPr>
+          <p:cNvPr id="126" name="Elbow Connector 125"/>
+          <p:cNvCxnSpPr>
+            <a:stCxn id="95" idx="6"/>
+            <a:endCxn id="156" idx="1"/>
+          </p:cNvCxnSpPr>
+          <p:nvPr/>
+        </p:nvCxnSpPr>
+        <p:spPr>
+          <a:xfrm>
+            <a:off x="9501149" y="2665022"/>
+            <a:ext cx="545369" cy="1074577"/>
+          </a:xfrm>
+          <a:prstGeom prst="bentConnector3">
+            <a:avLst>
+              <a:gd name="adj1" fmla="val 85853"/>
+            </a:avLst>
+          </a:prstGeom>
+          <a:ln w="28575">
+            <a:solidFill>
+              <a:srgbClr val="FFC000"/>
+            </a:solidFill>
+          </a:ln>
+        </p:spPr>
+        <p:style>
+          <a:lnRef idx="1">
+            <a:schemeClr val="accent1"/>
+          </a:lnRef>
+          <a:fillRef idx="0">
+            <a:schemeClr val="accent1"/>
+          </a:fillRef>
+          <a:effectRef idx="0">
+            <a:schemeClr val="accent1"/>
+          </a:effectRef>
+          <a:fontRef idx="minor">
+            <a:schemeClr val="tx1"/>
+          </a:fontRef>
+        </p:style>
+      </p:cxnSp>
+      <p:cxnSp>
+        <p:nvCxnSpPr>
+          <p:cNvPr id="140" name="Elbow Connector 139"/>
+          <p:cNvCxnSpPr>
+            <a:stCxn id="155" idx="3"/>
+            <a:endCxn id="105" idx="6"/>
+          </p:cNvCxnSpPr>
+          <p:nvPr/>
+        </p:nvCxnSpPr>
+        <p:spPr>
+          <a:xfrm flipH="1">
+            <a:off x="9510095" y="3734854"/>
+            <a:ext cx="537089" cy="990126"/>
+          </a:xfrm>
+          <a:prstGeom prst="bentConnector3">
+            <a:avLst>
+              <a:gd name="adj1" fmla="val 15258"/>
+            </a:avLst>
+          </a:prstGeom>
+          <a:ln w="28575">
+            <a:solidFill>
+              <a:srgbClr val="FFC000"/>
+            </a:solidFill>
+          </a:ln>
+        </p:spPr>
+        <p:style>
+          <a:lnRef idx="1">
+            <a:schemeClr val="accent1"/>
+          </a:lnRef>
+          <a:fillRef idx="0">
+            <a:schemeClr val="accent1"/>
+          </a:fillRef>
+          <a:effectRef idx="0">
+            <a:schemeClr val="accent1"/>
+          </a:effectRef>
+          <a:fontRef idx="minor">
+            <a:schemeClr val="tx1"/>
+          </a:fontRef>
+        </p:style>
+      </p:cxnSp>
+      <p:cxnSp>
+        <p:nvCxnSpPr>
+          <p:cNvPr id="150" name="Elbow Connector 149"/>
+          <p:cNvCxnSpPr>
+            <a:stCxn id="95" idx="2"/>
+            <a:endCxn id="85" idx="6"/>
+          </p:cNvCxnSpPr>
+          <p:nvPr/>
+        </p:nvCxnSpPr>
+        <p:spPr>
+          <a:xfrm rot="10800000" flipV="1">
+            <a:off x="8259251" y="2665021"/>
+            <a:ext cx="1087786" cy="1088685"/>
+          </a:xfrm>
+          <a:prstGeom prst="bentConnector3">
+            <a:avLst>
+              <a:gd name="adj1" fmla="val 50000"/>
+            </a:avLst>
+          </a:prstGeom>
+          <a:ln w="28575">
+            <a:solidFill>
+              <a:srgbClr val="FFC000"/>
+            </a:solidFill>
+          </a:ln>
+        </p:spPr>
+        <p:style>
+          <a:lnRef idx="1">
+            <a:schemeClr val="accent1"/>
+          </a:lnRef>
+          <a:fillRef idx="0">
+            <a:schemeClr val="accent1"/>
+          </a:fillRef>
+          <a:effectRef idx="0">
+            <a:schemeClr val="accent1"/>
+          </a:effectRef>
+          <a:fontRef idx="minor">
+            <a:schemeClr val="tx1"/>
+          </a:fontRef>
+        </p:style>
+      </p:cxnSp>
+      <p:cxnSp>
+        <p:nvCxnSpPr>
+          <p:cNvPr id="151" name="Elbow Connector 150"/>
+          <p:cNvCxnSpPr>
+            <a:stCxn id="105" idx="2"/>
+            <a:endCxn id="85" idx="6"/>
+          </p:cNvCxnSpPr>
+          <p:nvPr/>
+        </p:nvCxnSpPr>
+        <p:spPr>
+          <a:xfrm rot="10800000">
+            <a:off x="8259251" y="3753708"/>
+            <a:ext cx="1096732" cy="971273"/>
+          </a:xfrm>
+          <a:prstGeom prst="bentConnector3">
+            <a:avLst>
+              <a:gd name="adj1" fmla="val 50000"/>
+            </a:avLst>
+          </a:prstGeom>
+          <a:ln w="28575">
+            <a:solidFill>
+              <a:srgbClr val="FFC000"/>
+            </a:solidFill>
+          </a:ln>
+        </p:spPr>
+        <p:style>
+          <a:lnRef idx="1">
+            <a:schemeClr val="accent1"/>
+          </a:lnRef>
+          <a:fillRef idx="0">
+            <a:schemeClr val="accent1"/>
+          </a:fillRef>
+          <a:effectRef idx="0">
+            <a:schemeClr val="accent1"/>
+          </a:effectRef>
+          <a:fontRef idx="minor">
+            <a:schemeClr val="tx1"/>
+          </a:fontRef>
+        </p:style>
+      </p:cxnSp>
+      <p:sp>
+        <p:nvSpPr>
+          <p:cNvPr id="94" name="Oval 93"/>
+          <p:cNvSpPr/>
+          <p:nvPr/>
+        </p:nvSpPr>
+        <p:spPr>
+          <a:xfrm>
+            <a:off x="9370711" y="3656780"/>
+            <a:ext cx="154112" cy="154112"/>
+          </a:xfrm>
+          <a:prstGeom prst="ellipse">
+            <a:avLst/>
+          </a:prstGeom>
+          <a:solidFill>
+            <a:schemeClr val="bg1"/>
+          </a:solidFill>
+          <a:ln w="57150">
+            <a:solidFill>
+              <a:srgbClr val="FFC000"/>
+            </a:solidFill>
+          </a:ln>
+        </p:spPr>
+        <p:style>
+          <a:lnRef idx="2">
+            <a:schemeClr val="accent1">
+              <a:shade val="50000"/>
+            </a:schemeClr>
+          </a:lnRef>
+          <a:fillRef idx="1">
+            <a:schemeClr val="accent1"/>
+          </a:fillRef>
+          <a:effectRef idx="0">
+            <a:schemeClr val="accent1"/>
+          </a:effectRef>
+          <a:fontRef idx="minor">
+            <a:schemeClr val="lt1"/>
+          </a:fontRef>
+        </p:style>
+        <p:txBody>
+          <a:bodyPr rtlCol="0" anchor="ctr"/>
+          <a:lstStyle/>
+          <a:p>
+            <a:pPr marL="0" marR="0" lvl="0" indent="0" algn="ctr" defTabSz="914400" rtl="0" eaLnBrk="1" fontAlgn="auto" latinLnBrk="0" hangingPunct="1">
+              <a:lnSpc>
+                <a:spcPct val="100000"/>
+              </a:lnSpc>
+              <a:spcBef>
+                <a:spcPts val="0"/>
+              </a:spcBef>
+              <a:spcAft>
+                <a:spcPts val="0"/>
+              </a:spcAft>
+              <a:buClrTx/>
+              <a:buSzTx/>
+              <a:buFontTx/>
+              <a:buNone/>
+              <a:tabLst/>
+              <a:defRPr/>
+            </a:pPr>
+            <a:endParaRPr kumimoji="0" lang="en-US" sz="1800" b="0" i="0" u="none" strike="noStrike" kern="1200" cap="none" spc="0" normalizeH="0" baseline="0" noProof="0">
+              <a:ln>
+                <a:noFill/>
+              </a:ln>
+              <a:solidFill>
+                <a:prstClr val="white"/>
+              </a:solidFill>
+              <a:effectLst/>
+              <a:uLnTx/>
+              <a:uFillTx/>
+              <a:latin typeface="Segoe UI" panose="020B0502040204020203" pitchFamily="34" charset="0"/>
+              <a:ea typeface="+mn-ea"/>
+              <a:cs typeface="Segoe UI" panose="020B0502040204020203" pitchFamily="34" charset="0"/>
+            </a:endParaRPr>
+          </a:p>
+        </p:txBody>
+      </p:sp>
+      <p:sp>
+        <p:nvSpPr>
+          <p:cNvPr id="98" name="TextBox 97"/>
+          <p:cNvSpPr txBox="1"/>
+          <p:nvPr/>
+        </p:nvSpPr>
+        <p:spPr>
+          <a:xfrm>
+            <a:off x="8907999" y="3820468"/>
+            <a:ext cx="1086369" cy="769441"/>
+          </a:xfrm>
+          <a:prstGeom prst="rect">
+            <a:avLst/>
+          </a:prstGeom>
+          <a:noFill/>
+          <a:ln>
+            <a:noFill/>
+          </a:ln>
+        </p:spPr>
+        <p:txBody>
+          <a:bodyPr wrap="square" rtlCol="0">
+            <a:spAutoFit/>
+          </a:bodyPr>
+          <a:lstStyle>
+            <a:defPPr>
+              <a:defRPr lang="en-US"/>
+            </a:defPPr>
+            <a:lvl1pPr algn="ctr">
+              <a:defRPr sz="900" i="1">
+                <a:solidFill>
+                  <a:schemeClr val="accent6">
+                    <a:lumMod val="75000"/>
+                  </a:schemeClr>
+                </a:solidFill>
+                <a:latin typeface="Segoe UI" panose="020B0502040204020203" pitchFamily="34" charset="0"/>
+                <a:cs typeface="Segoe UI" panose="020B0502040204020203" pitchFamily="34" charset="0"/>
+              </a:defRPr>
+            </a:lvl1pPr>
+          </a:lstStyle>
+          <a:p>
+            <a:pPr marL="0" marR="0" lvl="0" indent="0" algn="ctr" defTabSz="914400" rtl="0" eaLnBrk="1" fontAlgn="auto" latinLnBrk="0" hangingPunct="1">
+              <a:lnSpc>
+                <a:spcPct val="100000"/>
+              </a:lnSpc>
+              <a:spcBef>
+                <a:spcPts val="0"/>
+              </a:spcBef>
+              <a:spcAft>
+                <a:spcPts val="0"/>
+              </a:spcAft>
+              <a:buClrTx/>
+              <a:buSzTx/>
+              <a:buFontTx/>
+              <a:buNone/>
+              <a:tabLst/>
+              <a:defRPr/>
+            </a:pPr>
+            <a:r>
+              <a:rPr kumimoji="0" lang="en-GB" sz="1100" b="0" i="1" u="none" strike="noStrike" kern="1200" cap="none" spc="0" normalizeH="0" baseline="0" noProof="0" dirty="0" err="1">
+                <a:ln>
+                  <a:noFill/>
+                </a:ln>
+                <a:solidFill>
+                  <a:prstClr val="black"/>
+                </a:solidFill>
+                <a:effectLst/>
+                <a:uLnTx/>
+                <a:uFillTx/>
+                <a:latin typeface="Segoe UI Semibold" panose="020B0702040204020203" pitchFamily="34" charset="0"/>
+                <a:ea typeface="+mn-ea"/>
+                <a:cs typeface="Segoe UI Semibold" panose="020B0702040204020203" pitchFamily="34" charset="0"/>
+                <a:hlinkClick r:id="rId12"/>
+              </a:rPr>
+              <a:t>Analyzing</a:t>
+            </a:r>
+            <a:r>
+              <a:rPr kumimoji="0" lang="en-GB" sz="1100" b="0" i="1" u="none" strike="noStrike" kern="1200" cap="none" spc="0" normalizeH="0" baseline="0" noProof="0" dirty="0">
+                <a:ln>
+                  <a:noFill/>
+                </a:ln>
+                <a:solidFill>
+                  <a:prstClr val="black"/>
+                </a:solidFill>
+                <a:effectLst/>
+                <a:uLnTx/>
+                <a:uFillTx/>
+                <a:latin typeface="Segoe UI Semibold" panose="020B0702040204020203" pitchFamily="34" charset="0"/>
+                <a:ea typeface="+mn-ea"/>
+                <a:cs typeface="Segoe UI Semibold" panose="020B0702040204020203" pitchFamily="34" charset="0"/>
+                <a:hlinkClick r:id="rId12"/>
+              </a:rPr>
+              <a:t> Big Data with Microsoft R Server</a:t>
+            </a:r>
+            <a:endParaRPr kumimoji="0" lang="en-US" sz="1100" b="0" i="1" u="none" strike="noStrike" kern="1200" cap="none" spc="0" normalizeH="0" baseline="0" noProof="0" dirty="0">
+              <a:ln>
+                <a:noFill/>
+              </a:ln>
+              <a:solidFill>
+                <a:prstClr val="black"/>
+              </a:solidFill>
+              <a:effectLst/>
+              <a:uLnTx/>
+              <a:uFillTx/>
+              <a:latin typeface="Segoe UI Semibold" panose="020B0702040204020203" pitchFamily="34" charset="0"/>
+              <a:ea typeface="+mn-ea"/>
+              <a:cs typeface="Segoe UI Semibold" panose="020B0702040204020203" pitchFamily="34" charset="0"/>
+            </a:endParaRPr>
+          </a:p>
+        </p:txBody>
+      </p:sp>
+      <p:cxnSp>
+        <p:nvCxnSpPr>
+          <p:cNvPr id="99" name="Straight Connector 98"/>
+          <p:cNvCxnSpPr>
+            <a:stCxn id="85" idx="6"/>
+            <a:endCxn id="94" idx="2"/>
+          </p:cNvCxnSpPr>
+          <p:nvPr/>
+        </p:nvCxnSpPr>
+        <p:spPr>
+          <a:xfrm flipV="1">
+            <a:off x="8259251" y="3733836"/>
+            <a:ext cx="1111460" cy="19871"/>
+          </a:xfrm>
+          <a:prstGeom prst="bentConnector3">
+            <a:avLst>
+              <a:gd name="adj1" fmla="val 50000"/>
+            </a:avLst>
+          </a:prstGeom>
+          <a:ln w="28575">
+            <a:solidFill>
+              <a:srgbClr val="FFC000"/>
+            </a:solidFill>
+          </a:ln>
+        </p:spPr>
+        <p:style>
+          <a:lnRef idx="1">
+            <a:schemeClr val="accent1"/>
+          </a:lnRef>
+          <a:fillRef idx="0">
+            <a:schemeClr val="accent1"/>
+          </a:fillRef>
+          <a:effectRef idx="0">
+            <a:schemeClr val="accent1"/>
+          </a:effectRef>
+          <a:fontRef idx="minor">
+            <a:schemeClr val="tx1"/>
+          </a:fontRef>
+        </p:style>
+      </p:cxnSp>
+      <p:cxnSp>
+        <p:nvCxnSpPr>
+          <p:cNvPr id="122" name="Straight Connector 121"/>
+          <p:cNvCxnSpPr>
+            <a:stCxn id="94" idx="6"/>
+            <a:endCxn id="156" idx="1"/>
+          </p:cNvCxnSpPr>
+          <p:nvPr/>
+        </p:nvCxnSpPr>
+        <p:spPr>
+          <a:xfrm>
+            <a:off x="9524823" y="3733836"/>
+            <a:ext cx="521695" cy="5763"/>
+          </a:xfrm>
+          <a:prstGeom prst="line">
+            <a:avLst/>
+          </a:prstGeom>
+          <a:ln w="28575">
+            <a:solidFill>
+              <a:srgbClr val="FFC000"/>
+            </a:solidFill>
+          </a:ln>
+        </p:spPr>
+        <p:style>
+          <a:lnRef idx="1">
+            <a:schemeClr val="accent1"/>
+          </a:lnRef>
+          <a:fillRef idx="0">
+            <a:schemeClr val="accent1"/>
+          </a:fillRef>
+          <a:effectRef idx="0">
+            <a:schemeClr val="accent1"/>
+          </a:effectRef>
+          <a:fontRef idx="minor">
+            <a:schemeClr val="tx1"/>
+          </a:fontRef>
+        </p:style>
+      </p:cxnSp>
+      <p:cxnSp>
+        <p:nvCxnSpPr>
+          <p:cNvPr id="124" name="Straight Connector 123"/>
+          <p:cNvCxnSpPr>
+            <a:cxnSpLocks/>
+            <a:endCxn id="85" idx="2"/>
+          </p:cNvCxnSpPr>
+          <p:nvPr/>
+        </p:nvCxnSpPr>
+        <p:spPr>
+          <a:xfrm rot="10800000" flipH="1">
+            <a:off x="7674147" y="3753707"/>
+            <a:ext cx="430992" cy="63232"/>
+          </a:xfrm>
+          <a:prstGeom prst="bentConnector3">
+            <a:avLst>
+              <a:gd name="adj1" fmla="val 1711"/>
+            </a:avLst>
+          </a:prstGeom>
+          <a:ln w="28575">
+            <a:solidFill>
+              <a:srgbClr val="FFC000"/>
+            </a:solidFill>
+          </a:ln>
+        </p:spPr>
+        <p:style>
+          <a:lnRef idx="1">
+            <a:schemeClr val="accent1"/>
+          </a:lnRef>
+          <a:fillRef idx="0">
+            <a:schemeClr val="accent1"/>
+          </a:fillRef>
+          <a:effectRef idx="0">
+            <a:schemeClr val="accent1"/>
+          </a:effectRef>
+          <a:fontRef idx="minor">
+            <a:schemeClr val="tx1"/>
+          </a:fontRef>
+        </p:style>
+      </p:cxnSp>
+      <p:grpSp>
+        <p:nvGrpSpPr>
+          <p:cNvPr id="3" name="Unit 1"/>
+          <p:cNvGrpSpPr/>
+          <p:nvPr/>
+        </p:nvGrpSpPr>
+        <p:grpSpPr>
+          <a:xfrm>
+            <a:off x="204545" y="1784524"/>
+            <a:ext cx="4415160" cy="3913511"/>
+            <a:chOff x="263485" y="893128"/>
+            <a:chExt cx="4415160" cy="3913511"/>
+          </a:xfrm>
+        </p:grpSpPr>
+        <p:sp>
+          <p:nvSpPr>
+            <p:cNvPr id="4" name="Rectangle 3"/>
+            <p:cNvSpPr/>
+            <p:nvPr/>
+          </p:nvSpPr>
+          <p:spPr>
+            <a:xfrm>
+              <a:off x="635070" y="896490"/>
+              <a:ext cx="840037" cy="3910149"/>
+            </a:xfrm>
+            <a:prstGeom prst="rect">
+              <a:avLst/>
+            </a:prstGeom>
+            <a:solidFill>
+              <a:schemeClr val="accent1">
+                <a:lumMod val="20000"/>
+                <a:lumOff val="80000"/>
+                <a:alpha val="14902"/>
+              </a:schemeClr>
+            </a:solidFill>
+            <a:ln>
+              <a:solidFill>
+                <a:schemeClr val="accent3">
+                  <a:lumMod val="40000"/>
+                  <a:lumOff val="60000"/>
+                </a:schemeClr>
+              </a:solidFill>
+            </a:ln>
+          </p:spPr>
+          <p:style>
+            <a:lnRef idx="2">
+              <a:schemeClr val="accent1">
+                <a:shade val="50000"/>
+              </a:schemeClr>
+            </a:lnRef>
+            <a:fillRef idx="1">
+              <a:schemeClr val="accent1"/>
+            </a:fillRef>
+            <a:effectRef idx="0">
+              <a:schemeClr val="accent1"/>
+            </a:effectRef>
+            <a:fontRef idx="minor">
+              <a:schemeClr val="lt1"/>
+            </a:fontRef>
+          </p:style>
+          <p:txBody>
+            <a:bodyPr rtlCol="0" anchor="ctr"/>
+            <a:lstStyle/>
+            <a:p>
+              <a:pPr marL="0" marR="0" lvl="0" indent="0" algn="ctr" defTabSz="914400" rtl="0" eaLnBrk="1" fontAlgn="auto" latinLnBrk="0" hangingPunct="1">
+                <a:lnSpc>
+                  <a:spcPct val="100000"/>
+                </a:lnSpc>
+                <a:spcBef>
+                  <a:spcPts val="0"/>
+                </a:spcBef>
+                <a:spcAft>
+                  <a:spcPts val="0"/>
+                </a:spcAft>
+                <a:buClrTx/>
+                <a:buSzTx/>
+                <a:buFontTx/>
+                <a:buNone/>
+                <a:tabLst/>
+                <a:defRPr/>
+              </a:pPr>
+              <a:endParaRPr kumimoji="0" lang="en-US" sz="1800" b="0" i="0" u="none" strike="noStrike" kern="1200" cap="none" spc="0" normalizeH="0" baseline="0" noProof="0">
+                <a:ln>
+                  <a:noFill/>
+                </a:ln>
+                <a:solidFill>
+                  <a:prstClr val="white"/>
+                </a:solidFill>
+                <a:effectLst/>
+                <a:uLnTx/>
+                <a:uFillTx/>
+                <a:latin typeface="Calibri" panose="020F0502020204030204"/>
+                <a:ea typeface="+mn-ea"/>
+                <a:cs typeface="+mn-cs"/>
+              </a:endParaRPr>
+            </a:p>
+          </p:txBody>
+        </p:sp>
+        <p:sp>
+          <p:nvSpPr>
+            <p:cNvPr id="82" name="TextBox 81"/>
+            <p:cNvSpPr txBox="1"/>
+            <p:nvPr/>
+          </p:nvSpPr>
+          <p:spPr>
+            <a:xfrm>
+              <a:off x="577824" y="2969399"/>
+              <a:ext cx="931701" cy="430887"/>
+            </a:xfrm>
+            <a:prstGeom prst="rect">
+              <a:avLst/>
+            </a:prstGeom>
+            <a:noFill/>
+            <a:ln>
+              <a:noFill/>
+            </a:ln>
+          </p:spPr>
+          <p:txBody>
+            <a:bodyPr wrap="square" rtlCol="0">
+              <a:spAutoFit/>
+            </a:bodyPr>
+            <a:lstStyle/>
+            <a:p>
+              <a:pPr marL="0" marR="0" lvl="0" indent="0" algn="ctr" defTabSz="914400" rtl="0" eaLnBrk="1" fontAlgn="auto" latinLnBrk="0" hangingPunct="1">
+                <a:lnSpc>
+                  <a:spcPct val="100000"/>
+                </a:lnSpc>
+                <a:spcBef>
+                  <a:spcPts val="0"/>
+                </a:spcBef>
+                <a:spcAft>
+                  <a:spcPts val="0"/>
+                </a:spcAft>
+                <a:buClrTx/>
+                <a:buSzTx/>
+                <a:buFontTx/>
+                <a:buNone/>
+                <a:tabLst/>
+                <a:defRPr/>
+              </a:pPr>
+              <a:r>
+                <a:rPr kumimoji="0" lang="en-GB" sz="1100" b="0" i="1" u="none" strike="noStrike" kern="1200" cap="none" spc="0" normalizeH="0" baseline="0" noProof="0" dirty="0">
+                  <a:ln>
+                    <a:noFill/>
+                  </a:ln>
+                  <a:solidFill>
+                    <a:prstClr val="white">
+                      <a:lumMod val="65000"/>
+                    </a:prstClr>
+                  </a:solidFill>
+                  <a:effectLst/>
+                  <a:uLnTx/>
+                  <a:uFillTx/>
+                  <a:latin typeface="Segoe UI Semibold" panose="020B0702040204020203" pitchFamily="34" charset="0"/>
+                  <a:ea typeface="+mn-ea"/>
+                  <a:cs typeface="Segoe UI Semibold" panose="020B0702040204020203" pitchFamily="34" charset="0"/>
+                  <a:hlinkClick r:id="rId13"/>
+                </a:rPr>
+                <a:t>Big Data Orientation</a:t>
+              </a:r>
+              <a:endParaRPr kumimoji="0" lang="en-US" sz="1100" b="0" i="1" u="none" strike="noStrike" kern="1200" cap="none" spc="0" normalizeH="0" baseline="0" noProof="0" dirty="0">
+                <a:ln>
+                  <a:noFill/>
+                </a:ln>
+                <a:solidFill>
+                  <a:prstClr val="white">
+                    <a:lumMod val="65000"/>
+                  </a:prstClr>
+                </a:solidFill>
+                <a:effectLst/>
+                <a:uLnTx/>
+                <a:uFillTx/>
+                <a:latin typeface="Segoe UI Semibold" panose="020B0702040204020203" pitchFamily="34" charset="0"/>
+                <a:ea typeface="+mn-ea"/>
+                <a:cs typeface="Segoe UI Semibold" panose="020B0702040204020203" pitchFamily="34" charset="0"/>
+              </a:endParaRPr>
+            </a:p>
+          </p:txBody>
+        </p:sp>
+        <p:sp>
+          <p:nvSpPr>
+            <p:cNvPr id="88" name="Oval 87"/>
+            <p:cNvSpPr/>
+            <p:nvPr/>
+          </p:nvSpPr>
+          <p:spPr>
+            <a:xfrm>
+              <a:off x="949410" y="2785023"/>
+              <a:ext cx="154112" cy="154112"/>
+            </a:xfrm>
+            <a:prstGeom prst="ellipse">
+              <a:avLst/>
+            </a:prstGeom>
+            <a:solidFill>
+              <a:schemeClr val="bg1"/>
+            </a:solidFill>
+            <a:ln w="57150">
+              <a:solidFill>
+                <a:schemeClr val="accent1">
+                  <a:lumMod val="40000"/>
+                  <a:lumOff val="60000"/>
+                </a:schemeClr>
+              </a:solidFill>
+            </a:ln>
+          </p:spPr>
+          <p:style>
+            <a:lnRef idx="2">
+              <a:schemeClr val="accent1">
+                <a:shade val="50000"/>
+              </a:schemeClr>
+            </a:lnRef>
+            <a:fillRef idx="1">
+              <a:schemeClr val="accent1"/>
+            </a:fillRef>
+            <a:effectRef idx="0">
+              <a:schemeClr val="accent1"/>
+            </a:effectRef>
+            <a:fontRef idx="minor">
+              <a:schemeClr val="lt1"/>
+            </a:fontRef>
+          </p:style>
+          <p:txBody>
+            <a:bodyPr rtlCol="0" anchor="ctr"/>
+            <a:lstStyle/>
+            <a:p>
+              <a:pPr marL="0" marR="0" lvl="0" indent="0" algn="ctr" defTabSz="914400" rtl="0" eaLnBrk="1" fontAlgn="auto" latinLnBrk="0" hangingPunct="1">
+                <a:lnSpc>
+                  <a:spcPct val="100000"/>
+                </a:lnSpc>
+                <a:spcBef>
+                  <a:spcPts val="0"/>
+                </a:spcBef>
+                <a:spcAft>
+                  <a:spcPts val="0"/>
+                </a:spcAft>
+                <a:buClrTx/>
+                <a:buSzTx/>
+                <a:buFontTx/>
+                <a:buNone/>
+                <a:tabLst/>
+                <a:defRPr/>
+              </a:pPr>
+              <a:endParaRPr kumimoji="0" lang="en-US" sz="1800" b="0" i="0" u="none" strike="noStrike" kern="1200" cap="none" spc="0" normalizeH="0" baseline="0" noProof="0">
+                <a:ln>
+                  <a:noFill/>
+                </a:ln>
+                <a:solidFill>
+                  <a:prstClr val="white"/>
+                </a:solidFill>
+                <a:effectLst/>
+                <a:uLnTx/>
+                <a:uFillTx/>
+                <a:latin typeface="Segoe UI" panose="020B0502040204020203" pitchFamily="34" charset="0"/>
+                <a:ea typeface="+mn-ea"/>
+                <a:cs typeface="Segoe UI" panose="020B0502040204020203" pitchFamily="34" charset="0"/>
+              </a:endParaRPr>
+            </a:p>
+          </p:txBody>
+        </p:sp>
+        <p:cxnSp>
+          <p:nvCxnSpPr>
+            <p:cNvPr id="90" name="Straight Connector 89"/>
+            <p:cNvCxnSpPr>
+              <a:endCxn id="88" idx="2"/>
+            </p:cNvCxnSpPr>
+            <p:nvPr/>
+          </p:nvCxnSpPr>
+          <p:spPr>
+            <a:xfrm flipV="1">
+              <a:off x="575224" y="2862079"/>
+              <a:ext cx="374186" cy="5708"/>
+            </a:xfrm>
+            <a:prstGeom prst="line">
+              <a:avLst/>
+            </a:prstGeom>
+            <a:ln w="28575">
+              <a:solidFill>
+                <a:schemeClr val="accent1"/>
+              </a:solidFill>
+            </a:ln>
+          </p:spPr>
+          <p:style>
+            <a:lnRef idx="1">
+              <a:schemeClr val="accent1"/>
+            </a:lnRef>
+            <a:fillRef idx="0">
+              <a:schemeClr val="accent1"/>
+            </a:fillRef>
+            <a:effectRef idx="0">
+              <a:schemeClr val="accent1"/>
+            </a:effectRef>
+            <a:fontRef idx="minor">
+              <a:schemeClr val="tx1"/>
+            </a:fontRef>
+          </p:style>
+        </p:cxnSp>
+        <p:sp>
+          <p:nvSpPr>
+            <p:cNvPr id="111" name="Rectangle 110"/>
+            <p:cNvSpPr/>
+            <p:nvPr/>
+          </p:nvSpPr>
+          <p:spPr>
+            <a:xfrm>
+              <a:off x="1476408" y="896490"/>
+              <a:ext cx="1101469" cy="3910149"/>
+            </a:xfrm>
+            <a:prstGeom prst="rect">
+              <a:avLst/>
+            </a:prstGeom>
+            <a:solidFill>
+              <a:schemeClr val="accent1">
+                <a:lumMod val="20000"/>
+                <a:lumOff val="80000"/>
+                <a:alpha val="14902"/>
+              </a:schemeClr>
+            </a:solidFill>
+            <a:ln>
+              <a:solidFill>
+                <a:schemeClr val="accent3">
+                  <a:lumMod val="40000"/>
+                  <a:lumOff val="60000"/>
+                </a:schemeClr>
+              </a:solidFill>
+            </a:ln>
+          </p:spPr>
+          <p:style>
+            <a:lnRef idx="2">
+              <a:schemeClr val="accent1">
+                <a:shade val="50000"/>
+              </a:schemeClr>
+            </a:lnRef>
+            <a:fillRef idx="1">
+              <a:schemeClr val="accent1"/>
+            </a:fillRef>
+            <a:effectRef idx="0">
+              <a:schemeClr val="accent1"/>
+            </a:effectRef>
+            <a:fontRef idx="minor">
+              <a:schemeClr val="lt1"/>
+            </a:fontRef>
+          </p:style>
+          <p:txBody>
+            <a:bodyPr rtlCol="0" anchor="ctr"/>
+            <a:lstStyle/>
+            <a:p>
+              <a:pPr marL="0" marR="0" lvl="0" indent="0" algn="ctr" defTabSz="914400" rtl="0" eaLnBrk="1" fontAlgn="auto" latinLnBrk="0" hangingPunct="1">
+                <a:lnSpc>
+                  <a:spcPct val="100000"/>
+                </a:lnSpc>
+                <a:spcBef>
+                  <a:spcPts val="0"/>
+                </a:spcBef>
+                <a:spcAft>
+                  <a:spcPts val="0"/>
+                </a:spcAft>
+                <a:buClrTx/>
+                <a:buSzTx/>
+                <a:buFontTx/>
+                <a:buNone/>
+                <a:tabLst/>
+                <a:defRPr/>
+              </a:pPr>
+              <a:endParaRPr kumimoji="0" lang="en-US" sz="1800" b="0" i="0" u="none" strike="noStrike" kern="1200" cap="none" spc="0" normalizeH="0" baseline="0" noProof="0">
+                <a:ln>
+                  <a:noFill/>
+                </a:ln>
+                <a:solidFill>
+                  <a:prstClr val="white"/>
+                </a:solidFill>
+                <a:effectLst/>
+                <a:uLnTx/>
+                <a:uFillTx/>
+                <a:latin typeface="Calibri" panose="020F0502020204030204"/>
+                <a:ea typeface="+mn-ea"/>
+                <a:cs typeface="+mn-cs"/>
+              </a:endParaRPr>
+            </a:p>
+          </p:txBody>
+        </p:sp>
+        <p:sp>
+          <p:nvSpPr>
+            <p:cNvPr id="49" name="Oval 48"/>
+            <p:cNvSpPr/>
+            <p:nvPr/>
+          </p:nvSpPr>
+          <p:spPr>
+            <a:xfrm>
+              <a:off x="1939926" y="3444726"/>
+              <a:ext cx="154112" cy="154112"/>
+            </a:xfrm>
+            <a:prstGeom prst="ellipse">
+              <a:avLst/>
+            </a:prstGeom>
+            <a:solidFill>
+              <a:schemeClr val="bg1"/>
+            </a:solidFill>
+            <a:ln w="57150">
+              <a:solidFill>
+                <a:schemeClr val="accent1"/>
+              </a:solidFill>
+            </a:ln>
+          </p:spPr>
+          <p:style>
+            <a:lnRef idx="2">
+              <a:schemeClr val="accent1">
+                <a:shade val="50000"/>
+              </a:schemeClr>
+            </a:lnRef>
+            <a:fillRef idx="1">
+              <a:schemeClr val="accent1"/>
+            </a:fillRef>
+            <a:effectRef idx="0">
+              <a:schemeClr val="accent1"/>
+            </a:effectRef>
+            <a:fontRef idx="minor">
+              <a:schemeClr val="lt1"/>
+            </a:fontRef>
+          </p:style>
+          <p:txBody>
+            <a:bodyPr rtlCol="0" anchor="ctr"/>
+            <a:lstStyle/>
+            <a:p>
+              <a:pPr marL="0" marR="0" lvl="0" indent="0" algn="ctr" defTabSz="914400" rtl="0" eaLnBrk="1" fontAlgn="auto" latinLnBrk="0" hangingPunct="1">
+                <a:lnSpc>
+                  <a:spcPct val="100000"/>
+                </a:lnSpc>
+                <a:spcBef>
+                  <a:spcPts val="0"/>
+                </a:spcBef>
+                <a:spcAft>
+                  <a:spcPts val="0"/>
+                </a:spcAft>
+                <a:buClrTx/>
+                <a:buSzTx/>
+                <a:buFontTx/>
+                <a:buNone/>
+                <a:tabLst/>
+                <a:defRPr/>
+              </a:pPr>
+              <a:endParaRPr kumimoji="0" lang="en-US" sz="1800" b="0" i="0" u="none" strike="noStrike" kern="1200" cap="none" spc="0" normalizeH="0" baseline="0" noProof="0">
+                <a:ln>
+                  <a:noFill/>
+                </a:ln>
+                <a:solidFill>
+                  <a:prstClr val="white"/>
+                </a:solidFill>
+                <a:effectLst/>
+                <a:uLnTx/>
+                <a:uFillTx/>
+                <a:latin typeface="Segoe UI" panose="020B0502040204020203" pitchFamily="34" charset="0"/>
+                <a:ea typeface="+mn-ea"/>
+                <a:cs typeface="Segoe UI" panose="020B0502040204020203" pitchFamily="34" charset="0"/>
+              </a:endParaRPr>
+            </a:p>
+          </p:txBody>
+        </p:sp>
+        <p:sp>
+          <p:nvSpPr>
+            <p:cNvPr id="45" name="Oval 44"/>
+            <p:cNvSpPr/>
+            <p:nvPr/>
+          </p:nvSpPr>
+          <p:spPr>
+            <a:xfrm>
+              <a:off x="1939860" y="2100090"/>
+              <a:ext cx="154112" cy="154112"/>
+            </a:xfrm>
+            <a:prstGeom prst="ellipse">
+              <a:avLst/>
+            </a:prstGeom>
+            <a:solidFill>
+              <a:schemeClr val="bg1"/>
+            </a:solidFill>
+            <a:ln w="57150">
+              <a:solidFill>
+                <a:schemeClr val="accent1"/>
+              </a:solidFill>
+            </a:ln>
+          </p:spPr>
+          <p:style>
+            <a:lnRef idx="2">
+              <a:schemeClr val="accent1">
+                <a:shade val="50000"/>
+              </a:schemeClr>
+            </a:lnRef>
+            <a:fillRef idx="1">
+              <a:schemeClr val="accent1"/>
+            </a:fillRef>
+            <a:effectRef idx="0">
+              <a:schemeClr val="accent1"/>
+            </a:effectRef>
+            <a:fontRef idx="minor">
+              <a:schemeClr val="lt1"/>
+            </a:fontRef>
+          </p:style>
+          <p:txBody>
+            <a:bodyPr rtlCol="0" anchor="ctr"/>
+            <a:lstStyle/>
+            <a:p>
+              <a:pPr marL="0" marR="0" lvl="0" indent="0" algn="ctr" defTabSz="914400" rtl="0" eaLnBrk="1" fontAlgn="auto" latinLnBrk="0" hangingPunct="1">
+                <a:lnSpc>
+                  <a:spcPct val="100000"/>
+                </a:lnSpc>
+                <a:spcBef>
+                  <a:spcPts val="0"/>
+                </a:spcBef>
+                <a:spcAft>
+                  <a:spcPts val="0"/>
+                </a:spcAft>
+                <a:buClrTx/>
+                <a:buSzTx/>
+                <a:buFontTx/>
+                <a:buNone/>
+                <a:tabLst/>
+                <a:defRPr/>
+              </a:pPr>
+              <a:endParaRPr kumimoji="0" lang="en-US" sz="1800" b="0" i="0" u="none" strike="noStrike" kern="1200" cap="none" spc="0" normalizeH="0" baseline="0" noProof="0">
+                <a:ln>
+                  <a:noFill/>
+                </a:ln>
+                <a:solidFill>
+                  <a:prstClr val="white"/>
+                </a:solidFill>
+                <a:effectLst/>
+                <a:uLnTx/>
+                <a:uFillTx/>
+                <a:latin typeface="Segoe UI" panose="020B0502040204020203" pitchFamily="34" charset="0"/>
+                <a:ea typeface="+mn-ea"/>
+                <a:cs typeface="Segoe UI" panose="020B0502040204020203" pitchFamily="34" charset="0"/>
+              </a:endParaRPr>
+            </a:p>
+          </p:txBody>
+        </p:sp>
+        <p:sp>
+          <p:nvSpPr>
+            <p:cNvPr id="129" name="TextBox 128"/>
+            <p:cNvSpPr txBox="1"/>
+            <p:nvPr/>
+          </p:nvSpPr>
+          <p:spPr>
+            <a:xfrm>
+              <a:off x="1527648" y="2252374"/>
+              <a:ext cx="992329" cy="938719"/>
+            </a:xfrm>
+            <a:prstGeom prst="rect">
+              <a:avLst/>
+            </a:prstGeom>
+            <a:noFill/>
+            <a:ln>
+              <a:noFill/>
+            </a:ln>
+          </p:spPr>
+          <p:txBody>
+            <a:bodyPr wrap="square" rtlCol="0">
+              <a:spAutoFit/>
+            </a:bodyPr>
+            <a:lstStyle/>
+            <a:p>
+              <a:pPr marL="0" marR="0" lvl="0" indent="0" algn="ctr" defTabSz="914400" rtl="0" eaLnBrk="1" fontAlgn="auto" latinLnBrk="0" hangingPunct="1">
+                <a:lnSpc>
+                  <a:spcPct val="100000"/>
+                </a:lnSpc>
+                <a:spcBef>
+                  <a:spcPts val="0"/>
+                </a:spcBef>
+                <a:spcAft>
+                  <a:spcPts val="0"/>
+                </a:spcAft>
+                <a:buClrTx/>
+                <a:buSzTx/>
+                <a:buFontTx/>
+                <a:buNone/>
+                <a:tabLst/>
+                <a:defRPr/>
+              </a:pPr>
+              <a:r>
+                <a:rPr kumimoji="0" lang="en-GB" sz="1100" b="0" i="1" u="none" strike="noStrike" kern="1200" cap="none" spc="0" normalizeH="0" baseline="0" noProof="0" dirty="0" err="1">
+                  <a:ln>
+                    <a:noFill/>
+                  </a:ln>
+                  <a:solidFill>
+                    <a:prstClr val="black"/>
+                  </a:solidFill>
+                  <a:effectLst/>
+                  <a:uLnTx/>
+                  <a:uFillTx/>
+                  <a:latin typeface="Segoe UI Semibold" panose="020B0702040204020203" pitchFamily="34" charset="0"/>
+                  <a:ea typeface="+mn-ea"/>
+                  <a:cs typeface="Segoe UI Semibold" panose="020B0702040204020203" pitchFamily="34" charset="0"/>
+                  <a:hlinkClick r:id="rId14"/>
+                </a:rPr>
+                <a:t>Analyzing</a:t>
+              </a:r>
+              <a:r>
+                <a:rPr kumimoji="0" lang="en-GB" sz="1100" b="0" i="1" u="none" strike="noStrike" kern="1200" cap="none" spc="0" normalizeH="0" baseline="0" noProof="0" dirty="0">
+                  <a:ln>
+                    <a:noFill/>
+                  </a:ln>
+                  <a:solidFill>
+                    <a:prstClr val="black"/>
+                  </a:solidFill>
+                  <a:effectLst/>
+                  <a:uLnTx/>
+                  <a:uFillTx/>
+                  <a:latin typeface="Segoe UI Semibold" panose="020B0702040204020203" pitchFamily="34" charset="0"/>
+                  <a:ea typeface="+mn-ea"/>
+                  <a:cs typeface="Segoe UI Semibold" panose="020B0702040204020203" pitchFamily="34" charset="0"/>
+                  <a:hlinkClick r:id="rId14"/>
+                </a:rPr>
+                <a:t> and Visualizing Data with Excel</a:t>
+              </a:r>
+              <a:endParaRPr kumimoji="0" lang="en-US" sz="1100" b="0" i="1" u="none" strike="noStrike" kern="1200" cap="none" spc="0" normalizeH="0" baseline="0" noProof="0" dirty="0">
+                <a:ln>
+                  <a:noFill/>
+                </a:ln>
+                <a:solidFill>
+                  <a:prstClr val="black"/>
+                </a:solidFill>
+                <a:effectLst/>
+                <a:uLnTx/>
+                <a:uFillTx/>
+                <a:latin typeface="Segoe UI Semibold" panose="020B0702040204020203" pitchFamily="34" charset="0"/>
+                <a:ea typeface="+mn-ea"/>
+                <a:cs typeface="Segoe UI Semibold" panose="020B0702040204020203" pitchFamily="34" charset="0"/>
+              </a:endParaRPr>
+            </a:p>
+          </p:txBody>
+        </p:sp>
+        <p:sp>
+          <p:nvSpPr>
+            <p:cNvPr id="130" name="TextBox 129"/>
+            <p:cNvSpPr txBox="1"/>
+            <p:nvPr/>
+          </p:nvSpPr>
+          <p:spPr>
+            <a:xfrm>
+              <a:off x="1494787" y="3556110"/>
+              <a:ext cx="1051124" cy="938719"/>
+            </a:xfrm>
+            <a:prstGeom prst="rect">
+              <a:avLst/>
+            </a:prstGeom>
+            <a:noFill/>
+            <a:ln>
+              <a:noFill/>
+            </a:ln>
+          </p:spPr>
+          <p:txBody>
+            <a:bodyPr wrap="square" rtlCol="0" anchor="t">
+              <a:spAutoFit/>
+            </a:bodyPr>
+            <a:lstStyle/>
+            <a:p>
+              <a:pPr marL="0" marR="0" lvl="0" indent="0" algn="ctr" defTabSz="914400" rtl="0" eaLnBrk="1" fontAlgn="auto" latinLnBrk="0" hangingPunct="1">
+                <a:lnSpc>
+                  <a:spcPct val="100000"/>
+                </a:lnSpc>
+                <a:spcBef>
+                  <a:spcPts val="0"/>
+                </a:spcBef>
+                <a:spcAft>
+                  <a:spcPts val="0"/>
+                </a:spcAft>
+                <a:buClrTx/>
+                <a:buSzTx/>
+                <a:buFontTx/>
+                <a:buNone/>
+                <a:tabLst/>
+                <a:defRPr/>
+              </a:pPr>
+              <a:r>
+                <a:rPr kumimoji="0" lang="en-GB" sz="1100" b="0" i="1" u="none" strike="noStrike" kern="1200" cap="none" spc="0" normalizeH="0" baseline="0" noProof="0" dirty="0" err="1">
+                  <a:ln>
+                    <a:noFill/>
+                  </a:ln>
+                  <a:solidFill>
+                    <a:prstClr val="black"/>
+                  </a:solidFill>
+                  <a:effectLst/>
+                  <a:uLnTx/>
+                  <a:uFillTx/>
+                  <a:latin typeface="Segoe UI Semibold" panose="020B0702040204020203" pitchFamily="34" charset="0"/>
+                  <a:ea typeface="+mn-ea"/>
+                  <a:cs typeface="Segoe UI Semibold" panose="020B0702040204020203" pitchFamily="34" charset="0"/>
+                  <a:hlinkClick r:id="rId15"/>
+                </a:rPr>
+                <a:t>Analyzing</a:t>
+              </a:r>
+              <a:r>
+                <a:rPr kumimoji="0" lang="en-GB" sz="1100" b="0" i="1" u="none" strike="noStrike" kern="1200" cap="none" spc="0" normalizeH="0" baseline="0" noProof="0" dirty="0">
+                  <a:ln>
+                    <a:noFill/>
+                  </a:ln>
+                  <a:solidFill>
+                    <a:prstClr val="black"/>
+                  </a:solidFill>
+                  <a:effectLst/>
+                  <a:uLnTx/>
+                  <a:uFillTx/>
+                  <a:latin typeface="Segoe UI Semibold" panose="020B0702040204020203" pitchFamily="34" charset="0"/>
+                  <a:ea typeface="+mn-ea"/>
+                  <a:cs typeface="Segoe UI Semibold" panose="020B0702040204020203" pitchFamily="34" charset="0"/>
+                  <a:hlinkClick r:id="rId15"/>
+                </a:rPr>
+                <a:t> and Visualizing Data with Power BI</a:t>
+              </a:r>
+              <a:endParaRPr kumimoji="0" lang="en-US" sz="1100" b="0" i="1" u="none" strike="noStrike" kern="1200" cap="none" spc="0" normalizeH="0" baseline="0" noProof="0" dirty="0">
+                <a:ln>
+                  <a:noFill/>
+                </a:ln>
+                <a:solidFill>
+                  <a:prstClr val="black"/>
+                </a:solidFill>
+                <a:effectLst/>
+                <a:uLnTx/>
+                <a:uFillTx/>
+                <a:latin typeface="Segoe UI Semibold" panose="020B0702040204020203" pitchFamily="34" charset="0"/>
+                <a:ea typeface="+mn-ea"/>
+                <a:cs typeface="Segoe UI Semibold" panose="020B0702040204020203" pitchFamily="34" charset="0"/>
+              </a:endParaRPr>
+            </a:p>
+          </p:txBody>
+        </p:sp>
+        <p:sp>
+          <p:nvSpPr>
+            <p:cNvPr id="148" name="Rectangle 147"/>
+            <p:cNvSpPr/>
+            <p:nvPr/>
+          </p:nvSpPr>
+          <p:spPr>
+            <a:xfrm>
+              <a:off x="3625234" y="893128"/>
+              <a:ext cx="1053411" cy="3913511"/>
+            </a:xfrm>
+            <a:prstGeom prst="rect">
+              <a:avLst/>
+            </a:prstGeom>
+            <a:solidFill>
+              <a:schemeClr val="accent1">
+                <a:lumMod val="20000"/>
+                <a:lumOff val="80000"/>
+                <a:alpha val="14902"/>
+              </a:schemeClr>
+            </a:solidFill>
+            <a:ln>
+              <a:solidFill>
+                <a:schemeClr val="accent3">
+                  <a:lumMod val="40000"/>
+                  <a:lumOff val="60000"/>
+                </a:schemeClr>
+              </a:solidFill>
+            </a:ln>
+          </p:spPr>
+          <p:style>
+            <a:lnRef idx="2">
+              <a:schemeClr val="accent1">
+                <a:shade val="50000"/>
+              </a:schemeClr>
+            </a:lnRef>
+            <a:fillRef idx="1">
+              <a:schemeClr val="accent1"/>
+            </a:fillRef>
+            <a:effectRef idx="0">
+              <a:schemeClr val="accent1"/>
+            </a:effectRef>
+            <a:fontRef idx="minor">
+              <a:schemeClr val="lt1"/>
+            </a:fontRef>
+          </p:style>
+          <p:txBody>
+            <a:bodyPr rtlCol="0" anchor="ctr"/>
+            <a:lstStyle/>
+            <a:p>
+              <a:pPr marL="0" marR="0" lvl="0" indent="0" algn="ctr" defTabSz="914400" rtl="0" eaLnBrk="1" fontAlgn="auto" latinLnBrk="0" hangingPunct="1">
+                <a:lnSpc>
+                  <a:spcPct val="100000"/>
+                </a:lnSpc>
+                <a:spcBef>
+                  <a:spcPts val="0"/>
+                </a:spcBef>
+                <a:spcAft>
+                  <a:spcPts val="0"/>
+                </a:spcAft>
+                <a:buClrTx/>
+                <a:buSzTx/>
+                <a:buFontTx/>
+                <a:buNone/>
+                <a:tabLst/>
+                <a:defRPr/>
+              </a:pPr>
+              <a:endParaRPr kumimoji="0" lang="en-US" sz="1800" b="0" i="0" u="none" strike="noStrike" kern="1200" cap="none" spc="0" normalizeH="0" baseline="0" noProof="0">
+                <a:ln>
+                  <a:noFill/>
+                </a:ln>
+                <a:solidFill>
+                  <a:prstClr val="white"/>
+                </a:solidFill>
+                <a:effectLst/>
+                <a:uLnTx/>
+                <a:uFillTx/>
+                <a:latin typeface="Calibri" panose="020F0502020204030204"/>
+                <a:ea typeface="+mn-ea"/>
+                <a:cs typeface="+mn-cs"/>
+              </a:endParaRPr>
+            </a:p>
+          </p:txBody>
+        </p:sp>
+        <p:sp>
+          <p:nvSpPr>
+            <p:cNvPr id="16" name="TextBox 15"/>
+            <p:cNvSpPr txBox="1"/>
+            <p:nvPr/>
+          </p:nvSpPr>
+          <p:spPr>
+            <a:xfrm>
+              <a:off x="3689544" y="2943155"/>
+              <a:ext cx="897282" cy="769441"/>
+            </a:xfrm>
+            <a:prstGeom prst="rect">
+              <a:avLst/>
+            </a:prstGeom>
+            <a:noFill/>
+            <a:ln>
+              <a:noFill/>
+            </a:ln>
+          </p:spPr>
+          <p:txBody>
+            <a:bodyPr wrap="square" rtlCol="0">
+              <a:spAutoFit/>
+            </a:bodyPr>
+            <a:lstStyle/>
+            <a:p>
+              <a:pPr marL="0" marR="0" lvl="0" indent="0" algn="ctr" defTabSz="914400" rtl="0" eaLnBrk="1" fontAlgn="auto" latinLnBrk="0" hangingPunct="1">
+                <a:lnSpc>
+                  <a:spcPct val="100000"/>
+                </a:lnSpc>
+                <a:spcBef>
+                  <a:spcPts val="0"/>
+                </a:spcBef>
+                <a:spcAft>
+                  <a:spcPts val="0"/>
+                </a:spcAft>
+                <a:buClrTx/>
+                <a:buSzTx/>
+                <a:buFontTx/>
+                <a:buNone/>
+                <a:tabLst/>
+                <a:defRPr/>
+              </a:pPr>
+              <a:r>
+                <a:rPr kumimoji="0" lang="en-GB" sz="1100" b="0" i="1" u="none" strike="noStrike" kern="1200" cap="none" spc="0" normalizeH="0" baseline="0" noProof="0" dirty="0">
+                  <a:ln>
+                    <a:noFill/>
+                  </a:ln>
+                  <a:solidFill>
+                    <a:prstClr val="black"/>
+                  </a:solidFill>
+                  <a:effectLst/>
+                  <a:uLnTx/>
+                  <a:uFillTx/>
+                  <a:latin typeface="Segoe UI Semibold" panose="020B0702040204020203" pitchFamily="34" charset="0"/>
+                  <a:ea typeface="+mn-ea"/>
+                  <a:cs typeface="Segoe UI Semibold" panose="020B0702040204020203" pitchFamily="34" charset="0"/>
+                  <a:hlinkClick r:id="rId16"/>
+                </a:rPr>
+                <a:t>Querying Data with Transact-SQL</a:t>
+              </a:r>
+              <a:endParaRPr kumimoji="0" lang="en-US" sz="1100" b="0" i="1" u="none" strike="noStrike" kern="1200" cap="none" spc="0" normalizeH="0" baseline="0" noProof="0" dirty="0">
+                <a:ln>
+                  <a:noFill/>
+                </a:ln>
+                <a:solidFill>
+                  <a:prstClr val="black"/>
+                </a:solidFill>
+                <a:effectLst/>
+                <a:uLnTx/>
+                <a:uFillTx/>
+                <a:latin typeface="Segoe UI Semibold" panose="020B0702040204020203" pitchFamily="34" charset="0"/>
+                <a:ea typeface="+mn-ea"/>
+                <a:cs typeface="Segoe UI Semibold" panose="020B0702040204020203" pitchFamily="34" charset="0"/>
+              </a:endParaRPr>
+            </a:p>
+          </p:txBody>
+        </p:sp>
+        <p:sp>
+          <p:nvSpPr>
+            <p:cNvPr id="109" name="Oval 108"/>
+            <p:cNvSpPr/>
+            <p:nvPr/>
+          </p:nvSpPr>
+          <p:spPr>
+            <a:xfrm>
+              <a:off x="4041211" y="2762642"/>
+              <a:ext cx="154112" cy="154112"/>
+            </a:xfrm>
+            <a:prstGeom prst="ellipse">
+              <a:avLst/>
+            </a:prstGeom>
+            <a:solidFill>
+              <a:schemeClr val="bg1"/>
+            </a:solidFill>
+            <a:ln w="57150">
+              <a:solidFill>
+                <a:schemeClr val="accent1"/>
+              </a:solidFill>
+            </a:ln>
+          </p:spPr>
+          <p:style>
+            <a:lnRef idx="2">
+              <a:schemeClr val="accent1">
+                <a:shade val="50000"/>
+              </a:schemeClr>
+            </a:lnRef>
+            <a:fillRef idx="1">
+              <a:schemeClr val="accent1"/>
+            </a:fillRef>
+            <a:effectRef idx="0">
+              <a:schemeClr val="accent1"/>
+            </a:effectRef>
+            <a:fontRef idx="minor">
+              <a:schemeClr val="lt1"/>
+            </a:fontRef>
+          </p:style>
+          <p:txBody>
+            <a:bodyPr rtlCol="0" anchor="ctr"/>
+            <a:lstStyle/>
+            <a:p>
+              <a:pPr marL="0" marR="0" lvl="0" indent="0" algn="ctr" defTabSz="914400" rtl="0" eaLnBrk="1" fontAlgn="auto" latinLnBrk="0" hangingPunct="1">
+                <a:lnSpc>
+                  <a:spcPct val="100000"/>
+                </a:lnSpc>
+                <a:spcBef>
+                  <a:spcPts val="0"/>
+                </a:spcBef>
+                <a:spcAft>
+                  <a:spcPts val="0"/>
+                </a:spcAft>
+                <a:buClrTx/>
+                <a:buSzTx/>
+                <a:buFontTx/>
+                <a:buNone/>
+                <a:tabLst/>
+                <a:defRPr/>
+              </a:pPr>
+              <a:endParaRPr kumimoji="0" lang="en-US" sz="1800" b="0" i="0" u="none" strike="noStrike" kern="1200" cap="none" spc="0" normalizeH="0" baseline="0" noProof="0">
+                <a:ln>
+                  <a:noFill/>
+                </a:ln>
+                <a:solidFill>
+                  <a:prstClr val="white"/>
+                </a:solidFill>
+                <a:effectLst/>
+                <a:uLnTx/>
+                <a:uFillTx/>
+                <a:latin typeface="Segoe UI" panose="020B0502040204020203" pitchFamily="34" charset="0"/>
+                <a:ea typeface="+mn-ea"/>
+                <a:cs typeface="Segoe UI" panose="020B0502040204020203" pitchFamily="34" charset="0"/>
+              </a:endParaRPr>
+            </a:p>
+          </p:txBody>
+        </p:sp>
+        <p:cxnSp>
+          <p:nvCxnSpPr>
+            <p:cNvPr id="104" name="Straight Connector 103"/>
+            <p:cNvCxnSpPr>
+              <a:stCxn id="117" idx="6"/>
+              <a:endCxn id="109" idx="2"/>
+            </p:cNvCxnSpPr>
+            <p:nvPr/>
+          </p:nvCxnSpPr>
+          <p:spPr>
+            <a:xfrm>
+              <a:off x="3195363" y="2833434"/>
+              <a:ext cx="845848" cy="6264"/>
+            </a:xfrm>
+            <a:prstGeom prst="line">
+              <a:avLst/>
+            </a:prstGeom>
+            <a:ln w="28575">
+              <a:solidFill>
+                <a:schemeClr val="accent1"/>
+              </a:solidFill>
+            </a:ln>
+          </p:spPr>
+          <p:style>
+            <a:lnRef idx="1">
+              <a:schemeClr val="accent1"/>
+            </a:lnRef>
+            <a:fillRef idx="0">
+              <a:schemeClr val="accent1"/>
+            </a:fillRef>
+            <a:effectRef idx="0">
+              <a:schemeClr val="accent1"/>
+            </a:effectRef>
+            <a:fontRef idx="minor">
+              <a:schemeClr val="tx1"/>
+            </a:fontRef>
+          </p:style>
+        </p:cxnSp>
+        <p:cxnSp>
+          <p:nvCxnSpPr>
+            <p:cNvPr id="110" name="Elbow Connector 109"/>
+            <p:cNvCxnSpPr>
+              <a:stCxn id="45" idx="2"/>
+              <a:endCxn id="88" idx="6"/>
+            </p:cNvCxnSpPr>
+            <p:nvPr/>
+          </p:nvCxnSpPr>
+          <p:spPr>
+            <a:xfrm rot="10800000" flipV="1">
+              <a:off x="1103522" y="2177145"/>
+              <a:ext cx="836338" cy="684933"/>
+            </a:xfrm>
+            <a:prstGeom prst="bentConnector3">
+              <a:avLst>
+                <a:gd name="adj1" fmla="val 50000"/>
+              </a:avLst>
+            </a:prstGeom>
+            <a:ln w="28575">
+              <a:solidFill>
+                <a:schemeClr val="accent1"/>
+              </a:solidFill>
+            </a:ln>
+          </p:spPr>
+          <p:style>
+            <a:lnRef idx="1">
+              <a:schemeClr val="accent1"/>
+            </a:lnRef>
+            <a:fillRef idx="0">
+              <a:schemeClr val="accent1"/>
+            </a:fillRef>
+            <a:effectRef idx="0">
+              <a:schemeClr val="accent1"/>
+            </a:effectRef>
+            <a:fontRef idx="minor">
+              <a:schemeClr val="tx1"/>
+            </a:fontRef>
+          </p:style>
+        </p:cxnSp>
+        <p:cxnSp>
+          <p:nvCxnSpPr>
+            <p:cNvPr id="116" name="Elbow Connector 115"/>
+            <p:cNvCxnSpPr>
+              <a:stCxn id="49" idx="2"/>
+              <a:endCxn id="88" idx="6"/>
+            </p:cNvCxnSpPr>
+            <p:nvPr/>
+          </p:nvCxnSpPr>
+          <p:spPr>
+            <a:xfrm rot="10800000">
+              <a:off x="1103522" y="2862080"/>
+              <a:ext cx="836404" cy="659703"/>
+            </a:xfrm>
+            <a:prstGeom prst="bentConnector3">
+              <a:avLst>
+                <a:gd name="adj1" fmla="val 50000"/>
+              </a:avLst>
+            </a:prstGeom>
+            <a:ln w="28575">
+              <a:solidFill>
+                <a:schemeClr val="accent1"/>
+              </a:solidFill>
+            </a:ln>
+          </p:spPr>
+          <p:style>
+            <a:lnRef idx="1">
+              <a:schemeClr val="accent1"/>
+            </a:lnRef>
+            <a:fillRef idx="0">
+              <a:schemeClr val="accent1"/>
+            </a:fillRef>
+            <a:effectRef idx="0">
+              <a:schemeClr val="accent1"/>
+            </a:effectRef>
+            <a:fontRef idx="minor">
+              <a:schemeClr val="tx1"/>
+            </a:fontRef>
+          </p:style>
+        </p:cxnSp>
+        <p:cxnSp>
+          <p:nvCxnSpPr>
+            <p:cNvPr id="128" name="Elbow Connector 127"/>
+            <p:cNvCxnSpPr>
+              <a:cxnSpLocks/>
+              <a:stCxn id="117" idx="2"/>
+              <a:endCxn id="45" idx="6"/>
+            </p:cNvCxnSpPr>
+            <p:nvPr/>
+          </p:nvCxnSpPr>
+          <p:spPr>
+            <a:xfrm rot="10800000">
+              <a:off x="2093973" y="2177146"/>
+              <a:ext cx="947279" cy="656288"/>
+            </a:xfrm>
+            <a:prstGeom prst="bentConnector3">
+              <a:avLst>
+                <a:gd name="adj1" fmla="val 45257"/>
+              </a:avLst>
+            </a:prstGeom>
+            <a:ln w="28575">
+              <a:solidFill>
+                <a:schemeClr val="accent1"/>
+              </a:solidFill>
+            </a:ln>
+          </p:spPr>
+          <p:style>
+            <a:lnRef idx="1">
+              <a:schemeClr val="accent1"/>
+            </a:lnRef>
+            <a:fillRef idx="0">
+              <a:schemeClr val="accent1"/>
+            </a:fillRef>
+            <a:effectRef idx="0">
+              <a:schemeClr val="accent1"/>
+            </a:effectRef>
+            <a:fontRef idx="minor">
+              <a:schemeClr val="tx1"/>
+            </a:fontRef>
+          </p:style>
+        </p:cxnSp>
+        <p:cxnSp>
+          <p:nvCxnSpPr>
+            <p:cNvPr id="133" name="Elbow Connector 132"/>
+            <p:cNvCxnSpPr>
+              <a:cxnSpLocks/>
+              <a:stCxn id="117" idx="2"/>
+              <a:endCxn id="49" idx="6"/>
+            </p:cNvCxnSpPr>
+            <p:nvPr/>
+          </p:nvCxnSpPr>
+          <p:spPr>
+            <a:xfrm rot="10800000" flipV="1">
+              <a:off x="2094039" y="2833434"/>
+              <a:ext cx="947213" cy="688348"/>
+            </a:xfrm>
+            <a:prstGeom prst="bentConnector3">
+              <a:avLst>
+                <a:gd name="adj1" fmla="val 44656"/>
+              </a:avLst>
+            </a:prstGeom>
+            <a:ln w="28575">
+              <a:solidFill>
+                <a:schemeClr val="accent1"/>
+              </a:solidFill>
+            </a:ln>
+          </p:spPr>
+          <p:style>
+            <a:lnRef idx="1">
+              <a:schemeClr val="accent1"/>
+            </a:lnRef>
+            <a:fillRef idx="0">
+              <a:schemeClr val="accent1"/>
+            </a:fillRef>
+            <a:effectRef idx="0">
+              <a:schemeClr val="accent1"/>
+            </a:effectRef>
+            <a:fontRef idx="minor">
+              <a:schemeClr val="tx1"/>
+            </a:fontRef>
+          </p:style>
+        </p:cxnSp>
+        <p:sp>
+          <p:nvSpPr>
+            <p:cNvPr id="145" name="TextBox 144"/>
+            <p:cNvSpPr txBox="1"/>
+            <p:nvPr/>
+          </p:nvSpPr>
+          <p:spPr>
+            <a:xfrm rot="16200000">
+              <a:off x="-246631" y="2610206"/>
+              <a:ext cx="1297232" cy="276999"/>
+            </a:xfrm>
+            <a:prstGeom prst="rect">
+              <a:avLst/>
+            </a:prstGeom>
+            <a:noFill/>
+            <a:ln>
+              <a:noFill/>
+            </a:ln>
+          </p:spPr>
+          <p:txBody>
+            <a:bodyPr wrap="square" rtlCol="0">
+              <a:spAutoFit/>
+            </a:bodyPr>
+            <a:lstStyle/>
+            <a:p>
+              <a:pPr marL="0" marR="0" lvl="0" indent="0" algn="ctr" defTabSz="914400" rtl="0" eaLnBrk="1" fontAlgn="auto" latinLnBrk="0" hangingPunct="1">
+                <a:lnSpc>
+                  <a:spcPct val="100000"/>
+                </a:lnSpc>
+                <a:spcBef>
+                  <a:spcPts val="0"/>
+                </a:spcBef>
+                <a:spcAft>
+                  <a:spcPts val="0"/>
+                </a:spcAft>
+                <a:buClrTx/>
+                <a:buSzTx/>
+                <a:buFontTx/>
+                <a:buNone/>
+                <a:tabLst/>
+                <a:defRPr/>
+              </a:pPr>
+              <a:r>
+                <a:rPr kumimoji="0" lang="en-GB" sz="1200" b="0" i="0" u="none" strike="noStrike" kern="1200" cap="none" spc="0" normalizeH="0" baseline="0" noProof="0" dirty="0">
+                  <a:ln>
+                    <a:noFill/>
+                  </a:ln>
+                  <a:solidFill>
+                    <a:srgbClr val="5B9BD5">
+                      <a:lumMod val="50000"/>
+                    </a:srgbClr>
+                  </a:solidFill>
+                  <a:effectLst/>
+                  <a:uLnTx/>
+                  <a:uFillTx/>
+                  <a:latin typeface="Calibri" panose="020F0502020204030204"/>
+                  <a:ea typeface="+mn-ea"/>
+                  <a:cs typeface="+mn-cs"/>
+                </a:rPr>
+                <a:t>Course Options</a:t>
+              </a:r>
+              <a:endParaRPr kumimoji="0" lang="en-US" sz="1200" b="0" i="0" u="none" strike="noStrike" kern="1200" cap="none" spc="0" normalizeH="0" baseline="0" noProof="0" dirty="0">
+                <a:ln>
+                  <a:noFill/>
+                </a:ln>
+                <a:solidFill>
+                  <a:srgbClr val="5B9BD5">
+                    <a:lumMod val="50000"/>
+                  </a:srgbClr>
+                </a:solidFill>
+                <a:effectLst/>
+                <a:uLnTx/>
+                <a:uFillTx/>
+                <a:latin typeface="Calibri" panose="020F0502020204030204"/>
+                <a:ea typeface="+mn-ea"/>
+                <a:cs typeface="+mn-cs"/>
+              </a:endParaRPr>
+            </a:p>
+          </p:txBody>
+        </p:sp>
+        <p:sp>
+          <p:nvSpPr>
+            <p:cNvPr id="103" name="Rectangle 102"/>
+            <p:cNvSpPr/>
+            <p:nvPr/>
+          </p:nvSpPr>
+          <p:spPr>
+            <a:xfrm>
+              <a:off x="2572892" y="893128"/>
+              <a:ext cx="1053411" cy="3910149"/>
+            </a:xfrm>
+            <a:prstGeom prst="rect">
+              <a:avLst/>
+            </a:prstGeom>
+            <a:solidFill>
+              <a:schemeClr val="accent1">
+                <a:lumMod val="20000"/>
+                <a:lumOff val="80000"/>
+                <a:alpha val="14902"/>
+              </a:schemeClr>
+            </a:solidFill>
+            <a:ln>
+              <a:solidFill>
+                <a:schemeClr val="accent3">
+                  <a:lumMod val="40000"/>
+                  <a:lumOff val="60000"/>
+                </a:schemeClr>
+              </a:solidFill>
+            </a:ln>
+          </p:spPr>
+          <p:style>
+            <a:lnRef idx="2">
+              <a:schemeClr val="accent1">
+                <a:shade val="50000"/>
+              </a:schemeClr>
+            </a:lnRef>
+            <a:fillRef idx="1">
+              <a:schemeClr val="accent1"/>
+            </a:fillRef>
+            <a:effectRef idx="0">
+              <a:schemeClr val="accent1"/>
+            </a:effectRef>
+            <a:fontRef idx="minor">
+              <a:schemeClr val="lt1"/>
+            </a:fontRef>
+          </p:style>
+          <p:txBody>
+            <a:bodyPr rtlCol="0" anchor="ctr"/>
+            <a:lstStyle/>
+            <a:p>
+              <a:pPr marL="0" marR="0" lvl="0" indent="0" algn="ctr" defTabSz="914400" rtl="0" eaLnBrk="1" fontAlgn="auto" latinLnBrk="0" hangingPunct="1">
+                <a:lnSpc>
+                  <a:spcPct val="100000"/>
+                </a:lnSpc>
+                <a:spcBef>
+                  <a:spcPts val="0"/>
+                </a:spcBef>
+                <a:spcAft>
+                  <a:spcPts val="0"/>
+                </a:spcAft>
+                <a:buClrTx/>
+                <a:buSzTx/>
+                <a:buFontTx/>
+                <a:buNone/>
+                <a:tabLst/>
+                <a:defRPr/>
+              </a:pPr>
+              <a:endParaRPr kumimoji="0" lang="en-US" sz="1800" b="0" i="0" u="none" strike="noStrike" kern="1200" cap="none" spc="0" normalizeH="0" baseline="0" noProof="0">
+                <a:ln>
+                  <a:noFill/>
+                </a:ln>
+                <a:solidFill>
+                  <a:prstClr val="white"/>
+                </a:solidFill>
+                <a:effectLst/>
+                <a:uLnTx/>
+                <a:uFillTx/>
+                <a:latin typeface="Calibri" panose="020F0502020204030204"/>
+                <a:ea typeface="+mn-ea"/>
+                <a:cs typeface="+mn-cs"/>
+              </a:endParaRPr>
+            </a:p>
+          </p:txBody>
+        </p:sp>
+        <p:sp>
+          <p:nvSpPr>
+            <p:cNvPr id="113" name="TextBox 112"/>
+            <p:cNvSpPr txBox="1"/>
+            <p:nvPr/>
+          </p:nvSpPr>
+          <p:spPr>
+            <a:xfrm>
+              <a:off x="2561868" y="2951073"/>
+              <a:ext cx="1112879" cy="600164"/>
+            </a:xfrm>
+            <a:prstGeom prst="rect">
+              <a:avLst/>
+            </a:prstGeom>
+            <a:noFill/>
+            <a:ln>
+              <a:noFill/>
+            </a:ln>
+          </p:spPr>
+          <p:txBody>
+            <a:bodyPr wrap="square" rtlCol="0">
+              <a:spAutoFit/>
+            </a:bodyPr>
+            <a:lstStyle/>
+            <a:p>
+              <a:pPr marL="0" marR="0" lvl="0" indent="0" algn="ctr" defTabSz="914400" rtl="0" eaLnBrk="1" fontAlgn="auto" latinLnBrk="0" hangingPunct="1">
+                <a:lnSpc>
+                  <a:spcPct val="100000"/>
+                </a:lnSpc>
+                <a:spcBef>
+                  <a:spcPts val="0"/>
+                </a:spcBef>
+                <a:spcAft>
+                  <a:spcPts val="0"/>
+                </a:spcAft>
+                <a:buClrTx/>
+                <a:buSzTx/>
+                <a:buFontTx/>
+                <a:buNone/>
+                <a:tabLst/>
+                <a:defRPr/>
+              </a:pPr>
+              <a:r>
+                <a:rPr lang="en-GB" sz="1100" i="1" dirty="0">
+                  <a:solidFill>
+                    <a:prstClr val="white">
+                      <a:lumMod val="65000"/>
+                    </a:prstClr>
+                  </a:solidFill>
+                  <a:latin typeface="Segoe UI Semibold" panose="020B0702040204020203" pitchFamily="34" charset="0"/>
+                  <a:cs typeface="Segoe UI Semibold" panose="020B0702040204020203" pitchFamily="34" charset="0"/>
+                </a:rPr>
+                <a:t>Introduction to NoSQL Data Solutions</a:t>
+              </a:r>
+              <a:endParaRPr kumimoji="0" lang="en-US" sz="1100" b="0" i="1" u="none" strike="noStrike" kern="1200" cap="none" spc="0" normalizeH="0" baseline="0" noProof="0" dirty="0">
+                <a:ln>
+                  <a:noFill/>
+                </a:ln>
+                <a:solidFill>
+                  <a:prstClr val="white">
+                    <a:lumMod val="65000"/>
+                  </a:prstClr>
+                </a:solidFill>
+                <a:effectLst/>
+                <a:uLnTx/>
+                <a:uFillTx/>
+                <a:latin typeface="Segoe UI Semibold" panose="020B0702040204020203" pitchFamily="34" charset="0"/>
+                <a:ea typeface="+mn-ea"/>
+                <a:cs typeface="Segoe UI Semibold" panose="020B0702040204020203" pitchFamily="34" charset="0"/>
+              </a:endParaRPr>
+            </a:p>
+          </p:txBody>
+        </p:sp>
+        <p:sp>
+          <p:nvSpPr>
+            <p:cNvPr id="117" name="Oval 116"/>
+            <p:cNvSpPr/>
+            <p:nvPr/>
+          </p:nvSpPr>
+          <p:spPr>
+            <a:xfrm>
+              <a:off x="3041251" y="2756378"/>
+              <a:ext cx="154112" cy="154112"/>
+            </a:xfrm>
+            <a:prstGeom prst="ellipse">
+              <a:avLst/>
+            </a:prstGeom>
+            <a:solidFill>
+              <a:schemeClr val="bg1"/>
+            </a:solidFill>
+            <a:ln w="57150">
+              <a:solidFill>
+                <a:schemeClr val="accent1"/>
+              </a:solidFill>
+            </a:ln>
+          </p:spPr>
+          <p:style>
+            <a:lnRef idx="2">
+              <a:schemeClr val="accent1">
+                <a:shade val="50000"/>
+              </a:schemeClr>
+            </a:lnRef>
+            <a:fillRef idx="1">
+              <a:schemeClr val="accent1"/>
+            </a:fillRef>
+            <a:effectRef idx="0">
+              <a:schemeClr val="accent1"/>
+            </a:effectRef>
+            <a:fontRef idx="minor">
+              <a:schemeClr val="lt1"/>
+            </a:fontRef>
+          </p:style>
+          <p:txBody>
+            <a:bodyPr rtlCol="0" anchor="ctr"/>
+            <a:lstStyle/>
+            <a:p>
+              <a:pPr marL="0" marR="0" lvl="0" indent="0" algn="ctr" defTabSz="914400" rtl="0" eaLnBrk="1" fontAlgn="auto" latinLnBrk="0" hangingPunct="1">
+                <a:lnSpc>
+                  <a:spcPct val="100000"/>
+                </a:lnSpc>
+                <a:spcBef>
+                  <a:spcPts val="0"/>
+                </a:spcBef>
+                <a:spcAft>
+                  <a:spcPts val="0"/>
+                </a:spcAft>
+                <a:buClrTx/>
+                <a:buSzTx/>
+                <a:buFontTx/>
+                <a:buNone/>
+                <a:tabLst/>
+                <a:defRPr/>
+              </a:pPr>
+              <a:endParaRPr kumimoji="0" lang="en-US" sz="1800" b="0" i="0" u="none" strike="noStrike" kern="1200" cap="none" spc="0" normalizeH="0" baseline="0" noProof="0">
+                <a:ln>
+                  <a:noFill/>
+                </a:ln>
+                <a:solidFill>
+                  <a:prstClr val="white"/>
+                </a:solidFill>
+                <a:effectLst/>
+                <a:uLnTx/>
+                <a:uFillTx/>
+                <a:latin typeface="Segoe UI" panose="020B0502040204020203" pitchFamily="34" charset="0"/>
+                <a:ea typeface="+mn-ea"/>
+                <a:cs typeface="Segoe UI" panose="020B0502040204020203" pitchFamily="34" charset="0"/>
+              </a:endParaRPr>
+            </a:p>
+          </p:txBody>
+        </p:sp>
+        <p:cxnSp>
+          <p:nvCxnSpPr>
+            <p:cNvPr id="120" name="Straight Connector 119"/>
+            <p:cNvCxnSpPr>
+              <a:cxnSpLocks/>
+              <a:stCxn id="109" idx="6"/>
+              <a:endCxn id="148" idx="3"/>
+            </p:cNvCxnSpPr>
+            <p:nvPr/>
+          </p:nvCxnSpPr>
+          <p:spPr>
+            <a:xfrm>
+              <a:off x="4195323" y="2839698"/>
+              <a:ext cx="483322" cy="10186"/>
+            </a:xfrm>
+            <a:prstGeom prst="line">
+              <a:avLst/>
+            </a:prstGeom>
+            <a:ln w="28575">
+              <a:solidFill>
+                <a:schemeClr val="accent1"/>
+              </a:solidFill>
+            </a:ln>
+          </p:spPr>
+          <p:style>
+            <a:lnRef idx="1">
+              <a:schemeClr val="accent1"/>
+            </a:lnRef>
+            <a:fillRef idx="0">
+              <a:schemeClr val="accent1"/>
+            </a:fillRef>
+            <a:effectRef idx="0">
+              <a:schemeClr val="accent1"/>
+            </a:effectRef>
+            <a:fontRef idx="minor">
+              <a:schemeClr val="tx1"/>
+            </a:fontRef>
+          </p:style>
+        </p:cxnSp>
+      </p:grpSp>
+      <p:sp>
+        <p:nvSpPr>
+          <p:cNvPr id="5" name="Unit 1 Title"/>
+          <p:cNvSpPr/>
+          <p:nvPr/>
+        </p:nvSpPr>
+        <p:spPr>
+          <a:xfrm>
+            <a:off x="443134" y="1338479"/>
+            <a:ext cx="4131896" cy="350178"/>
+          </a:xfrm>
+          <a:prstGeom prst="rect">
+            <a:avLst/>
+          </a:prstGeom>
+          <a:solidFill>
+            <a:srgbClr val="0070C0"/>
+          </a:solidFill>
+          <a:ln>
+            <a:solidFill>
+              <a:schemeClr val="tx1"/>
+            </a:solidFill>
+          </a:ln>
+        </p:spPr>
+        <p:style>
+          <a:lnRef idx="2">
+            <a:schemeClr val="accent1">
+              <a:shade val="50000"/>
+            </a:schemeClr>
+          </a:lnRef>
+          <a:fillRef idx="1">
+            <a:schemeClr val="accent1"/>
+          </a:fillRef>
+          <a:effectRef idx="0">
+            <a:schemeClr val="accent1"/>
+          </a:effectRef>
+          <a:fontRef idx="minor">
+            <a:schemeClr val="lt1"/>
+          </a:fontRef>
+        </p:style>
+        <p:txBody>
+          <a:bodyPr rtlCol="0" anchor="ctr"/>
+          <a:lstStyle/>
+          <a:p>
+            <a:pPr marL="0" marR="0" lvl="0" indent="0" algn="ctr" defTabSz="914400" rtl="0" eaLnBrk="1" fontAlgn="auto" latinLnBrk="0" hangingPunct="1">
+              <a:lnSpc>
+                <a:spcPct val="100000"/>
+              </a:lnSpc>
+              <a:spcBef>
+                <a:spcPts val="0"/>
+              </a:spcBef>
+              <a:spcAft>
+                <a:spcPts val="0"/>
+              </a:spcAft>
+              <a:buClrTx/>
+              <a:buSzTx/>
+              <a:buFontTx/>
+              <a:buNone/>
+              <a:tabLst/>
+              <a:defRPr/>
+            </a:pPr>
+            <a:r>
+              <a:rPr kumimoji="0" lang="en-GB" sz="1600" b="1" i="0" u="none" strike="noStrike" kern="1200" cap="none" spc="0" normalizeH="0" baseline="0" noProof="0" dirty="0">
+                <a:ln>
+                  <a:noFill/>
+                </a:ln>
+                <a:solidFill>
+                  <a:prstClr val="white"/>
+                </a:solidFill>
+                <a:effectLst>
+                  <a:outerShdw blurRad="38100" dist="38100" dir="2700000" algn="tl">
+                    <a:srgbClr val="000000">
+                      <a:alpha val="43137"/>
+                    </a:srgbClr>
+                  </a:outerShdw>
+                </a:effectLst>
+                <a:uLnTx/>
+                <a:uFillTx/>
+                <a:latin typeface="Calibri" panose="020F0502020204030204"/>
+                <a:ea typeface="+mn-ea"/>
+                <a:cs typeface="+mn-cs"/>
+              </a:rPr>
+              <a:t>Unit 1: Data Fundamentals</a:t>
+            </a:r>
+            <a:endParaRPr kumimoji="0" lang="en-US" sz="1600" b="1" i="0" u="none" strike="noStrike" kern="1200" cap="none" spc="0" normalizeH="0" baseline="0" noProof="0" dirty="0">
+              <a:ln>
+                <a:noFill/>
+              </a:ln>
+              <a:solidFill>
+                <a:prstClr val="white"/>
+              </a:solidFill>
+              <a:effectLst>
+                <a:outerShdw blurRad="38100" dist="38100" dir="2700000" algn="tl">
+                  <a:srgbClr val="000000">
+                    <a:alpha val="43137"/>
+                  </a:srgbClr>
+                </a:outerShdw>
+              </a:effectLst>
+              <a:uLnTx/>
+              <a:uFillTx/>
+              <a:latin typeface="Calibri" panose="020F0502020204030204"/>
+              <a:ea typeface="+mn-ea"/>
+              <a:cs typeface="+mn-cs"/>
+            </a:endParaRPr>
+          </a:p>
+        </p:txBody>
+      </p:sp>
+      <p:sp>
+        <p:nvSpPr>
+          <p:cNvPr id="107" name="Unit 2 Title"/>
+          <p:cNvSpPr/>
+          <p:nvPr/>
+        </p:nvSpPr>
+        <p:spPr>
+          <a:xfrm>
+            <a:off x="4575030" y="1338479"/>
+            <a:ext cx="3041939" cy="347788"/>
+          </a:xfrm>
+          <a:prstGeom prst="rect">
+            <a:avLst/>
+          </a:prstGeom>
+          <a:solidFill>
+            <a:schemeClr val="accent6">
+              <a:lumMod val="75000"/>
+            </a:schemeClr>
+          </a:solidFill>
+          <a:ln>
+            <a:solidFill>
+              <a:schemeClr val="tx1"/>
+            </a:solidFill>
+          </a:ln>
+        </p:spPr>
+        <p:style>
+          <a:lnRef idx="2">
+            <a:schemeClr val="accent1">
+              <a:shade val="50000"/>
+            </a:schemeClr>
+          </a:lnRef>
+          <a:fillRef idx="1">
+            <a:schemeClr val="accent1"/>
+          </a:fillRef>
+          <a:effectRef idx="0">
+            <a:schemeClr val="accent1"/>
+          </a:effectRef>
+          <a:fontRef idx="minor">
+            <a:schemeClr val="lt1"/>
+          </a:fontRef>
+        </p:style>
+        <p:txBody>
+          <a:bodyPr rtlCol="0" anchor="ctr"/>
+          <a:lstStyle/>
+          <a:p>
+            <a:pPr marL="0" marR="0" lvl="0" indent="0" algn="ctr" defTabSz="914400" rtl="0" eaLnBrk="1" fontAlgn="auto" latinLnBrk="0" hangingPunct="1">
+              <a:lnSpc>
+                <a:spcPct val="100000"/>
+              </a:lnSpc>
+              <a:spcBef>
+                <a:spcPts val="0"/>
+              </a:spcBef>
+              <a:spcAft>
+                <a:spcPts val="0"/>
+              </a:spcAft>
+              <a:buClrTx/>
+              <a:buSzTx/>
+              <a:buFontTx/>
+              <a:buNone/>
+              <a:tabLst/>
+              <a:defRPr/>
+            </a:pPr>
+            <a:r>
+              <a:rPr kumimoji="0" lang="en-GB" sz="1600" b="1" i="0" u="none" strike="noStrike" kern="1200" cap="none" spc="0" normalizeH="0" baseline="0" noProof="0" dirty="0">
+                <a:ln>
+                  <a:noFill/>
+                </a:ln>
+                <a:solidFill>
+                  <a:prstClr val="white"/>
+                </a:solidFill>
+                <a:effectLst>
+                  <a:outerShdw blurRad="38100" dist="38100" dir="2700000" algn="tl">
+                    <a:srgbClr val="000000">
+                      <a:alpha val="43137"/>
+                    </a:srgbClr>
+                  </a:outerShdw>
+                </a:effectLst>
+                <a:uLnTx/>
+                <a:uFillTx/>
+                <a:latin typeface="Calibri" panose="020F0502020204030204"/>
+                <a:ea typeface="+mn-ea"/>
+                <a:cs typeface="+mn-cs"/>
+              </a:rPr>
+              <a:t>Unit 2: Big Data Processing</a:t>
+            </a:r>
+            <a:endParaRPr kumimoji="0" lang="en-US" sz="1600" b="1" i="0" u="none" strike="noStrike" kern="1200" cap="none" spc="0" normalizeH="0" baseline="0" noProof="0" dirty="0">
+              <a:ln>
+                <a:noFill/>
+              </a:ln>
+              <a:solidFill>
+                <a:prstClr val="white"/>
+              </a:solidFill>
+              <a:effectLst>
+                <a:outerShdw blurRad="38100" dist="38100" dir="2700000" algn="tl">
+                  <a:srgbClr val="000000">
+                    <a:alpha val="43137"/>
+                  </a:srgbClr>
+                </a:outerShdw>
+              </a:effectLst>
+              <a:uLnTx/>
+              <a:uFillTx/>
+              <a:latin typeface="Calibri" panose="020F0502020204030204"/>
+              <a:ea typeface="+mn-ea"/>
+              <a:cs typeface="+mn-cs"/>
+            </a:endParaRPr>
+          </a:p>
+        </p:txBody>
+      </p:sp>
+      <p:sp>
+        <p:nvSpPr>
+          <p:cNvPr id="108" name="Unit 3 Title"/>
+          <p:cNvSpPr/>
+          <p:nvPr/>
+        </p:nvSpPr>
+        <p:spPr>
+          <a:xfrm>
+            <a:off x="7601154" y="1338479"/>
+            <a:ext cx="2400689" cy="350178"/>
+          </a:xfrm>
+          <a:prstGeom prst="rect">
+            <a:avLst/>
+          </a:prstGeom>
+          <a:solidFill>
+            <a:srgbClr val="FFC000"/>
+          </a:solidFill>
+          <a:ln>
+            <a:solidFill>
+              <a:schemeClr val="tx1"/>
+            </a:solidFill>
+          </a:ln>
+        </p:spPr>
+        <p:style>
+          <a:lnRef idx="2">
+            <a:schemeClr val="accent1">
+              <a:shade val="50000"/>
+            </a:schemeClr>
+          </a:lnRef>
+          <a:fillRef idx="1">
+            <a:schemeClr val="accent1"/>
+          </a:fillRef>
+          <a:effectRef idx="0">
+            <a:schemeClr val="accent1"/>
+          </a:effectRef>
+          <a:fontRef idx="minor">
+            <a:schemeClr val="lt1"/>
+          </a:fontRef>
+        </p:style>
+        <p:txBody>
+          <a:bodyPr rtlCol="0" anchor="ctr"/>
+          <a:lstStyle/>
+          <a:p>
+            <a:pPr marL="0" marR="0" lvl="0" indent="0" algn="ctr" defTabSz="914400" rtl="0" eaLnBrk="1" fontAlgn="auto" latinLnBrk="0" hangingPunct="1">
+              <a:lnSpc>
+                <a:spcPct val="100000"/>
+              </a:lnSpc>
+              <a:spcBef>
+                <a:spcPts val="0"/>
+              </a:spcBef>
+              <a:spcAft>
+                <a:spcPts val="0"/>
+              </a:spcAft>
+              <a:buClrTx/>
+              <a:buSzTx/>
+              <a:buFontTx/>
+              <a:buNone/>
+              <a:tabLst/>
+              <a:defRPr/>
+            </a:pPr>
+            <a:r>
+              <a:rPr kumimoji="0" lang="en-GB" sz="1600" b="1" i="0" u="none" strike="noStrike" kern="1200" cap="none" spc="0" normalizeH="0" baseline="0" noProof="0" dirty="0">
+                <a:ln>
+                  <a:noFill/>
+                </a:ln>
+                <a:solidFill>
+                  <a:prstClr val="white"/>
+                </a:solidFill>
+                <a:effectLst>
+                  <a:outerShdw blurRad="38100" dist="38100" dir="2700000" algn="tl">
+                    <a:srgbClr val="000000">
+                      <a:alpha val="43137"/>
+                    </a:srgbClr>
+                  </a:outerShdw>
+                </a:effectLst>
+                <a:uLnTx/>
+                <a:uFillTx/>
+                <a:latin typeface="Calibri" panose="020F0502020204030204"/>
+                <a:ea typeface="+mn-ea"/>
+                <a:cs typeface="+mn-cs"/>
+              </a:rPr>
+              <a:t>Unit 3: Big Data Solutions</a:t>
+            </a:r>
+            <a:endParaRPr kumimoji="0" lang="en-US" sz="1600" b="1" i="0" u="none" strike="noStrike" kern="1200" cap="none" spc="0" normalizeH="0" baseline="0" noProof="0" dirty="0">
+              <a:ln>
+                <a:noFill/>
+              </a:ln>
+              <a:solidFill>
+                <a:prstClr val="white"/>
+              </a:solidFill>
+              <a:effectLst>
+                <a:outerShdw blurRad="38100" dist="38100" dir="2700000" algn="tl">
+                  <a:srgbClr val="000000">
+                    <a:alpha val="43137"/>
+                  </a:srgbClr>
+                </a:outerShdw>
+              </a:effectLst>
+              <a:uLnTx/>
+              <a:uFillTx/>
+              <a:latin typeface="Calibri" panose="020F0502020204030204"/>
+              <a:ea typeface="+mn-ea"/>
+              <a:cs typeface="+mn-cs"/>
+            </a:endParaRPr>
+          </a:p>
+        </p:txBody>
+      </p:sp>
+      <p:sp>
+        <p:nvSpPr>
+          <p:cNvPr id="112" name="Unit 4 Title"/>
+          <p:cNvSpPr/>
+          <p:nvPr/>
+        </p:nvSpPr>
+        <p:spPr>
+          <a:xfrm>
+            <a:off x="9994368" y="1338479"/>
+            <a:ext cx="1465831" cy="350178"/>
+          </a:xfrm>
+          <a:prstGeom prst="rect">
+            <a:avLst/>
+          </a:prstGeom>
+          <a:solidFill>
+            <a:schemeClr val="accent2">
+              <a:lumMod val="75000"/>
+            </a:schemeClr>
+          </a:solidFill>
+          <a:ln>
+            <a:solidFill>
+              <a:schemeClr val="tx1"/>
+            </a:solidFill>
+          </a:ln>
+        </p:spPr>
+        <p:style>
+          <a:lnRef idx="2">
+            <a:schemeClr val="accent1">
+              <a:shade val="50000"/>
+            </a:schemeClr>
+          </a:lnRef>
+          <a:fillRef idx="1">
+            <a:schemeClr val="accent1"/>
+          </a:fillRef>
+          <a:effectRef idx="0">
+            <a:schemeClr val="accent1"/>
+          </a:effectRef>
+          <a:fontRef idx="minor">
+            <a:schemeClr val="lt1"/>
+          </a:fontRef>
+        </p:style>
+        <p:txBody>
+          <a:bodyPr rtlCol="0" anchor="ctr"/>
+          <a:lstStyle/>
+          <a:p>
+            <a:pPr marL="0" marR="0" lvl="0" indent="0" algn="ctr" defTabSz="914400" rtl="0" eaLnBrk="1" fontAlgn="auto" latinLnBrk="0" hangingPunct="1">
+              <a:lnSpc>
+                <a:spcPct val="100000"/>
+              </a:lnSpc>
+              <a:spcBef>
+                <a:spcPts val="0"/>
+              </a:spcBef>
+              <a:spcAft>
+                <a:spcPts val="0"/>
+              </a:spcAft>
+              <a:buClrTx/>
+              <a:buSzTx/>
+              <a:buFontTx/>
+              <a:buNone/>
+              <a:tabLst/>
+              <a:defRPr/>
+            </a:pPr>
+            <a:r>
+              <a:rPr kumimoji="0" lang="en-GB" sz="1600" b="1" i="0" u="none" strike="noStrike" kern="1200" cap="none" spc="0" normalizeH="0" baseline="0" noProof="0" dirty="0">
+                <a:ln>
+                  <a:noFill/>
+                </a:ln>
+                <a:solidFill>
+                  <a:prstClr val="white"/>
+                </a:solidFill>
+                <a:effectLst>
+                  <a:outerShdw blurRad="38100" dist="38100" dir="2700000" algn="tl">
+                    <a:srgbClr val="000000">
+                      <a:alpha val="43137"/>
+                    </a:srgbClr>
+                  </a:outerShdw>
+                </a:effectLst>
+                <a:uLnTx/>
+                <a:uFillTx/>
+                <a:latin typeface="Calibri" panose="020F0502020204030204"/>
+                <a:ea typeface="+mn-ea"/>
+                <a:cs typeface="+mn-cs"/>
+              </a:rPr>
+              <a:t>Unit 4: Project</a:t>
+            </a:r>
+            <a:endParaRPr kumimoji="0" lang="en-US" sz="1600" b="1" i="0" u="none" strike="noStrike" kern="1200" cap="none" spc="0" normalizeH="0" baseline="0" noProof="0" dirty="0">
+              <a:ln>
+                <a:noFill/>
+              </a:ln>
+              <a:solidFill>
+                <a:prstClr val="white"/>
+              </a:solidFill>
+              <a:effectLst>
+                <a:outerShdw blurRad="38100" dist="38100" dir="2700000" algn="tl">
+                  <a:srgbClr val="000000">
+                    <a:alpha val="43137"/>
+                  </a:srgbClr>
+                </a:outerShdw>
+              </a:effectLst>
+              <a:uLnTx/>
+              <a:uFillTx/>
+              <a:latin typeface="Calibri" panose="020F0502020204030204"/>
+              <a:ea typeface="+mn-ea"/>
+              <a:cs typeface="+mn-cs"/>
+            </a:endParaRPr>
+          </a:p>
+        </p:txBody>
+      </p:sp>
+      <p:grpSp>
+        <p:nvGrpSpPr>
+          <p:cNvPr id="2" name="Skills"/>
+          <p:cNvGrpSpPr/>
+          <p:nvPr/>
+        </p:nvGrpSpPr>
+        <p:grpSpPr>
+          <a:xfrm>
+            <a:off x="167446" y="1418869"/>
+            <a:ext cx="11802670" cy="1110537"/>
+            <a:chOff x="226386" y="527473"/>
+            <a:chExt cx="11802670" cy="1110537"/>
+          </a:xfrm>
+        </p:grpSpPr>
+        <p:sp>
+          <p:nvSpPr>
+            <p:cNvPr id="7" name="Right Arrow 6"/>
+            <p:cNvSpPr/>
+            <p:nvPr/>
+          </p:nvSpPr>
+          <p:spPr>
+            <a:xfrm>
+              <a:off x="502074" y="681275"/>
+              <a:ext cx="11526982" cy="944647"/>
+            </a:xfrm>
+            <a:prstGeom prst="rightArrow">
+              <a:avLst/>
+            </a:prstGeom>
+            <a:noFill/>
+            <a:ln>
+              <a:solidFill>
+                <a:srgbClr val="0070C0"/>
+              </a:solidFill>
+            </a:ln>
+          </p:spPr>
+          <p:style>
+            <a:lnRef idx="2">
+              <a:schemeClr val="accent1">
+                <a:shade val="50000"/>
+              </a:schemeClr>
+            </a:lnRef>
+            <a:fillRef idx="1">
+              <a:schemeClr val="accent1"/>
+            </a:fillRef>
+            <a:effectRef idx="0">
+              <a:schemeClr val="accent1"/>
+            </a:effectRef>
+            <a:fontRef idx="minor">
+              <a:schemeClr val="lt1"/>
+            </a:fontRef>
+          </p:style>
+          <p:txBody>
+            <a:bodyPr rtlCol="0" anchor="ctr"/>
+            <a:lstStyle/>
+            <a:p>
+              <a:pPr marL="0" marR="0" lvl="0" indent="0" algn="ctr" defTabSz="914400" rtl="0" eaLnBrk="1" fontAlgn="auto" latinLnBrk="0" hangingPunct="1">
+                <a:lnSpc>
+                  <a:spcPct val="100000"/>
+                </a:lnSpc>
+                <a:spcBef>
+                  <a:spcPts val="0"/>
+                </a:spcBef>
+                <a:spcAft>
+                  <a:spcPts val="0"/>
+                </a:spcAft>
+                <a:buClrTx/>
+                <a:buSzTx/>
+                <a:buFontTx/>
+                <a:buNone/>
+                <a:tabLst/>
+                <a:defRPr/>
+              </a:pPr>
+              <a:endParaRPr kumimoji="0" lang="en-US" sz="1800" b="0" i="0" u="none" strike="noStrike" kern="1200" cap="none" spc="0" normalizeH="0" baseline="0" noProof="0">
+                <a:ln>
+                  <a:noFill/>
+                </a:ln>
+                <a:solidFill>
+                  <a:prstClr val="white"/>
+                </a:solidFill>
+                <a:effectLst/>
+                <a:uLnTx/>
+                <a:uFillTx/>
+                <a:latin typeface="Segoe UI" panose="020B0502040204020203" pitchFamily="34" charset="0"/>
+                <a:ea typeface="+mn-ea"/>
+                <a:cs typeface="Segoe UI" panose="020B0502040204020203" pitchFamily="34" charset="0"/>
+              </a:endParaRPr>
+            </a:p>
+          </p:txBody>
+        </p:sp>
+        <p:sp>
+          <p:nvSpPr>
+            <p:cNvPr id="79" name="TextBox 78"/>
+            <p:cNvSpPr txBox="1"/>
+            <p:nvPr/>
+          </p:nvSpPr>
+          <p:spPr>
+            <a:xfrm>
+              <a:off x="1492024" y="901196"/>
+              <a:ext cx="1088779" cy="430887"/>
+            </a:xfrm>
+            <a:prstGeom prst="rect">
+              <a:avLst/>
+            </a:prstGeom>
+            <a:noFill/>
+          </p:spPr>
+          <p:txBody>
+            <a:bodyPr wrap="square" rtlCol="0">
+              <a:spAutoFit/>
+            </a:bodyPr>
+            <a:lstStyle/>
+            <a:p>
+              <a:pPr marL="0" marR="0" lvl="0" indent="0" algn="ctr" defTabSz="914400" rtl="0" eaLnBrk="1" fontAlgn="auto" latinLnBrk="0" hangingPunct="1">
+                <a:lnSpc>
+                  <a:spcPct val="100000"/>
+                </a:lnSpc>
+                <a:spcBef>
+                  <a:spcPts val="0"/>
+                </a:spcBef>
+                <a:spcAft>
+                  <a:spcPts val="0"/>
+                </a:spcAft>
+                <a:buClrTx/>
+                <a:buSzTx/>
+                <a:buFontTx/>
+                <a:buNone/>
+                <a:tabLst/>
+                <a:defRPr/>
+              </a:pPr>
+              <a:r>
+                <a:rPr kumimoji="0" lang="en-GB" sz="1100" b="0" i="0" u="none" strike="noStrike" kern="1200" cap="none" spc="0" normalizeH="0" baseline="0" noProof="0" dirty="0" err="1">
+                  <a:ln>
+                    <a:noFill/>
+                  </a:ln>
+                  <a:solidFill>
+                    <a:srgbClr val="0070C0"/>
+                  </a:solidFill>
+                  <a:effectLst/>
+                  <a:uLnTx/>
+                  <a:uFillTx/>
+                  <a:latin typeface="Segoe UI" panose="020B0502040204020203" pitchFamily="34" charset="0"/>
+                  <a:ea typeface="+mn-ea"/>
+                  <a:cs typeface="Segoe UI" panose="020B0502040204020203" pitchFamily="34" charset="0"/>
+                </a:rPr>
+                <a:t>Analyze</a:t>
+              </a:r>
+              <a:r>
+                <a:rPr kumimoji="0" lang="en-GB" sz="1100" b="0" i="0" u="none" strike="noStrike" kern="1200" cap="none" spc="0" normalizeH="0" baseline="0" noProof="0" dirty="0">
+                  <a:ln>
+                    <a:noFill/>
+                  </a:ln>
+                  <a:solidFill>
+                    <a:srgbClr val="0070C0"/>
+                  </a:solidFill>
+                  <a:effectLst/>
+                  <a:uLnTx/>
+                  <a:uFillTx/>
+                  <a:latin typeface="Segoe UI" panose="020B0502040204020203" pitchFamily="34" charset="0"/>
+                  <a:ea typeface="+mn-ea"/>
+                  <a:cs typeface="Segoe UI" panose="020B0502040204020203" pitchFamily="34" charset="0"/>
+                </a:rPr>
+                <a:t> and Visualize Data</a:t>
+              </a:r>
+              <a:endParaRPr kumimoji="0" lang="en-US" sz="1100" b="0" i="0" u="none" strike="noStrike" kern="1200" cap="none" spc="0" normalizeH="0" baseline="0" noProof="0" dirty="0">
+                <a:ln>
+                  <a:noFill/>
+                </a:ln>
+                <a:solidFill>
+                  <a:srgbClr val="0070C0"/>
+                </a:solidFill>
+                <a:effectLst/>
+                <a:uLnTx/>
+                <a:uFillTx/>
+                <a:latin typeface="Segoe UI" panose="020B0502040204020203" pitchFamily="34" charset="0"/>
+                <a:ea typeface="+mn-ea"/>
+                <a:cs typeface="Segoe UI" panose="020B0502040204020203" pitchFamily="34" charset="0"/>
+              </a:endParaRPr>
+            </a:p>
+          </p:txBody>
+        </p:sp>
+        <p:sp>
+          <p:nvSpPr>
+            <p:cNvPr id="80" name="TextBox 79"/>
+            <p:cNvSpPr txBox="1"/>
+            <p:nvPr/>
+          </p:nvSpPr>
+          <p:spPr>
+            <a:xfrm>
+              <a:off x="3562669" y="901196"/>
+              <a:ext cx="1187390" cy="430887"/>
+            </a:xfrm>
+            <a:prstGeom prst="rect">
+              <a:avLst/>
+            </a:prstGeom>
+            <a:noFill/>
+          </p:spPr>
+          <p:txBody>
+            <a:bodyPr wrap="square" rtlCol="0">
+              <a:spAutoFit/>
+            </a:bodyPr>
+            <a:lstStyle/>
+            <a:p>
+              <a:pPr marL="0" marR="0" lvl="0" indent="0" algn="ctr" defTabSz="914400" rtl="0" eaLnBrk="1" fontAlgn="auto" latinLnBrk="0" hangingPunct="1">
+                <a:lnSpc>
+                  <a:spcPct val="100000"/>
+                </a:lnSpc>
+                <a:spcBef>
+                  <a:spcPts val="0"/>
+                </a:spcBef>
+                <a:spcAft>
+                  <a:spcPts val="0"/>
+                </a:spcAft>
+                <a:buClrTx/>
+                <a:buSzTx/>
+                <a:buFontTx/>
+                <a:buNone/>
+                <a:tabLst/>
+                <a:defRPr/>
+              </a:pPr>
+              <a:r>
+                <a:rPr kumimoji="0" lang="en-GB" sz="1100" b="0" i="0" u="none" strike="noStrike" kern="1200" cap="none" spc="0" normalizeH="0" baseline="0" noProof="0" dirty="0">
+                  <a:ln>
+                    <a:noFill/>
+                  </a:ln>
+                  <a:solidFill>
+                    <a:srgbClr val="0070C0"/>
+                  </a:solidFill>
+                  <a:effectLst/>
+                  <a:uLnTx/>
+                  <a:uFillTx/>
+                  <a:latin typeface="Segoe UI" panose="020B0502040204020203" pitchFamily="34" charset="0"/>
+                  <a:ea typeface="+mn-ea"/>
+                  <a:cs typeface="Segoe UI" panose="020B0502040204020203" pitchFamily="34" charset="0"/>
+                </a:rPr>
+                <a:t>Query Relational Data</a:t>
+              </a:r>
+              <a:endParaRPr kumimoji="0" lang="en-US" sz="1100" b="0" i="0" u="none" strike="noStrike" kern="1200" cap="none" spc="0" normalizeH="0" baseline="0" noProof="0" dirty="0">
+                <a:ln>
+                  <a:noFill/>
+                </a:ln>
+                <a:solidFill>
+                  <a:srgbClr val="0070C0"/>
+                </a:solidFill>
+                <a:effectLst/>
+                <a:uLnTx/>
+                <a:uFillTx/>
+                <a:latin typeface="Segoe UI" panose="020B0502040204020203" pitchFamily="34" charset="0"/>
+                <a:ea typeface="+mn-ea"/>
+                <a:cs typeface="Segoe UI" panose="020B0502040204020203" pitchFamily="34" charset="0"/>
+              </a:endParaRPr>
+            </a:p>
+          </p:txBody>
+        </p:sp>
+        <p:sp>
+          <p:nvSpPr>
+            <p:cNvPr id="81" name="TextBox 80"/>
+            <p:cNvSpPr txBox="1"/>
+            <p:nvPr/>
+          </p:nvSpPr>
+          <p:spPr>
+            <a:xfrm>
+              <a:off x="5529766" y="901196"/>
+              <a:ext cx="1123253" cy="430887"/>
+            </a:xfrm>
+            <a:prstGeom prst="rect">
+              <a:avLst/>
+            </a:prstGeom>
+            <a:noFill/>
+          </p:spPr>
+          <p:txBody>
+            <a:bodyPr wrap="square" rtlCol="0">
+              <a:spAutoFit/>
+            </a:bodyPr>
+            <a:lstStyle/>
+            <a:p>
+              <a:pPr marL="0" marR="0" lvl="0" indent="0" algn="ctr" defTabSz="914400" rtl="0" eaLnBrk="1" fontAlgn="auto" latinLnBrk="0" hangingPunct="1">
+                <a:lnSpc>
+                  <a:spcPct val="100000"/>
+                </a:lnSpc>
+                <a:spcBef>
+                  <a:spcPts val="0"/>
+                </a:spcBef>
+                <a:spcAft>
+                  <a:spcPts val="0"/>
+                </a:spcAft>
+                <a:buClrTx/>
+                <a:buSzTx/>
+                <a:buFontTx/>
+                <a:buNone/>
+                <a:tabLst/>
+                <a:defRPr/>
+              </a:pPr>
+              <a:r>
+                <a:rPr kumimoji="0" lang="en-GB" sz="1100" b="0" i="0" u="none" strike="noStrike" kern="1200" cap="none" spc="0" normalizeH="0" baseline="0" noProof="0" dirty="0">
+                  <a:ln>
+                    <a:noFill/>
+                  </a:ln>
+                  <a:solidFill>
+                    <a:srgbClr val="70AD47">
+                      <a:lumMod val="50000"/>
+                    </a:srgbClr>
+                  </a:solidFill>
+                  <a:effectLst/>
+                  <a:uLnTx/>
+                  <a:uFillTx/>
+                  <a:latin typeface="Segoe UI" panose="020B0502040204020203" pitchFamily="34" charset="0"/>
+                  <a:ea typeface="+mn-ea"/>
+                  <a:cs typeface="Segoe UI" panose="020B0502040204020203" pitchFamily="34" charset="0"/>
+                </a:rPr>
+                <a:t>Process Big Data at Rest</a:t>
+              </a:r>
+              <a:endParaRPr kumimoji="0" lang="en-US" sz="1100" b="0" i="0" u="none" strike="noStrike" kern="1200" cap="none" spc="0" normalizeH="0" baseline="0" noProof="0" dirty="0">
+                <a:ln>
+                  <a:noFill/>
+                </a:ln>
+                <a:solidFill>
+                  <a:srgbClr val="70AD47">
+                    <a:lumMod val="50000"/>
+                  </a:srgbClr>
+                </a:solidFill>
+                <a:effectLst/>
+                <a:uLnTx/>
+                <a:uFillTx/>
+                <a:latin typeface="Segoe UI" panose="020B0502040204020203" pitchFamily="34" charset="0"/>
+                <a:ea typeface="+mn-ea"/>
+                <a:cs typeface="Segoe UI" panose="020B0502040204020203" pitchFamily="34" charset="0"/>
+              </a:endParaRPr>
+            </a:p>
+          </p:txBody>
+        </p:sp>
+        <p:sp>
+          <p:nvSpPr>
+            <p:cNvPr id="83" name="TextBox 82"/>
+            <p:cNvSpPr txBox="1"/>
+            <p:nvPr/>
+          </p:nvSpPr>
+          <p:spPr>
+            <a:xfrm>
+              <a:off x="6543104" y="901196"/>
+              <a:ext cx="1242336" cy="430887"/>
+            </a:xfrm>
+            <a:prstGeom prst="rect">
+              <a:avLst/>
+            </a:prstGeom>
+            <a:noFill/>
+          </p:spPr>
+          <p:txBody>
+            <a:bodyPr wrap="square" rtlCol="0">
+              <a:spAutoFit/>
+            </a:bodyPr>
+            <a:lstStyle/>
+            <a:p>
+              <a:pPr marL="0" marR="0" lvl="0" indent="0" algn="ctr" defTabSz="914400" rtl="0" eaLnBrk="1" fontAlgn="auto" latinLnBrk="0" hangingPunct="1">
+                <a:lnSpc>
+                  <a:spcPct val="100000"/>
+                </a:lnSpc>
+                <a:spcBef>
+                  <a:spcPts val="0"/>
+                </a:spcBef>
+                <a:spcAft>
+                  <a:spcPts val="0"/>
+                </a:spcAft>
+                <a:buClrTx/>
+                <a:buSzTx/>
+                <a:buFontTx/>
+                <a:buNone/>
+                <a:tabLst/>
+                <a:defRPr/>
+              </a:pPr>
+              <a:r>
+                <a:rPr kumimoji="0" lang="en-GB" sz="1100" b="0" i="0" u="none" strike="noStrike" kern="1200" cap="none" spc="0" normalizeH="0" baseline="0" noProof="0" dirty="0">
+                  <a:ln>
+                    <a:noFill/>
+                  </a:ln>
+                  <a:solidFill>
+                    <a:srgbClr val="70AD47">
+                      <a:lumMod val="50000"/>
+                    </a:srgbClr>
+                  </a:solidFill>
+                  <a:effectLst/>
+                  <a:uLnTx/>
+                  <a:uFillTx/>
+                  <a:latin typeface="Segoe UI" panose="020B0502040204020203" pitchFamily="34" charset="0"/>
+                  <a:ea typeface="+mn-ea"/>
+                  <a:cs typeface="Segoe UI" panose="020B0502040204020203" pitchFamily="34" charset="0"/>
+                </a:rPr>
+                <a:t>Process Big Data in Motion</a:t>
+              </a:r>
+              <a:endParaRPr kumimoji="0" lang="en-US" sz="1100" b="0" i="0" u="none" strike="noStrike" kern="1200" cap="none" spc="0" normalizeH="0" baseline="0" noProof="0" dirty="0">
+                <a:ln>
+                  <a:noFill/>
+                </a:ln>
+                <a:solidFill>
+                  <a:srgbClr val="70AD47">
+                    <a:lumMod val="50000"/>
+                  </a:srgbClr>
+                </a:solidFill>
+                <a:effectLst/>
+                <a:uLnTx/>
+                <a:uFillTx/>
+                <a:latin typeface="Segoe UI" panose="020B0502040204020203" pitchFamily="34" charset="0"/>
+                <a:ea typeface="+mn-ea"/>
+                <a:cs typeface="Segoe UI" panose="020B0502040204020203" pitchFamily="34" charset="0"/>
+              </a:endParaRPr>
+            </a:p>
+          </p:txBody>
+        </p:sp>
+        <p:sp>
+          <p:nvSpPr>
+            <p:cNvPr id="96" name="TextBox 95"/>
+            <p:cNvSpPr txBox="1"/>
+            <p:nvPr/>
+          </p:nvSpPr>
+          <p:spPr>
+            <a:xfrm>
+              <a:off x="7675909" y="901196"/>
+              <a:ext cx="1254618" cy="430887"/>
+            </a:xfrm>
+            <a:prstGeom prst="rect">
+              <a:avLst/>
+            </a:prstGeom>
+            <a:noFill/>
+          </p:spPr>
+          <p:txBody>
+            <a:bodyPr wrap="square" rtlCol="0">
+              <a:spAutoFit/>
+            </a:bodyPr>
+            <a:lstStyle/>
+            <a:p>
+              <a:pPr marL="0" marR="0" lvl="0" indent="0" algn="ctr" defTabSz="914400" rtl="0" eaLnBrk="1" fontAlgn="auto" latinLnBrk="0" hangingPunct="1">
+                <a:lnSpc>
+                  <a:spcPct val="100000"/>
+                </a:lnSpc>
+                <a:spcBef>
+                  <a:spcPts val="0"/>
+                </a:spcBef>
+                <a:spcAft>
+                  <a:spcPts val="0"/>
+                </a:spcAft>
+                <a:buClrTx/>
+                <a:buSzTx/>
+                <a:buFontTx/>
+                <a:buNone/>
+                <a:tabLst/>
+                <a:defRPr/>
+              </a:pPr>
+              <a:r>
+                <a:rPr kumimoji="0" lang="en-GB" sz="1100" b="0" i="0" u="none" strike="noStrike" kern="1200" cap="none" spc="0" normalizeH="0" baseline="0" noProof="0" dirty="0">
+                  <a:ln>
+                    <a:noFill/>
+                  </a:ln>
+                  <a:solidFill>
+                    <a:srgbClr val="FFC000">
+                      <a:lumMod val="75000"/>
+                    </a:srgbClr>
+                  </a:solidFill>
+                  <a:effectLst/>
+                  <a:uLnTx/>
+                  <a:uFillTx/>
+                  <a:latin typeface="Segoe UI" panose="020B0502040204020203" pitchFamily="34" charset="0"/>
+                  <a:ea typeface="+mn-ea"/>
+                  <a:cs typeface="Segoe UI" panose="020B0502040204020203" pitchFamily="34" charset="0"/>
+                </a:rPr>
+                <a:t>Orchestrate Big Data Solutions</a:t>
+              </a:r>
+              <a:endParaRPr kumimoji="0" lang="en-US" sz="1100" b="0" i="0" u="none" strike="noStrike" kern="1200" cap="none" spc="0" normalizeH="0" baseline="0" noProof="0" dirty="0">
+                <a:ln>
+                  <a:noFill/>
+                </a:ln>
+                <a:solidFill>
+                  <a:srgbClr val="FFC000">
+                    <a:lumMod val="75000"/>
+                  </a:srgbClr>
+                </a:solidFill>
+                <a:effectLst/>
+                <a:uLnTx/>
+                <a:uFillTx/>
+                <a:latin typeface="Segoe UI" panose="020B0502040204020203" pitchFamily="34" charset="0"/>
+                <a:ea typeface="+mn-ea"/>
+                <a:cs typeface="Segoe UI" panose="020B0502040204020203" pitchFamily="34" charset="0"/>
+              </a:endParaRPr>
+            </a:p>
+          </p:txBody>
+        </p:sp>
+        <p:sp>
+          <p:nvSpPr>
+            <p:cNvPr id="97" name="TextBox 96"/>
+            <p:cNvSpPr txBox="1"/>
+            <p:nvPr/>
+          </p:nvSpPr>
+          <p:spPr>
+            <a:xfrm>
+              <a:off x="8797894" y="901196"/>
+              <a:ext cx="1360140" cy="430887"/>
+            </a:xfrm>
+            <a:prstGeom prst="rect">
+              <a:avLst/>
+            </a:prstGeom>
+            <a:noFill/>
+          </p:spPr>
+          <p:txBody>
+            <a:bodyPr wrap="square" rtlCol="0">
+              <a:spAutoFit/>
+            </a:bodyPr>
+            <a:lstStyle/>
+            <a:p>
+              <a:pPr marL="0" marR="0" lvl="0" indent="0" algn="ctr" defTabSz="914400" rtl="0" eaLnBrk="1" fontAlgn="auto" latinLnBrk="0" hangingPunct="1">
+                <a:lnSpc>
+                  <a:spcPct val="100000"/>
+                </a:lnSpc>
+                <a:spcBef>
+                  <a:spcPts val="0"/>
+                </a:spcBef>
+                <a:spcAft>
+                  <a:spcPts val="0"/>
+                </a:spcAft>
+                <a:buClrTx/>
+                <a:buSzTx/>
+                <a:buFontTx/>
+                <a:buNone/>
+                <a:tabLst/>
+                <a:defRPr/>
+              </a:pPr>
+              <a:r>
+                <a:rPr kumimoji="0" lang="en-GB" sz="1100" b="0" i="0" u="none" strike="noStrike" kern="1200" cap="none" spc="0" normalizeH="0" baseline="0" noProof="0" dirty="0">
+                  <a:ln>
+                    <a:noFill/>
+                  </a:ln>
+                  <a:solidFill>
+                    <a:srgbClr val="FFC000">
+                      <a:lumMod val="75000"/>
+                    </a:srgbClr>
+                  </a:solidFill>
+                  <a:effectLst/>
+                  <a:uLnTx/>
+                  <a:uFillTx/>
+                  <a:latin typeface="Segoe UI" panose="020B0502040204020203" pitchFamily="34" charset="0"/>
+                  <a:ea typeface="+mn-ea"/>
+                  <a:cs typeface="Segoe UI" panose="020B0502040204020203" pitchFamily="34" charset="0"/>
+                </a:rPr>
+                <a:t>Build Big Data Analysis Solutions</a:t>
+              </a:r>
+              <a:endParaRPr kumimoji="0" lang="en-US" sz="1100" b="0" i="0" u="none" strike="noStrike" kern="1200" cap="none" spc="0" normalizeH="0" baseline="0" noProof="0" dirty="0">
+                <a:ln>
+                  <a:noFill/>
+                </a:ln>
+                <a:solidFill>
+                  <a:srgbClr val="FFC000">
+                    <a:lumMod val="75000"/>
+                  </a:srgbClr>
+                </a:solidFill>
+                <a:effectLst/>
+                <a:uLnTx/>
+                <a:uFillTx/>
+                <a:latin typeface="Segoe UI" panose="020B0502040204020203" pitchFamily="34" charset="0"/>
+                <a:ea typeface="+mn-ea"/>
+                <a:cs typeface="Segoe UI" panose="020B0502040204020203" pitchFamily="34" charset="0"/>
+              </a:endParaRPr>
+            </a:p>
+          </p:txBody>
+        </p:sp>
+        <p:sp>
+          <p:nvSpPr>
+            <p:cNvPr id="47" name="TextBox 46"/>
+            <p:cNvSpPr txBox="1"/>
+            <p:nvPr/>
+          </p:nvSpPr>
+          <p:spPr>
+            <a:xfrm rot="16200000">
+              <a:off x="-190383" y="944242"/>
+              <a:ext cx="1110537" cy="276999"/>
+            </a:xfrm>
+            <a:prstGeom prst="rect">
+              <a:avLst/>
+            </a:prstGeom>
+            <a:noFill/>
+          </p:spPr>
+          <p:txBody>
+            <a:bodyPr wrap="square" rtlCol="0">
+              <a:spAutoFit/>
+            </a:bodyPr>
+            <a:lstStyle/>
+            <a:p>
+              <a:pPr marL="0" marR="0" lvl="0" indent="0" algn="ctr" defTabSz="914400" rtl="0" eaLnBrk="1" fontAlgn="auto" latinLnBrk="0" hangingPunct="1">
+                <a:lnSpc>
+                  <a:spcPct val="100000"/>
+                </a:lnSpc>
+                <a:spcBef>
+                  <a:spcPts val="0"/>
+                </a:spcBef>
+                <a:spcAft>
+                  <a:spcPts val="0"/>
+                </a:spcAft>
+                <a:buClrTx/>
+                <a:buSzTx/>
+                <a:buFontTx/>
+                <a:buNone/>
+                <a:tabLst/>
+                <a:defRPr/>
+              </a:pPr>
+              <a:r>
+                <a:rPr kumimoji="0" lang="en-GB" sz="1200" b="0" i="0" u="none" strike="noStrike" kern="1200" cap="none" spc="0" normalizeH="0" baseline="0" noProof="0" dirty="0">
+                  <a:ln>
+                    <a:noFill/>
+                  </a:ln>
+                  <a:solidFill>
+                    <a:srgbClr val="5B9BD5">
+                      <a:lumMod val="50000"/>
+                    </a:srgbClr>
+                  </a:solidFill>
+                  <a:effectLst/>
+                  <a:uLnTx/>
+                  <a:uFillTx/>
+                  <a:latin typeface="Calibri" panose="020F0502020204030204"/>
+                  <a:ea typeface="+mn-ea"/>
+                  <a:cs typeface="+mn-cs"/>
+                </a:rPr>
+                <a:t>Validated Skills</a:t>
+              </a:r>
+              <a:endParaRPr kumimoji="0" lang="en-US" sz="1200" b="0" i="0" u="none" strike="noStrike" kern="1200" cap="none" spc="0" normalizeH="0" baseline="0" noProof="0" dirty="0">
+                <a:ln>
+                  <a:noFill/>
+                </a:ln>
+                <a:solidFill>
+                  <a:srgbClr val="5B9BD5">
+                    <a:lumMod val="50000"/>
+                  </a:srgbClr>
+                </a:solidFill>
+                <a:effectLst/>
+                <a:uLnTx/>
+                <a:uFillTx/>
+                <a:latin typeface="Calibri" panose="020F0502020204030204"/>
+                <a:ea typeface="+mn-ea"/>
+                <a:cs typeface="+mn-cs"/>
+              </a:endParaRPr>
+            </a:p>
+          </p:txBody>
+        </p:sp>
+        <p:sp>
+          <p:nvSpPr>
+            <p:cNvPr id="158" name="TextBox 157"/>
+            <p:cNvSpPr txBox="1"/>
+            <p:nvPr/>
+          </p:nvSpPr>
+          <p:spPr>
+            <a:xfrm>
+              <a:off x="4623479" y="901196"/>
+              <a:ext cx="1037227" cy="430887"/>
+            </a:xfrm>
+            <a:prstGeom prst="rect">
+              <a:avLst/>
+            </a:prstGeom>
+            <a:noFill/>
+          </p:spPr>
+          <p:txBody>
+            <a:bodyPr wrap="square" rtlCol="0">
+              <a:spAutoFit/>
+            </a:bodyPr>
+            <a:lstStyle/>
+            <a:p>
+              <a:pPr marL="0" marR="0" lvl="0" indent="0" algn="ctr" defTabSz="914400" rtl="0" eaLnBrk="1" fontAlgn="auto" latinLnBrk="0" hangingPunct="1">
+                <a:lnSpc>
+                  <a:spcPct val="100000"/>
+                </a:lnSpc>
+                <a:spcBef>
+                  <a:spcPts val="0"/>
+                </a:spcBef>
+                <a:spcAft>
+                  <a:spcPts val="0"/>
+                </a:spcAft>
+                <a:buClrTx/>
+                <a:buSzTx/>
+                <a:buFontTx/>
+                <a:buNone/>
+                <a:tabLst/>
+                <a:defRPr/>
+              </a:pPr>
+              <a:r>
+                <a:rPr kumimoji="0" lang="en-GB" sz="1100" b="0" i="0" u="none" strike="noStrike" kern="1200" cap="none" spc="0" normalizeH="0" baseline="0" noProof="0" dirty="0">
+                  <a:ln>
+                    <a:noFill/>
+                  </a:ln>
+                  <a:solidFill>
+                    <a:srgbClr val="70AD47">
+                      <a:lumMod val="50000"/>
+                    </a:srgbClr>
+                  </a:solidFill>
+                  <a:effectLst/>
+                  <a:uLnTx/>
+                  <a:uFillTx/>
+                  <a:latin typeface="Segoe UI" panose="020B0502040204020203" pitchFamily="34" charset="0"/>
+                  <a:ea typeface="+mn-ea"/>
+                  <a:cs typeface="Segoe UI" panose="020B0502040204020203" pitchFamily="34" charset="0"/>
+                </a:rPr>
+                <a:t>Create a Data Warehouse</a:t>
+              </a:r>
+              <a:endParaRPr kumimoji="0" lang="en-US" sz="1100" b="0" i="0" u="none" strike="noStrike" kern="1200" cap="none" spc="0" normalizeH="0" baseline="0" noProof="0" dirty="0">
+                <a:ln>
+                  <a:noFill/>
+                </a:ln>
+                <a:solidFill>
+                  <a:srgbClr val="70AD47">
+                    <a:lumMod val="50000"/>
+                  </a:srgbClr>
+                </a:solidFill>
+                <a:effectLst/>
+                <a:uLnTx/>
+                <a:uFillTx/>
+                <a:latin typeface="Segoe UI" panose="020B0502040204020203" pitchFamily="34" charset="0"/>
+                <a:ea typeface="+mn-ea"/>
+                <a:cs typeface="Segoe UI" panose="020B0502040204020203" pitchFamily="34" charset="0"/>
+              </a:endParaRPr>
+            </a:p>
+          </p:txBody>
+        </p:sp>
+        <p:sp>
+          <p:nvSpPr>
+            <p:cNvPr id="114" name="TextBox 113"/>
+            <p:cNvSpPr txBox="1"/>
+            <p:nvPr/>
+          </p:nvSpPr>
+          <p:spPr>
+            <a:xfrm>
+              <a:off x="2510327" y="901196"/>
+              <a:ext cx="1187390" cy="430887"/>
+            </a:xfrm>
+            <a:prstGeom prst="rect">
+              <a:avLst/>
+            </a:prstGeom>
+            <a:noFill/>
+          </p:spPr>
+          <p:txBody>
+            <a:bodyPr wrap="square" rtlCol="0">
+              <a:spAutoFit/>
+            </a:bodyPr>
+            <a:lstStyle/>
+            <a:p>
+              <a:pPr marL="0" marR="0" lvl="0" indent="0" algn="ctr" defTabSz="914400" rtl="0" eaLnBrk="1" fontAlgn="auto" latinLnBrk="0" hangingPunct="1">
+                <a:lnSpc>
+                  <a:spcPct val="100000"/>
+                </a:lnSpc>
+                <a:spcBef>
+                  <a:spcPts val="0"/>
+                </a:spcBef>
+                <a:spcAft>
+                  <a:spcPts val="0"/>
+                </a:spcAft>
+                <a:buClrTx/>
+                <a:buSzTx/>
+                <a:buFontTx/>
+                <a:buNone/>
+                <a:tabLst/>
+                <a:defRPr/>
+              </a:pPr>
+              <a:r>
+                <a:rPr kumimoji="0" lang="en-GB" sz="1100" b="0" i="0" u="none" strike="noStrike" kern="1200" cap="none" spc="0" normalizeH="0" baseline="0" noProof="0" dirty="0">
+                  <a:ln>
+                    <a:noFill/>
+                  </a:ln>
+                  <a:solidFill>
+                    <a:srgbClr val="0070C0"/>
+                  </a:solidFill>
+                  <a:effectLst/>
+                  <a:uLnTx/>
+                  <a:uFillTx/>
+                  <a:latin typeface="Segoe UI" panose="020B0502040204020203" pitchFamily="34" charset="0"/>
+                  <a:ea typeface="+mn-ea"/>
+                  <a:cs typeface="Segoe UI" panose="020B0502040204020203" pitchFamily="34" charset="0"/>
+                </a:rPr>
+                <a:t>Work With NoSQL Data</a:t>
+              </a:r>
+              <a:endParaRPr kumimoji="0" lang="en-US" sz="1100" b="0" i="0" u="none" strike="noStrike" kern="1200" cap="none" spc="0" normalizeH="0" baseline="0" noProof="0" dirty="0">
+                <a:ln>
+                  <a:noFill/>
+                </a:ln>
+                <a:solidFill>
+                  <a:srgbClr val="0070C0"/>
+                </a:solidFill>
+                <a:effectLst/>
+                <a:uLnTx/>
+                <a:uFillTx/>
+                <a:latin typeface="Segoe UI" panose="020B0502040204020203" pitchFamily="34" charset="0"/>
+                <a:ea typeface="+mn-ea"/>
+                <a:cs typeface="Segoe UI" panose="020B0502040204020203" pitchFamily="34" charset="0"/>
+              </a:endParaRPr>
+            </a:p>
+          </p:txBody>
+        </p:sp>
+      </p:grpSp>
+      <p:sp>
+        <p:nvSpPr>
+          <p:cNvPr id="121" name="Title 1">
+            <a:extLst>
+              <a:ext uri="{FF2B5EF4-FFF2-40B4-BE49-F238E27FC236}">
+                <a16:creationId xmlns:a16="http://schemas.microsoft.com/office/drawing/2014/main" id="{3DAA18C5-5B20-4332-B9D1-D7319410604E}"/>
+              </a:ext>
+            </a:extLst>
+          </p:cNvPr>
+          <p:cNvSpPr txBox="1">
+            <a:spLocks/>
+          </p:cNvSpPr>
+          <p:nvPr/>
+        </p:nvSpPr>
+        <p:spPr>
+          <a:xfrm>
+            <a:off x="317273" y="183595"/>
+            <a:ext cx="11239355" cy="1015926"/>
+          </a:xfrm>
+          <a:prstGeom prst="rect">
+            <a:avLst/>
+          </a:prstGeom>
+        </p:spPr>
+        <p:txBody>
+          <a:bodyPr vert="horz" lIns="91440" tIns="45720" rIns="91440" bIns="45720" rtlCol="0" anchor="ctr">
+            <a:normAutofit fontScale="97500"/>
+          </a:bodyPr>
+          <a:lstStyle>
+            <a:lvl1pPr algn="l" defTabSz="914400" rtl="0" eaLnBrk="1" latinLnBrk="0" hangingPunct="1">
+              <a:lnSpc>
+                <a:spcPct val="90000"/>
+              </a:lnSpc>
+              <a:spcBef>
+                <a:spcPct val="0"/>
+              </a:spcBef>
+              <a:buNone/>
+              <a:defRPr sz="4400" kern="1200">
+                <a:solidFill>
+                  <a:schemeClr val="tx1"/>
+                </a:solidFill>
+                <a:latin typeface="+mj-lt"/>
+                <a:ea typeface="+mj-ea"/>
+                <a:cs typeface="+mj-cs"/>
+              </a:defRPr>
+            </a:lvl1pPr>
+          </a:lstStyle>
+          <a:p>
+            <a:r>
+              <a:rPr lang="en-US" sz="4800" dirty="0"/>
+              <a:t>Microsoft Professional </a:t>
+            </a:r>
+            <a:r>
+              <a:rPr lang="en-US" sz="4800"/>
+              <a:t>Program for Big </a:t>
+            </a:r>
+            <a:r>
+              <a:rPr lang="en-US" sz="4800" dirty="0"/>
+              <a:t>Data</a:t>
+            </a:r>
+            <a:endParaRPr lang="en-US" sz="4800" b="1" dirty="0">
+              <a:solidFill>
+                <a:srgbClr val="0070C0"/>
+              </a:solidFill>
+            </a:endParaRPr>
+          </a:p>
+        </p:txBody>
+      </p:sp>
+      <p:sp>
+        <p:nvSpPr>
+          <p:cNvPr id="9" name="Rectangle 8">
+            <a:extLst>
+              <a:ext uri="{FF2B5EF4-FFF2-40B4-BE49-F238E27FC236}">
+                <a16:creationId xmlns:a16="http://schemas.microsoft.com/office/drawing/2014/main" id="{F7743C5C-698D-4555-AAA1-9E66C6727725}"/>
+              </a:ext>
+            </a:extLst>
+          </p:cNvPr>
+          <p:cNvSpPr/>
+          <p:nvPr/>
+        </p:nvSpPr>
+        <p:spPr>
+          <a:xfrm>
+            <a:off x="576130" y="5951668"/>
+            <a:ext cx="9522964" cy="369332"/>
+          </a:xfrm>
+          <a:prstGeom prst="rect">
+            <a:avLst/>
+          </a:prstGeom>
+        </p:spPr>
+        <p:txBody>
+          <a:bodyPr wrap="square">
+            <a:spAutoFit/>
+          </a:bodyPr>
+          <a:lstStyle/>
+          <a:p>
+            <a:r>
+              <a:rPr lang="en-US" dirty="0">
+                <a:hlinkClick r:id="rId17"/>
+              </a:rPr>
+              <a:t>https://academy.microsoft.com/en-us/professional-program/tracks/big-data/</a:t>
+            </a:r>
+            <a:r>
+              <a:rPr lang="en-US" dirty="0"/>
+              <a:t> </a:t>
+            </a:r>
+          </a:p>
+        </p:txBody>
+      </p:sp>
+      <p:cxnSp>
+        <p:nvCxnSpPr>
+          <p:cNvPr id="125" name="Elbow Connector 117">
+            <a:extLst>
+              <a:ext uri="{FF2B5EF4-FFF2-40B4-BE49-F238E27FC236}">
+                <a16:creationId xmlns:a16="http://schemas.microsoft.com/office/drawing/2014/main" id="{300AB888-F353-4BFF-8DED-7140A596EDBF}"/>
+              </a:ext>
+            </a:extLst>
+          </p:cNvPr>
+          <p:cNvCxnSpPr>
+            <a:cxnSpLocks/>
+          </p:cNvCxnSpPr>
+          <p:nvPr/>
+        </p:nvCxnSpPr>
+        <p:spPr>
+          <a:xfrm rot="10800000" flipV="1">
+            <a:off x="7224500" y="3738813"/>
+            <a:ext cx="438997" cy="686499"/>
+          </a:xfrm>
+          <a:prstGeom prst="bentConnector3">
+            <a:avLst>
+              <a:gd name="adj1" fmla="val 21180"/>
+            </a:avLst>
+          </a:prstGeom>
+          <a:ln w="28575">
+            <a:solidFill>
+              <a:srgbClr val="00B050"/>
+            </a:solidFill>
+          </a:ln>
+        </p:spPr>
+        <p:style>
+          <a:lnRef idx="1">
+            <a:schemeClr val="accent1"/>
+          </a:lnRef>
+          <a:fillRef idx="0">
+            <a:schemeClr val="accent1"/>
+          </a:fillRef>
+          <a:effectRef idx="0">
+            <a:schemeClr val="accent1"/>
+          </a:effectRef>
+          <a:fontRef idx="minor">
+            <a:schemeClr val="tx1"/>
+          </a:fontRef>
+        </p:style>
+      </p:cxnSp>
+    </p:spTree>
+    <p:extLst>
+      <p:ext uri="{BB962C8B-B14F-4D97-AF65-F5344CB8AC3E}">
+        <p14:creationId xmlns:p14="http://schemas.microsoft.com/office/powerpoint/2010/main" val="1223990388"/>
+      </p:ext>
+    </p:extLst>
+  </p:cSld>
+  <p:clrMapOvr>
+    <a:masterClrMapping/>
+  </p:clrMapOvr>
+</p:sld>
+</file>
+
+<file path=ppt/slides/slide22.xml><?xml version="1.0" encoding="utf-8"?>
+<p:sld xmlns:a="http://schemas.openxmlformats.org/drawingml/2006/main" xmlns:r="http://schemas.openxmlformats.org/officeDocument/2006/relationships" xmlns:p="http://schemas.openxmlformats.org/presentationml/2006/main">
+  <p:cSld>
+    <p:spTree>
+      <p:nvGrpSpPr>
+        <p:cNvPr id="1" name=""/>
+        <p:cNvGrpSpPr/>
+        <p:nvPr/>
+      </p:nvGrpSpPr>
+      <p:grpSpPr>
+        <a:xfrm>
+          <a:off x="0" y="0"/>
+          <a:ext cx="0" cy="0"/>
+          <a:chOff x="0" y="0"/>
+          <a:chExt cx="0" cy="0"/>
+        </a:xfrm>
+      </p:grpSpPr>
       <p:sp>
         <p:nvSpPr>
           <p:cNvPr id="4" name="Title 3">
@@ -38750,7 +47946,7 @@
 </p:sld>
 </file>
 
-<file path=ppt/slides/slide22.xml><?xml version="1.0" encoding="utf-8"?>
+<file path=ppt/slides/slide23.xml><?xml version="1.0" encoding="utf-8"?>
 <p:sld xmlns:a="http://schemas.openxmlformats.org/drawingml/2006/main" xmlns:r="http://schemas.openxmlformats.org/officeDocument/2006/relationships" xmlns:p="http://schemas.openxmlformats.org/presentationml/2006/main">
   <p:cSld>
     <p:spTree>
@@ -38856,7 +48052,7 @@
 </p:sld>
 </file>
 
-<file path=ppt/slides/slide23.xml><?xml version="1.0" encoding="utf-8"?>
+<file path=ppt/slides/slide24.xml><?xml version="1.0" encoding="utf-8"?>
 <p:sld xmlns:a="http://schemas.openxmlformats.org/drawingml/2006/main" xmlns:r="http://schemas.openxmlformats.org/officeDocument/2006/relationships" xmlns:p="http://schemas.openxmlformats.org/presentationml/2006/main">
   <p:cSld>
     <p:spTree>
@@ -43380,6 +52576,301 @@
 </file>
 
 <file path=ppt/theme/theme4.xml><?xml version="1.0" encoding="utf-8"?>
+<a:theme xmlns:a="http://schemas.openxmlformats.org/drawingml/2006/main" name="2_Office Theme">
+  <a:themeElements>
+    <a:clrScheme name="Office">
+      <a:dk1>
+        <a:sysClr val="windowText" lastClr="000000"/>
+      </a:dk1>
+      <a:lt1>
+        <a:sysClr val="window" lastClr="FFFFFF"/>
+      </a:lt1>
+      <a:dk2>
+        <a:srgbClr val="44546A"/>
+      </a:dk2>
+      <a:lt2>
+        <a:srgbClr val="E7E6E6"/>
+      </a:lt2>
+      <a:accent1>
+        <a:srgbClr val="5B9BD5"/>
+      </a:accent1>
+      <a:accent2>
+        <a:srgbClr val="ED7D31"/>
+      </a:accent2>
+      <a:accent3>
+        <a:srgbClr val="A5A5A5"/>
+      </a:accent3>
+      <a:accent4>
+        <a:srgbClr val="FFC000"/>
+      </a:accent4>
+      <a:accent5>
+        <a:srgbClr val="4472C4"/>
+      </a:accent5>
+      <a:accent6>
+        <a:srgbClr val="70AD47"/>
+      </a:accent6>
+      <a:hlink>
+        <a:srgbClr val="0563C1"/>
+      </a:hlink>
+      <a:folHlink>
+        <a:srgbClr val="954F72"/>
+      </a:folHlink>
+    </a:clrScheme>
+    <a:fontScheme name="Office">
+      <a:majorFont>
+        <a:latin typeface="Calibri Light" panose="020F0302020204030204"/>
+        <a:ea typeface=""/>
+        <a:cs typeface=""/>
+        <a:font script="Jpan" typeface="游ゴシック Light"/>
+        <a:font script="Hang" typeface="맑은 고딕"/>
+        <a:font script="Hans" typeface="等线 Light"/>
+        <a:font script="Hant" typeface="新細明體"/>
+        <a:font script="Arab" typeface="Times New Roman"/>
+        <a:font script="Hebr" typeface="Times New Roman"/>
+        <a:font script="Thai" typeface="Angsana New"/>
+        <a:font script="Ethi" typeface="Nyala"/>
+        <a:font script="Beng" typeface="Vrinda"/>
+        <a:font script="Gujr" typeface="Shruti"/>
+        <a:font script="Khmr" typeface="MoolBoran"/>
+        <a:font script="Knda" typeface="Tunga"/>
+        <a:font script="Guru" typeface="Raavi"/>
+        <a:font script="Cans" typeface="Euphemia"/>
+        <a:font script="Cher" typeface="Plantagenet Cherokee"/>
+        <a:font script="Yiii" typeface="Microsoft Yi Baiti"/>
+        <a:font script="Tibt" typeface="Microsoft Himalaya"/>
+        <a:font script="Thaa" typeface="MV Boli"/>
+        <a:font script="Deva" typeface="Mangal"/>
+        <a:font script="Telu" typeface="Gautami"/>
+        <a:font script="Taml" typeface="Latha"/>
+        <a:font script="Syrc" typeface="Estrangelo Edessa"/>
+        <a:font script="Orya" typeface="Kalinga"/>
+        <a:font script="Mlym" typeface="Kartika"/>
+        <a:font script="Laoo" typeface="DokChampa"/>
+        <a:font script="Sinh" typeface="Iskoola Pota"/>
+        <a:font script="Mong" typeface="Mongolian Baiti"/>
+        <a:font script="Viet" typeface="Times New Roman"/>
+        <a:font script="Uigh" typeface="Microsoft Uighur"/>
+        <a:font script="Geor" typeface="Sylfaen"/>
+        <a:font script="Armn" typeface="Arial"/>
+        <a:font script="Bugi" typeface="Leelawadee UI"/>
+        <a:font script="Bopo" typeface="Microsoft JhengHei"/>
+        <a:font script="Java" typeface="Javanese Text"/>
+        <a:font script="Lisu" typeface="Segoe UI"/>
+        <a:font script="Mymr" typeface="Myanmar Text"/>
+        <a:font script="Nkoo" typeface="Ebrima"/>
+        <a:font script="Olck" typeface="Nirmala UI"/>
+        <a:font script="Osma" typeface="Ebrima"/>
+        <a:font script="Phag" typeface="Phagspa"/>
+        <a:font script="Syrn" typeface="Estrangelo Edessa"/>
+        <a:font script="Syrj" typeface="Estrangelo Edessa"/>
+        <a:font script="Syre" typeface="Estrangelo Edessa"/>
+        <a:font script="Sora" typeface="Nirmala UI"/>
+        <a:font script="Tale" typeface="Microsoft Tai Le"/>
+        <a:font script="Talu" typeface="Microsoft New Tai Lue"/>
+        <a:font script="Tfng" typeface="Ebrima"/>
+      </a:majorFont>
+      <a:minorFont>
+        <a:latin typeface="Calibri" panose="020F0502020204030204"/>
+        <a:ea typeface=""/>
+        <a:cs typeface=""/>
+        <a:font script="Jpan" typeface="游ゴシック"/>
+        <a:font script="Hang" typeface="맑은 고딕"/>
+        <a:font script="Hans" typeface="等线"/>
+        <a:font script="Hant" typeface="新細明體"/>
+        <a:font script="Arab" typeface="Arial"/>
+        <a:font script="Hebr" typeface="Arial"/>
+        <a:font script="Thai" typeface="Cordia New"/>
+        <a:font script="Ethi" typeface="Nyala"/>
+        <a:font script="Beng" typeface="Vrinda"/>
+        <a:font script="Gujr" typeface="Shruti"/>
+        <a:font script="Khmr" typeface="DaunPenh"/>
+        <a:font script="Knda" typeface="Tunga"/>
+        <a:font script="Guru" typeface="Raavi"/>
+        <a:font script="Cans" typeface="Euphemia"/>
+        <a:font script="Cher" typeface="Plantagenet Cherokee"/>
+        <a:font script="Yiii" typeface="Microsoft Yi Baiti"/>
+        <a:font script="Tibt" typeface="Microsoft Himalaya"/>
+        <a:font script="Thaa" typeface="MV Boli"/>
+        <a:font script="Deva" typeface="Mangal"/>
+        <a:font script="Telu" typeface="Gautami"/>
+        <a:font script="Taml" typeface="Latha"/>
+        <a:font script="Syrc" typeface="Estrangelo Edessa"/>
+        <a:font script="Orya" typeface="Kalinga"/>
+        <a:font script="Mlym" typeface="Kartika"/>
+        <a:font script="Laoo" typeface="DokChampa"/>
+        <a:font script="Sinh" typeface="Iskoola Pota"/>
+        <a:font script="Mong" typeface="Mongolian Baiti"/>
+        <a:font script="Viet" typeface="Arial"/>
+        <a:font script="Uigh" typeface="Microsoft Uighur"/>
+        <a:font script="Geor" typeface="Sylfaen"/>
+        <a:font script="Armn" typeface="Arial"/>
+        <a:font script="Bugi" typeface="Leelawadee UI"/>
+        <a:font script="Bopo" typeface="Microsoft JhengHei"/>
+        <a:font script="Java" typeface="Javanese Text"/>
+        <a:font script="Lisu" typeface="Segoe UI"/>
+        <a:font script="Mymr" typeface="Myanmar Text"/>
+        <a:font script="Nkoo" typeface="Ebrima"/>
+        <a:font script="Olck" typeface="Nirmala UI"/>
+        <a:font script="Osma" typeface="Ebrima"/>
+        <a:font script="Phag" typeface="Phagspa"/>
+        <a:font script="Syrn" typeface="Estrangelo Edessa"/>
+        <a:font script="Syrj" typeface="Estrangelo Edessa"/>
+        <a:font script="Syre" typeface="Estrangelo Edessa"/>
+        <a:font script="Sora" typeface="Nirmala UI"/>
+        <a:font script="Tale" typeface="Microsoft Tai Le"/>
+        <a:font script="Talu" typeface="Microsoft New Tai Lue"/>
+        <a:font script="Tfng" typeface="Ebrima"/>
+      </a:minorFont>
+    </a:fontScheme>
+    <a:fmtScheme name="Office">
+      <a:fillStyleLst>
+        <a:solidFill>
+          <a:schemeClr val="phClr"/>
+        </a:solidFill>
+        <a:gradFill rotWithShape="1">
+          <a:gsLst>
+            <a:gs pos="0">
+              <a:schemeClr val="phClr">
+                <a:lumMod val="110000"/>
+                <a:satMod val="105000"/>
+                <a:tint val="67000"/>
+              </a:schemeClr>
+            </a:gs>
+            <a:gs pos="50000">
+              <a:schemeClr val="phClr">
+                <a:lumMod val="105000"/>
+                <a:satMod val="103000"/>
+                <a:tint val="73000"/>
+              </a:schemeClr>
+            </a:gs>
+            <a:gs pos="100000">
+              <a:schemeClr val="phClr">
+                <a:lumMod val="105000"/>
+                <a:satMod val="109000"/>
+                <a:tint val="81000"/>
+              </a:schemeClr>
+            </a:gs>
+          </a:gsLst>
+          <a:lin ang="5400000" scaled="0"/>
+        </a:gradFill>
+        <a:gradFill rotWithShape="1">
+          <a:gsLst>
+            <a:gs pos="0">
+              <a:schemeClr val="phClr">
+                <a:satMod val="103000"/>
+                <a:lumMod val="102000"/>
+                <a:tint val="94000"/>
+              </a:schemeClr>
+            </a:gs>
+            <a:gs pos="50000">
+              <a:schemeClr val="phClr">
+                <a:satMod val="110000"/>
+                <a:lumMod val="100000"/>
+                <a:shade val="100000"/>
+              </a:schemeClr>
+            </a:gs>
+            <a:gs pos="100000">
+              <a:schemeClr val="phClr">
+                <a:lumMod val="99000"/>
+                <a:satMod val="120000"/>
+                <a:shade val="78000"/>
+              </a:schemeClr>
+            </a:gs>
+          </a:gsLst>
+          <a:lin ang="5400000" scaled="0"/>
+        </a:gradFill>
+      </a:fillStyleLst>
+      <a:lnStyleLst>
+        <a:ln w="6350" cap="flat" cmpd="sng" algn="ctr">
+          <a:solidFill>
+            <a:schemeClr val="phClr"/>
+          </a:solidFill>
+          <a:prstDash val="solid"/>
+          <a:miter lim="800000"/>
+        </a:ln>
+        <a:ln w="12700" cap="flat" cmpd="sng" algn="ctr">
+          <a:solidFill>
+            <a:schemeClr val="phClr"/>
+          </a:solidFill>
+          <a:prstDash val="solid"/>
+          <a:miter lim="800000"/>
+        </a:ln>
+        <a:ln w="19050" cap="flat" cmpd="sng" algn="ctr">
+          <a:solidFill>
+            <a:schemeClr val="phClr"/>
+          </a:solidFill>
+          <a:prstDash val="solid"/>
+          <a:miter lim="800000"/>
+        </a:ln>
+      </a:lnStyleLst>
+      <a:effectStyleLst>
+        <a:effectStyle>
+          <a:effectLst/>
+        </a:effectStyle>
+        <a:effectStyle>
+          <a:effectLst/>
+        </a:effectStyle>
+        <a:effectStyle>
+          <a:effectLst>
+            <a:outerShdw blurRad="57150" dist="19050" dir="5400000" algn="ctr" rotWithShape="0">
+              <a:srgbClr val="000000">
+                <a:alpha val="63000"/>
+              </a:srgbClr>
+            </a:outerShdw>
+          </a:effectLst>
+        </a:effectStyle>
+      </a:effectStyleLst>
+      <a:bgFillStyleLst>
+        <a:solidFill>
+          <a:schemeClr val="phClr"/>
+        </a:solidFill>
+        <a:solidFill>
+          <a:schemeClr val="phClr">
+            <a:tint val="95000"/>
+            <a:satMod val="170000"/>
+          </a:schemeClr>
+        </a:solidFill>
+        <a:gradFill rotWithShape="1">
+          <a:gsLst>
+            <a:gs pos="0">
+              <a:schemeClr val="phClr">
+                <a:tint val="93000"/>
+                <a:satMod val="150000"/>
+                <a:shade val="98000"/>
+                <a:lumMod val="102000"/>
+              </a:schemeClr>
+            </a:gs>
+            <a:gs pos="50000">
+              <a:schemeClr val="phClr">
+                <a:tint val="98000"/>
+                <a:satMod val="130000"/>
+                <a:shade val="90000"/>
+                <a:lumMod val="103000"/>
+              </a:schemeClr>
+            </a:gs>
+            <a:gs pos="100000">
+              <a:schemeClr val="phClr">
+                <a:shade val="63000"/>
+                <a:satMod val="120000"/>
+              </a:schemeClr>
+            </a:gs>
+          </a:gsLst>
+          <a:lin ang="5400000" scaled="0"/>
+        </a:gradFill>
+      </a:bgFillStyleLst>
+    </a:fmtScheme>
+  </a:themeElements>
+  <a:objectDefaults/>
+  <a:extraClrSchemeLst/>
+  <a:extLst>
+    <a:ext uri="{05A4C25C-085E-4340-85A3-A5531E510DB2}">
+      <thm15:themeFamily xmlns:thm15="http://schemas.microsoft.com/office/thememl/2012/main" name="Office Theme" id="{62F939B6-93AF-4DB8-9C6B-D6C7DFDC589F}" vid="{4A3C46E8-61CC-4603-A589-7422A47A8E4A}"/>
+    </a:ext>
+  </a:extLst>
+</a:theme>
+</file>
+
+<file path=ppt/theme/theme5.xml><?xml version="1.0" encoding="utf-8"?>
 <a:theme xmlns:a="http://schemas.openxmlformats.org/drawingml/2006/main" name="Office Theme">
   <a:themeElements>
     <a:clrScheme name="Office">

--- a/NYC-Dec/Microsoft Certification 70-475 Intro.pptx
+++ b/NYC-Dec/Microsoft Certification 70-475 Intro.pptx
@@ -8,7 +8,7 @@
     <p:sldMasterId id="2147483698" r:id="rId4"/>
   </p:sldMasterIdLst>
   <p:notesMasterIdLst>
-    <p:notesMasterId r:id="rId29"/>
+    <p:notesMasterId r:id="rId30"/>
   </p:notesMasterIdLst>
   <p:sldIdLst>
     <p:sldId id="269" r:id="rId5"/>
@@ -32,9 +32,10 @@
     <p:sldId id="263" r:id="rId23"/>
     <p:sldId id="262" r:id="rId24"/>
     <p:sldId id="282" r:id="rId25"/>
-    <p:sldId id="279" r:id="rId26"/>
-    <p:sldId id="280" r:id="rId27"/>
-    <p:sldId id="281" r:id="rId28"/>
+    <p:sldId id="283" r:id="rId26"/>
+    <p:sldId id="279" r:id="rId27"/>
+    <p:sldId id="280" r:id="rId28"/>
+    <p:sldId id="281" r:id="rId29"/>
   </p:sldIdLst>
   <p:sldSz cx="12192000" cy="6858000"/>
   <p:notesSz cx="6858000" cy="9144000"/>
@@ -146,7 +147,7 @@
   <pc:docChgLst>
     <pc:chgData name="James Serra" userId="8ac5bb8964d8f761" providerId="LiveId" clId="{C6CF72FC-4332-4AC2-AFC3-466019215905}"/>
     <pc:docChg chg="undo custSel addSld delSld modSld sldOrd">
-      <pc:chgData name="James Serra" userId="8ac5bb8964d8f761" providerId="LiveId" clId="{C6CF72FC-4332-4AC2-AFC3-466019215905}" dt="2017-12-07T02:37:26.535" v="552" actId="20577"/>
+      <pc:chgData name="James Serra" userId="8ac5bb8964d8f761" providerId="LiveId" clId="{C6CF72FC-4332-4AC2-AFC3-466019215905}" dt="2017-12-07T15:13:46.393" v="583" actId="20577"/>
       <pc:docMkLst>
         <pc:docMk/>
       </pc:docMkLst>
@@ -173,17 +174,25 @@
         </pc:sldMkLst>
       </pc:sldChg>
       <pc:sldChg chg="modSp">
-        <pc:chgData name="James Serra" userId="8ac5bb8964d8f761" providerId="LiveId" clId="{C6CF72FC-4332-4AC2-AFC3-466019215905}" dt="2017-12-06T16:20:59.830" v="175" actId="20577"/>
+        <pc:chgData name="James Serra" userId="8ac5bb8964d8f761" providerId="LiveId" clId="{C6CF72FC-4332-4AC2-AFC3-466019215905}" dt="2017-12-07T15:13:46.393" v="583" actId="20577"/>
         <pc:sldMkLst>
           <pc:docMk/>
           <pc:sldMk cId="3624203492" sldId="262"/>
         </pc:sldMkLst>
         <pc:spChg chg="mod">
-          <ac:chgData name="James Serra" userId="8ac5bb8964d8f761" providerId="LiveId" clId="{C6CF72FC-4332-4AC2-AFC3-466019215905}" dt="2017-12-06T16:12:56.854" v="1" actId="20577"/>
+          <ac:chgData name="James Serra" userId="8ac5bb8964d8f761" providerId="LiveId" clId="{C6CF72FC-4332-4AC2-AFC3-466019215905}" dt="2017-12-07T15:13:35.882" v="577" actId="20577"/>
           <ac:spMkLst>
             <pc:docMk/>
             <pc:sldMk cId="3624203492" sldId="262"/>
             <ac:spMk id="57" creationId="{00000000-0000-0000-0000-000000000000}"/>
+          </ac:spMkLst>
+        </pc:spChg>
+        <pc:spChg chg="mod">
+          <ac:chgData name="James Serra" userId="8ac5bb8964d8f761" providerId="LiveId" clId="{C6CF72FC-4332-4AC2-AFC3-466019215905}" dt="2017-12-07T15:13:27.350" v="571" actId="20577"/>
+          <ac:spMkLst>
+            <pc:docMk/>
+            <pc:sldMk cId="3624203492" sldId="262"/>
+            <ac:spMk id="58" creationId="{00000000-0000-0000-0000-000000000000}"/>
           </ac:spMkLst>
         </pc:spChg>
         <pc:spChg chg="mod">
@@ -203,6 +212,14 @@
           </ac:spMkLst>
         </pc:spChg>
         <pc:spChg chg="mod">
+          <ac:chgData name="James Serra" userId="8ac5bb8964d8f761" providerId="LiveId" clId="{C6CF72FC-4332-4AC2-AFC3-466019215905}" dt="2017-12-07T15:13:46.393" v="583" actId="20577"/>
+          <ac:spMkLst>
+            <pc:docMk/>
+            <pc:sldMk cId="3624203492" sldId="262"/>
+            <ac:spMk id="70" creationId="{00000000-0000-0000-0000-000000000000}"/>
+          </ac:spMkLst>
+        </pc:spChg>
+        <pc:spChg chg="mod">
           <ac:chgData name="James Serra" userId="8ac5bb8964d8f761" providerId="LiveId" clId="{C6CF72FC-4332-4AC2-AFC3-466019215905}" dt="2017-12-06T16:20:59.830" v="175" actId="20577"/>
           <ac:spMkLst>
             <pc:docMk/>
@@ -211,8 +228,8 @@
           </ac:spMkLst>
         </pc:spChg>
       </pc:sldChg>
-      <pc:sldChg chg="add">
-        <pc:chgData name="James Serra" userId="8ac5bb8964d8f761" providerId="LiveId" clId="{C6CF72FC-4332-4AC2-AFC3-466019215905}" dt="2017-12-06T16:10:54.050" v="0" actId="20577"/>
+      <pc:sldChg chg="add modTransition">
+        <pc:chgData name="James Serra" userId="8ac5bb8964d8f761" providerId="LiveId" clId="{C6CF72FC-4332-4AC2-AFC3-466019215905}" dt="2017-12-07T14:29:16.978" v="566"/>
         <pc:sldMkLst>
           <pc:docMk/>
           <pc:sldMk cId="2561546715" sldId="263"/>
@@ -396,13 +413,13 @@
         </pc:sldMkLst>
       </pc:sldChg>
       <pc:sldChg chg="modSp add ord modTransition">
-        <pc:chgData name="James Serra" userId="8ac5bb8964d8f761" providerId="LiveId" clId="{C6CF72FC-4332-4AC2-AFC3-466019215905}" dt="2017-12-07T02:36:53.070" v="548"/>
+        <pc:chgData name="James Serra" userId="8ac5bb8964d8f761" providerId="LiveId" clId="{C6CF72FC-4332-4AC2-AFC3-466019215905}" dt="2017-12-07T14:18:35.102" v="557" actId="20577"/>
         <pc:sldMkLst>
           <pc:docMk/>
           <pc:sldMk cId="2966365304" sldId="279"/>
         </pc:sldMkLst>
         <pc:spChg chg="mod">
-          <ac:chgData name="James Serra" userId="8ac5bb8964d8f761" providerId="LiveId" clId="{C6CF72FC-4332-4AC2-AFC3-466019215905}" dt="2017-12-06T18:06:20.139" v="344" actId="20577"/>
+          <ac:chgData name="James Serra" userId="8ac5bb8964d8f761" providerId="LiveId" clId="{C6CF72FC-4332-4AC2-AFC3-466019215905}" dt="2017-12-07T14:18:35.102" v="557" actId="20577"/>
           <ac:spMkLst>
             <pc:docMk/>
             <pc:sldMk cId="2966365304" sldId="279"/>
@@ -516,7 +533,7 @@
           </ac:spMkLst>
         </pc:spChg>
         <pc:spChg chg="add del mod">
-          <ac:chgData name="James Serra" userId="8ac5bb8964d8f761" providerId="LiveId" clId="{C6CF72FC-4332-4AC2-AFC3-466019215905}" dt="2017-12-07T02:30:05.686" v="450"/>
+          <ac:chgData name="James Serra" userId="8ac5bb8964d8f761" providerId="LiveId" clId="{C6CF72FC-4332-4AC2-AFC3-466019215905}" dt="2017-12-07T02:30:05.686" v="450" actId="20577"/>
           <ac:spMkLst>
             <pc:docMk/>
             <pc:sldMk cId="1223990388" sldId="282"/>
@@ -1011,6 +1028,21 @@
           </ac:cxnSpMkLst>
         </pc:cxnChg>
       </pc:sldChg>
+      <pc:sldChg chg="modSp add">
+        <pc:chgData name="James Serra" userId="8ac5bb8964d8f761" providerId="LiveId" clId="{C6CF72FC-4332-4AC2-AFC3-466019215905}" dt="2017-12-07T14:22:14.612" v="565" actId="20577"/>
+        <pc:sldMkLst>
+          <pc:docMk/>
+          <pc:sldMk cId="2256524998" sldId="283"/>
+        </pc:sldMkLst>
+        <pc:spChg chg="mod">
+          <ac:chgData name="James Serra" userId="8ac5bb8964d8f761" providerId="LiveId" clId="{C6CF72FC-4332-4AC2-AFC3-466019215905}" dt="2017-12-07T14:22:14.612" v="565" actId="20577"/>
+          <ac:spMkLst>
+            <pc:docMk/>
+            <pc:sldMk cId="2256524998" sldId="283"/>
+            <ac:spMk id="3" creationId="{9BCF94D9-B83F-4B67-94C3-3EDB270269AC}"/>
+          </ac:spMkLst>
+        </pc:spChg>
+      </pc:sldChg>
       <pc:sldMasterChg chg="delSldLayout">
         <pc:chgData name="James Serra" userId="8ac5bb8964d8f761" providerId="LiveId" clId="{C6CF72FC-4332-4AC2-AFC3-466019215905}" dt="2017-12-06T16:44:04.383" v="312" actId="2696"/>
         <pc:sldMasterMkLst>
@@ -1113,7 +1145,7 @@
           <a:p>
             <a:fld id="{F6748D04-903E-4790-AD72-37240759B882}" type="datetimeFigureOut">
               <a:rPr lang="en-US" smtClean="0"/>
-              <a:t>12/6/2017</a:t>
+              <a:t>12/7/2017</a:t>
             </a:fld>
             <a:endParaRPr lang="en-US"/>
           </a:p>
@@ -1791,7 +1823,7 @@
                 <a:tabLst/>
                 <a:defRPr/>
               </a:pPr>
-              <a:t>12/6/2017 9:24 PM</a:t>
+              <a:t>12/7/2017 10:12 AM</a:t>
             </a:fld>
             <a:endParaRPr kumimoji="0" lang="en-US" sz="1200" b="0" i="0" u="none" strike="noStrike" kern="1200" cap="none" spc="0" normalizeH="0" baseline="0" noProof="0" dirty="0">
               <a:ln>
@@ -2149,7 +2181,7 @@
                 <a:tabLst/>
                 <a:defRPr/>
               </a:pPr>
-              <a:t>12/6/2017 9:24 PM</a:t>
+              <a:t>12/7/2017 10:12 AM</a:t>
             </a:fld>
             <a:endParaRPr kumimoji="0" lang="en-US" sz="1200" b="0" i="0" u="none" strike="noStrike" kern="1200" cap="none" spc="0" normalizeH="0" baseline="0" noProof="0" dirty="0">
               <a:ln>
@@ -2927,7 +2959,7 @@
                 <a:tabLst/>
                 <a:defRPr/>
               </a:pPr>
-              <a:t>12/6/2017 9:24 PM</a:t>
+              <a:t>12/7/2017 10:12 AM</a:t>
             </a:fld>
             <a:endParaRPr kumimoji="0" lang="en-US" sz="1200" b="0" i="0" u="none" strike="noStrike" kern="1200" cap="none" spc="0" normalizeH="0" baseline="0" noProof="0" dirty="0">
               <a:ln>
@@ -3823,7 +3855,7 @@
               <a:tabLst/>
               <a:defRPr/>
             </a:pPr>
-            <a:fld id="{F0D91679-3A69-4641-964F-5E8374DF41E6}" type="slidenum">
+            <a:fld id="{6F4359F3-A1DB-42F0-B895-2E4AB9AF34F1}" type="slidenum">
               <a:rPr kumimoji="0" lang="en-US" sz="1200" b="0" i="0" u="none" strike="noStrike" kern="1200" cap="none" spc="0" normalizeH="0" baseline="0" noProof="0" smtClean="0">
                 <a:ln>
                   <a:noFill/>
@@ -3877,7 +3909,7 @@
     </p:spTree>
     <p:extLst>
       <p:ext uri="{BB962C8B-B14F-4D97-AF65-F5344CB8AC3E}">
-        <p14:creationId xmlns:p14="http://schemas.microsoft.com/office/powerpoint/2010/main" val="1452392174"/>
+        <p14:creationId xmlns:p14="http://schemas.microsoft.com/office/powerpoint/2010/main" val="4039359016"/>
       </p:ext>
     </p:extLst>
   </p:cSld>
@@ -3950,18 +3982,78 @@
           <a:bodyPr/>
           <a:lstStyle/>
           <a:p>
-            <a:fld id="{6F4359F3-A1DB-42F0-B895-2E4AB9AF34F1}" type="slidenum">
-              <a:rPr lang="en-US" smtClean="0"/>
+            <a:pPr marL="0" marR="0" lvl="0" indent="0" algn="r" defTabSz="914400" rtl="0" eaLnBrk="1" fontAlgn="auto" latinLnBrk="0" hangingPunct="1">
+              <a:lnSpc>
+                <a:spcPct val="100000"/>
+              </a:lnSpc>
+              <a:spcBef>
+                <a:spcPts val="0"/>
+              </a:spcBef>
+              <a:spcAft>
+                <a:spcPts val="0"/>
+              </a:spcAft>
+              <a:buClrTx/>
+              <a:buSzTx/>
+              <a:buFontTx/>
+              <a:buNone/>
+              <a:tabLst/>
+              <a:defRPr/>
+            </a:pPr>
+            <a:fld id="{F0D91679-3A69-4641-964F-5E8374DF41E6}" type="slidenum">
+              <a:rPr kumimoji="0" lang="en-US" sz="1200" b="0" i="0" u="none" strike="noStrike" kern="1200" cap="none" spc="0" normalizeH="0" baseline="0" noProof="0" smtClean="0">
+                <a:ln>
+                  <a:noFill/>
+                </a:ln>
+                <a:solidFill>
+                  <a:prstClr val="black"/>
+                </a:solidFill>
+                <a:effectLst/>
+                <a:uLnTx/>
+                <a:uFillTx/>
+                <a:latin typeface="Calibri" panose="020F0502020204030204"/>
+                <a:ea typeface="+mn-ea"/>
+                <a:cs typeface="+mn-cs"/>
+              </a:rPr>
+              <a:pPr marL="0" marR="0" lvl="0" indent="0" algn="r" defTabSz="914400" rtl="0" eaLnBrk="1" fontAlgn="auto" latinLnBrk="0" hangingPunct="1">
+                <a:lnSpc>
+                  <a:spcPct val="100000"/>
+                </a:lnSpc>
+                <a:spcBef>
+                  <a:spcPts val="0"/>
+                </a:spcBef>
+                <a:spcAft>
+                  <a:spcPts val="0"/>
+                </a:spcAft>
+                <a:buClrTx/>
+                <a:buSzTx/>
+                <a:buFontTx/>
+                <a:buNone/>
+                <a:tabLst/>
+                <a:defRPr/>
+              </a:pPr>
               <a:t>23</a:t>
             </a:fld>
-            <a:endParaRPr lang="en-US"/>
+            <a:endParaRPr kumimoji="0" lang="en-US" sz="1200" b="0" i="0" u="none" strike="noStrike" kern="1200" cap="none" spc="0" normalizeH="0" baseline="0" noProof="0">
+              <a:ln>
+                <a:noFill/>
+              </a:ln>
+              <a:solidFill>
+                <a:prstClr val="black"/>
+              </a:solidFill>
+              <a:effectLst/>
+              <a:uLnTx/>
+              <a:uFillTx/>
+              <a:latin typeface="Calibri" panose="020F0502020204030204"/>
+              <a:ea typeface="+mn-ea"/>
+              <a:cs typeface="+mn-cs"/>
+            </a:endParaRPr>
           </a:p>
         </p:txBody>
       </p:sp>
     </p:spTree>
     <p:extLst>
       <p:ext uri="{BB962C8B-B14F-4D97-AF65-F5344CB8AC3E}">
-        <p14:creationId xmlns:p14="http://schemas.microsoft.com/office/powerpoint/2010/main" val="1369916335"/>
+        <p14:creationId xmlns:p14="http://schemas.microsoft.com/office/powerpoint/2010/main" val="1452392174"/>
       </p:ext>
     </p:extLst>
   </p:cSld>
@@ -4037,6 +4129,90 @@
             <a:fld id="{6F4359F3-A1DB-42F0-B895-2E4AB9AF34F1}" type="slidenum">
               <a:rPr lang="en-US" smtClean="0"/>
               <a:t>24</a:t>
+            </a:fld>
+            <a:endParaRPr lang="en-US"/>
+          </a:p>
+        </p:txBody>
+      </p:sp>
+    </p:spTree>
+    <p:extLst>
+      <p:ext uri="{BB962C8B-B14F-4D97-AF65-F5344CB8AC3E}">
+        <p14:creationId xmlns:p14="http://schemas.microsoft.com/office/powerpoint/2010/main" val="1369916335"/>
+      </p:ext>
+    </p:extLst>
+  </p:cSld>
+  <p:clrMapOvr>
+    <a:masterClrMapping/>
+  </p:clrMapOvr>
+</p:notes>
+</file>
+
+<file path=ppt/notesSlides/notesSlide25.xml><?xml version="1.0" encoding="utf-8"?>
+<p:notes xmlns:a="http://schemas.openxmlformats.org/drawingml/2006/main" xmlns:r="http://schemas.openxmlformats.org/officeDocument/2006/relationships" xmlns:p="http://schemas.openxmlformats.org/presentationml/2006/main">
+  <p:cSld>
+    <p:spTree>
+      <p:nvGrpSpPr>
+        <p:cNvPr id="1" name=""/>
+        <p:cNvGrpSpPr/>
+        <p:nvPr/>
+      </p:nvGrpSpPr>
+      <p:grpSpPr>
+        <a:xfrm>
+          <a:off x="0" y="0"/>
+          <a:ext cx="0" cy="0"/>
+          <a:chOff x="0" y="0"/>
+          <a:chExt cx="0" cy="0"/>
+        </a:xfrm>
+      </p:grpSpPr>
+      <p:sp>
+        <p:nvSpPr>
+          <p:cNvPr id="2" name="Slide Image Placeholder 1"/>
+          <p:cNvSpPr>
+            <a:spLocks noGrp="1" noRot="1" noChangeAspect="1"/>
+          </p:cNvSpPr>
+          <p:nvPr>
+            <p:ph type="sldImg"/>
+          </p:nvPr>
+        </p:nvSpPr>
+        <p:spPr/>
+      </p:sp>
+      <p:sp>
+        <p:nvSpPr>
+          <p:cNvPr id="3" name="Notes Placeholder 2"/>
+          <p:cNvSpPr>
+            <a:spLocks noGrp="1"/>
+          </p:cNvSpPr>
+          <p:nvPr>
+            <p:ph type="body" idx="1"/>
+          </p:nvPr>
+        </p:nvSpPr>
+        <p:spPr/>
+        <p:txBody>
+          <a:bodyPr/>
+          <a:lstStyle/>
+          <a:p>
+            <a:endParaRPr lang="en-US"/>
+          </a:p>
+        </p:txBody>
+      </p:sp>
+      <p:sp>
+        <p:nvSpPr>
+          <p:cNvPr id="4" name="Slide Number Placeholder 3"/>
+          <p:cNvSpPr>
+            <a:spLocks noGrp="1"/>
+          </p:cNvSpPr>
+          <p:nvPr>
+            <p:ph type="sldNum" sz="quarter" idx="10"/>
+          </p:nvPr>
+        </p:nvSpPr>
+        <p:spPr/>
+        <p:txBody>
+          <a:bodyPr/>
+          <a:lstStyle/>
+          <a:p>
+            <a:fld id="{6F4359F3-A1DB-42F0-B895-2E4AB9AF34F1}" type="slidenum">
+              <a:rPr lang="en-US" smtClean="0"/>
+              <a:t>25</a:t>
             </a:fld>
             <a:endParaRPr lang="en-US"/>
           </a:p>
@@ -5049,7 +5225,7 @@
                 <a:tabLst/>
                 <a:defRPr/>
               </a:pPr>
-              <a:t>12/6/2017</a:t>
+              <a:t>12/7/2017</a:t>
             </a:fld>
             <a:endParaRPr kumimoji="0" lang="en-US" sz="1200" b="0" i="0" u="none" strike="noStrike" kern="1200" cap="none" spc="0" normalizeH="0" baseline="0" noProof="0" dirty="0">
               <a:ln>
@@ -9462,7 +9638,7 @@
           <a:p>
             <a:fld id="{C093B9F9-3668-4248-BC3B-A7F41B8EEB64}" type="datetimeFigureOut">
               <a:rPr lang="en-US" smtClean="0"/>
-              <a:t>12/6/2017</a:t>
+              <a:t>12/7/2017</a:t>
             </a:fld>
             <a:endParaRPr lang="en-US"/>
           </a:p>
@@ -9630,7 +9806,7 @@
           <a:p>
             <a:fld id="{C093B9F9-3668-4248-BC3B-A7F41B8EEB64}" type="datetimeFigureOut">
               <a:rPr lang="en-US" smtClean="0"/>
-              <a:t>12/6/2017</a:t>
+              <a:t>12/7/2017</a:t>
             </a:fld>
             <a:endParaRPr lang="en-US"/>
           </a:p>
@@ -9875,7 +10051,7 @@
           <a:p>
             <a:fld id="{C093B9F9-3668-4248-BC3B-A7F41B8EEB64}" type="datetimeFigureOut">
               <a:rPr lang="en-US" smtClean="0"/>
-              <a:t>12/6/2017</a:t>
+              <a:t>12/7/2017</a:t>
             </a:fld>
             <a:endParaRPr lang="en-US"/>
           </a:p>
@@ -10104,7 +10280,7 @@
           <a:p>
             <a:fld id="{C093B9F9-3668-4248-BC3B-A7F41B8EEB64}" type="datetimeFigureOut">
               <a:rPr lang="en-US" smtClean="0"/>
-              <a:t>12/6/2017</a:t>
+              <a:t>12/7/2017</a:t>
             </a:fld>
             <a:endParaRPr lang="en-US"/>
           </a:p>
@@ -10468,7 +10644,7 @@
           <a:p>
             <a:fld id="{C093B9F9-3668-4248-BC3B-A7F41B8EEB64}" type="datetimeFigureOut">
               <a:rPr lang="en-US" smtClean="0"/>
-              <a:t>12/6/2017</a:t>
+              <a:t>12/7/2017</a:t>
             </a:fld>
             <a:endParaRPr lang="en-US"/>
           </a:p>
@@ -10585,7 +10761,7 @@
           <a:p>
             <a:fld id="{C093B9F9-3668-4248-BC3B-A7F41B8EEB64}" type="datetimeFigureOut">
               <a:rPr lang="en-US" smtClean="0"/>
-              <a:t>12/6/2017</a:t>
+              <a:t>12/7/2017</a:t>
             </a:fld>
             <a:endParaRPr lang="en-US"/>
           </a:p>
@@ -10680,7 +10856,7 @@
           <a:p>
             <a:fld id="{C093B9F9-3668-4248-BC3B-A7F41B8EEB64}" type="datetimeFigureOut">
               <a:rPr lang="en-US" smtClean="0"/>
-              <a:t>12/6/2017</a:t>
+              <a:t>12/7/2017</a:t>
             </a:fld>
             <a:endParaRPr lang="en-US"/>
           </a:p>
@@ -10955,7 +11131,7 @@
           <a:p>
             <a:fld id="{C093B9F9-3668-4248-BC3B-A7F41B8EEB64}" type="datetimeFigureOut">
               <a:rPr lang="en-US" smtClean="0"/>
-              <a:t>12/6/2017</a:t>
+              <a:t>12/7/2017</a:t>
             </a:fld>
             <a:endParaRPr lang="en-US"/>
           </a:p>
@@ -11207,7 +11383,7 @@
           <a:p>
             <a:fld id="{C093B9F9-3668-4248-BC3B-A7F41B8EEB64}" type="datetimeFigureOut">
               <a:rPr lang="en-US" smtClean="0"/>
-              <a:t>12/6/2017</a:t>
+              <a:t>12/7/2017</a:t>
             </a:fld>
             <a:endParaRPr lang="en-US"/>
           </a:p>
@@ -11375,7 +11551,7 @@
           <a:p>
             <a:fld id="{C093B9F9-3668-4248-BC3B-A7F41B8EEB64}" type="datetimeFigureOut">
               <a:rPr lang="en-US" smtClean="0"/>
-              <a:t>12/6/2017</a:t>
+              <a:t>12/7/2017</a:t>
             </a:fld>
             <a:endParaRPr lang="en-US"/>
           </a:p>
@@ -12109,7 +12285,7 @@
           <a:p>
             <a:fld id="{C093B9F9-3668-4248-BC3B-A7F41B8EEB64}" type="datetimeFigureOut">
               <a:rPr lang="en-US" smtClean="0"/>
-              <a:t>12/6/2017</a:t>
+              <a:t>12/7/2017</a:t>
             </a:fld>
             <a:endParaRPr lang="en-US"/>
           </a:p>
@@ -14476,7 +14652,7 @@
           <a:p>
             <a:fld id="{73999C92-B6DA-4CCE-AA75-2126A9BA288D}" type="datetimeFigureOut">
               <a:rPr lang="en-US" smtClean="0"/>
-              <a:t>12/6/2017</a:t>
+              <a:t>12/7/2017</a:t>
             </a:fld>
             <a:endParaRPr lang="en-US"/>
           </a:p>
@@ -14644,7 +14820,7 @@
           <a:p>
             <a:fld id="{73999C92-B6DA-4CCE-AA75-2126A9BA288D}" type="datetimeFigureOut">
               <a:rPr lang="en-US" smtClean="0"/>
-              <a:t>12/6/2017</a:t>
+              <a:t>12/7/2017</a:t>
             </a:fld>
             <a:endParaRPr lang="en-US"/>
           </a:p>
@@ -14889,7 +15065,7 @@
           <a:p>
             <a:fld id="{73999C92-B6DA-4CCE-AA75-2126A9BA288D}" type="datetimeFigureOut">
               <a:rPr lang="en-US" smtClean="0"/>
-              <a:t>12/6/2017</a:t>
+              <a:t>12/7/2017</a:t>
             </a:fld>
             <a:endParaRPr lang="en-US"/>
           </a:p>
@@ -15118,7 +15294,7 @@
           <a:p>
             <a:fld id="{73999C92-B6DA-4CCE-AA75-2126A9BA288D}" type="datetimeFigureOut">
               <a:rPr lang="en-US" smtClean="0"/>
-              <a:t>12/6/2017</a:t>
+              <a:t>12/7/2017</a:t>
             </a:fld>
             <a:endParaRPr lang="en-US"/>
           </a:p>
@@ -15759,7 +15935,7 @@
           <a:p>
             <a:fld id="{73999C92-B6DA-4CCE-AA75-2126A9BA288D}" type="datetimeFigureOut">
               <a:rPr lang="en-US" smtClean="0"/>
-              <a:t>12/6/2017</a:t>
+              <a:t>12/7/2017</a:t>
             </a:fld>
             <a:endParaRPr lang="en-US"/>
           </a:p>
@@ -15876,7 +16052,7 @@
           <a:p>
             <a:fld id="{73999C92-B6DA-4CCE-AA75-2126A9BA288D}" type="datetimeFigureOut">
               <a:rPr lang="en-US" smtClean="0"/>
-              <a:t>12/6/2017</a:t>
+              <a:t>12/7/2017</a:t>
             </a:fld>
             <a:endParaRPr lang="en-US"/>
           </a:p>
@@ -15971,7 +16147,7 @@
           <a:p>
             <a:fld id="{73999C92-B6DA-4CCE-AA75-2126A9BA288D}" type="datetimeFigureOut">
               <a:rPr lang="en-US" smtClean="0"/>
-              <a:t>12/6/2017</a:t>
+              <a:t>12/7/2017</a:t>
             </a:fld>
             <a:endParaRPr lang="en-US"/>
           </a:p>
@@ -16246,7 +16422,7 @@
           <a:p>
             <a:fld id="{73999C92-B6DA-4CCE-AA75-2126A9BA288D}" type="datetimeFigureOut">
               <a:rPr lang="en-US" smtClean="0"/>
-              <a:t>12/6/2017</a:t>
+              <a:t>12/7/2017</a:t>
             </a:fld>
             <a:endParaRPr lang="en-US"/>
           </a:p>
@@ -16498,7 +16674,7 @@
           <a:p>
             <a:fld id="{73999C92-B6DA-4CCE-AA75-2126A9BA288D}" type="datetimeFigureOut">
               <a:rPr lang="en-US" smtClean="0"/>
-              <a:t>12/6/2017</a:t>
+              <a:t>12/7/2017</a:t>
             </a:fld>
             <a:endParaRPr lang="en-US"/>
           </a:p>
@@ -16666,7 +16842,7 @@
           <a:p>
             <a:fld id="{73999C92-B6DA-4CCE-AA75-2126A9BA288D}" type="datetimeFigureOut">
               <a:rPr lang="en-US" smtClean="0"/>
-              <a:t>12/6/2017</a:t>
+              <a:t>12/7/2017</a:t>
             </a:fld>
             <a:endParaRPr lang="en-US"/>
           </a:p>
@@ -16844,7 +17020,7 @@
           <a:p>
             <a:fld id="{73999C92-B6DA-4CCE-AA75-2126A9BA288D}" type="datetimeFigureOut">
               <a:rPr lang="en-US" smtClean="0"/>
-              <a:t>12/6/2017</a:t>
+              <a:t>12/7/2017</a:t>
             </a:fld>
             <a:endParaRPr lang="en-US"/>
           </a:p>
@@ -19520,7 +19696,7 @@
           <a:p>
             <a:fld id="{C093B9F9-3668-4248-BC3B-A7F41B8EEB64}" type="datetimeFigureOut">
               <a:rPr lang="en-US" smtClean="0"/>
-              <a:t>12/6/2017</a:t>
+              <a:t>12/7/2017</a:t>
             </a:fld>
             <a:endParaRPr lang="en-US"/>
           </a:p>
@@ -20109,7 +20285,7 @@
                 <a:tabLst/>
                 <a:defRPr/>
               </a:pPr>
-              <a:t>12/6/2017</a:t>
+              <a:t>12/7/2017</a:t>
             </a:fld>
             <a:endParaRPr kumimoji="0" lang="en-US" sz="1200" b="0" i="0" u="none" strike="noStrike" kern="1200" cap="none" spc="0" normalizeH="0" baseline="0" noProof="0" dirty="0">
               <a:ln>
@@ -20752,7 +20928,7 @@
           <a:p>
             <a:fld id="{73999C92-B6DA-4CCE-AA75-2126A9BA288D}" type="datetimeFigureOut">
               <a:rPr lang="en-US" smtClean="0"/>
-              <a:t>12/6/2017</a:t>
+              <a:t>12/7/2017</a:t>
             </a:fld>
             <a:endParaRPr lang="en-US"/>
           </a:p>
@@ -32498,7 +32674,7 @@
 </file>
 
 <file path=ppt/slides/slide19.xml><?xml version="1.0" encoding="utf-8"?>
-<p:sld xmlns:a="http://schemas.openxmlformats.org/drawingml/2006/main" xmlns:r="http://schemas.openxmlformats.org/officeDocument/2006/relationships" xmlns:p="http://schemas.openxmlformats.org/presentationml/2006/main">
+<p:sld xmlns:a="http://schemas.openxmlformats.org/drawingml/2006/main" xmlns:r="http://schemas.openxmlformats.org/officeDocument/2006/relationships" xmlns:p="http://schemas.openxmlformats.org/presentationml/2006/main" show="0">
   <p:cSld>
     <p:spTree>
       <p:nvGrpSpPr>
@@ -40413,7 +40589,7 @@
         <p:spPr>
           <a:xfrm>
             <a:off x="5120665" y="3750197"/>
-            <a:ext cx="1839986" cy="307733"/>
+            <a:ext cx="1941237" cy="307777"/>
           </a:xfrm>
           <a:prstGeom prst="rect">
             <a:avLst/>
@@ -40458,7 +40634,7 @@
                 <a:latin typeface="Segoe UI" panose="020B0502040204020203" pitchFamily="34" charset="0"/>
                 <a:cs typeface="Segoe UI" panose="020B0502040204020203" pitchFamily="34" charset="0"/>
               </a:rPr>
-              <a:t>with Azure Machine Learning</a:t>
+              <a:t>with Azure Machine Learning (new)</a:t>
             </a:r>
           </a:p>
         </p:txBody>
@@ -40517,7 +40693,7 @@
                 <a:latin typeface="Segoe UI" panose="020B0502040204020203" pitchFamily="34" charset="0"/>
                 <a:cs typeface="Segoe UI" panose="020B0502040204020203" pitchFamily="34" charset="0"/>
               </a:rPr>
-              <a:t>with Microsoft R </a:t>
+              <a:t>with Microsoft R (new)</a:t>
             </a:r>
           </a:p>
         </p:txBody>
@@ -41405,7 +41581,7 @@
                 <a:latin typeface="Segoe UI" panose="020B0502040204020203" pitchFamily="34" charset="0"/>
                 <a:cs typeface="Segoe UI" panose="020B0502040204020203" pitchFamily="34" charset="0"/>
               </a:rPr>
-              <a:t>HD Insight</a:t>
+              <a:t>HD Insight (new)</a:t>
             </a:r>
           </a:p>
         </p:txBody>
@@ -47799,6 +47975,133 @@
       </p:grpSpPr>
       <p:sp>
         <p:nvSpPr>
+          <p:cNvPr id="2" name="Title 1">
+            <a:extLst>
+              <a:ext uri="{FF2B5EF4-FFF2-40B4-BE49-F238E27FC236}">
+                <a16:creationId xmlns:a16="http://schemas.microsoft.com/office/drawing/2014/main" id="{0CD47D3A-7EFB-4FC5-A9A6-10D81D900729}"/>
+              </a:ext>
+            </a:extLst>
+          </p:cNvPr>
+          <p:cNvSpPr>
+            <a:spLocks noGrp="1"/>
+          </p:cNvSpPr>
+          <p:nvPr>
+            <p:ph type="title"/>
+          </p:nvPr>
+        </p:nvSpPr>
+        <p:spPr/>
+        <p:txBody>
+          <a:bodyPr/>
+          <a:lstStyle/>
+          <a:p>
+            <a:r>
+              <a:rPr lang="en-US" dirty="0"/>
+              <a:t>Azure Account</a:t>
+            </a:r>
+          </a:p>
+        </p:txBody>
+      </p:sp>
+      <p:sp>
+        <p:nvSpPr>
+          <p:cNvPr id="3" name="Content Placeholder 2">
+            <a:extLst>
+              <a:ext uri="{FF2B5EF4-FFF2-40B4-BE49-F238E27FC236}">
+                <a16:creationId xmlns:a16="http://schemas.microsoft.com/office/drawing/2014/main" id="{9BCF94D9-B83F-4B67-94C3-3EDB270269AC}"/>
+              </a:ext>
+            </a:extLst>
+          </p:cNvPr>
+          <p:cNvSpPr>
+            <a:spLocks noGrp="1"/>
+          </p:cNvSpPr>
+          <p:nvPr>
+            <p:ph idx="1"/>
+          </p:nvPr>
+        </p:nvSpPr>
+        <p:spPr/>
+        <p:txBody>
+          <a:bodyPr/>
+          <a:lstStyle/>
+          <a:p>
+            <a:r>
+              <a:rPr lang="en-US" dirty="0"/>
+              <a:t>You will need a Microsoft Azure account</a:t>
+            </a:r>
+          </a:p>
+          <a:p>
+            <a:r>
+              <a:rPr lang="en-US" dirty="0"/>
+              <a:t>You can use a production Azure account if you are able to create objects</a:t>
+            </a:r>
+          </a:p>
+          <a:p>
+            <a:r>
+              <a:rPr lang="en-US" dirty="0"/>
+              <a:t>You can also use your Microsoft Developer Network (MSDN) account (if you have one) to complete this workshop</a:t>
+            </a:r>
+          </a:p>
+          <a:p>
+            <a:r>
+              <a:rPr lang="en-US" dirty="0"/>
+              <a:t>If you don’t have access to a corporate or MSDN account: Create a free account </a:t>
+            </a:r>
+            <a:r>
+              <a:rPr lang="en-US" dirty="0">
+                <a:hlinkClick r:id="rId3"/>
+              </a:rPr>
+              <a:t>using this process</a:t>
+            </a:r>
+            <a:r>
+              <a:rPr lang="en-US" dirty="0"/>
+              <a:t> (</a:t>
+            </a:r>
+            <a:r>
+              <a:rPr lang="en-US" dirty="0">
+                <a:hlinkClick r:id="rId4"/>
+              </a:rPr>
+              <a:t>http://azure.microsoft.com/free</a:t>
+            </a:r>
+            <a:r>
+              <a:rPr lang="en-US" dirty="0"/>
+              <a:t>)</a:t>
+            </a:r>
+          </a:p>
+          <a:p>
+            <a:endParaRPr lang="en-US" dirty="0"/>
+          </a:p>
+        </p:txBody>
+      </p:sp>
+    </p:spTree>
+    <p:extLst>
+      <p:ext uri="{BB962C8B-B14F-4D97-AF65-F5344CB8AC3E}">
+        <p14:creationId xmlns:p14="http://schemas.microsoft.com/office/powerpoint/2010/main" val="2256524998"/>
+      </p:ext>
+    </p:extLst>
+  </p:cSld>
+  <p:clrMapOvr>
+    <a:masterClrMapping/>
+  </p:clrMapOvr>
+</p:sld>
+</file>
+
+<file path=ppt/slides/slide23.xml><?xml version="1.0" encoding="utf-8"?>
+<p:sld xmlns:a="http://schemas.openxmlformats.org/drawingml/2006/main" xmlns:r="http://schemas.openxmlformats.org/officeDocument/2006/relationships" xmlns:p="http://schemas.openxmlformats.org/presentationml/2006/main">
+  <p:cSld>
+    <p:spTree>
+      <p:nvGrpSpPr>
+        <p:cNvPr id="1" name=""/>
+        <p:cNvGrpSpPr/>
+        <p:nvPr/>
+      </p:nvGrpSpPr>
+      <p:grpSpPr>
+        <a:xfrm>
+          <a:off x="0" y="0"/>
+          <a:ext cx="0" cy="0"/>
+          <a:chOff x="0" y="0"/>
+          <a:chExt cx="0" cy="0"/>
+        </a:xfrm>
+      </p:grpSpPr>
+      <p:sp>
+        <p:nvSpPr>
           <p:cNvPr id="4" name="Title 3">
             <a:extLst>
               <a:ext uri="{FF2B5EF4-FFF2-40B4-BE49-F238E27FC236}">
@@ -47820,7 +48123,7 @@
           <a:p>
             <a:r>
               <a:rPr lang="en-US" dirty="0"/>
-              <a:t>Azure Subscription</a:t>
+              <a:t>Free Azure Subscription</a:t>
             </a:r>
           </a:p>
         </p:txBody>
@@ -47946,7 +48249,7 @@
 </p:sld>
 </file>
 
-<file path=ppt/slides/slide23.xml><?xml version="1.0" encoding="utf-8"?>
+<file path=ppt/slides/slide24.xml><?xml version="1.0" encoding="utf-8"?>
 <p:sld xmlns:a="http://schemas.openxmlformats.org/drawingml/2006/main" xmlns:r="http://schemas.openxmlformats.org/officeDocument/2006/relationships" xmlns:p="http://schemas.openxmlformats.org/presentationml/2006/main">
   <p:cSld>
     <p:spTree>
@@ -48052,7 +48355,7 @@
 </p:sld>
 </file>
 
-<file path=ppt/slides/slide24.xml><?xml version="1.0" encoding="utf-8"?>
+<file path=ppt/slides/slide25.xml><?xml version="1.0" encoding="utf-8"?>
 <p:sld xmlns:a="http://schemas.openxmlformats.org/drawingml/2006/main" xmlns:r="http://schemas.openxmlformats.org/officeDocument/2006/relationships" xmlns:p="http://schemas.openxmlformats.org/presentationml/2006/main">
   <p:cSld>
     <p:spTree>
